--- a/ATAI_Presentation ILASP.pptx
+++ b/ATAI_Presentation ILASP.pptx
@@ -17,10 +17,10 @@
     <p:sldId id="275" r:id="rId11"/>
     <p:sldId id="276" r:id="rId12"/>
     <p:sldId id="277" r:id="rId13"/>
-    <p:sldId id="269" r:id="rId14"/>
-    <p:sldId id="265" r:id="rId15"/>
-    <p:sldId id="273" r:id="rId16"/>
-    <p:sldId id="271" r:id="rId17"/>
+    <p:sldId id="278" r:id="rId14"/>
+    <p:sldId id="279" r:id="rId15"/>
+    <p:sldId id="280" r:id="rId16"/>
+    <p:sldId id="281" r:id="rId17"/>
     <p:sldId id="272" r:id="rId18"/>
   </p:sldIdLst>
   <p:sldSz cx="12192000" cy="6858000"/>
@@ -878,6 +878,788 @@
   <dgm:styleLbl name="fgShp">
     <dgm:fillClrLst meth="repeat">
       <a:schemeClr val="accent2">
+        <a:tint val="40000"/>
+      </a:schemeClr>
+    </dgm:fillClrLst>
+    <dgm:linClrLst meth="repeat">
+      <a:schemeClr val="lt1"/>
+    </dgm:linClrLst>
+    <dgm:effectClrLst/>
+    <dgm:txLinClrLst/>
+    <dgm:txFillClrLst meth="repeat">
+      <a:schemeClr val="dk1"/>
+    </dgm:txFillClrLst>
+    <dgm:txEffectClrLst/>
+  </dgm:styleLbl>
+  <dgm:styleLbl name="revTx">
+    <dgm:fillClrLst meth="repeat">
+      <a:schemeClr val="lt1">
+        <a:alpha val="0"/>
+      </a:schemeClr>
+    </dgm:fillClrLst>
+    <dgm:linClrLst meth="repeat">
+      <a:schemeClr val="dk1">
+        <a:alpha val="0"/>
+      </a:schemeClr>
+    </dgm:linClrLst>
+    <dgm:effectClrLst/>
+    <dgm:txLinClrLst/>
+    <dgm:txFillClrLst meth="repeat">
+      <a:schemeClr val="tx1"/>
+    </dgm:txFillClrLst>
+    <dgm:txEffectClrLst/>
+  </dgm:styleLbl>
+</dgm:colorsDef>
+</file>
+
+<file path=ppt/diagrams/colors2.xml><?xml version="1.0" encoding="utf-8"?>
+<dgm:colorsDef xmlns:dgm="http://schemas.openxmlformats.org/drawingml/2006/diagram" xmlns:a="http://schemas.openxmlformats.org/drawingml/2006/main" uniqueId="urn:microsoft.com/office/officeart/2005/8/colors/colorful5">
+  <dgm:title val=""/>
+  <dgm:desc val=""/>
+  <dgm:catLst>
+    <dgm:cat type="colorful" pri="10500"/>
+  </dgm:catLst>
+  <dgm:styleLbl name="node0">
+    <dgm:fillClrLst meth="repeat">
+      <a:schemeClr val="accent4"/>
+    </dgm:fillClrLst>
+    <dgm:linClrLst meth="repeat">
+      <a:schemeClr val="lt1"/>
+    </dgm:linClrLst>
+    <dgm:effectClrLst/>
+    <dgm:txLinClrLst/>
+    <dgm:txFillClrLst/>
+    <dgm:txEffectClrLst/>
+  </dgm:styleLbl>
+  <dgm:styleLbl name="node1">
+    <dgm:fillClrLst>
+      <a:schemeClr val="accent5"/>
+      <a:schemeClr val="accent6"/>
+    </dgm:fillClrLst>
+    <dgm:linClrLst meth="repeat">
+      <a:schemeClr val="lt1"/>
+    </dgm:linClrLst>
+    <dgm:effectClrLst/>
+    <dgm:txLinClrLst/>
+    <dgm:txFillClrLst/>
+    <dgm:txEffectClrLst/>
+  </dgm:styleLbl>
+  <dgm:styleLbl name="alignNode1">
+    <dgm:fillClrLst>
+      <a:schemeClr val="accent5"/>
+      <a:schemeClr val="accent6"/>
+    </dgm:fillClrLst>
+    <dgm:linClrLst>
+      <a:schemeClr val="accent5"/>
+      <a:schemeClr val="accent6"/>
+    </dgm:linClrLst>
+    <dgm:effectClrLst/>
+    <dgm:txLinClrLst/>
+    <dgm:txFillClrLst/>
+    <dgm:txEffectClrLst/>
+  </dgm:styleLbl>
+  <dgm:styleLbl name="lnNode1">
+    <dgm:fillClrLst>
+      <a:schemeClr val="accent5"/>
+      <a:schemeClr val="accent6"/>
+    </dgm:fillClrLst>
+    <dgm:linClrLst meth="repeat">
+      <a:schemeClr val="lt1"/>
+    </dgm:linClrLst>
+    <dgm:effectClrLst/>
+    <dgm:txLinClrLst/>
+    <dgm:txFillClrLst/>
+    <dgm:txEffectClrLst/>
+  </dgm:styleLbl>
+  <dgm:styleLbl name="vennNode1">
+    <dgm:fillClrLst>
+      <a:schemeClr val="accent5">
+        <a:alpha val="50000"/>
+      </a:schemeClr>
+      <a:schemeClr val="accent6">
+        <a:alpha val="50000"/>
+      </a:schemeClr>
+    </dgm:fillClrLst>
+    <dgm:linClrLst meth="repeat">
+      <a:schemeClr val="lt1"/>
+    </dgm:linClrLst>
+    <dgm:effectClrLst/>
+    <dgm:txLinClrLst/>
+    <dgm:txFillClrLst/>
+    <dgm:txEffectClrLst/>
+  </dgm:styleLbl>
+  <dgm:styleLbl name="node2">
+    <dgm:fillClrLst>
+      <a:schemeClr val="accent6"/>
+    </dgm:fillClrLst>
+    <dgm:linClrLst meth="repeat">
+      <a:schemeClr val="lt1"/>
+    </dgm:linClrLst>
+    <dgm:effectClrLst/>
+    <dgm:txLinClrLst/>
+    <dgm:txFillClrLst/>
+    <dgm:txEffectClrLst/>
+  </dgm:styleLbl>
+  <dgm:styleLbl name="node3">
+    <dgm:fillClrLst>
+      <a:schemeClr val="accent1"/>
+    </dgm:fillClrLst>
+    <dgm:linClrLst meth="repeat">
+      <a:schemeClr val="lt1"/>
+    </dgm:linClrLst>
+    <dgm:effectClrLst/>
+    <dgm:txLinClrLst/>
+    <dgm:txFillClrLst/>
+    <dgm:txEffectClrLst/>
+  </dgm:styleLbl>
+  <dgm:styleLbl name="node4">
+    <dgm:fillClrLst>
+      <a:schemeClr val="accent2"/>
+    </dgm:fillClrLst>
+    <dgm:linClrLst meth="repeat">
+      <a:schemeClr val="lt1"/>
+    </dgm:linClrLst>
+    <dgm:effectClrLst/>
+    <dgm:txLinClrLst/>
+    <dgm:txFillClrLst/>
+    <dgm:txEffectClrLst/>
+  </dgm:styleLbl>
+  <dgm:styleLbl name="fgImgPlace1">
+    <dgm:fillClrLst>
+      <a:schemeClr val="accent5">
+        <a:tint val="50000"/>
+      </a:schemeClr>
+      <a:schemeClr val="accent6">
+        <a:tint val="50000"/>
+      </a:schemeClr>
+    </dgm:fillClrLst>
+    <dgm:linClrLst meth="repeat">
+      <a:schemeClr val="lt1"/>
+    </dgm:linClrLst>
+    <dgm:effectClrLst/>
+    <dgm:txLinClrLst/>
+    <dgm:txFillClrLst meth="repeat">
+      <a:schemeClr val="lt1"/>
+    </dgm:txFillClrLst>
+    <dgm:txEffectClrLst/>
+  </dgm:styleLbl>
+  <dgm:styleLbl name="alignImgPlace1">
+    <dgm:fillClrLst>
+      <a:schemeClr val="accent5">
+        <a:tint val="50000"/>
+      </a:schemeClr>
+      <a:schemeClr val="accent6">
+        <a:tint val="20000"/>
+      </a:schemeClr>
+    </dgm:fillClrLst>
+    <dgm:linClrLst meth="repeat">
+      <a:schemeClr val="lt1"/>
+    </dgm:linClrLst>
+    <dgm:effectClrLst/>
+    <dgm:txLinClrLst/>
+    <dgm:txFillClrLst meth="repeat">
+      <a:schemeClr val="lt1"/>
+    </dgm:txFillClrLst>
+    <dgm:txEffectClrLst/>
+  </dgm:styleLbl>
+  <dgm:styleLbl name="bgImgPlace1">
+    <dgm:fillClrLst>
+      <a:schemeClr val="accent5">
+        <a:tint val="50000"/>
+      </a:schemeClr>
+      <a:schemeClr val="accent6">
+        <a:tint val="20000"/>
+      </a:schemeClr>
+    </dgm:fillClrLst>
+    <dgm:linClrLst meth="repeat">
+      <a:schemeClr val="lt1"/>
+    </dgm:linClrLst>
+    <dgm:effectClrLst/>
+    <dgm:txLinClrLst/>
+    <dgm:txFillClrLst meth="repeat">
+      <a:schemeClr val="lt1"/>
+    </dgm:txFillClrLst>
+    <dgm:txEffectClrLst/>
+  </dgm:styleLbl>
+  <dgm:styleLbl name="sibTrans2D1">
+    <dgm:fillClrLst>
+      <a:schemeClr val="accent5"/>
+      <a:schemeClr val="accent6"/>
+    </dgm:fillClrLst>
+    <dgm:linClrLst meth="repeat">
+      <a:schemeClr val="lt1"/>
+    </dgm:linClrLst>
+    <dgm:effectClrLst/>
+    <dgm:txLinClrLst/>
+    <dgm:txFillClrLst/>
+    <dgm:txEffectClrLst/>
+  </dgm:styleLbl>
+  <dgm:styleLbl name="fgSibTrans2D1">
+    <dgm:fillClrLst>
+      <a:schemeClr val="accent5"/>
+      <a:schemeClr val="accent6"/>
+    </dgm:fillClrLst>
+    <dgm:linClrLst meth="repeat">
+      <a:schemeClr val="lt1"/>
+    </dgm:linClrLst>
+    <dgm:effectClrLst/>
+    <dgm:txLinClrLst/>
+    <dgm:txFillClrLst meth="repeat">
+      <a:schemeClr val="lt1"/>
+    </dgm:txFillClrLst>
+    <dgm:txEffectClrLst/>
+  </dgm:styleLbl>
+  <dgm:styleLbl name="bgSibTrans2D1">
+    <dgm:fillClrLst>
+      <a:schemeClr val="accent5"/>
+      <a:schemeClr val="accent6"/>
+    </dgm:fillClrLst>
+    <dgm:linClrLst meth="repeat">
+      <a:schemeClr val="lt1"/>
+    </dgm:linClrLst>
+    <dgm:effectClrLst/>
+    <dgm:txLinClrLst/>
+    <dgm:txFillClrLst meth="repeat">
+      <a:schemeClr val="lt1"/>
+    </dgm:txFillClrLst>
+    <dgm:txEffectClrLst/>
+  </dgm:styleLbl>
+  <dgm:styleLbl name="sibTrans1D1">
+    <dgm:fillClrLst/>
+    <dgm:linClrLst>
+      <a:schemeClr val="accent5"/>
+      <a:schemeClr val="accent6"/>
+    </dgm:linClrLst>
+    <dgm:effectClrLst/>
+    <dgm:txLinClrLst/>
+    <dgm:txFillClrLst meth="repeat">
+      <a:schemeClr val="tx1"/>
+    </dgm:txFillClrLst>
+    <dgm:txEffectClrLst/>
+  </dgm:styleLbl>
+  <dgm:styleLbl name="callout">
+    <dgm:fillClrLst meth="repeat">
+      <a:schemeClr val="accent5"/>
+    </dgm:fillClrLst>
+    <dgm:linClrLst meth="repeat">
+      <a:schemeClr val="accent5">
+        <a:tint val="50000"/>
+      </a:schemeClr>
+    </dgm:linClrLst>
+    <dgm:effectClrLst/>
+    <dgm:txLinClrLst/>
+    <dgm:txFillClrLst meth="repeat">
+      <a:schemeClr val="tx1"/>
+    </dgm:txFillClrLst>
+    <dgm:txEffectClrLst/>
+  </dgm:styleLbl>
+  <dgm:styleLbl name="asst0">
+    <dgm:fillClrLst meth="repeat">
+      <a:schemeClr val="accent5"/>
+    </dgm:fillClrLst>
+    <dgm:linClrLst meth="repeat">
+      <a:schemeClr val="lt1">
+        <a:shade val="80000"/>
+      </a:schemeClr>
+    </dgm:linClrLst>
+    <dgm:effectClrLst/>
+    <dgm:txLinClrLst/>
+    <dgm:txFillClrLst/>
+    <dgm:txEffectClrLst/>
+  </dgm:styleLbl>
+  <dgm:styleLbl name="asst1">
+    <dgm:fillClrLst meth="repeat">
+      <a:schemeClr val="accent6"/>
+    </dgm:fillClrLst>
+    <dgm:linClrLst meth="repeat">
+      <a:schemeClr val="lt1">
+        <a:shade val="80000"/>
+      </a:schemeClr>
+    </dgm:linClrLst>
+    <dgm:effectClrLst/>
+    <dgm:txLinClrLst/>
+    <dgm:txFillClrLst/>
+    <dgm:txEffectClrLst/>
+  </dgm:styleLbl>
+  <dgm:styleLbl name="asst2">
+    <dgm:fillClrLst>
+      <a:schemeClr val="accent1"/>
+    </dgm:fillClrLst>
+    <dgm:linClrLst meth="repeat">
+      <a:schemeClr val="lt1"/>
+    </dgm:linClrLst>
+    <dgm:effectClrLst/>
+    <dgm:txLinClrLst/>
+    <dgm:txFillClrLst/>
+    <dgm:txEffectClrLst/>
+  </dgm:styleLbl>
+  <dgm:styleLbl name="asst3">
+    <dgm:fillClrLst>
+      <a:schemeClr val="accent2"/>
+    </dgm:fillClrLst>
+    <dgm:linClrLst meth="repeat">
+      <a:schemeClr val="lt1"/>
+    </dgm:linClrLst>
+    <dgm:effectClrLst/>
+    <dgm:txLinClrLst/>
+    <dgm:txFillClrLst/>
+    <dgm:txEffectClrLst/>
+  </dgm:styleLbl>
+  <dgm:styleLbl name="asst4">
+    <dgm:fillClrLst>
+      <a:schemeClr val="accent3"/>
+    </dgm:fillClrLst>
+    <dgm:linClrLst meth="repeat">
+      <a:schemeClr val="lt1"/>
+    </dgm:linClrLst>
+    <dgm:effectClrLst/>
+    <dgm:txLinClrLst/>
+    <dgm:txFillClrLst/>
+    <dgm:txEffectClrLst/>
+  </dgm:styleLbl>
+  <dgm:styleLbl name="parChTrans2D1">
+    <dgm:fillClrLst meth="repeat">
+      <a:schemeClr val="accent5"/>
+    </dgm:fillClrLst>
+    <dgm:linClrLst meth="repeat">
+      <a:schemeClr val="lt1"/>
+    </dgm:linClrLst>
+    <dgm:effectClrLst/>
+    <dgm:txLinClrLst/>
+    <dgm:txFillClrLst meth="repeat">
+      <a:schemeClr val="lt1"/>
+    </dgm:txFillClrLst>
+    <dgm:txEffectClrLst/>
+  </dgm:styleLbl>
+  <dgm:styleLbl name="parChTrans2D2">
+    <dgm:fillClrLst meth="repeat">
+      <a:schemeClr val="accent6"/>
+    </dgm:fillClrLst>
+    <dgm:linClrLst meth="repeat">
+      <a:schemeClr val="lt1"/>
+    </dgm:linClrLst>
+    <dgm:effectClrLst/>
+    <dgm:txLinClrLst/>
+    <dgm:txFillClrLst/>
+    <dgm:txEffectClrLst/>
+  </dgm:styleLbl>
+  <dgm:styleLbl name="parChTrans2D3">
+    <dgm:fillClrLst meth="repeat">
+      <a:schemeClr val="accent6"/>
+    </dgm:fillClrLst>
+    <dgm:linClrLst meth="repeat">
+      <a:schemeClr val="lt1"/>
+    </dgm:linClrLst>
+    <dgm:effectClrLst/>
+    <dgm:txLinClrLst/>
+    <dgm:txFillClrLst/>
+    <dgm:txEffectClrLst/>
+  </dgm:styleLbl>
+  <dgm:styleLbl name="parChTrans2D4">
+    <dgm:fillClrLst meth="repeat">
+      <a:schemeClr val="accent1"/>
+    </dgm:fillClrLst>
+    <dgm:linClrLst meth="repeat">
+      <a:schemeClr val="lt1"/>
+    </dgm:linClrLst>
+    <dgm:effectClrLst/>
+    <dgm:txLinClrLst/>
+    <dgm:txFillClrLst meth="repeat">
+      <a:schemeClr val="lt1"/>
+    </dgm:txFillClrLst>
+    <dgm:txEffectClrLst/>
+  </dgm:styleLbl>
+  <dgm:styleLbl name="parChTrans1D1">
+    <dgm:fillClrLst meth="repeat">
+      <a:schemeClr val="accent5"/>
+    </dgm:fillClrLst>
+    <dgm:linClrLst meth="repeat">
+      <a:schemeClr val="accent5"/>
+    </dgm:linClrLst>
+    <dgm:effectClrLst/>
+    <dgm:txLinClrLst/>
+    <dgm:txFillClrLst meth="repeat">
+      <a:schemeClr val="tx1"/>
+    </dgm:txFillClrLst>
+    <dgm:txEffectClrLst/>
+  </dgm:styleLbl>
+  <dgm:styleLbl name="parChTrans1D2">
+    <dgm:fillClrLst meth="repeat">
+      <a:schemeClr val="accent6">
+        <a:tint val="90000"/>
+      </a:schemeClr>
+    </dgm:fillClrLst>
+    <dgm:linClrLst meth="repeat">
+      <a:schemeClr val="accent6"/>
+    </dgm:linClrLst>
+    <dgm:effectClrLst/>
+    <dgm:txLinClrLst/>
+    <dgm:txFillClrLst meth="repeat">
+      <a:schemeClr val="tx1"/>
+    </dgm:txFillClrLst>
+    <dgm:txEffectClrLst/>
+  </dgm:styleLbl>
+  <dgm:styleLbl name="parChTrans1D3">
+    <dgm:fillClrLst meth="repeat">
+      <a:schemeClr val="accent6">
+        <a:tint val="70000"/>
+      </a:schemeClr>
+    </dgm:fillClrLst>
+    <dgm:linClrLst meth="repeat">
+      <a:schemeClr val="accent1"/>
+    </dgm:linClrLst>
+    <dgm:effectClrLst/>
+    <dgm:txLinClrLst/>
+    <dgm:txFillClrLst meth="repeat">
+      <a:schemeClr val="tx1"/>
+    </dgm:txFillClrLst>
+    <dgm:txEffectClrLst/>
+  </dgm:styleLbl>
+  <dgm:styleLbl name="parChTrans1D4">
+    <dgm:fillClrLst meth="repeat">
+      <a:schemeClr val="accent6">
+        <a:tint val="50000"/>
+      </a:schemeClr>
+    </dgm:fillClrLst>
+    <dgm:linClrLst meth="repeat">
+      <a:schemeClr val="accent2"/>
+    </dgm:linClrLst>
+    <dgm:effectClrLst/>
+    <dgm:txLinClrLst/>
+    <dgm:txFillClrLst meth="repeat">
+      <a:schemeClr val="tx1"/>
+    </dgm:txFillClrLst>
+    <dgm:txEffectClrLst/>
+  </dgm:styleLbl>
+  <dgm:styleLbl name="fgAcc1">
+    <dgm:fillClrLst meth="repeat">
+      <a:schemeClr val="lt1">
+        <a:alpha val="90000"/>
+      </a:schemeClr>
+    </dgm:fillClrLst>
+    <dgm:linClrLst>
+      <a:schemeClr val="accent5"/>
+      <a:schemeClr val="accent6"/>
+    </dgm:linClrLst>
+    <dgm:effectClrLst/>
+    <dgm:txLinClrLst/>
+    <dgm:txFillClrLst meth="repeat">
+      <a:schemeClr val="dk1"/>
+    </dgm:txFillClrLst>
+    <dgm:txEffectClrLst/>
+  </dgm:styleLbl>
+  <dgm:styleLbl name="conFgAcc1">
+    <dgm:fillClrLst meth="repeat">
+      <a:schemeClr val="lt1">
+        <a:alpha val="90000"/>
+      </a:schemeClr>
+    </dgm:fillClrLst>
+    <dgm:linClrLst>
+      <a:schemeClr val="accent5"/>
+      <a:schemeClr val="accent6"/>
+    </dgm:linClrLst>
+    <dgm:effectClrLst/>
+    <dgm:txLinClrLst/>
+    <dgm:txFillClrLst meth="repeat">
+      <a:schemeClr val="dk1"/>
+    </dgm:txFillClrLst>
+    <dgm:txEffectClrLst/>
+  </dgm:styleLbl>
+  <dgm:styleLbl name="alignAcc1">
+    <dgm:fillClrLst meth="repeat">
+      <a:schemeClr val="lt1">
+        <a:alpha val="90000"/>
+      </a:schemeClr>
+    </dgm:fillClrLst>
+    <dgm:linClrLst>
+      <a:schemeClr val="accent5"/>
+      <a:schemeClr val="accent6"/>
+    </dgm:linClrLst>
+    <dgm:effectClrLst/>
+    <dgm:txLinClrLst/>
+    <dgm:txFillClrLst meth="repeat">
+      <a:schemeClr val="dk1"/>
+    </dgm:txFillClrLst>
+    <dgm:txEffectClrLst/>
+  </dgm:styleLbl>
+  <dgm:styleLbl name="trAlignAcc1">
+    <dgm:fillClrLst meth="repeat">
+      <a:schemeClr val="lt1">
+        <a:alpha val="40000"/>
+      </a:schemeClr>
+    </dgm:fillClrLst>
+    <dgm:linClrLst meth="repeat">
+      <a:schemeClr val="accent5"/>
+    </dgm:linClrLst>
+    <dgm:effectClrLst/>
+    <dgm:txLinClrLst/>
+    <dgm:txFillClrLst meth="repeat">
+      <a:schemeClr val="dk1"/>
+    </dgm:txFillClrLst>
+    <dgm:txEffectClrLst/>
+  </dgm:styleLbl>
+  <dgm:styleLbl name="bgAcc1">
+    <dgm:fillClrLst meth="repeat">
+      <a:schemeClr val="lt1">
+        <a:alpha val="90000"/>
+      </a:schemeClr>
+    </dgm:fillClrLst>
+    <dgm:linClrLst>
+      <a:schemeClr val="accent5"/>
+      <a:schemeClr val="accent6"/>
+    </dgm:linClrLst>
+    <dgm:effectClrLst/>
+    <dgm:txLinClrLst/>
+    <dgm:txFillClrLst meth="repeat">
+      <a:schemeClr val="dk1"/>
+    </dgm:txFillClrLst>
+    <dgm:txEffectClrLst/>
+  </dgm:styleLbl>
+  <dgm:styleLbl name="solidFgAcc1">
+    <dgm:fillClrLst meth="repeat">
+      <a:schemeClr val="lt1"/>
+    </dgm:fillClrLst>
+    <dgm:linClrLst>
+      <a:schemeClr val="accent5"/>
+      <a:schemeClr val="accent6"/>
+    </dgm:linClrLst>
+    <dgm:effectClrLst/>
+    <dgm:txLinClrLst/>
+    <dgm:txFillClrLst meth="repeat">
+      <a:schemeClr val="dk1"/>
+    </dgm:txFillClrLst>
+    <dgm:txEffectClrLst/>
+  </dgm:styleLbl>
+  <dgm:styleLbl name="solidAlignAcc1">
+    <dgm:fillClrLst meth="repeat">
+      <a:schemeClr val="lt1"/>
+    </dgm:fillClrLst>
+    <dgm:linClrLst>
+      <a:schemeClr val="accent5"/>
+      <a:schemeClr val="accent6"/>
+    </dgm:linClrLst>
+    <dgm:effectClrLst/>
+    <dgm:txLinClrLst/>
+    <dgm:txFillClrLst meth="repeat">
+      <a:schemeClr val="dk1"/>
+    </dgm:txFillClrLst>
+    <dgm:txEffectClrLst/>
+  </dgm:styleLbl>
+  <dgm:styleLbl name="solidBgAcc1">
+    <dgm:fillClrLst meth="repeat">
+      <a:schemeClr val="lt1"/>
+    </dgm:fillClrLst>
+    <dgm:linClrLst>
+      <a:schemeClr val="accent5"/>
+      <a:schemeClr val="accent6"/>
+    </dgm:linClrLst>
+    <dgm:effectClrLst/>
+    <dgm:txLinClrLst/>
+    <dgm:txFillClrLst meth="repeat">
+      <a:schemeClr val="dk1"/>
+    </dgm:txFillClrLst>
+    <dgm:txEffectClrLst/>
+  </dgm:styleLbl>
+  <dgm:styleLbl name="fgAccFollowNode1">
+    <dgm:fillClrLst>
+      <a:schemeClr val="accent5">
+        <a:tint val="40000"/>
+        <a:alpha val="90000"/>
+      </a:schemeClr>
+      <a:schemeClr val="accent6">
+        <a:tint val="40000"/>
+        <a:alpha val="90000"/>
+      </a:schemeClr>
+    </dgm:fillClrLst>
+    <dgm:linClrLst>
+      <a:schemeClr val="accent5">
+        <a:tint val="40000"/>
+        <a:alpha val="90000"/>
+      </a:schemeClr>
+      <a:schemeClr val="accent5">
+        <a:tint val="40000"/>
+        <a:alpha val="90000"/>
+      </a:schemeClr>
+    </dgm:linClrLst>
+    <dgm:effectClrLst/>
+    <dgm:txLinClrLst/>
+    <dgm:txFillClrLst meth="repeat">
+      <a:schemeClr val="dk1"/>
+    </dgm:txFillClrLst>
+    <dgm:txEffectClrLst/>
+  </dgm:styleLbl>
+  <dgm:styleLbl name="alignAccFollowNode1">
+    <dgm:fillClrLst>
+      <a:schemeClr val="accent5">
+        <a:tint val="40000"/>
+        <a:alpha val="90000"/>
+      </a:schemeClr>
+      <a:schemeClr val="accent6">
+        <a:tint val="40000"/>
+        <a:alpha val="90000"/>
+      </a:schemeClr>
+    </dgm:fillClrLst>
+    <dgm:linClrLst>
+      <a:schemeClr val="accent5">
+        <a:tint val="40000"/>
+        <a:alpha val="90000"/>
+      </a:schemeClr>
+      <a:schemeClr val="accent6">
+        <a:tint val="40000"/>
+        <a:alpha val="90000"/>
+      </a:schemeClr>
+    </dgm:linClrLst>
+    <dgm:effectClrLst/>
+    <dgm:txLinClrLst/>
+    <dgm:txFillClrLst meth="repeat">
+      <a:schemeClr val="dk1"/>
+    </dgm:txFillClrLst>
+    <dgm:txEffectClrLst/>
+  </dgm:styleLbl>
+  <dgm:styleLbl name="bgAccFollowNode1">
+    <dgm:fillClrLst>
+      <a:schemeClr val="accent5">
+        <a:tint val="40000"/>
+        <a:alpha val="90000"/>
+      </a:schemeClr>
+      <a:schemeClr val="accent6">
+        <a:tint val="40000"/>
+        <a:alpha val="90000"/>
+      </a:schemeClr>
+    </dgm:fillClrLst>
+    <dgm:linClrLst>
+      <a:schemeClr val="accent5">
+        <a:tint val="40000"/>
+        <a:alpha val="90000"/>
+      </a:schemeClr>
+      <a:schemeClr val="accent6">
+        <a:tint val="40000"/>
+        <a:alpha val="90000"/>
+      </a:schemeClr>
+    </dgm:linClrLst>
+    <dgm:effectClrLst/>
+    <dgm:txLinClrLst/>
+    <dgm:txFillClrLst meth="repeat">
+      <a:schemeClr val="dk1"/>
+    </dgm:txFillClrLst>
+    <dgm:txEffectClrLst/>
+  </dgm:styleLbl>
+  <dgm:styleLbl name="fgAcc0">
+    <dgm:fillClrLst meth="repeat">
+      <a:schemeClr val="lt1">
+        <a:alpha val="90000"/>
+      </a:schemeClr>
+    </dgm:fillClrLst>
+    <dgm:linClrLst>
+      <a:schemeClr val="accent4"/>
+    </dgm:linClrLst>
+    <dgm:effectClrLst/>
+    <dgm:txLinClrLst/>
+    <dgm:txFillClrLst meth="repeat">
+      <a:schemeClr val="dk1"/>
+    </dgm:txFillClrLst>
+    <dgm:txEffectClrLst/>
+  </dgm:styleLbl>
+  <dgm:styleLbl name="fgAcc2">
+    <dgm:fillClrLst meth="repeat">
+      <a:schemeClr val="lt1">
+        <a:alpha val="90000"/>
+      </a:schemeClr>
+    </dgm:fillClrLst>
+    <dgm:linClrLst>
+      <a:schemeClr val="accent6"/>
+    </dgm:linClrLst>
+    <dgm:effectClrLst/>
+    <dgm:txLinClrLst/>
+    <dgm:txFillClrLst meth="repeat">
+      <a:schemeClr val="dk1"/>
+    </dgm:txFillClrLst>
+    <dgm:txEffectClrLst/>
+  </dgm:styleLbl>
+  <dgm:styleLbl name="fgAcc3">
+    <dgm:fillClrLst meth="repeat">
+      <a:schemeClr val="lt1">
+        <a:alpha val="90000"/>
+      </a:schemeClr>
+    </dgm:fillClrLst>
+    <dgm:linClrLst>
+      <a:schemeClr val="accent1"/>
+    </dgm:linClrLst>
+    <dgm:effectClrLst/>
+    <dgm:txLinClrLst/>
+    <dgm:txFillClrLst meth="repeat">
+      <a:schemeClr val="dk1"/>
+    </dgm:txFillClrLst>
+    <dgm:txEffectClrLst/>
+  </dgm:styleLbl>
+  <dgm:styleLbl name="fgAcc4">
+    <dgm:fillClrLst meth="repeat">
+      <a:schemeClr val="lt1">
+        <a:alpha val="90000"/>
+      </a:schemeClr>
+    </dgm:fillClrLst>
+    <dgm:linClrLst>
+      <a:schemeClr val="accent2"/>
+    </dgm:linClrLst>
+    <dgm:effectClrLst/>
+    <dgm:txLinClrLst/>
+    <dgm:txFillClrLst meth="repeat">
+      <a:schemeClr val="dk1"/>
+    </dgm:txFillClrLst>
+    <dgm:txEffectClrLst/>
+  </dgm:styleLbl>
+  <dgm:styleLbl name="bgShp">
+    <dgm:fillClrLst meth="repeat">
+      <a:schemeClr val="accent5">
+        <a:tint val="40000"/>
+      </a:schemeClr>
+    </dgm:fillClrLst>
+    <dgm:linClrLst meth="repeat">
+      <a:schemeClr val="dk1"/>
+    </dgm:linClrLst>
+    <dgm:effectClrLst/>
+    <dgm:txLinClrLst/>
+    <dgm:txFillClrLst meth="repeat">
+      <a:schemeClr val="dk1"/>
+    </dgm:txFillClrLst>
+    <dgm:txEffectClrLst/>
+  </dgm:styleLbl>
+  <dgm:styleLbl name="dkBgShp">
+    <dgm:fillClrLst meth="repeat">
+      <a:schemeClr val="accent5">
+        <a:shade val="90000"/>
+      </a:schemeClr>
+    </dgm:fillClrLst>
+    <dgm:linClrLst meth="repeat">
+      <a:schemeClr val="dk1"/>
+    </dgm:linClrLst>
+    <dgm:effectClrLst/>
+    <dgm:txLinClrLst/>
+    <dgm:txFillClrLst meth="repeat">
+      <a:schemeClr val="lt1"/>
+    </dgm:txFillClrLst>
+    <dgm:txEffectClrLst/>
+  </dgm:styleLbl>
+  <dgm:styleLbl name="trBgShp">
+    <dgm:fillClrLst meth="repeat">
+      <a:schemeClr val="accent5">
+        <a:tint val="50000"/>
+        <a:alpha val="40000"/>
+      </a:schemeClr>
+    </dgm:fillClrLst>
+    <dgm:linClrLst meth="repeat">
+      <a:schemeClr val="accent5"/>
+    </dgm:linClrLst>
+    <dgm:effectClrLst/>
+    <dgm:txLinClrLst/>
+    <dgm:txFillClrLst meth="repeat">
+      <a:schemeClr val="lt1"/>
+    </dgm:txFillClrLst>
+    <dgm:txEffectClrLst/>
+  </dgm:styleLbl>
+  <dgm:styleLbl name="fgShp">
+    <dgm:fillClrLst meth="repeat">
+      <a:schemeClr val="accent5">
         <a:tint val="40000"/>
       </a:schemeClr>
     </dgm:fillClrLst>
@@ -1232,6 +2014,316 @@
   <dgm:extLst>
     <a:ext uri="http://schemas.microsoft.com/office/drawing/2008/diagram">
       <dsp:dataModelExt xmlns:dsp="http://schemas.microsoft.com/office/drawing/2008/diagram" relId="rId7" minVer="http://schemas.openxmlformats.org/drawingml/2006/diagram"/>
+    </a:ext>
+  </dgm:extLst>
+</dgm:dataModel>
+</file>
+
+<file path=ppt/diagrams/data2.xml><?xml version="1.0" encoding="utf-8"?>
+<dgm:dataModel xmlns:dgm="http://schemas.openxmlformats.org/drawingml/2006/diagram" xmlns:a="http://schemas.openxmlformats.org/drawingml/2006/main">
+  <dgm:ptLst>
+    <dgm:pt modelId="{3B697953-B671-46BA-9FB5-16EB418B59C6}" type="doc">
+      <dgm:prSet loTypeId="urn:microsoft.com/office/officeart/2005/8/layout/vList2" loCatId="list" qsTypeId="urn:microsoft.com/office/officeart/2005/8/quickstyle/simple1" qsCatId="simple" csTypeId="urn:microsoft.com/office/officeart/2005/8/colors/colorful5" csCatId="colorful" phldr="1"/>
+      <dgm:spPr/>
+      <dgm:t>
+        <a:bodyPr/>
+        <a:lstStyle/>
+        <a:p>
+          <a:endParaRPr lang="en-US"/>
+        </a:p>
+      </dgm:t>
+    </dgm:pt>
+    <dgm:pt modelId="{2D8FB390-98AC-433E-965C-512B67265120}">
+      <dgm:prSet/>
+      <dgm:spPr/>
+      <dgm:t>
+        <a:bodyPr/>
+        <a:lstStyle/>
+        <a:p>
+          <a:r>
+            <a:rPr lang="it-IT"/>
+            <a:t>Work done in ILASP shows clearly a fact: time complexity doesn’t scale well with respect to search space dimension.</a:t>
+          </a:r>
+          <a:endParaRPr lang="en-US"/>
+        </a:p>
+      </dgm:t>
+    </dgm:pt>
+    <dgm:pt modelId="{ACB3D8DA-F735-4428-8039-A461AF078717}" type="parTrans" cxnId="{06495DF5-8E64-4AB9-906E-252071032F6F}">
+      <dgm:prSet/>
+      <dgm:spPr/>
+      <dgm:t>
+        <a:bodyPr/>
+        <a:lstStyle/>
+        <a:p>
+          <a:endParaRPr lang="en-US"/>
+        </a:p>
+      </dgm:t>
+    </dgm:pt>
+    <dgm:pt modelId="{F9B9C126-C0C6-47BE-9AD4-86B6956B2A93}" type="sibTrans" cxnId="{06495DF5-8E64-4AB9-906E-252071032F6F}">
+      <dgm:prSet/>
+      <dgm:spPr/>
+      <dgm:t>
+        <a:bodyPr/>
+        <a:lstStyle/>
+        <a:p>
+          <a:endParaRPr lang="en-US"/>
+        </a:p>
+      </dgm:t>
+    </dgm:pt>
+    <dgm:pt modelId="{635034EB-4CBC-43B6-B798-00CD929E0416}">
+      <dgm:prSet/>
+      <dgm:spPr/>
+      <dgm:t>
+        <a:bodyPr/>
+        <a:lstStyle/>
+        <a:p>
+          <a:r>
+            <a:rPr lang="it-IT" dirty="0" err="1"/>
+            <a:t>Trying</a:t>
+          </a:r>
+          <a:r>
+            <a:rPr lang="it-IT" dirty="0"/>
+            <a:t> to do the 2 </a:t>
+          </a:r>
+          <a:r>
+            <a:rPr lang="it-IT" dirty="0" err="1"/>
+            <a:t>previous</a:t>
+          </a:r>
+          <a:r>
+            <a:rPr lang="it-IT" dirty="0"/>
+            <a:t> tasks </a:t>
+          </a:r>
+          <a:r>
+            <a:rPr lang="it-IT" dirty="0" err="1"/>
+            <a:t>both</a:t>
+          </a:r>
+          <a:r>
+            <a:rPr lang="it-IT" dirty="0"/>
+            <a:t> on the </a:t>
+          </a:r>
+          <a:r>
+            <a:rPr lang="it-IT" dirty="0" err="1"/>
+            <a:t>same</a:t>
+          </a:r>
+          <a:r>
+            <a:rPr lang="it-IT" dirty="0"/>
+            <a:t> script </a:t>
+          </a:r>
+          <a:r>
+            <a:rPr lang="it-IT" dirty="0" err="1"/>
+            <a:t>was</a:t>
+          </a:r>
+          <a:r>
+            <a:rPr lang="it-IT" dirty="0"/>
+            <a:t> </a:t>
+          </a:r>
+          <a:r>
+            <a:rPr lang="it-IT" dirty="0" err="1"/>
+            <a:t>not</a:t>
+          </a:r>
+          <a:r>
+            <a:rPr lang="it-IT" dirty="0"/>
+            <a:t> </a:t>
+          </a:r>
+          <a:r>
+            <a:rPr lang="it-IT" dirty="0" err="1"/>
+            <a:t>feasible</a:t>
+          </a:r>
+          <a:r>
+            <a:rPr lang="it-IT" dirty="0"/>
+            <a:t>: the </a:t>
+          </a:r>
+          <a:r>
+            <a:rPr lang="it-IT" dirty="0" err="1"/>
+            <a:t>search</a:t>
+          </a:r>
+          <a:r>
+            <a:rPr lang="it-IT" dirty="0"/>
+            <a:t> </a:t>
+          </a:r>
+          <a:r>
+            <a:rPr lang="it-IT" dirty="0" err="1"/>
+            <a:t>space</a:t>
+          </a:r>
+          <a:r>
+            <a:rPr lang="it-IT" dirty="0"/>
+            <a:t> </a:t>
+          </a:r>
+          <a:r>
+            <a:rPr lang="it-IT" dirty="0" err="1"/>
+            <a:t>was</a:t>
+          </a:r>
+          <a:r>
+            <a:rPr lang="it-IT" dirty="0"/>
+            <a:t> </a:t>
+          </a:r>
+          <a:r>
+            <a:rPr lang="it-IT" dirty="0" err="1"/>
+            <a:t>too</a:t>
+          </a:r>
+          <a:r>
+            <a:rPr lang="it-IT" dirty="0"/>
+            <a:t> big, </a:t>
+          </a:r>
+          <a:r>
+            <a:rPr lang="it-IT" dirty="0" err="1"/>
+            <a:t>but</a:t>
+          </a:r>
+          <a:r>
+            <a:rPr lang="it-IT" dirty="0"/>
+            <a:t> </a:t>
+          </a:r>
+          <a:r>
+            <a:rPr lang="it-IT" dirty="0" err="1"/>
+            <a:t>actually</a:t>
+          </a:r>
+          <a:r>
+            <a:rPr lang="it-IT" dirty="0"/>
+            <a:t> the second task «just» </a:t>
+          </a:r>
+          <a:r>
+            <a:rPr lang="it-IT" dirty="0" err="1"/>
+            <a:t>got</a:t>
+          </a:r>
+          <a:r>
+            <a:rPr lang="it-IT" dirty="0"/>
+            <a:t> 1 more predicate (</a:t>
+          </a:r>
+          <a:r>
+            <a:rPr lang="it-IT" dirty="0" err="1"/>
+            <a:t>obstacle</a:t>
+          </a:r>
+          <a:r>
+            <a:rPr lang="it-IT" dirty="0"/>
+            <a:t>)!</a:t>
+          </a:r>
+          <a:endParaRPr lang="en-US" dirty="0"/>
+        </a:p>
+      </dgm:t>
+    </dgm:pt>
+    <dgm:pt modelId="{B5A8B239-641B-458F-939B-BF19266B8F1C}" type="parTrans" cxnId="{14A86313-E685-47FE-AD64-421DF68D84C3}">
+      <dgm:prSet/>
+      <dgm:spPr/>
+      <dgm:t>
+        <a:bodyPr/>
+        <a:lstStyle/>
+        <a:p>
+          <a:endParaRPr lang="en-US"/>
+        </a:p>
+      </dgm:t>
+    </dgm:pt>
+    <dgm:pt modelId="{AFE35BAD-A0A9-4208-98DF-1B84CE44DDE5}" type="sibTrans" cxnId="{14A86313-E685-47FE-AD64-421DF68D84C3}">
+      <dgm:prSet/>
+      <dgm:spPr/>
+      <dgm:t>
+        <a:bodyPr/>
+        <a:lstStyle/>
+        <a:p>
+          <a:endParaRPr lang="en-US"/>
+        </a:p>
+      </dgm:t>
+    </dgm:pt>
+    <dgm:pt modelId="{D36266A8-41C1-434C-BF6C-15390206E3DC}">
+      <dgm:prSet/>
+      <dgm:spPr/>
+      <dgm:t>
+        <a:bodyPr/>
+        <a:lstStyle/>
+        <a:p>
+          <a:r>
+            <a:rPr lang="it-IT"/>
+            <a:t>ILASP got an option to show the search space of a task, by using the linux «wc» command it is possible to extract its dimension and later do an analysys of the relation time – search space dimension</a:t>
+          </a:r>
+          <a:endParaRPr lang="en-US"/>
+        </a:p>
+      </dgm:t>
+    </dgm:pt>
+    <dgm:pt modelId="{7EF9C448-ADEA-41FB-A1D9-03EC788894C3}" type="parTrans" cxnId="{3A03CDA8-B9F9-4C08-8939-91E7345BE923}">
+      <dgm:prSet/>
+      <dgm:spPr/>
+      <dgm:t>
+        <a:bodyPr/>
+        <a:lstStyle/>
+        <a:p>
+          <a:endParaRPr lang="en-US"/>
+        </a:p>
+      </dgm:t>
+    </dgm:pt>
+    <dgm:pt modelId="{617186C9-A471-4FFB-87E0-E3799E91BCBD}" type="sibTrans" cxnId="{3A03CDA8-B9F9-4C08-8939-91E7345BE923}">
+      <dgm:prSet/>
+      <dgm:spPr/>
+      <dgm:t>
+        <a:bodyPr/>
+        <a:lstStyle/>
+        <a:p>
+          <a:endParaRPr lang="en-US"/>
+        </a:p>
+      </dgm:t>
+    </dgm:pt>
+    <dgm:pt modelId="{1D19E09E-A216-4B33-9E53-0C16C5A0ECF4}" type="pres">
+      <dgm:prSet presAssocID="{3B697953-B671-46BA-9FB5-16EB418B59C6}" presName="linear" presStyleCnt="0">
+        <dgm:presLayoutVars>
+          <dgm:animLvl val="lvl"/>
+          <dgm:resizeHandles val="exact"/>
+        </dgm:presLayoutVars>
+      </dgm:prSet>
+      <dgm:spPr/>
+    </dgm:pt>
+    <dgm:pt modelId="{8D8012D5-8624-4242-9663-9CE5AC3FC6E6}" type="pres">
+      <dgm:prSet presAssocID="{2D8FB390-98AC-433E-965C-512B67265120}" presName="parentText" presStyleLbl="node1" presStyleIdx="0" presStyleCnt="3">
+        <dgm:presLayoutVars>
+          <dgm:chMax val="0"/>
+          <dgm:bulletEnabled val="1"/>
+        </dgm:presLayoutVars>
+      </dgm:prSet>
+      <dgm:spPr/>
+    </dgm:pt>
+    <dgm:pt modelId="{694E8A8E-495D-444B-B426-0A85C8EC1186}" type="pres">
+      <dgm:prSet presAssocID="{F9B9C126-C0C6-47BE-9AD4-86B6956B2A93}" presName="spacer" presStyleCnt="0"/>
+      <dgm:spPr/>
+    </dgm:pt>
+    <dgm:pt modelId="{F431AD32-C33A-412B-9CC7-89AF17BA271E}" type="pres">
+      <dgm:prSet presAssocID="{635034EB-4CBC-43B6-B798-00CD929E0416}" presName="parentText" presStyleLbl="node1" presStyleIdx="1" presStyleCnt="3">
+        <dgm:presLayoutVars>
+          <dgm:chMax val="0"/>
+          <dgm:bulletEnabled val="1"/>
+        </dgm:presLayoutVars>
+      </dgm:prSet>
+      <dgm:spPr/>
+    </dgm:pt>
+    <dgm:pt modelId="{7936FA20-7306-4073-A608-9767D87A803D}" type="pres">
+      <dgm:prSet presAssocID="{AFE35BAD-A0A9-4208-98DF-1B84CE44DDE5}" presName="spacer" presStyleCnt="0"/>
+      <dgm:spPr/>
+    </dgm:pt>
+    <dgm:pt modelId="{683F79BC-C8CF-486A-B086-86ABC46432B3}" type="pres">
+      <dgm:prSet presAssocID="{D36266A8-41C1-434C-BF6C-15390206E3DC}" presName="parentText" presStyleLbl="node1" presStyleIdx="2" presStyleCnt="3">
+        <dgm:presLayoutVars>
+          <dgm:chMax val="0"/>
+          <dgm:bulletEnabled val="1"/>
+        </dgm:presLayoutVars>
+      </dgm:prSet>
+      <dgm:spPr/>
+    </dgm:pt>
+  </dgm:ptLst>
+  <dgm:cxnLst>
+    <dgm:cxn modelId="{14A86313-E685-47FE-AD64-421DF68D84C3}" srcId="{3B697953-B671-46BA-9FB5-16EB418B59C6}" destId="{635034EB-4CBC-43B6-B798-00CD929E0416}" srcOrd="1" destOrd="0" parTransId="{B5A8B239-641B-458F-939B-BF19266B8F1C}" sibTransId="{AFE35BAD-A0A9-4208-98DF-1B84CE44DDE5}"/>
+    <dgm:cxn modelId="{4CA98248-8462-4DD0-AD5D-E946B05B37CA}" type="presOf" srcId="{D36266A8-41C1-434C-BF6C-15390206E3DC}" destId="{683F79BC-C8CF-486A-B086-86ABC46432B3}" srcOrd="0" destOrd="0" presId="urn:microsoft.com/office/officeart/2005/8/layout/vList2"/>
+    <dgm:cxn modelId="{3A03CDA8-B9F9-4C08-8939-91E7345BE923}" srcId="{3B697953-B671-46BA-9FB5-16EB418B59C6}" destId="{D36266A8-41C1-434C-BF6C-15390206E3DC}" srcOrd="2" destOrd="0" parTransId="{7EF9C448-ADEA-41FB-A1D9-03EC788894C3}" sibTransId="{617186C9-A471-4FFB-87E0-E3799E91BCBD}"/>
+    <dgm:cxn modelId="{10C570B7-B869-4C69-9626-570A047E1D82}" type="presOf" srcId="{635034EB-4CBC-43B6-B798-00CD929E0416}" destId="{F431AD32-C33A-412B-9CC7-89AF17BA271E}" srcOrd="0" destOrd="0" presId="urn:microsoft.com/office/officeart/2005/8/layout/vList2"/>
+    <dgm:cxn modelId="{6A6183BD-9614-4EF1-98B5-DC814C7B914C}" type="presOf" srcId="{2D8FB390-98AC-433E-965C-512B67265120}" destId="{8D8012D5-8624-4242-9663-9CE5AC3FC6E6}" srcOrd="0" destOrd="0" presId="urn:microsoft.com/office/officeart/2005/8/layout/vList2"/>
+    <dgm:cxn modelId="{E91B57E9-9E57-45B2-8A13-2BB6CD8A5110}" type="presOf" srcId="{3B697953-B671-46BA-9FB5-16EB418B59C6}" destId="{1D19E09E-A216-4B33-9E53-0C16C5A0ECF4}" srcOrd="0" destOrd="0" presId="urn:microsoft.com/office/officeart/2005/8/layout/vList2"/>
+    <dgm:cxn modelId="{06495DF5-8E64-4AB9-906E-252071032F6F}" srcId="{3B697953-B671-46BA-9FB5-16EB418B59C6}" destId="{2D8FB390-98AC-433E-965C-512B67265120}" srcOrd="0" destOrd="0" parTransId="{ACB3D8DA-F735-4428-8039-A461AF078717}" sibTransId="{F9B9C126-C0C6-47BE-9AD4-86B6956B2A93}"/>
+    <dgm:cxn modelId="{D95D0B06-A5F0-4B77-9560-7FBC4E145016}" type="presParOf" srcId="{1D19E09E-A216-4B33-9E53-0C16C5A0ECF4}" destId="{8D8012D5-8624-4242-9663-9CE5AC3FC6E6}" srcOrd="0" destOrd="0" presId="urn:microsoft.com/office/officeart/2005/8/layout/vList2"/>
+    <dgm:cxn modelId="{A53CAB5E-6C22-4877-A38D-60637DA19BAB}" type="presParOf" srcId="{1D19E09E-A216-4B33-9E53-0C16C5A0ECF4}" destId="{694E8A8E-495D-444B-B426-0A85C8EC1186}" srcOrd="1" destOrd="0" presId="urn:microsoft.com/office/officeart/2005/8/layout/vList2"/>
+    <dgm:cxn modelId="{0D39554C-2611-4973-A9C9-15CED85347D4}" type="presParOf" srcId="{1D19E09E-A216-4B33-9E53-0C16C5A0ECF4}" destId="{F431AD32-C33A-412B-9CC7-89AF17BA271E}" srcOrd="2" destOrd="0" presId="urn:microsoft.com/office/officeart/2005/8/layout/vList2"/>
+    <dgm:cxn modelId="{25FC3303-F660-4255-AD41-39B4E2CD4EBB}" type="presParOf" srcId="{1D19E09E-A216-4B33-9E53-0C16C5A0ECF4}" destId="{7936FA20-7306-4073-A608-9767D87A803D}" srcOrd="3" destOrd="0" presId="urn:microsoft.com/office/officeart/2005/8/layout/vList2"/>
+    <dgm:cxn modelId="{5E4BAAF3-FE2E-42C6-8C8D-1FC7E84A0AC3}" type="presParOf" srcId="{1D19E09E-A216-4B33-9E53-0C16C5A0ECF4}" destId="{683F79BC-C8CF-486A-B086-86ABC46432B3}" srcOrd="4" destOrd="0" presId="urn:microsoft.com/office/officeart/2005/8/layout/vList2"/>
+  </dgm:cxnLst>
+  <dgm:bg/>
+  <dgm:whole/>
+  <dgm:extLst>
+    <a:ext uri="http://schemas.microsoft.com/office/drawing/2008/diagram">
+      <dsp:dataModelExt xmlns:dsp="http://schemas.microsoft.com/office/drawing/2008/diagram" relId="rId6" minVer="http://schemas.openxmlformats.org/drawingml/2006/diagram"/>
     </a:ext>
   </dgm:extLst>
 </dgm:dataModel>
@@ -1578,6 +2670,368 @@
 </dsp:drawing>
 </file>
 
+<file path=ppt/diagrams/drawing2.xml><?xml version="1.0" encoding="utf-8"?>
+<dsp:drawing xmlns:dgm="http://schemas.openxmlformats.org/drawingml/2006/diagram" xmlns:dsp="http://schemas.microsoft.com/office/drawing/2008/diagram" xmlns:a="http://schemas.openxmlformats.org/drawingml/2006/main">
+  <dsp:spTree>
+    <dsp:nvGrpSpPr>
+      <dsp:cNvPr id="0" name=""/>
+      <dsp:cNvGrpSpPr/>
+    </dsp:nvGrpSpPr>
+    <dsp:grpSpPr/>
+    <dsp:sp modelId="{8D8012D5-8624-4242-9663-9CE5AC3FC6E6}">
+      <dsp:nvSpPr>
+        <dsp:cNvPr id="0" name=""/>
+        <dsp:cNvSpPr/>
+      </dsp:nvSpPr>
+      <dsp:spPr>
+        <a:xfrm>
+          <a:off x="0" y="129064"/>
+          <a:ext cx="5990135" cy="1631495"/>
+        </a:xfrm>
+        <a:prstGeom prst="roundRect">
+          <a:avLst/>
+        </a:prstGeom>
+        <a:solidFill>
+          <a:schemeClr val="accent5">
+            <a:hueOff val="0"/>
+            <a:satOff val="0"/>
+            <a:lumOff val="0"/>
+            <a:alphaOff val="0"/>
+          </a:schemeClr>
+        </a:solidFill>
+        <a:ln w="13970" cap="flat" cmpd="sng" algn="ctr">
+          <a:solidFill>
+            <a:schemeClr val="lt1">
+              <a:hueOff val="0"/>
+              <a:satOff val="0"/>
+              <a:lumOff val="0"/>
+              <a:alphaOff val="0"/>
+            </a:schemeClr>
+          </a:solidFill>
+          <a:prstDash val="solid"/>
+        </a:ln>
+        <a:effectLst/>
+      </dsp:spPr>
+      <dsp:style>
+        <a:lnRef idx="2">
+          <a:scrgbClr r="0" g="0" b="0"/>
+        </a:lnRef>
+        <a:fillRef idx="1">
+          <a:scrgbClr r="0" g="0" b="0"/>
+        </a:fillRef>
+        <a:effectRef idx="0">
+          <a:scrgbClr r="0" g="0" b="0"/>
+        </a:effectRef>
+        <a:fontRef idx="minor">
+          <a:schemeClr val="lt1"/>
+        </a:fontRef>
+      </dsp:style>
+      <dsp:txBody>
+        <a:bodyPr spcFirstLastPara="0" vert="horz" wrap="square" lIns="72390" tIns="72390" rIns="72390" bIns="72390" numCol="1" spcCol="1270" anchor="ctr" anchorCtr="0">
+          <a:noAutofit/>
+        </a:bodyPr>
+        <a:lstStyle/>
+        <a:p>
+          <a:pPr marL="0" lvl="0" indent="0" algn="l" defTabSz="844550">
+            <a:lnSpc>
+              <a:spcPct val="90000"/>
+            </a:lnSpc>
+            <a:spcBef>
+              <a:spcPct val="0"/>
+            </a:spcBef>
+            <a:spcAft>
+              <a:spcPct val="35000"/>
+            </a:spcAft>
+            <a:buNone/>
+          </a:pPr>
+          <a:r>
+            <a:rPr lang="it-IT" sz="1900" kern="1200"/>
+            <a:t>Work done in ILASP shows clearly a fact: time complexity doesn’t scale well with respect to search space dimension.</a:t>
+          </a:r>
+          <a:endParaRPr lang="en-US" sz="1900" kern="1200"/>
+        </a:p>
+      </dsp:txBody>
+      <dsp:txXfrm>
+        <a:off x="79643" y="208707"/>
+        <a:ext cx="5830849" cy="1472209"/>
+      </dsp:txXfrm>
+    </dsp:sp>
+    <dsp:sp modelId="{F431AD32-C33A-412B-9CC7-89AF17BA271E}">
+      <dsp:nvSpPr>
+        <dsp:cNvPr id="0" name=""/>
+        <dsp:cNvSpPr/>
+      </dsp:nvSpPr>
+      <dsp:spPr>
+        <a:xfrm>
+          <a:off x="0" y="1815279"/>
+          <a:ext cx="5990135" cy="1631495"/>
+        </a:xfrm>
+        <a:prstGeom prst="roundRect">
+          <a:avLst/>
+        </a:prstGeom>
+        <a:solidFill>
+          <a:schemeClr val="accent5">
+            <a:hueOff val="-9534578"/>
+            <a:satOff val="2515"/>
+            <a:lumOff val="1275"/>
+            <a:alphaOff val="0"/>
+          </a:schemeClr>
+        </a:solidFill>
+        <a:ln w="13970" cap="flat" cmpd="sng" algn="ctr">
+          <a:solidFill>
+            <a:schemeClr val="lt1">
+              <a:hueOff val="0"/>
+              <a:satOff val="0"/>
+              <a:lumOff val="0"/>
+              <a:alphaOff val="0"/>
+            </a:schemeClr>
+          </a:solidFill>
+          <a:prstDash val="solid"/>
+        </a:ln>
+        <a:effectLst/>
+      </dsp:spPr>
+      <dsp:style>
+        <a:lnRef idx="2">
+          <a:scrgbClr r="0" g="0" b="0"/>
+        </a:lnRef>
+        <a:fillRef idx="1">
+          <a:scrgbClr r="0" g="0" b="0"/>
+        </a:fillRef>
+        <a:effectRef idx="0">
+          <a:scrgbClr r="0" g="0" b="0"/>
+        </a:effectRef>
+        <a:fontRef idx="minor">
+          <a:schemeClr val="lt1"/>
+        </a:fontRef>
+      </dsp:style>
+      <dsp:txBody>
+        <a:bodyPr spcFirstLastPara="0" vert="horz" wrap="square" lIns="72390" tIns="72390" rIns="72390" bIns="72390" numCol="1" spcCol="1270" anchor="ctr" anchorCtr="0">
+          <a:noAutofit/>
+        </a:bodyPr>
+        <a:lstStyle/>
+        <a:p>
+          <a:pPr marL="0" lvl="0" indent="0" algn="l" defTabSz="844550">
+            <a:lnSpc>
+              <a:spcPct val="90000"/>
+            </a:lnSpc>
+            <a:spcBef>
+              <a:spcPct val="0"/>
+            </a:spcBef>
+            <a:spcAft>
+              <a:spcPct val="35000"/>
+            </a:spcAft>
+            <a:buNone/>
+          </a:pPr>
+          <a:r>
+            <a:rPr lang="it-IT" sz="1900" kern="1200" dirty="0" err="1"/>
+            <a:t>Trying</a:t>
+          </a:r>
+          <a:r>
+            <a:rPr lang="it-IT" sz="1900" kern="1200" dirty="0"/>
+            <a:t> to do the 2 </a:t>
+          </a:r>
+          <a:r>
+            <a:rPr lang="it-IT" sz="1900" kern="1200" dirty="0" err="1"/>
+            <a:t>previous</a:t>
+          </a:r>
+          <a:r>
+            <a:rPr lang="it-IT" sz="1900" kern="1200" dirty="0"/>
+            <a:t> tasks </a:t>
+          </a:r>
+          <a:r>
+            <a:rPr lang="it-IT" sz="1900" kern="1200" dirty="0" err="1"/>
+            <a:t>both</a:t>
+          </a:r>
+          <a:r>
+            <a:rPr lang="it-IT" sz="1900" kern="1200" dirty="0"/>
+            <a:t> on the </a:t>
+          </a:r>
+          <a:r>
+            <a:rPr lang="it-IT" sz="1900" kern="1200" dirty="0" err="1"/>
+            <a:t>same</a:t>
+          </a:r>
+          <a:r>
+            <a:rPr lang="it-IT" sz="1900" kern="1200" dirty="0"/>
+            <a:t> script </a:t>
+          </a:r>
+          <a:r>
+            <a:rPr lang="it-IT" sz="1900" kern="1200" dirty="0" err="1"/>
+            <a:t>was</a:t>
+          </a:r>
+          <a:r>
+            <a:rPr lang="it-IT" sz="1900" kern="1200" dirty="0"/>
+            <a:t> </a:t>
+          </a:r>
+          <a:r>
+            <a:rPr lang="it-IT" sz="1900" kern="1200" dirty="0" err="1"/>
+            <a:t>not</a:t>
+          </a:r>
+          <a:r>
+            <a:rPr lang="it-IT" sz="1900" kern="1200" dirty="0"/>
+            <a:t> </a:t>
+          </a:r>
+          <a:r>
+            <a:rPr lang="it-IT" sz="1900" kern="1200" dirty="0" err="1"/>
+            <a:t>feasible</a:t>
+          </a:r>
+          <a:r>
+            <a:rPr lang="it-IT" sz="1900" kern="1200" dirty="0"/>
+            <a:t>: the </a:t>
+          </a:r>
+          <a:r>
+            <a:rPr lang="it-IT" sz="1900" kern="1200" dirty="0" err="1"/>
+            <a:t>search</a:t>
+          </a:r>
+          <a:r>
+            <a:rPr lang="it-IT" sz="1900" kern="1200" dirty="0"/>
+            <a:t> </a:t>
+          </a:r>
+          <a:r>
+            <a:rPr lang="it-IT" sz="1900" kern="1200" dirty="0" err="1"/>
+            <a:t>space</a:t>
+          </a:r>
+          <a:r>
+            <a:rPr lang="it-IT" sz="1900" kern="1200" dirty="0"/>
+            <a:t> </a:t>
+          </a:r>
+          <a:r>
+            <a:rPr lang="it-IT" sz="1900" kern="1200" dirty="0" err="1"/>
+            <a:t>was</a:t>
+          </a:r>
+          <a:r>
+            <a:rPr lang="it-IT" sz="1900" kern="1200" dirty="0"/>
+            <a:t> </a:t>
+          </a:r>
+          <a:r>
+            <a:rPr lang="it-IT" sz="1900" kern="1200" dirty="0" err="1"/>
+            <a:t>too</a:t>
+          </a:r>
+          <a:r>
+            <a:rPr lang="it-IT" sz="1900" kern="1200" dirty="0"/>
+            <a:t> big, </a:t>
+          </a:r>
+          <a:r>
+            <a:rPr lang="it-IT" sz="1900" kern="1200" dirty="0" err="1"/>
+            <a:t>but</a:t>
+          </a:r>
+          <a:r>
+            <a:rPr lang="it-IT" sz="1900" kern="1200" dirty="0"/>
+            <a:t> </a:t>
+          </a:r>
+          <a:r>
+            <a:rPr lang="it-IT" sz="1900" kern="1200" dirty="0" err="1"/>
+            <a:t>actually</a:t>
+          </a:r>
+          <a:r>
+            <a:rPr lang="it-IT" sz="1900" kern="1200" dirty="0"/>
+            <a:t> the second task «just» </a:t>
+          </a:r>
+          <a:r>
+            <a:rPr lang="it-IT" sz="1900" kern="1200" dirty="0" err="1"/>
+            <a:t>got</a:t>
+          </a:r>
+          <a:r>
+            <a:rPr lang="it-IT" sz="1900" kern="1200" dirty="0"/>
+            <a:t> 1 more predicate (</a:t>
+          </a:r>
+          <a:r>
+            <a:rPr lang="it-IT" sz="1900" kern="1200" dirty="0" err="1"/>
+            <a:t>obstacle</a:t>
+          </a:r>
+          <a:r>
+            <a:rPr lang="it-IT" sz="1900" kern="1200" dirty="0"/>
+            <a:t>)!</a:t>
+          </a:r>
+          <a:endParaRPr lang="en-US" sz="1900" kern="1200" dirty="0"/>
+        </a:p>
+      </dsp:txBody>
+      <dsp:txXfrm>
+        <a:off x="79643" y="1894922"/>
+        <a:ext cx="5830849" cy="1472209"/>
+      </dsp:txXfrm>
+    </dsp:sp>
+    <dsp:sp modelId="{683F79BC-C8CF-486A-B086-86ABC46432B3}">
+      <dsp:nvSpPr>
+        <dsp:cNvPr id="0" name=""/>
+        <dsp:cNvSpPr/>
+      </dsp:nvSpPr>
+      <dsp:spPr>
+        <a:xfrm>
+          <a:off x="0" y="3501494"/>
+          <a:ext cx="5990135" cy="1631495"/>
+        </a:xfrm>
+        <a:prstGeom prst="roundRect">
+          <a:avLst/>
+        </a:prstGeom>
+        <a:solidFill>
+          <a:schemeClr val="accent5">
+            <a:hueOff val="-19069156"/>
+            <a:satOff val="5029"/>
+            <a:lumOff val="2549"/>
+            <a:alphaOff val="0"/>
+          </a:schemeClr>
+        </a:solidFill>
+        <a:ln w="13970" cap="flat" cmpd="sng" algn="ctr">
+          <a:solidFill>
+            <a:schemeClr val="lt1">
+              <a:hueOff val="0"/>
+              <a:satOff val="0"/>
+              <a:lumOff val="0"/>
+              <a:alphaOff val="0"/>
+            </a:schemeClr>
+          </a:solidFill>
+          <a:prstDash val="solid"/>
+        </a:ln>
+        <a:effectLst/>
+      </dsp:spPr>
+      <dsp:style>
+        <a:lnRef idx="2">
+          <a:scrgbClr r="0" g="0" b="0"/>
+        </a:lnRef>
+        <a:fillRef idx="1">
+          <a:scrgbClr r="0" g="0" b="0"/>
+        </a:fillRef>
+        <a:effectRef idx="0">
+          <a:scrgbClr r="0" g="0" b="0"/>
+        </a:effectRef>
+        <a:fontRef idx="minor">
+          <a:schemeClr val="lt1"/>
+        </a:fontRef>
+      </dsp:style>
+      <dsp:txBody>
+        <a:bodyPr spcFirstLastPara="0" vert="horz" wrap="square" lIns="72390" tIns="72390" rIns="72390" bIns="72390" numCol="1" spcCol="1270" anchor="ctr" anchorCtr="0">
+          <a:noAutofit/>
+        </a:bodyPr>
+        <a:lstStyle/>
+        <a:p>
+          <a:pPr marL="0" lvl="0" indent="0" algn="l" defTabSz="844550">
+            <a:lnSpc>
+              <a:spcPct val="90000"/>
+            </a:lnSpc>
+            <a:spcBef>
+              <a:spcPct val="0"/>
+            </a:spcBef>
+            <a:spcAft>
+              <a:spcPct val="35000"/>
+            </a:spcAft>
+            <a:buNone/>
+          </a:pPr>
+          <a:r>
+            <a:rPr lang="it-IT" sz="1900" kern="1200"/>
+            <a:t>ILASP got an option to show the search space of a task, by using the linux «wc» command it is possible to extract its dimension and later do an analysys of the relation time – search space dimension</a:t>
+          </a:r>
+          <a:endParaRPr lang="en-US" sz="1900" kern="1200"/>
+        </a:p>
+      </dsp:txBody>
+      <dsp:txXfrm>
+        <a:off x="79643" y="3581137"/>
+        <a:ext cx="5830849" cy="1472209"/>
+      </dsp:txXfrm>
+    </dsp:sp>
+  </dsp:spTree>
+</dsp:drawing>
+</file>
+
 <file path=ppt/diagrams/layout1.xml><?xml version="1.0" encoding="utf-8"?>
 <dgm:layoutDef xmlns:dgm="http://schemas.openxmlformats.org/drawingml/2006/diagram" xmlns:a="http://schemas.openxmlformats.org/drawingml/2006/main" uniqueId="urn:microsoft.com/office/officeart/2018/2/layout/IconLabelList">
   <dgm:title val="Icon Label List"/>
@@ -1768,7 +3222,1208 @@
 </dgm:layoutDef>
 </file>
 
+<file path=ppt/diagrams/layout2.xml><?xml version="1.0" encoding="utf-8"?>
+<dgm:layoutDef xmlns:dgm="http://schemas.openxmlformats.org/drawingml/2006/diagram" xmlns:a="http://schemas.openxmlformats.org/drawingml/2006/main" uniqueId="urn:microsoft.com/office/officeart/2005/8/layout/vList2">
+  <dgm:title val=""/>
+  <dgm:desc val=""/>
+  <dgm:catLst>
+    <dgm:cat type="list" pri="3000"/>
+    <dgm:cat type="convert" pri="1000"/>
+  </dgm:catLst>
+  <dgm:sampData>
+    <dgm:dataModel>
+      <dgm:ptLst>
+        <dgm:pt modelId="0" type="doc"/>
+        <dgm:pt modelId="1">
+          <dgm:prSet phldr="1"/>
+        </dgm:pt>
+        <dgm:pt modelId="11">
+          <dgm:prSet phldr="1"/>
+        </dgm:pt>
+        <dgm:pt modelId="2">
+          <dgm:prSet phldr="1"/>
+        </dgm:pt>
+        <dgm:pt modelId="21">
+          <dgm:prSet phldr="1"/>
+        </dgm:pt>
+      </dgm:ptLst>
+      <dgm:cxnLst>
+        <dgm:cxn modelId="4" srcId="0" destId="1" srcOrd="0" destOrd="0"/>
+        <dgm:cxn modelId="5" srcId="0" destId="2" srcOrd="1" destOrd="0"/>
+        <dgm:cxn modelId="12" srcId="1" destId="11" srcOrd="0" destOrd="0"/>
+        <dgm:cxn modelId="23" srcId="2" destId="21" srcOrd="0" destOrd="0"/>
+      </dgm:cxnLst>
+      <dgm:bg/>
+      <dgm:whole/>
+    </dgm:dataModel>
+  </dgm:sampData>
+  <dgm:styleData>
+    <dgm:dataModel>
+      <dgm:ptLst>
+        <dgm:pt modelId="0" type="doc"/>
+        <dgm:pt modelId="1"/>
+        <dgm:pt modelId="2"/>
+      </dgm:ptLst>
+      <dgm:cxnLst>
+        <dgm:cxn modelId="3" srcId="0" destId="1" srcOrd="0" destOrd="0"/>
+        <dgm:cxn modelId="4" srcId="0" destId="2" srcOrd="1" destOrd="0"/>
+      </dgm:cxnLst>
+      <dgm:bg/>
+      <dgm:whole/>
+    </dgm:dataModel>
+  </dgm:styleData>
+  <dgm:clrData>
+    <dgm:dataModel>
+      <dgm:ptLst>
+        <dgm:pt modelId="0" type="doc"/>
+        <dgm:pt modelId="1"/>
+        <dgm:pt modelId="2"/>
+        <dgm:pt modelId="3"/>
+        <dgm:pt modelId="4"/>
+      </dgm:ptLst>
+      <dgm:cxnLst>
+        <dgm:cxn modelId="5" srcId="0" destId="1" srcOrd="0" destOrd="0"/>
+        <dgm:cxn modelId="6" srcId="0" destId="2" srcOrd="1" destOrd="0"/>
+        <dgm:cxn modelId="7" srcId="0" destId="3" srcOrd="2" destOrd="0"/>
+        <dgm:cxn modelId="8" srcId="0" destId="4" srcOrd="3" destOrd="0"/>
+      </dgm:cxnLst>
+      <dgm:bg/>
+      <dgm:whole/>
+    </dgm:dataModel>
+  </dgm:clrData>
+  <dgm:layoutNode name="linear">
+    <dgm:varLst>
+      <dgm:animLvl val="lvl"/>
+      <dgm:resizeHandles val="exact"/>
+    </dgm:varLst>
+    <dgm:alg type="lin">
+      <dgm:param type="linDir" val="fromT"/>
+      <dgm:param type="vertAlign" val="mid"/>
+    </dgm:alg>
+    <dgm:shape xmlns:r="http://schemas.openxmlformats.org/officeDocument/2006/relationships" r:blip="">
+      <dgm:adjLst/>
+    </dgm:shape>
+    <dgm:presOf/>
+    <dgm:constrLst>
+      <dgm:constr type="w" for="ch" forName="parentText" refType="w"/>
+      <dgm:constr type="h" for="ch" forName="parentText" refType="primFontSz" refFor="ch" refForName="parentText" fact="0.52"/>
+      <dgm:constr type="w" for="ch" forName="childText" refType="w"/>
+      <dgm:constr type="h" for="ch" forName="childText" refType="primFontSz" refFor="ch" refForName="parentText" fact="0.46"/>
+      <dgm:constr type="h" for="ch" forName="parentText" op="equ"/>
+      <dgm:constr type="primFontSz" for="ch" forName="parentText" op="equ" val="65"/>
+      <dgm:constr type="primFontSz" for="ch" forName="childText" refType="primFontSz" refFor="ch" refForName="parentText" op="equ"/>
+      <dgm:constr type="h" for="ch" forName="spacer" refType="primFontSz" refFor="ch" refForName="parentText" fact="0.08"/>
+    </dgm:constrLst>
+    <dgm:ruleLst>
+      <dgm:rule type="primFontSz" for="ch" forName="parentText" val="5" fact="NaN" max="NaN"/>
+    </dgm:ruleLst>
+    <dgm:forEach name="Name0" axis="ch" ptType="node">
+      <dgm:layoutNode name="parentText" styleLbl="node1">
+        <dgm:varLst>
+          <dgm:chMax val="0"/>
+          <dgm:bulletEnabled val="1"/>
+        </dgm:varLst>
+        <dgm:alg type="tx">
+          <dgm:param type="parTxLTRAlign" val="l"/>
+          <dgm:param type="parTxRTLAlign" val="r"/>
+        </dgm:alg>
+        <dgm:shape xmlns:r="http://schemas.openxmlformats.org/officeDocument/2006/relationships" type="roundRect" r:blip="">
+          <dgm:adjLst/>
+        </dgm:shape>
+        <dgm:presOf axis="self"/>
+        <dgm:constrLst>
+          <dgm:constr type="tMarg" refType="primFontSz" fact="0.3"/>
+          <dgm:constr type="bMarg" refType="primFontSz" fact="0.3"/>
+          <dgm:constr type="lMarg" refType="primFontSz" fact="0.3"/>
+          <dgm:constr type="rMarg" refType="primFontSz" fact="0.3"/>
+        </dgm:constrLst>
+        <dgm:ruleLst>
+          <dgm:rule type="h" val="INF" fact="NaN" max="NaN"/>
+        </dgm:ruleLst>
+      </dgm:layoutNode>
+      <dgm:choose name="Name1">
+        <dgm:if name="Name2" axis="ch" ptType="node" func="cnt" op="gte" val="1">
+          <dgm:layoutNode name="childText" styleLbl="revTx">
+            <dgm:varLst>
+              <dgm:bulletEnabled val="1"/>
+            </dgm:varLst>
+            <dgm:alg type="tx">
+              <dgm:param type="stBulletLvl" val="1"/>
+              <dgm:param type="lnSpAfChP" val="20"/>
+            </dgm:alg>
+            <dgm:shape xmlns:r="http://schemas.openxmlformats.org/officeDocument/2006/relationships" type="rect" r:blip="">
+              <dgm:adjLst/>
+            </dgm:shape>
+            <dgm:presOf axis="des" ptType="node"/>
+            <dgm:constrLst>
+              <dgm:constr type="tMarg" refType="primFontSz" fact="0.1"/>
+              <dgm:constr type="bMarg" refType="primFontSz" fact="0.1"/>
+              <dgm:constr type="lMarg" refType="w" fact="0.09"/>
+            </dgm:constrLst>
+            <dgm:ruleLst>
+              <dgm:rule type="h" val="INF" fact="NaN" max="NaN"/>
+            </dgm:ruleLst>
+          </dgm:layoutNode>
+        </dgm:if>
+        <dgm:else name="Name3">
+          <dgm:choose name="Name4">
+            <dgm:if name="Name5" axis="par ch" ptType="doc node" func="cnt" op="gte" val="2">
+              <dgm:forEach name="Name6" axis="followSib" ptType="sibTrans" cnt="1">
+                <dgm:layoutNode name="spacer">
+                  <dgm:alg type="sp"/>
+                  <dgm:shape xmlns:r="http://schemas.openxmlformats.org/officeDocument/2006/relationships" r:blip="">
+                    <dgm:adjLst/>
+                  </dgm:shape>
+                  <dgm:presOf/>
+                  <dgm:constrLst/>
+                  <dgm:ruleLst/>
+                </dgm:layoutNode>
+              </dgm:forEach>
+            </dgm:if>
+            <dgm:else name="Name7"/>
+          </dgm:choose>
+        </dgm:else>
+      </dgm:choose>
+    </dgm:forEach>
+  </dgm:layoutNode>
+</dgm:layoutDef>
+</file>
+
 <file path=ppt/diagrams/quickStyle1.xml><?xml version="1.0" encoding="utf-8"?>
+<dgm:styleDef xmlns:dgm="http://schemas.openxmlformats.org/drawingml/2006/diagram" xmlns:a="http://schemas.openxmlformats.org/drawingml/2006/main" uniqueId="urn:microsoft.com/office/officeart/2005/8/quickstyle/simple1">
+  <dgm:title val=""/>
+  <dgm:desc val=""/>
+  <dgm:catLst>
+    <dgm:cat type="simple" pri="10100"/>
+  </dgm:catLst>
+  <dgm:scene3d>
+    <a:camera prst="orthographicFront"/>
+    <a:lightRig rig="threePt" dir="t"/>
+  </dgm:scene3d>
+  <dgm:styleLbl name="node0">
+    <dgm:scene3d>
+      <a:camera prst="orthographicFront"/>
+      <a:lightRig rig="threePt" dir="t"/>
+    </dgm:scene3d>
+    <dgm:sp3d/>
+    <dgm:txPr/>
+    <dgm:style>
+      <a:lnRef idx="2">
+        <a:scrgbClr r="0" g="0" b="0"/>
+      </a:lnRef>
+      <a:fillRef idx="1">
+        <a:scrgbClr r="0" g="0" b="0"/>
+      </a:fillRef>
+      <a:effectRef idx="0">
+        <a:scrgbClr r="0" g="0" b="0"/>
+      </a:effectRef>
+      <a:fontRef idx="minor">
+        <a:schemeClr val="lt1"/>
+      </a:fontRef>
+    </dgm:style>
+  </dgm:styleLbl>
+  <dgm:styleLbl name="lnNode1">
+    <dgm:scene3d>
+      <a:camera prst="orthographicFront"/>
+      <a:lightRig rig="threePt" dir="t"/>
+    </dgm:scene3d>
+    <dgm:sp3d/>
+    <dgm:txPr/>
+    <dgm:style>
+      <a:lnRef idx="2">
+        <a:scrgbClr r="0" g="0" b="0"/>
+      </a:lnRef>
+      <a:fillRef idx="1">
+        <a:scrgbClr r="0" g="0" b="0"/>
+      </a:fillRef>
+      <a:effectRef idx="0">
+        <a:scrgbClr r="0" g="0" b="0"/>
+      </a:effectRef>
+      <a:fontRef idx="minor">
+        <a:schemeClr val="lt1"/>
+      </a:fontRef>
+    </dgm:style>
+  </dgm:styleLbl>
+  <dgm:styleLbl name="vennNode1">
+    <dgm:scene3d>
+      <a:camera prst="orthographicFront"/>
+      <a:lightRig rig="threePt" dir="t"/>
+    </dgm:scene3d>
+    <dgm:sp3d/>
+    <dgm:txPr/>
+    <dgm:style>
+      <a:lnRef idx="2">
+        <a:scrgbClr r="0" g="0" b="0"/>
+      </a:lnRef>
+      <a:fillRef idx="1">
+        <a:scrgbClr r="0" g="0" b="0"/>
+      </a:fillRef>
+      <a:effectRef idx="0">
+        <a:scrgbClr r="0" g="0" b="0"/>
+      </a:effectRef>
+      <a:fontRef idx="minor">
+        <a:schemeClr val="tx1"/>
+      </a:fontRef>
+    </dgm:style>
+  </dgm:styleLbl>
+  <dgm:styleLbl name="alignNode1">
+    <dgm:scene3d>
+      <a:camera prst="orthographicFront"/>
+      <a:lightRig rig="threePt" dir="t"/>
+    </dgm:scene3d>
+    <dgm:sp3d/>
+    <dgm:txPr/>
+    <dgm:style>
+      <a:lnRef idx="2">
+        <a:scrgbClr r="0" g="0" b="0"/>
+      </a:lnRef>
+      <a:fillRef idx="1">
+        <a:scrgbClr r="0" g="0" b="0"/>
+      </a:fillRef>
+      <a:effectRef idx="0">
+        <a:scrgbClr r="0" g="0" b="0"/>
+      </a:effectRef>
+      <a:fontRef idx="minor">
+        <a:schemeClr val="lt1"/>
+      </a:fontRef>
+    </dgm:style>
+  </dgm:styleLbl>
+  <dgm:styleLbl name="node1">
+    <dgm:scene3d>
+      <a:camera prst="orthographicFront"/>
+      <a:lightRig rig="threePt" dir="t"/>
+    </dgm:scene3d>
+    <dgm:sp3d/>
+    <dgm:txPr/>
+    <dgm:style>
+      <a:lnRef idx="2">
+        <a:scrgbClr r="0" g="0" b="0"/>
+      </a:lnRef>
+      <a:fillRef idx="1">
+        <a:scrgbClr r="0" g="0" b="0"/>
+      </a:fillRef>
+      <a:effectRef idx="0">
+        <a:scrgbClr r="0" g="0" b="0"/>
+      </a:effectRef>
+      <a:fontRef idx="minor">
+        <a:schemeClr val="lt1"/>
+      </a:fontRef>
+    </dgm:style>
+  </dgm:styleLbl>
+  <dgm:styleLbl name="node2">
+    <dgm:scene3d>
+      <a:camera prst="orthographicFront"/>
+      <a:lightRig rig="threePt" dir="t"/>
+    </dgm:scene3d>
+    <dgm:sp3d/>
+    <dgm:txPr/>
+    <dgm:style>
+      <a:lnRef idx="2">
+        <a:scrgbClr r="0" g="0" b="0"/>
+      </a:lnRef>
+      <a:fillRef idx="1">
+        <a:scrgbClr r="0" g="0" b="0"/>
+      </a:fillRef>
+      <a:effectRef idx="0">
+        <a:scrgbClr r="0" g="0" b="0"/>
+      </a:effectRef>
+      <a:fontRef idx="minor">
+        <a:schemeClr val="lt1"/>
+      </a:fontRef>
+    </dgm:style>
+  </dgm:styleLbl>
+  <dgm:styleLbl name="node3">
+    <dgm:scene3d>
+      <a:camera prst="orthographicFront"/>
+      <a:lightRig rig="threePt" dir="t"/>
+    </dgm:scene3d>
+    <dgm:sp3d/>
+    <dgm:txPr/>
+    <dgm:style>
+      <a:lnRef idx="2">
+        <a:scrgbClr r="0" g="0" b="0"/>
+      </a:lnRef>
+      <a:fillRef idx="1">
+        <a:scrgbClr r="0" g="0" b="0"/>
+      </a:fillRef>
+      <a:effectRef idx="0">
+        <a:scrgbClr r="0" g="0" b="0"/>
+      </a:effectRef>
+      <a:fontRef idx="minor">
+        <a:schemeClr val="lt1"/>
+      </a:fontRef>
+    </dgm:style>
+  </dgm:styleLbl>
+  <dgm:styleLbl name="node4">
+    <dgm:scene3d>
+      <a:camera prst="orthographicFront"/>
+      <a:lightRig rig="threePt" dir="t"/>
+    </dgm:scene3d>
+    <dgm:sp3d/>
+    <dgm:txPr/>
+    <dgm:style>
+      <a:lnRef idx="2">
+        <a:scrgbClr r="0" g="0" b="0"/>
+      </a:lnRef>
+      <a:fillRef idx="1">
+        <a:scrgbClr r="0" g="0" b="0"/>
+      </a:fillRef>
+      <a:effectRef idx="0">
+        <a:scrgbClr r="0" g="0" b="0"/>
+      </a:effectRef>
+      <a:fontRef idx="minor">
+        <a:schemeClr val="lt1"/>
+      </a:fontRef>
+    </dgm:style>
+  </dgm:styleLbl>
+  <dgm:styleLbl name="fgImgPlace1">
+    <dgm:scene3d>
+      <a:camera prst="orthographicFront"/>
+      <a:lightRig rig="threePt" dir="t"/>
+    </dgm:scene3d>
+    <dgm:sp3d/>
+    <dgm:txPr/>
+    <dgm:style>
+      <a:lnRef idx="2">
+        <a:scrgbClr r="0" g="0" b="0"/>
+      </a:lnRef>
+      <a:fillRef idx="1">
+        <a:scrgbClr r="0" g="0" b="0"/>
+      </a:fillRef>
+      <a:effectRef idx="0">
+        <a:scrgbClr r="0" g="0" b="0"/>
+      </a:effectRef>
+      <a:fontRef idx="minor"/>
+    </dgm:style>
+  </dgm:styleLbl>
+  <dgm:styleLbl name="alignImgPlace1">
+    <dgm:scene3d>
+      <a:camera prst="orthographicFront"/>
+      <a:lightRig rig="threePt" dir="t"/>
+    </dgm:scene3d>
+    <dgm:sp3d/>
+    <dgm:txPr/>
+    <dgm:style>
+      <a:lnRef idx="2">
+        <a:scrgbClr r="0" g="0" b="0"/>
+      </a:lnRef>
+      <a:fillRef idx="1">
+        <a:scrgbClr r="0" g="0" b="0"/>
+      </a:fillRef>
+      <a:effectRef idx="0">
+        <a:scrgbClr r="0" g="0" b="0"/>
+      </a:effectRef>
+      <a:fontRef idx="minor"/>
+    </dgm:style>
+  </dgm:styleLbl>
+  <dgm:styleLbl name="bgImgPlace1">
+    <dgm:scene3d>
+      <a:camera prst="orthographicFront"/>
+      <a:lightRig rig="threePt" dir="t"/>
+    </dgm:scene3d>
+    <dgm:sp3d/>
+    <dgm:txPr/>
+    <dgm:style>
+      <a:lnRef idx="2">
+        <a:scrgbClr r="0" g="0" b="0"/>
+      </a:lnRef>
+      <a:fillRef idx="1">
+        <a:scrgbClr r="0" g="0" b="0"/>
+      </a:fillRef>
+      <a:effectRef idx="0">
+        <a:scrgbClr r="0" g="0" b="0"/>
+      </a:effectRef>
+      <a:fontRef idx="minor"/>
+    </dgm:style>
+  </dgm:styleLbl>
+  <dgm:styleLbl name="sibTrans2D1">
+    <dgm:scene3d>
+      <a:camera prst="orthographicFront"/>
+      <a:lightRig rig="threePt" dir="t"/>
+    </dgm:scene3d>
+    <dgm:sp3d/>
+    <dgm:txPr/>
+    <dgm:style>
+      <a:lnRef idx="0">
+        <a:scrgbClr r="0" g="0" b="0"/>
+      </a:lnRef>
+      <a:fillRef idx="1">
+        <a:scrgbClr r="0" g="0" b="0"/>
+      </a:fillRef>
+      <a:effectRef idx="0">
+        <a:scrgbClr r="0" g="0" b="0"/>
+      </a:effectRef>
+      <a:fontRef idx="minor">
+        <a:schemeClr val="lt1"/>
+      </a:fontRef>
+    </dgm:style>
+  </dgm:styleLbl>
+  <dgm:styleLbl name="fgSibTrans2D1">
+    <dgm:scene3d>
+      <a:camera prst="orthographicFront"/>
+      <a:lightRig rig="threePt" dir="t"/>
+    </dgm:scene3d>
+    <dgm:sp3d/>
+    <dgm:txPr/>
+    <dgm:style>
+      <a:lnRef idx="0">
+        <a:scrgbClr r="0" g="0" b="0"/>
+      </a:lnRef>
+      <a:fillRef idx="1">
+        <a:scrgbClr r="0" g="0" b="0"/>
+      </a:fillRef>
+      <a:effectRef idx="0">
+        <a:scrgbClr r="0" g="0" b="0"/>
+      </a:effectRef>
+      <a:fontRef idx="minor">
+        <a:schemeClr val="lt1"/>
+      </a:fontRef>
+    </dgm:style>
+  </dgm:styleLbl>
+  <dgm:styleLbl name="bgSibTrans2D1">
+    <dgm:scene3d>
+      <a:camera prst="orthographicFront"/>
+      <a:lightRig rig="threePt" dir="t"/>
+    </dgm:scene3d>
+    <dgm:sp3d/>
+    <dgm:txPr/>
+    <dgm:style>
+      <a:lnRef idx="0">
+        <a:scrgbClr r="0" g="0" b="0"/>
+      </a:lnRef>
+      <a:fillRef idx="1">
+        <a:scrgbClr r="0" g="0" b="0"/>
+      </a:fillRef>
+      <a:effectRef idx="0">
+        <a:scrgbClr r="0" g="0" b="0"/>
+      </a:effectRef>
+      <a:fontRef idx="minor">
+        <a:schemeClr val="lt1"/>
+      </a:fontRef>
+    </dgm:style>
+  </dgm:styleLbl>
+  <dgm:styleLbl name="sibTrans1D1">
+    <dgm:scene3d>
+      <a:camera prst="orthographicFront"/>
+      <a:lightRig rig="threePt" dir="t"/>
+    </dgm:scene3d>
+    <dgm:sp3d/>
+    <dgm:txPr/>
+    <dgm:style>
+      <a:lnRef idx="1">
+        <a:scrgbClr r="0" g="0" b="0"/>
+      </a:lnRef>
+      <a:fillRef idx="0">
+        <a:scrgbClr r="0" g="0" b="0"/>
+      </a:fillRef>
+      <a:effectRef idx="0">
+        <a:scrgbClr r="0" g="0" b="0"/>
+      </a:effectRef>
+      <a:fontRef idx="minor"/>
+    </dgm:style>
+  </dgm:styleLbl>
+  <dgm:styleLbl name="callout">
+    <dgm:scene3d>
+      <a:camera prst="orthographicFront"/>
+      <a:lightRig rig="threePt" dir="t"/>
+    </dgm:scene3d>
+    <dgm:sp3d/>
+    <dgm:txPr/>
+    <dgm:style>
+      <a:lnRef idx="2">
+        <a:scrgbClr r="0" g="0" b="0"/>
+      </a:lnRef>
+      <a:fillRef idx="1">
+        <a:scrgbClr r="0" g="0" b="0"/>
+      </a:fillRef>
+      <a:effectRef idx="0">
+        <a:scrgbClr r="0" g="0" b="0"/>
+      </a:effectRef>
+      <a:fontRef idx="minor"/>
+    </dgm:style>
+  </dgm:styleLbl>
+  <dgm:styleLbl name="asst0">
+    <dgm:scene3d>
+      <a:camera prst="orthographicFront"/>
+      <a:lightRig rig="threePt" dir="t"/>
+    </dgm:scene3d>
+    <dgm:sp3d/>
+    <dgm:txPr/>
+    <dgm:style>
+      <a:lnRef idx="2">
+        <a:scrgbClr r="0" g="0" b="0"/>
+      </a:lnRef>
+      <a:fillRef idx="1">
+        <a:scrgbClr r="0" g="0" b="0"/>
+      </a:fillRef>
+      <a:effectRef idx="0">
+        <a:scrgbClr r="0" g="0" b="0"/>
+      </a:effectRef>
+      <a:fontRef idx="minor">
+        <a:schemeClr val="lt1"/>
+      </a:fontRef>
+    </dgm:style>
+  </dgm:styleLbl>
+  <dgm:styleLbl name="asst1">
+    <dgm:scene3d>
+      <a:camera prst="orthographicFront"/>
+      <a:lightRig rig="threePt" dir="t"/>
+    </dgm:scene3d>
+    <dgm:sp3d/>
+    <dgm:txPr/>
+    <dgm:style>
+      <a:lnRef idx="2">
+        <a:scrgbClr r="0" g="0" b="0"/>
+      </a:lnRef>
+      <a:fillRef idx="1">
+        <a:scrgbClr r="0" g="0" b="0"/>
+      </a:fillRef>
+      <a:effectRef idx="0">
+        <a:scrgbClr r="0" g="0" b="0"/>
+      </a:effectRef>
+      <a:fontRef idx="minor">
+        <a:schemeClr val="lt1"/>
+      </a:fontRef>
+    </dgm:style>
+  </dgm:styleLbl>
+  <dgm:styleLbl name="asst2">
+    <dgm:scene3d>
+      <a:camera prst="orthographicFront"/>
+      <a:lightRig rig="threePt" dir="t"/>
+    </dgm:scene3d>
+    <dgm:sp3d/>
+    <dgm:txPr/>
+    <dgm:style>
+      <a:lnRef idx="2">
+        <a:scrgbClr r="0" g="0" b="0"/>
+      </a:lnRef>
+      <a:fillRef idx="1">
+        <a:scrgbClr r="0" g="0" b="0"/>
+      </a:fillRef>
+      <a:effectRef idx="0">
+        <a:scrgbClr r="0" g="0" b="0"/>
+      </a:effectRef>
+      <a:fontRef idx="minor">
+        <a:schemeClr val="lt1"/>
+      </a:fontRef>
+    </dgm:style>
+  </dgm:styleLbl>
+  <dgm:styleLbl name="asst3">
+    <dgm:scene3d>
+      <a:camera prst="orthographicFront"/>
+      <a:lightRig rig="threePt" dir="t"/>
+    </dgm:scene3d>
+    <dgm:sp3d/>
+    <dgm:txPr/>
+    <dgm:style>
+      <a:lnRef idx="2">
+        <a:scrgbClr r="0" g="0" b="0"/>
+      </a:lnRef>
+      <a:fillRef idx="1">
+        <a:scrgbClr r="0" g="0" b="0"/>
+      </a:fillRef>
+      <a:effectRef idx="0">
+        <a:scrgbClr r="0" g="0" b="0"/>
+      </a:effectRef>
+      <a:fontRef idx="minor">
+        <a:schemeClr val="lt1"/>
+      </a:fontRef>
+    </dgm:style>
+  </dgm:styleLbl>
+  <dgm:styleLbl name="asst4">
+    <dgm:scene3d>
+      <a:camera prst="orthographicFront"/>
+      <a:lightRig rig="threePt" dir="t"/>
+    </dgm:scene3d>
+    <dgm:sp3d/>
+    <dgm:txPr/>
+    <dgm:style>
+      <a:lnRef idx="2">
+        <a:scrgbClr r="0" g="0" b="0"/>
+      </a:lnRef>
+      <a:fillRef idx="1">
+        <a:scrgbClr r="0" g="0" b="0"/>
+      </a:fillRef>
+      <a:effectRef idx="0">
+        <a:scrgbClr r="0" g="0" b="0"/>
+      </a:effectRef>
+      <a:fontRef idx="minor">
+        <a:schemeClr val="lt1"/>
+      </a:fontRef>
+    </dgm:style>
+  </dgm:styleLbl>
+  <dgm:styleLbl name="parChTrans2D1">
+    <dgm:scene3d>
+      <a:camera prst="orthographicFront"/>
+      <a:lightRig rig="threePt" dir="t"/>
+    </dgm:scene3d>
+    <dgm:sp3d/>
+    <dgm:txPr/>
+    <dgm:style>
+      <a:lnRef idx="2">
+        <a:scrgbClr r="0" g="0" b="0"/>
+      </a:lnRef>
+      <a:fillRef idx="1">
+        <a:scrgbClr r="0" g="0" b="0"/>
+      </a:fillRef>
+      <a:effectRef idx="0">
+        <a:scrgbClr r="0" g="0" b="0"/>
+      </a:effectRef>
+      <a:fontRef idx="minor">
+        <a:schemeClr val="lt1"/>
+      </a:fontRef>
+    </dgm:style>
+  </dgm:styleLbl>
+  <dgm:styleLbl name="parChTrans2D2">
+    <dgm:scene3d>
+      <a:camera prst="orthographicFront"/>
+      <a:lightRig rig="threePt" dir="t"/>
+    </dgm:scene3d>
+    <dgm:sp3d/>
+    <dgm:txPr/>
+    <dgm:style>
+      <a:lnRef idx="2">
+        <a:scrgbClr r="0" g="0" b="0"/>
+      </a:lnRef>
+      <a:fillRef idx="1">
+        <a:scrgbClr r="0" g="0" b="0"/>
+      </a:fillRef>
+      <a:effectRef idx="0">
+        <a:scrgbClr r="0" g="0" b="0"/>
+      </a:effectRef>
+      <a:fontRef idx="minor">
+        <a:schemeClr val="lt1"/>
+      </a:fontRef>
+    </dgm:style>
+  </dgm:styleLbl>
+  <dgm:styleLbl name="parChTrans2D3">
+    <dgm:scene3d>
+      <a:camera prst="orthographicFront"/>
+      <a:lightRig rig="threePt" dir="t"/>
+    </dgm:scene3d>
+    <dgm:sp3d/>
+    <dgm:txPr/>
+    <dgm:style>
+      <a:lnRef idx="2">
+        <a:scrgbClr r="0" g="0" b="0"/>
+      </a:lnRef>
+      <a:fillRef idx="1">
+        <a:scrgbClr r="0" g="0" b="0"/>
+      </a:fillRef>
+      <a:effectRef idx="0">
+        <a:scrgbClr r="0" g="0" b="0"/>
+      </a:effectRef>
+      <a:fontRef idx="minor">
+        <a:schemeClr val="lt1"/>
+      </a:fontRef>
+    </dgm:style>
+  </dgm:styleLbl>
+  <dgm:styleLbl name="parChTrans2D4">
+    <dgm:scene3d>
+      <a:camera prst="orthographicFront"/>
+      <a:lightRig rig="threePt" dir="t"/>
+    </dgm:scene3d>
+    <dgm:sp3d/>
+    <dgm:txPr/>
+    <dgm:style>
+      <a:lnRef idx="2">
+        <a:scrgbClr r="0" g="0" b="0"/>
+      </a:lnRef>
+      <a:fillRef idx="1">
+        <a:scrgbClr r="0" g="0" b="0"/>
+      </a:fillRef>
+      <a:effectRef idx="0">
+        <a:scrgbClr r="0" g="0" b="0"/>
+      </a:effectRef>
+      <a:fontRef idx="minor">
+        <a:schemeClr val="lt1"/>
+      </a:fontRef>
+    </dgm:style>
+  </dgm:styleLbl>
+  <dgm:styleLbl name="parChTrans1D1">
+    <dgm:scene3d>
+      <a:camera prst="orthographicFront"/>
+      <a:lightRig rig="threePt" dir="t"/>
+    </dgm:scene3d>
+    <dgm:sp3d/>
+    <dgm:txPr/>
+    <dgm:style>
+      <a:lnRef idx="2">
+        <a:scrgbClr r="0" g="0" b="0"/>
+      </a:lnRef>
+      <a:fillRef idx="0">
+        <a:scrgbClr r="0" g="0" b="0"/>
+      </a:fillRef>
+      <a:effectRef idx="0">
+        <a:scrgbClr r="0" g="0" b="0"/>
+      </a:effectRef>
+      <a:fontRef idx="minor"/>
+    </dgm:style>
+  </dgm:styleLbl>
+  <dgm:styleLbl name="parChTrans1D2">
+    <dgm:scene3d>
+      <a:camera prst="orthographicFront"/>
+      <a:lightRig rig="threePt" dir="t"/>
+    </dgm:scene3d>
+    <dgm:sp3d/>
+    <dgm:txPr/>
+    <dgm:style>
+      <a:lnRef idx="2">
+        <a:scrgbClr r="0" g="0" b="0"/>
+      </a:lnRef>
+      <a:fillRef idx="0">
+        <a:scrgbClr r="0" g="0" b="0"/>
+      </a:fillRef>
+      <a:effectRef idx="0">
+        <a:scrgbClr r="0" g="0" b="0"/>
+      </a:effectRef>
+      <a:fontRef idx="minor"/>
+    </dgm:style>
+  </dgm:styleLbl>
+  <dgm:styleLbl name="parChTrans1D3">
+    <dgm:scene3d>
+      <a:camera prst="orthographicFront"/>
+      <a:lightRig rig="threePt" dir="t"/>
+    </dgm:scene3d>
+    <dgm:sp3d/>
+    <dgm:txPr/>
+    <dgm:style>
+      <a:lnRef idx="2">
+        <a:scrgbClr r="0" g="0" b="0"/>
+      </a:lnRef>
+      <a:fillRef idx="0">
+        <a:scrgbClr r="0" g="0" b="0"/>
+      </a:fillRef>
+      <a:effectRef idx="0">
+        <a:scrgbClr r="0" g="0" b="0"/>
+      </a:effectRef>
+      <a:fontRef idx="minor"/>
+    </dgm:style>
+  </dgm:styleLbl>
+  <dgm:styleLbl name="parChTrans1D4">
+    <dgm:scene3d>
+      <a:camera prst="orthographicFront"/>
+      <a:lightRig rig="threePt" dir="t"/>
+    </dgm:scene3d>
+    <dgm:sp3d/>
+    <dgm:txPr/>
+    <dgm:style>
+      <a:lnRef idx="2">
+        <a:scrgbClr r="0" g="0" b="0"/>
+      </a:lnRef>
+      <a:fillRef idx="0">
+        <a:scrgbClr r="0" g="0" b="0"/>
+      </a:fillRef>
+      <a:effectRef idx="0">
+        <a:scrgbClr r="0" g="0" b="0"/>
+      </a:effectRef>
+      <a:fontRef idx="minor"/>
+    </dgm:style>
+  </dgm:styleLbl>
+  <dgm:styleLbl name="fgAcc1">
+    <dgm:scene3d>
+      <a:camera prst="orthographicFront"/>
+      <a:lightRig rig="threePt" dir="t"/>
+    </dgm:scene3d>
+    <dgm:sp3d/>
+    <dgm:txPr/>
+    <dgm:style>
+      <a:lnRef idx="2">
+        <a:scrgbClr r="0" g="0" b="0"/>
+      </a:lnRef>
+      <a:fillRef idx="1">
+        <a:scrgbClr r="0" g="0" b="0"/>
+      </a:fillRef>
+      <a:effectRef idx="0">
+        <a:scrgbClr r="0" g="0" b="0"/>
+      </a:effectRef>
+      <a:fontRef idx="minor"/>
+    </dgm:style>
+  </dgm:styleLbl>
+  <dgm:styleLbl name="conFgAcc1">
+    <dgm:scene3d>
+      <a:camera prst="orthographicFront"/>
+      <a:lightRig rig="threePt" dir="t"/>
+    </dgm:scene3d>
+    <dgm:sp3d/>
+    <dgm:txPr/>
+    <dgm:style>
+      <a:lnRef idx="2">
+        <a:scrgbClr r="0" g="0" b="0"/>
+      </a:lnRef>
+      <a:fillRef idx="1">
+        <a:scrgbClr r="0" g="0" b="0"/>
+      </a:fillRef>
+      <a:effectRef idx="0">
+        <a:scrgbClr r="0" g="0" b="0"/>
+      </a:effectRef>
+      <a:fontRef idx="minor"/>
+    </dgm:style>
+  </dgm:styleLbl>
+  <dgm:styleLbl name="alignAcc1">
+    <dgm:scene3d>
+      <a:camera prst="orthographicFront"/>
+      <a:lightRig rig="threePt" dir="t"/>
+    </dgm:scene3d>
+    <dgm:sp3d/>
+    <dgm:txPr/>
+    <dgm:style>
+      <a:lnRef idx="2">
+        <a:scrgbClr r="0" g="0" b="0"/>
+      </a:lnRef>
+      <a:fillRef idx="1">
+        <a:scrgbClr r="0" g="0" b="0"/>
+      </a:fillRef>
+      <a:effectRef idx="0">
+        <a:scrgbClr r="0" g="0" b="0"/>
+      </a:effectRef>
+      <a:fontRef idx="minor"/>
+    </dgm:style>
+  </dgm:styleLbl>
+  <dgm:styleLbl name="trAlignAcc1">
+    <dgm:scene3d>
+      <a:camera prst="orthographicFront"/>
+      <a:lightRig rig="threePt" dir="t"/>
+    </dgm:scene3d>
+    <dgm:sp3d/>
+    <dgm:txPr/>
+    <dgm:style>
+      <a:lnRef idx="1">
+        <a:scrgbClr r="0" g="0" b="0"/>
+      </a:lnRef>
+      <a:fillRef idx="1">
+        <a:scrgbClr r="0" g="0" b="0"/>
+      </a:fillRef>
+      <a:effectRef idx="0">
+        <a:scrgbClr r="0" g="0" b="0"/>
+      </a:effectRef>
+      <a:fontRef idx="minor"/>
+    </dgm:style>
+  </dgm:styleLbl>
+  <dgm:styleLbl name="bgAcc1">
+    <dgm:scene3d>
+      <a:camera prst="orthographicFront"/>
+      <a:lightRig rig="threePt" dir="t"/>
+    </dgm:scene3d>
+    <dgm:sp3d/>
+    <dgm:txPr/>
+    <dgm:style>
+      <a:lnRef idx="2">
+        <a:scrgbClr r="0" g="0" b="0"/>
+      </a:lnRef>
+      <a:fillRef idx="1">
+        <a:scrgbClr r="0" g="0" b="0"/>
+      </a:fillRef>
+      <a:effectRef idx="0">
+        <a:scrgbClr r="0" g="0" b="0"/>
+      </a:effectRef>
+      <a:fontRef idx="minor"/>
+    </dgm:style>
+  </dgm:styleLbl>
+  <dgm:styleLbl name="solidFgAcc1">
+    <dgm:scene3d>
+      <a:camera prst="orthographicFront"/>
+      <a:lightRig rig="threePt" dir="t"/>
+    </dgm:scene3d>
+    <dgm:sp3d/>
+    <dgm:txPr/>
+    <dgm:style>
+      <a:lnRef idx="2">
+        <a:scrgbClr r="0" g="0" b="0"/>
+      </a:lnRef>
+      <a:fillRef idx="1">
+        <a:scrgbClr r="0" g="0" b="0"/>
+      </a:fillRef>
+      <a:effectRef idx="0">
+        <a:scrgbClr r="0" g="0" b="0"/>
+      </a:effectRef>
+      <a:fontRef idx="minor"/>
+    </dgm:style>
+  </dgm:styleLbl>
+  <dgm:styleLbl name="solidAlignAcc1">
+    <dgm:scene3d>
+      <a:camera prst="orthographicFront"/>
+      <a:lightRig rig="threePt" dir="t"/>
+    </dgm:scene3d>
+    <dgm:sp3d/>
+    <dgm:txPr/>
+    <dgm:style>
+      <a:lnRef idx="2">
+        <a:scrgbClr r="0" g="0" b="0"/>
+      </a:lnRef>
+      <a:fillRef idx="1">
+        <a:scrgbClr r="0" g="0" b="0"/>
+      </a:fillRef>
+      <a:effectRef idx="0">
+        <a:scrgbClr r="0" g="0" b="0"/>
+      </a:effectRef>
+      <a:fontRef idx="minor"/>
+    </dgm:style>
+  </dgm:styleLbl>
+  <dgm:styleLbl name="solidBgAcc1">
+    <dgm:scene3d>
+      <a:camera prst="orthographicFront"/>
+      <a:lightRig rig="threePt" dir="t"/>
+    </dgm:scene3d>
+    <dgm:sp3d/>
+    <dgm:txPr/>
+    <dgm:style>
+      <a:lnRef idx="2">
+        <a:scrgbClr r="0" g="0" b="0"/>
+      </a:lnRef>
+      <a:fillRef idx="1">
+        <a:scrgbClr r="0" g="0" b="0"/>
+      </a:fillRef>
+      <a:effectRef idx="0">
+        <a:scrgbClr r="0" g="0" b="0"/>
+      </a:effectRef>
+      <a:fontRef idx="minor"/>
+    </dgm:style>
+  </dgm:styleLbl>
+  <dgm:styleLbl name="fgAccFollowNode1">
+    <dgm:scene3d>
+      <a:camera prst="orthographicFront"/>
+      <a:lightRig rig="threePt" dir="t"/>
+    </dgm:scene3d>
+    <dgm:sp3d/>
+    <dgm:txPr/>
+    <dgm:style>
+      <a:lnRef idx="2">
+        <a:scrgbClr r="0" g="0" b="0"/>
+      </a:lnRef>
+      <a:fillRef idx="1">
+        <a:scrgbClr r="0" g="0" b="0"/>
+      </a:fillRef>
+      <a:effectRef idx="0">
+        <a:scrgbClr r="0" g="0" b="0"/>
+      </a:effectRef>
+      <a:fontRef idx="minor"/>
+    </dgm:style>
+  </dgm:styleLbl>
+  <dgm:styleLbl name="alignAccFollowNode1">
+    <dgm:scene3d>
+      <a:camera prst="orthographicFront"/>
+      <a:lightRig rig="threePt" dir="t"/>
+    </dgm:scene3d>
+    <dgm:sp3d/>
+    <dgm:txPr/>
+    <dgm:style>
+      <a:lnRef idx="2">
+        <a:scrgbClr r="0" g="0" b="0"/>
+      </a:lnRef>
+      <a:fillRef idx="1">
+        <a:scrgbClr r="0" g="0" b="0"/>
+      </a:fillRef>
+      <a:effectRef idx="0">
+        <a:scrgbClr r="0" g="0" b="0"/>
+      </a:effectRef>
+      <a:fontRef idx="minor"/>
+    </dgm:style>
+  </dgm:styleLbl>
+  <dgm:styleLbl name="bgAccFollowNode1">
+    <dgm:scene3d>
+      <a:camera prst="orthographicFront"/>
+      <a:lightRig rig="threePt" dir="t"/>
+    </dgm:scene3d>
+    <dgm:sp3d/>
+    <dgm:txPr/>
+    <dgm:style>
+      <a:lnRef idx="2">
+        <a:scrgbClr r="0" g="0" b="0"/>
+      </a:lnRef>
+      <a:fillRef idx="1">
+        <a:scrgbClr r="0" g="0" b="0"/>
+      </a:fillRef>
+      <a:effectRef idx="0">
+        <a:scrgbClr r="0" g="0" b="0"/>
+      </a:effectRef>
+      <a:fontRef idx="minor"/>
+    </dgm:style>
+  </dgm:styleLbl>
+  <dgm:styleLbl name="fgAcc0">
+    <dgm:scene3d>
+      <a:camera prst="orthographicFront"/>
+      <a:lightRig rig="threePt" dir="t"/>
+    </dgm:scene3d>
+    <dgm:sp3d/>
+    <dgm:txPr/>
+    <dgm:style>
+      <a:lnRef idx="2">
+        <a:scrgbClr r="0" g="0" b="0"/>
+      </a:lnRef>
+      <a:fillRef idx="1">
+        <a:scrgbClr r="0" g="0" b="0"/>
+      </a:fillRef>
+      <a:effectRef idx="0">
+        <a:scrgbClr r="0" g="0" b="0"/>
+      </a:effectRef>
+      <a:fontRef idx="minor"/>
+    </dgm:style>
+  </dgm:styleLbl>
+  <dgm:styleLbl name="fgAcc2">
+    <dgm:scene3d>
+      <a:camera prst="orthographicFront"/>
+      <a:lightRig rig="threePt" dir="t"/>
+    </dgm:scene3d>
+    <dgm:sp3d/>
+    <dgm:txPr/>
+    <dgm:style>
+      <a:lnRef idx="2">
+        <a:scrgbClr r="0" g="0" b="0"/>
+      </a:lnRef>
+      <a:fillRef idx="1">
+        <a:scrgbClr r="0" g="0" b="0"/>
+      </a:fillRef>
+      <a:effectRef idx="0">
+        <a:scrgbClr r="0" g="0" b="0"/>
+      </a:effectRef>
+      <a:fontRef idx="minor"/>
+    </dgm:style>
+  </dgm:styleLbl>
+  <dgm:styleLbl name="fgAcc3">
+    <dgm:scene3d>
+      <a:camera prst="orthographicFront"/>
+      <a:lightRig rig="threePt" dir="t"/>
+    </dgm:scene3d>
+    <dgm:sp3d/>
+    <dgm:txPr/>
+    <dgm:style>
+      <a:lnRef idx="2">
+        <a:scrgbClr r="0" g="0" b="0"/>
+      </a:lnRef>
+      <a:fillRef idx="1">
+        <a:scrgbClr r="0" g="0" b="0"/>
+      </a:fillRef>
+      <a:effectRef idx="0">
+        <a:scrgbClr r="0" g="0" b="0"/>
+      </a:effectRef>
+      <a:fontRef idx="minor"/>
+    </dgm:style>
+  </dgm:styleLbl>
+  <dgm:styleLbl name="fgAcc4">
+    <dgm:scene3d>
+      <a:camera prst="orthographicFront"/>
+      <a:lightRig rig="threePt" dir="t"/>
+    </dgm:scene3d>
+    <dgm:sp3d/>
+    <dgm:txPr/>
+    <dgm:style>
+      <a:lnRef idx="2">
+        <a:scrgbClr r="0" g="0" b="0"/>
+      </a:lnRef>
+      <a:fillRef idx="1">
+        <a:scrgbClr r="0" g="0" b="0"/>
+      </a:fillRef>
+      <a:effectRef idx="0">
+        <a:scrgbClr r="0" g="0" b="0"/>
+      </a:effectRef>
+      <a:fontRef idx="minor"/>
+    </dgm:style>
+  </dgm:styleLbl>
+  <dgm:styleLbl name="bgShp">
+    <dgm:scene3d>
+      <a:camera prst="orthographicFront"/>
+      <a:lightRig rig="threePt" dir="t"/>
+    </dgm:scene3d>
+    <dgm:sp3d/>
+    <dgm:txPr/>
+    <dgm:style>
+      <a:lnRef idx="0">
+        <a:scrgbClr r="0" g="0" b="0"/>
+      </a:lnRef>
+      <a:fillRef idx="1">
+        <a:scrgbClr r="0" g="0" b="0"/>
+      </a:fillRef>
+      <a:effectRef idx="0">
+        <a:scrgbClr r="0" g="0" b="0"/>
+      </a:effectRef>
+      <a:fontRef idx="minor"/>
+    </dgm:style>
+  </dgm:styleLbl>
+  <dgm:styleLbl name="dkBgShp">
+    <dgm:scene3d>
+      <a:camera prst="orthographicFront"/>
+      <a:lightRig rig="threePt" dir="t"/>
+    </dgm:scene3d>
+    <dgm:sp3d/>
+    <dgm:txPr/>
+    <dgm:style>
+      <a:lnRef idx="0">
+        <a:scrgbClr r="0" g="0" b="0"/>
+      </a:lnRef>
+      <a:fillRef idx="1">
+        <a:scrgbClr r="0" g="0" b="0"/>
+      </a:fillRef>
+      <a:effectRef idx="0">
+        <a:scrgbClr r="0" g="0" b="0"/>
+      </a:effectRef>
+      <a:fontRef idx="minor"/>
+    </dgm:style>
+  </dgm:styleLbl>
+  <dgm:styleLbl name="trBgShp">
+    <dgm:scene3d>
+      <a:camera prst="orthographicFront"/>
+      <a:lightRig rig="threePt" dir="t"/>
+    </dgm:scene3d>
+    <dgm:sp3d/>
+    <dgm:txPr/>
+    <dgm:style>
+      <a:lnRef idx="0">
+        <a:scrgbClr r="0" g="0" b="0"/>
+      </a:lnRef>
+      <a:fillRef idx="1">
+        <a:scrgbClr r="0" g="0" b="0"/>
+      </a:fillRef>
+      <a:effectRef idx="0">
+        <a:scrgbClr r="0" g="0" b="0"/>
+      </a:effectRef>
+      <a:fontRef idx="minor"/>
+    </dgm:style>
+  </dgm:styleLbl>
+  <dgm:styleLbl name="fgShp">
+    <dgm:scene3d>
+      <a:camera prst="orthographicFront"/>
+      <a:lightRig rig="threePt" dir="t"/>
+    </dgm:scene3d>
+    <dgm:sp3d/>
+    <dgm:txPr/>
+    <dgm:style>
+      <a:lnRef idx="2">
+        <a:scrgbClr r="0" g="0" b="0"/>
+      </a:lnRef>
+      <a:fillRef idx="1">
+        <a:scrgbClr r="0" g="0" b="0"/>
+      </a:fillRef>
+      <a:effectRef idx="0">
+        <a:scrgbClr r="0" g="0" b="0"/>
+      </a:effectRef>
+      <a:fontRef idx="minor"/>
+    </dgm:style>
+  </dgm:styleLbl>
+  <dgm:styleLbl name="revTx">
+    <dgm:scene3d>
+      <a:camera prst="orthographicFront"/>
+      <a:lightRig rig="threePt" dir="t"/>
+    </dgm:scene3d>
+    <dgm:sp3d/>
+    <dgm:txPr/>
+    <dgm:style>
+      <a:lnRef idx="0">
+        <a:scrgbClr r="0" g="0" b="0"/>
+      </a:lnRef>
+      <a:fillRef idx="0">
+        <a:scrgbClr r="0" g="0" b="0"/>
+      </a:fillRef>
+      <a:effectRef idx="0">
+        <a:scrgbClr r="0" g="0" b="0"/>
+      </a:effectRef>
+      <a:fontRef idx="minor"/>
+    </dgm:style>
+  </dgm:styleLbl>
+</dgm:styleDef>
+</file>
+
+<file path=ppt/diagrams/quickStyle2.xml><?xml version="1.0" encoding="utf-8"?>
 <dgm:styleDef xmlns:dgm="http://schemas.openxmlformats.org/drawingml/2006/diagram" xmlns:a="http://schemas.openxmlformats.org/drawingml/2006/main" uniqueId="urn:microsoft.com/office/officeart/2005/8/quickstyle/simple1">
   <dgm:title val=""/>
   <dgm:desc val=""/>
@@ -6881,7 +9536,7 @@
         </p:spPr>
         <p:txBody>
           <a:bodyPr>
-            <a:normAutofit fontScale="92500" lnSpcReduction="10000"/>
+            <a:normAutofit lnSpcReduction="10000"/>
           </a:bodyPr>
           <a:lstStyle/>
           <a:p>
@@ -6971,7 +9626,7 @@
             </a:r>
             <a:r>
               <a:rPr lang="it-IT" sz="1300" dirty="0" err="1"/>
-              <a:t>next</a:t>
+              <a:t>nextLegit</a:t>
             </a:r>
             <a:r>
               <a:rPr lang="it-IT" sz="1300" dirty="0"/>
@@ -6979,6 +9634,83 @@
             </a:r>
           </a:p>
           <a:p>
+            <a:pPr marL="0" indent="0">
+              <a:buNone/>
+            </a:pPr>
+            <a:r>
+              <a:rPr lang="it-IT" sz="1300" dirty="0" err="1"/>
+              <a:t>Something</a:t>
+            </a:r>
+            <a:r>
+              <a:rPr lang="it-IT" sz="1300" dirty="0"/>
+              <a:t> like : </a:t>
+            </a:r>
+            <a:r>
+              <a:rPr lang="it-IT" sz="1300" dirty="0" err="1"/>
+              <a:t>nextLegit</a:t>
+            </a:r>
+            <a:r>
+              <a:rPr lang="it-IT" sz="1300" dirty="0"/>
+              <a:t>((X,Y), (Z,K)) </a:t>
+            </a:r>
+            <a:r>
+              <a:rPr lang="it-IT" sz="1300" dirty="0" err="1"/>
+              <a:t>holds</a:t>
+            </a:r>
+            <a:r>
+              <a:rPr lang="it-IT" sz="1300" dirty="0"/>
+              <a:t> </a:t>
+            </a:r>
+            <a:r>
+              <a:rPr lang="it-IT" sz="1300" dirty="0" err="1"/>
+              <a:t>if</a:t>
+            </a:r>
+            <a:r>
+              <a:rPr lang="it-IT" sz="1300" dirty="0"/>
+              <a:t> </a:t>
+            </a:r>
+            <a:r>
+              <a:rPr lang="it-IT" sz="1300" dirty="0" err="1"/>
+              <a:t>coordinates</a:t>
+            </a:r>
+            <a:r>
+              <a:rPr lang="it-IT" sz="1300" dirty="0"/>
+              <a:t> are </a:t>
+            </a:r>
+            <a:r>
+              <a:rPr lang="it-IT" sz="1300" dirty="0" err="1"/>
+              <a:t>near</a:t>
+            </a:r>
+            <a:r>
+              <a:rPr lang="it-IT" sz="1300" dirty="0"/>
+              <a:t> and </a:t>
+            </a:r>
+            <a:r>
+              <a:rPr lang="it-IT" sz="1300" dirty="0" err="1"/>
+              <a:t>not</a:t>
+            </a:r>
+            <a:r>
+              <a:rPr lang="it-IT" sz="1300" dirty="0"/>
+              <a:t> </a:t>
+            </a:r>
+            <a:r>
+              <a:rPr lang="it-IT" sz="1300" dirty="0" err="1"/>
+              <a:t>contain</a:t>
+            </a:r>
+            <a:r>
+              <a:rPr lang="it-IT" sz="1300" dirty="0"/>
+              <a:t> </a:t>
+            </a:r>
+            <a:r>
+              <a:rPr lang="it-IT" sz="1300" dirty="0" err="1"/>
+              <a:t>obstacles</a:t>
+            </a:r>
+            <a:r>
+              <a:rPr lang="it-IT" sz="1300" dirty="0"/>
+              <a:t>.</a:t>
+            </a:r>
+          </a:p>
+          <a:p>
             <a:r>
               <a:rPr lang="it-IT" sz="1300" b="1" dirty="0"/>
               <a:t>Background Knowledge:</a:t>
@@ -7052,7 +9784,48 @@
             </a:r>
             <a:r>
               <a:rPr lang="it-IT" sz="1300" dirty="0"/>
-              <a:t>.</a:t>
+              <a:t>. </a:t>
+            </a:r>
+          </a:p>
+          <a:p>
+            <a:pPr marL="274320" lvl="1" indent="0">
+              <a:buNone/>
+            </a:pPr>
+            <a:r>
+              <a:rPr lang="it-IT" sz="1300" dirty="0"/>
+              <a:t>    «</a:t>
+            </a:r>
+            <a:r>
+              <a:rPr lang="it-IT" sz="1300" dirty="0" err="1"/>
+              <a:t>obstacle</a:t>
+            </a:r>
+            <a:r>
+              <a:rPr lang="it-IT" sz="1300" dirty="0"/>
+              <a:t>» predicate. «</a:t>
+            </a:r>
+            <a:r>
+              <a:rPr lang="it-IT" sz="1300" dirty="0" err="1"/>
+              <a:t>next</a:t>
+            </a:r>
+            <a:r>
+              <a:rPr lang="it-IT" sz="1300" dirty="0"/>
+              <a:t> predicate» (</a:t>
+            </a:r>
+            <a:r>
+              <a:rPr lang="it-IT" sz="1300" dirty="0" err="1"/>
+              <a:t>learned</a:t>
+            </a:r>
+            <a:r>
+              <a:rPr lang="it-IT" sz="1300" dirty="0"/>
+              <a:t> </a:t>
+            </a:r>
+            <a:r>
+              <a:rPr lang="it-IT" sz="1300" dirty="0" err="1"/>
+              <a:t>prev</a:t>
+            </a:r>
+            <a:r>
+              <a:rPr lang="it-IT" sz="1300" dirty="0"/>
+              <a:t>).</a:t>
             </a:r>
           </a:p>
           <a:p>
@@ -7088,7 +9861,7 @@
             </a:r>
             <a:r>
               <a:rPr lang="it-IT" sz="1300" dirty="0" err="1"/>
-              <a:t>next</a:t>
+              <a:t>nextLegit</a:t>
             </a:r>
             <a:r>
               <a:rPr lang="it-IT" sz="1300" dirty="0"/>
@@ -7108,11 +9881,11 @@
             </a:r>
             <a:r>
               <a:rPr lang="it-IT" sz="1300" dirty="0"/>
-              <a:t> for </a:t>
+              <a:t> in </a:t>
             </a:r>
             <a:r>
               <a:rPr lang="it-IT" sz="1300" dirty="0" err="1"/>
-              <a:t>near</a:t>
+              <a:t>cells</a:t>
             </a:r>
             <a:r>
               <a:rPr lang="it-IT" sz="1300" dirty="0"/>
@@ -7120,15 +9893,15 @@
             </a:r>
             <a:r>
               <a:rPr lang="it-IT" sz="1300" dirty="0" err="1"/>
-              <a:t>cells</a:t>
+              <a:t>without</a:t>
             </a:r>
             <a:r>
               <a:rPr lang="it-IT" sz="1300" dirty="0"/>
-              <a:t> on the </a:t>
+              <a:t> </a:t>
             </a:r>
             <a:r>
               <a:rPr lang="it-IT" sz="1300" dirty="0" err="1"/>
-              <a:t>grid</a:t>
+              <a:t>obstacles</a:t>
             </a:r>
             <a:r>
               <a:rPr lang="it-IT" sz="1300" dirty="0"/>
@@ -7162,7 +9935,7 @@
               <a:rPr lang="it-IT" sz="1300" dirty="0" err="1">
                 <a:cs typeface="Courier New" panose="02070309020205020404" pitchFamily="49" charset="0"/>
               </a:rPr>
-              <a:t>different</a:t>
+              <a:t>that</a:t>
             </a:r>
             <a:r>
               <a:rPr lang="it-IT" sz="1300" dirty="0">
@@ -7174,7 +9947,7 @@
               <a:rPr lang="it-IT" sz="1300" dirty="0" err="1">
                 <a:cs typeface="Courier New" panose="02070309020205020404" pitchFamily="49" charset="0"/>
               </a:rPr>
-              <a:t>contexts</a:t>
+              <a:t>nextLegit</a:t>
             </a:r>
             <a:r>
               <a:rPr lang="it-IT" sz="1300" dirty="0">
@@ -7186,7 +9959,7 @@
               <a:rPr lang="it-IT" sz="1300" dirty="0" err="1">
                 <a:cs typeface="Courier New" panose="02070309020205020404" pitchFamily="49" charset="0"/>
               </a:rPr>
-              <a:t>where</a:t>
+              <a:t>is</a:t>
             </a:r>
             <a:r>
               <a:rPr lang="it-IT" sz="1300" dirty="0">
@@ -7198,7 +9971,7 @@
               <a:rPr lang="it-IT" sz="1300" dirty="0" err="1">
                 <a:cs typeface="Courier New" panose="02070309020205020404" pitchFamily="49" charset="0"/>
               </a:rPr>
-              <a:t>next</a:t>
+              <a:t>not</a:t>
             </a:r>
             <a:r>
               <a:rPr lang="it-IT" sz="1300" dirty="0">
@@ -7210,37 +9983,13 @@
               <a:rPr lang="it-IT" sz="1300" dirty="0" err="1">
                 <a:cs typeface="Courier New" panose="02070309020205020404" pitchFamily="49" charset="0"/>
               </a:rPr>
-              <a:t>cannot</a:t>
+              <a:t>true</a:t>
             </a:r>
             <a:r>
               <a:rPr lang="it-IT" sz="1300" dirty="0">
                 <a:cs typeface="Courier New" panose="02070309020205020404" pitchFamily="49" charset="0"/>
               </a:rPr>
-              <a:t> be </a:t>
-            </a:r>
-            <a:r>
-              <a:rPr lang="it-IT" sz="1300" dirty="0" err="1">
-                <a:cs typeface="Courier New" panose="02070309020205020404" pitchFamily="49" charset="0"/>
-              </a:rPr>
-              <a:t>true</a:t>
-            </a:r>
-            <a:r>
-              <a:rPr lang="it-IT" sz="1300" dirty="0">
-                <a:cs typeface="Courier New" panose="02070309020205020404" pitchFamily="49" charset="0"/>
-              </a:rPr>
-              <a:t>; </a:t>
-            </a:r>
-            <a:r>
-              <a:rPr lang="it-IT" sz="1300" dirty="0" err="1">
-                <a:cs typeface="Courier New" panose="02070309020205020404" pitchFamily="49" charset="0"/>
-              </a:rPr>
-              <a:t>when</a:t>
-            </a:r>
-            <a:r>
-              <a:rPr lang="it-IT" sz="1300" dirty="0">
-                <a:cs typeface="Courier New" panose="02070309020205020404" pitchFamily="49" charset="0"/>
-              </a:rPr>
-              <a:t> 2 </a:t>
+              <a:t> in </a:t>
             </a:r>
             <a:r>
               <a:rPr lang="it-IT" sz="1300" dirty="0" err="1">
@@ -7252,104 +10001,17 @@
               <a:rPr lang="it-IT" sz="1300" dirty="0">
                 <a:cs typeface="Courier New" panose="02070309020205020404" pitchFamily="49" charset="0"/>
               </a:rPr>
-              <a:t> are </a:t>
+              <a:t> with </a:t>
             </a:r>
             <a:r>
               <a:rPr lang="it-IT" sz="1300" dirty="0" err="1">
                 <a:cs typeface="Courier New" panose="02070309020205020404" pitchFamily="49" charset="0"/>
               </a:rPr>
-              <a:t>distant</a:t>
-            </a:r>
-            <a:r>
-              <a:rPr lang="it-IT" sz="1300" dirty="0">
-                <a:cs typeface="Courier New" panose="02070309020205020404" pitchFamily="49" charset="0"/>
-              </a:rPr>
-              <a:t>, or </a:t>
-            </a:r>
-            <a:r>
-              <a:rPr lang="it-IT" sz="1300" dirty="0" err="1">
-                <a:cs typeface="Courier New" panose="02070309020205020404" pitchFamily="49" charset="0"/>
-              </a:rPr>
-              <a:t>when</a:t>
-            </a:r>
-            <a:r>
-              <a:rPr lang="it-IT" sz="1300" dirty="0">
-                <a:cs typeface="Courier New" panose="02070309020205020404" pitchFamily="49" charset="0"/>
-              </a:rPr>
-              <a:t> </a:t>
-            </a:r>
-            <a:r>
-              <a:rPr lang="it-IT" sz="1300" dirty="0" err="1">
-                <a:cs typeface="Courier New" panose="02070309020205020404" pitchFamily="49" charset="0"/>
-              </a:rPr>
-              <a:t>you</a:t>
-            </a:r>
-            <a:r>
-              <a:rPr lang="it-IT" sz="1300" dirty="0">
-                <a:cs typeface="Courier New" panose="02070309020205020404" pitchFamily="49" charset="0"/>
-              </a:rPr>
-              <a:t> exit from the </a:t>
-            </a:r>
-            <a:r>
-              <a:rPr lang="it-IT" sz="1300" dirty="0" err="1">
-                <a:cs typeface="Courier New" panose="02070309020205020404" pitchFamily="49" charset="0"/>
-              </a:rPr>
-              <a:t>grid</a:t>
-            </a:r>
-            <a:r>
-              <a:rPr lang="it-IT" sz="1300" dirty="0">
-                <a:cs typeface="Courier New" panose="02070309020205020404" pitchFamily="49" charset="0"/>
-              </a:rPr>
-              <a:t>, </a:t>
-            </a:r>
-            <a:r>
-              <a:rPr lang="it-IT" sz="1300" dirty="0" err="1">
-                <a:cs typeface="Courier New" panose="02070309020205020404" pitchFamily="49" charset="0"/>
-              </a:rPr>
-              <a:t>when</a:t>
-            </a:r>
-            <a:r>
-              <a:rPr lang="it-IT" sz="1300" dirty="0">
-                <a:cs typeface="Courier New" panose="02070309020205020404" pitchFamily="49" charset="0"/>
-              </a:rPr>
-              <a:t> </a:t>
-            </a:r>
-            <a:r>
-              <a:rPr lang="it-IT" sz="1300" dirty="0" err="1">
-                <a:cs typeface="Courier New" panose="02070309020205020404" pitchFamily="49" charset="0"/>
-              </a:rPr>
-              <a:t>cells</a:t>
-            </a:r>
-            <a:r>
-              <a:rPr lang="it-IT" sz="1300" dirty="0">
-                <a:cs typeface="Courier New" panose="02070309020205020404" pitchFamily="49" charset="0"/>
-              </a:rPr>
-              <a:t> are in the </a:t>
-            </a:r>
-            <a:r>
-              <a:rPr lang="it-IT" sz="1300" dirty="0" err="1">
-                <a:cs typeface="Courier New" panose="02070309020205020404" pitchFamily="49" charset="0"/>
-              </a:rPr>
-              <a:t>same</a:t>
-            </a:r>
-            <a:r>
-              <a:rPr lang="it-IT" sz="1300" dirty="0">
-                <a:cs typeface="Courier New" panose="02070309020205020404" pitchFamily="49" charset="0"/>
-              </a:rPr>
-              <a:t> </a:t>
-            </a:r>
-            <a:r>
-              <a:rPr lang="it-IT" sz="1300" dirty="0" err="1">
-                <a:cs typeface="Courier New" panose="02070309020205020404" pitchFamily="49" charset="0"/>
-              </a:rPr>
-              <a:t>diagonal</a:t>
-            </a:r>
-            <a:r>
-              <a:rPr lang="it-IT" sz="1300" dirty="0">
-                <a:cs typeface="Courier New" panose="02070309020205020404" pitchFamily="49" charset="0"/>
-              </a:rPr>
-              <a:t>.</a:t>
-            </a:r>
+              <a:t>obstacles</a:t>
+            </a:r>
+            <a:endParaRPr lang="it-IT" sz="1300" dirty="0">
+              <a:cs typeface="Courier New" panose="02070309020205020404" pitchFamily="49" charset="0"/>
+            </a:endParaRPr>
           </a:p>
           <a:p>
             <a:r>
@@ -7386,7 +10048,7 @@
               <a:rPr lang="it-IT" sz="1300" dirty="0" err="1">
                 <a:cs typeface="Courier New" panose="02070309020205020404" pitchFamily="49" charset="0"/>
               </a:rPr>
-              <a:t>cell</a:t>
+              <a:t>next</a:t>
             </a:r>
             <a:r>
               <a:rPr lang="it-IT" sz="1300" dirty="0">
@@ -7398,7 +10060,7 @@
               <a:rPr lang="it-IT" sz="1300" dirty="0" err="1">
                 <a:cs typeface="Courier New" panose="02070309020205020404" pitchFamily="49" charset="0"/>
               </a:rPr>
-              <a:t>succ</a:t>
+              <a:t>obstacle</a:t>
             </a:r>
             <a:r>
               <a:rPr lang="it-IT" sz="1300" dirty="0">
@@ -7410,7 +10072,7 @@
               <a:rPr lang="it-IT" sz="1300" dirty="0" err="1">
                 <a:cs typeface="Courier New" panose="02070309020205020404" pitchFamily="49" charset="0"/>
               </a:rPr>
-              <a:t>next</a:t>
+              <a:t>nextLegit</a:t>
             </a:r>
             <a:r>
               <a:rPr lang="it-IT" sz="1300" dirty="0">
@@ -7419,62 +10081,6 @@
               <a:t>» on the head of the rules.</a:t>
             </a:r>
             <a:endParaRPr lang="it-IT" sz="1300" b="1" dirty="0">
-              <a:cs typeface="Courier New" panose="02070309020205020404" pitchFamily="49" charset="0"/>
-            </a:endParaRPr>
-          </a:p>
-          <a:p>
-            <a:r>
-              <a:rPr lang="en-US" sz="1300" b="1" dirty="0">
-                <a:cs typeface="Courier New" panose="02070309020205020404" pitchFamily="49" charset="0"/>
-              </a:rPr>
-              <a:t>Parameters:</a:t>
-            </a:r>
-          </a:p>
-          <a:p>
-            <a:pPr lvl="1"/>
-            <a:r>
-              <a:rPr lang="en-US" sz="1300" dirty="0" err="1">
-                <a:cs typeface="Courier New" panose="02070309020205020404" pitchFamily="49" charset="0"/>
-              </a:rPr>
-              <a:t>max_proof_length</a:t>
-            </a:r>
-            <a:r>
-              <a:rPr lang="en-US" sz="1300" dirty="0">
-                <a:cs typeface="Courier New" panose="02070309020205020404" pitchFamily="49" charset="0"/>
-              </a:rPr>
-              <a:t>( 2). </a:t>
-            </a:r>
-          </a:p>
-          <a:p>
-            <a:pPr lvl="1"/>
-            <a:r>
-              <a:rPr lang="en-US" sz="1300" dirty="0" err="1">
-                <a:cs typeface="Courier New" panose="02070309020205020404" pitchFamily="49" charset="0"/>
-              </a:rPr>
-              <a:t>max_clauses</a:t>
-            </a:r>
-            <a:r>
-              <a:rPr lang="en-US" sz="1300" dirty="0">
-                <a:cs typeface="Courier New" panose="02070309020205020404" pitchFamily="49" charset="0"/>
-              </a:rPr>
-              <a:t>( 2). </a:t>
-            </a:r>
-          </a:p>
-          <a:p>
-            <a:pPr lvl="1"/>
-            <a:r>
-              <a:rPr lang="en-US" sz="1300" dirty="0" err="1">
-                <a:cs typeface="Courier New" panose="02070309020205020404" pitchFamily="49" charset="0"/>
-              </a:rPr>
-              <a:t>max_clause_length</a:t>
-            </a:r>
-            <a:r>
-              <a:rPr lang="en-US" sz="1300" dirty="0">
-                <a:cs typeface="Courier New" panose="02070309020205020404" pitchFamily="49" charset="0"/>
-              </a:rPr>
-              <a:t>( 3).  </a:t>
-            </a:r>
-            <a:endParaRPr lang="de-AT" sz="1300" dirty="0">
               <a:cs typeface="Courier New" panose="02070309020205020404" pitchFamily="49" charset="0"/>
             </a:endParaRPr>
           </a:p>
@@ -8029,10 +10635,183 @@
       </p:grpSpPr>
       <p:sp>
         <p:nvSpPr>
+          <p:cNvPr id="9" name="Rectangle 8">
+            <a:extLst>
+              <a:ext uri="{FF2B5EF4-FFF2-40B4-BE49-F238E27FC236}">
+                <a16:creationId xmlns:a16="http://schemas.microsoft.com/office/drawing/2014/main" id="{5D5E0904-721C-4D68-9EB8-1C9752E329A7}"/>
+              </a:ext>
+              <a:ext uri="{C183D7F6-B498-43B3-948B-1728B52AA6E4}">
+                <adec:decorative xmlns:adec="http://schemas.microsoft.com/office/drawing/2017/decorative" val="1"/>
+              </a:ext>
+            </a:extLst>
+          </p:cNvPr>
+          <p:cNvSpPr>
+            <a:spLocks noGrp="1" noRot="1" noChangeAspect="1" noMove="1" noResize="1" noEditPoints="1" noAdjustHandles="1" noChangeArrowheads="1" noChangeShapeType="1" noTextEdit="1"/>
+          </p:cNvSpPr>
+          <p:nvPr>
+            <p:extLst>
+              <p:ext uri="{386F3935-93C4-4BCD-93E2-E3B085C9AB24}">
+                <p16:designElem xmlns:p16="http://schemas.microsoft.com/office/powerpoint/2015/main" val="1"/>
+              </p:ext>
+            </p:extLst>
+          </p:nvPr>
+        </p:nvSpPr>
+        <p:spPr>
+          <a:xfrm>
+            <a:off x="0" y="0"/>
+            <a:ext cx="457200" cy="6858000"/>
+          </a:xfrm>
+          <a:prstGeom prst="rect">
+            <a:avLst/>
+          </a:prstGeom>
+          <a:solidFill>
+            <a:schemeClr val="accent1"/>
+          </a:solidFill>
+          <a:ln>
+            <a:noFill/>
+          </a:ln>
+        </p:spPr>
+        <p:style>
+          <a:lnRef idx="2">
+            <a:schemeClr val="accent1">
+              <a:shade val="50000"/>
+            </a:schemeClr>
+          </a:lnRef>
+          <a:fillRef idx="1">
+            <a:schemeClr val="accent1"/>
+          </a:fillRef>
+          <a:effectRef idx="0">
+            <a:schemeClr val="accent1"/>
+          </a:effectRef>
+          <a:fontRef idx="minor">
+            <a:schemeClr val="lt1"/>
+          </a:fontRef>
+        </p:style>
+      </p:sp>
+      <p:sp>
+        <p:nvSpPr>
+          <p:cNvPr id="11" name="Rectangle 10">
+            <a:extLst>
+              <a:ext uri="{FF2B5EF4-FFF2-40B4-BE49-F238E27FC236}">
+                <a16:creationId xmlns:a16="http://schemas.microsoft.com/office/drawing/2014/main" id="{B298ECBA-3258-45DF-8FD4-7581736BCCBC}"/>
+              </a:ext>
+              <a:ext uri="{C183D7F6-B498-43B3-948B-1728B52AA6E4}">
+                <adec:decorative xmlns:adec="http://schemas.microsoft.com/office/drawing/2017/decorative" val="1"/>
+              </a:ext>
+            </a:extLst>
+          </p:cNvPr>
+          <p:cNvSpPr>
+            <a:spLocks noGrp="1" noRot="1" noChangeAspect="1" noMove="1" noResize="1" noEditPoints="1" noAdjustHandles="1" noChangeArrowheads="1" noChangeShapeType="1" noTextEdit="1"/>
+          </p:cNvSpPr>
+          <p:nvPr>
+            <p:extLst>
+              <p:ext uri="{386F3935-93C4-4BCD-93E2-E3B085C9AB24}">
+                <p16:designElem xmlns:p16="http://schemas.microsoft.com/office/powerpoint/2015/main" val="1"/>
+              </p:ext>
+            </p:extLst>
+          </p:nvPr>
+        </p:nvSpPr>
+        <p:spPr>
+          <a:xfrm>
+            <a:off x="0" y="-3244"/>
+            <a:ext cx="457200" cy="6858000"/>
+          </a:xfrm>
+          <a:prstGeom prst="rect">
+            <a:avLst/>
+          </a:prstGeom>
+          <a:solidFill>
+            <a:srgbClr val="6F6F74"/>
+          </a:solidFill>
+          <a:ln>
+            <a:noFill/>
+          </a:ln>
+        </p:spPr>
+        <p:style>
+          <a:lnRef idx="2">
+            <a:schemeClr val="accent1">
+              <a:shade val="50000"/>
+            </a:schemeClr>
+          </a:lnRef>
+          <a:fillRef idx="1">
+            <a:schemeClr val="accent1"/>
+          </a:fillRef>
+          <a:effectRef idx="0">
+            <a:schemeClr val="accent1"/>
+          </a:effectRef>
+          <a:fontRef idx="minor">
+            <a:schemeClr val="lt1"/>
+          </a:fontRef>
+        </p:style>
+        <p:txBody>
+          <a:bodyPr rtlCol="0" anchor="ctr"/>
+          <a:lstStyle/>
+          <a:p>
+            <a:pPr algn="ctr"/>
+            <a:endParaRPr lang="en-US"/>
+          </a:p>
+        </p:txBody>
+      </p:sp>
+      <p:sp>
+        <p:nvSpPr>
+          <p:cNvPr id="13" name="Rectangle 12">
+            <a:extLst>
+              <a:ext uri="{FF2B5EF4-FFF2-40B4-BE49-F238E27FC236}">
+                <a16:creationId xmlns:a16="http://schemas.microsoft.com/office/drawing/2014/main" id="{B62BF453-BD82-4B90-9FE7-51703133806E}"/>
+              </a:ext>
+              <a:ext uri="{C183D7F6-B498-43B3-948B-1728B52AA6E4}">
+                <adec:decorative xmlns:adec="http://schemas.microsoft.com/office/drawing/2017/decorative" val="1"/>
+              </a:ext>
+            </a:extLst>
+          </p:cNvPr>
+          <p:cNvSpPr>
+            <a:spLocks noGrp="1" noRot="1" noChangeAspect="1" noMove="1" noResize="1" noEditPoints="1" noAdjustHandles="1" noChangeArrowheads="1" noChangeShapeType="1" noTextEdit="1"/>
+          </p:cNvSpPr>
+          <p:nvPr>
+            <p:extLst>
+              <p:ext uri="{386F3935-93C4-4BCD-93E2-E3B085C9AB24}">
+                <p16:designElem xmlns:p16="http://schemas.microsoft.com/office/powerpoint/2015/main" val="1"/>
+              </p:ext>
+            </p:extLst>
+          </p:nvPr>
+        </p:nvSpPr>
+        <p:spPr>
+          <a:xfrm>
+            <a:off x="457200" y="0"/>
+            <a:ext cx="10835640" cy="6858000"/>
+          </a:xfrm>
+          <a:prstGeom prst="rect">
+            <a:avLst/>
+          </a:prstGeom>
+          <a:solidFill>
+            <a:srgbClr val="353537"/>
+          </a:solidFill>
+          <a:ln>
+            <a:noFill/>
+          </a:ln>
+        </p:spPr>
+        <p:style>
+          <a:lnRef idx="2">
+            <a:schemeClr val="accent1">
+              <a:shade val="50000"/>
+            </a:schemeClr>
+          </a:lnRef>
+          <a:fillRef idx="1">
+            <a:schemeClr val="accent1"/>
+          </a:fillRef>
+          <a:effectRef idx="0">
+            <a:schemeClr val="accent1"/>
+          </a:effectRef>
+          <a:fontRef idx="minor">
+            <a:schemeClr val="lt1"/>
+          </a:fontRef>
+        </p:style>
+      </p:sp>
+      <p:sp>
+        <p:nvSpPr>
           <p:cNvPr id="2" name="Titolo 1">
             <a:extLst>
               <a:ext uri="{FF2B5EF4-FFF2-40B4-BE49-F238E27FC236}">
-                <a16:creationId xmlns:a16="http://schemas.microsoft.com/office/drawing/2014/main" id="{0A12707C-3206-4993-9DBE-17D9EACB1C00}"/>
+                <a16:creationId xmlns:a16="http://schemas.microsoft.com/office/drawing/2014/main" id="{B27153E9-BBEC-48CB-BBDA-66A20ABE3359}"/>
               </a:ext>
             </a:extLst>
           </p:cNvPr>
@@ -8045,58 +10824,98 @@
         </p:nvSpPr>
         <p:spPr>
           <a:xfrm>
-            <a:off x="4654295" y="484632"/>
-            <a:ext cx="6261555" cy="1512201"/>
+            <a:off x="8318090" y="758952"/>
+            <a:ext cx="2802194" cy="4041648"/>
           </a:xfrm>
         </p:spPr>
         <p:txBody>
-          <a:bodyPr>
+          <a:bodyPr vert="horz" lIns="91440" tIns="45720" rIns="91440" bIns="45720" rtlCol="0" anchor="b">
             <a:normAutofit/>
           </a:bodyPr>
           <a:lstStyle/>
           <a:p>
-            <a:r>
-              <a:rPr lang="it-IT"/>
-              <a:t>Learning to walk</a:t>
-            </a:r>
+            <a:pPr>
+              <a:lnSpc>
+                <a:spcPct val="85000"/>
+              </a:lnSpc>
+            </a:pPr>
+            <a:r>
+              <a:rPr lang="en-US" sz="4100">
+                <a:solidFill>
+                  <a:srgbClr val="FFFFFF"/>
+                </a:solidFill>
+              </a:rPr>
+              <a:t>Combining what learned in an ASP model</a:t>
+            </a:r>
+          </a:p>
+        </p:txBody>
+      </p:sp>
+      <p:sp useBgFill="1">
+        <p:nvSpPr>
+          <p:cNvPr id="15" name="Rectangle 14">
+            <a:extLst>
+              <a:ext uri="{FF2B5EF4-FFF2-40B4-BE49-F238E27FC236}">
+                <a16:creationId xmlns:a16="http://schemas.microsoft.com/office/drawing/2014/main" id="{072366D3-9B5C-42E1-9906-77FF6BB55EAB}"/>
+              </a:ext>
+              <a:ext uri="{C183D7F6-B498-43B3-948B-1728B52AA6E4}">
+                <adec:decorative xmlns:adec="http://schemas.microsoft.com/office/drawing/2017/decorative" val="1"/>
+              </a:ext>
+            </a:extLst>
+          </p:cNvPr>
+          <p:cNvSpPr>
+            <a:spLocks noGrp="1" noRot="1" noChangeAspect="1" noMove="1" noResize="1" noEditPoints="1" noAdjustHandles="1" noChangeArrowheads="1" noChangeShapeType="1" noTextEdit="1"/>
+          </p:cNvSpPr>
+          <p:nvPr>
+            <p:extLst>
+              <p:ext uri="{386F3935-93C4-4BCD-93E2-E3B085C9AB24}">
+                <p16:designElem xmlns:p16="http://schemas.microsoft.com/office/powerpoint/2015/main" val="1"/>
+              </p:ext>
+            </p:extLst>
+          </p:nvPr>
+        </p:nvSpPr>
+        <p:spPr>
+          <a:xfrm>
+            <a:off x="452283" y="0"/>
+            <a:ext cx="7561007" cy="6858000"/>
+          </a:xfrm>
+          <a:prstGeom prst="rect">
+            <a:avLst/>
+          </a:prstGeom>
+          <a:ln>
+            <a:noFill/>
+          </a:ln>
+        </p:spPr>
+        <p:style>
+          <a:lnRef idx="2">
+            <a:schemeClr val="accent1">
+              <a:shade val="50000"/>
+            </a:schemeClr>
+          </a:lnRef>
+          <a:fillRef idx="1">
+            <a:schemeClr val="accent1"/>
+          </a:fillRef>
+          <a:effectRef idx="0">
+            <a:schemeClr val="accent1"/>
+          </a:effectRef>
+          <a:fontRef idx="minor">
+            <a:schemeClr val="lt1"/>
+          </a:fontRef>
+        </p:style>
+        <p:txBody>
+          <a:bodyPr rtlCol="0" anchor="ctr"/>
+          <a:lstStyle/>
+          <a:p>
+            <a:pPr algn="ctr"/>
+            <a:endParaRPr lang="en-US"/>
           </a:p>
         </p:txBody>
       </p:sp>
       <p:pic>
         <p:nvPicPr>
-          <p:cNvPr id="4" name="Picture 4" descr="Maze">
+          <p:cNvPr id="4" name="Immagine 3" descr="Immagine che contiene testo&#10;&#10;Descrizione generata automaticamente">
             <a:extLst>
               <a:ext uri="{FF2B5EF4-FFF2-40B4-BE49-F238E27FC236}">
-                <a16:creationId xmlns:a16="http://schemas.microsoft.com/office/drawing/2014/main" id="{15FFD1B1-AEEE-4EE4-9047-6C67FEA2BDA9}"/>
-              </a:ext>
-            </a:extLst>
-          </p:cNvPr>
-          <p:cNvPicPr>
-            <a:picLocks noChangeAspect="1"/>
-          </p:cNvPicPr>
-          <p:nvPr/>
-        </p:nvPicPr>
-        <p:blipFill rotWithShape="1">
-          <a:blip r:embed="rId2"/>
-          <a:srcRect t="9021"/>
-          <a:stretch/>
-        </p:blipFill>
-        <p:spPr>
-          <a:xfrm>
-            <a:off x="789510" y="884026"/>
-            <a:ext cx="3269567" cy="1985559"/>
-          </a:xfrm>
-          <a:prstGeom prst="rect">
-            <a:avLst/>
-          </a:prstGeom>
-        </p:spPr>
-      </p:pic>
-      <p:pic>
-        <p:nvPicPr>
-          <p:cNvPr id="6" name="Grafik 5">
-            <a:extLst>
-              <a:ext uri="{FF2B5EF4-FFF2-40B4-BE49-F238E27FC236}">
-                <a16:creationId xmlns:a16="http://schemas.microsoft.com/office/drawing/2014/main" id="{9FBA6D00-24DF-42B6-AB36-1DE13695FCD4}"/>
+                <a16:creationId xmlns:a16="http://schemas.microsoft.com/office/drawing/2014/main" id="{1D1F2FC6-5D39-4761-A1C4-47AF748BE832}"/>
               </a:ext>
             </a:extLst>
           </p:cNvPr>
@@ -8106,15 +10925,15 @@
           <p:nvPr/>
         </p:nvPicPr>
         <p:blipFill>
-          <a:blip r:embed="rId3"/>
+          <a:blip r:embed="rId2"/>
           <a:stretch>
             <a:fillRect/>
           </a:stretch>
         </p:blipFill>
         <p:spPr>
           <a:xfrm>
-            <a:off x="789510" y="3337729"/>
-            <a:ext cx="3269567" cy="1529151"/>
+            <a:off x="1112230" y="484632"/>
+            <a:ext cx="6241112" cy="5882248"/>
           </a:xfrm>
           <a:prstGeom prst="rect">
             <a:avLst/>
@@ -8123,613 +10942,71 @@
       </p:pic>
       <p:sp>
         <p:nvSpPr>
-          <p:cNvPr id="3" name="Segnaposto contenuto 2">
+          <p:cNvPr id="17" name="Rectangle 16">
             <a:extLst>
               <a:ext uri="{FF2B5EF4-FFF2-40B4-BE49-F238E27FC236}">
-                <a16:creationId xmlns:a16="http://schemas.microsoft.com/office/drawing/2014/main" id="{D879B614-B7EF-4C41-B525-645B6994B712}"/>
+                <a16:creationId xmlns:a16="http://schemas.microsoft.com/office/drawing/2014/main" id="{121F5E60-4E89-4B16-A245-12BD9935998D}"/>
+              </a:ext>
+              <a:ext uri="{C183D7F6-B498-43B3-948B-1728B52AA6E4}">
+                <adec:decorative xmlns:adec="http://schemas.microsoft.com/office/drawing/2017/decorative" val="1"/>
               </a:ext>
             </a:extLst>
           </p:cNvPr>
           <p:cNvSpPr>
-            <a:spLocks noGrp="1"/>
+            <a:spLocks noGrp="1" noRot="1" noChangeAspect="1" noMove="1" noResize="1" noEditPoints="1" noAdjustHandles="1" noChangeArrowheads="1" noChangeShapeType="1" noTextEdit="1"/>
           </p:cNvSpPr>
           <p:nvPr>
-            <p:ph idx="1"/>
+            <p:extLst>
+              <p:ext uri="{386F3935-93C4-4BCD-93E2-E3B085C9AB24}">
+                <p16:designElem xmlns:p16="http://schemas.microsoft.com/office/powerpoint/2015/main" val="1"/>
+              </p:ext>
+            </p:extLst>
           </p:nvPr>
         </p:nvSpPr>
         <p:spPr>
           <a:xfrm>
-            <a:off x="4654295" y="2121763"/>
-            <a:ext cx="6261556" cy="4251605"/>
-          </a:xfrm>
-        </p:spPr>
-        <p:txBody>
-          <a:bodyPr>
-            <a:normAutofit fontScale="85000" lnSpcReduction="10000"/>
-          </a:bodyPr>
-          <a:lstStyle/>
-          <a:p>
-            <a:r>
-              <a:rPr lang="it-IT" b="1" dirty="0"/>
-              <a:t>Goal: </a:t>
-            </a:r>
-            <a:r>
-              <a:rPr lang="it-IT" dirty="0" err="1">
-                <a:cs typeface="Courier New" panose="02070309020205020404" pitchFamily="49" charset="0"/>
-              </a:rPr>
-              <a:t>Learn</a:t>
-            </a:r>
-            <a:r>
-              <a:rPr lang="it-IT" dirty="0">
-                <a:cs typeface="Courier New" panose="02070309020205020404" pitchFamily="49" charset="0"/>
-              </a:rPr>
-              <a:t> to </a:t>
-            </a:r>
-            <a:r>
-              <a:rPr lang="it-IT" dirty="0" err="1">
-                <a:cs typeface="Courier New" panose="02070309020205020404" pitchFamily="49" charset="0"/>
-              </a:rPr>
-              <a:t>move</a:t>
-            </a:r>
-            <a:r>
-              <a:rPr lang="it-IT" dirty="0">
-                <a:cs typeface="Courier New" panose="02070309020205020404" pitchFamily="49" charset="0"/>
-              </a:rPr>
-              <a:t> to an </a:t>
-            </a:r>
-            <a:r>
-              <a:rPr lang="it-IT" dirty="0" err="1">
-                <a:cs typeface="Courier New" panose="02070309020205020404" pitchFamily="49" charset="0"/>
-              </a:rPr>
-              <a:t>adjacent</a:t>
-            </a:r>
-            <a:r>
-              <a:rPr lang="it-IT" dirty="0">
-                <a:cs typeface="Courier New" panose="02070309020205020404" pitchFamily="49" charset="0"/>
-              </a:rPr>
-              <a:t>, </a:t>
-            </a:r>
-            <a:r>
-              <a:rPr lang="it-IT" dirty="0" err="1">
-                <a:cs typeface="Courier New" panose="02070309020205020404" pitchFamily="49" charset="0"/>
-              </a:rPr>
-              <a:t>legal</a:t>
-            </a:r>
-            <a:r>
-              <a:rPr lang="it-IT" dirty="0">
-                <a:cs typeface="Courier New" panose="02070309020205020404" pitchFamily="49" charset="0"/>
-              </a:rPr>
-              <a:t> </a:t>
-            </a:r>
-            <a:r>
-              <a:rPr lang="it-IT" dirty="0" err="1">
-                <a:cs typeface="Courier New" panose="02070309020205020404" pitchFamily="49" charset="0"/>
-              </a:rPr>
-              <a:t>cell</a:t>
-            </a:r>
-            <a:r>
-              <a:rPr lang="it-IT" dirty="0">
-                <a:cs typeface="Courier New" panose="02070309020205020404" pitchFamily="49" charset="0"/>
-              </a:rPr>
-              <a:t> (</a:t>
-            </a:r>
-            <a:r>
-              <a:rPr lang="it-IT" dirty="0" err="1">
-                <a:cs typeface="Courier New" panose="02070309020205020404" pitchFamily="49" charset="0"/>
-              </a:rPr>
-              <a:t>cell</a:t>
-            </a:r>
-            <a:r>
-              <a:rPr lang="it-IT" dirty="0">
-                <a:cs typeface="Courier New" panose="02070309020205020404" pitchFamily="49" charset="0"/>
-              </a:rPr>
-              <a:t> with no </a:t>
-            </a:r>
-            <a:r>
-              <a:rPr lang="it-IT" dirty="0" err="1">
-                <a:cs typeface="Courier New" panose="02070309020205020404" pitchFamily="49" charset="0"/>
-              </a:rPr>
-              <a:t>obstacle</a:t>
-            </a:r>
-            <a:r>
-              <a:rPr lang="it-IT" dirty="0">
-                <a:cs typeface="Courier New" panose="02070309020205020404" pitchFamily="49" charset="0"/>
-              </a:rPr>
-              <a:t>). (Predicate </a:t>
-            </a:r>
-            <a:r>
-              <a:rPr lang="it-IT" dirty="0" err="1">
-                <a:cs typeface="Courier New" panose="02070309020205020404" pitchFamily="49" charset="0"/>
-              </a:rPr>
-              <a:t>move</a:t>
-            </a:r>
-            <a:r>
-              <a:rPr lang="it-IT" dirty="0">
-                <a:cs typeface="Courier New" panose="02070309020205020404" pitchFamily="49" charset="0"/>
-              </a:rPr>
-              <a:t>/2).</a:t>
-            </a:r>
-          </a:p>
-          <a:p>
-            <a:r>
-              <a:rPr lang="it-IT" b="1" dirty="0"/>
-              <a:t>Background Knowledge:</a:t>
-            </a:r>
-          </a:p>
-          <a:p>
-            <a:pPr lvl="1"/>
-            <a:r>
-              <a:rPr lang="it-IT" dirty="0" err="1">
-                <a:cs typeface="Courier New" panose="02070309020205020404" pitchFamily="49" charset="0"/>
-              </a:rPr>
-              <a:t>backliteral</a:t>
-            </a:r>
-            <a:r>
-              <a:rPr lang="it-IT" dirty="0">
-                <a:cs typeface="Courier New" panose="02070309020205020404" pitchFamily="49" charset="0"/>
-              </a:rPr>
-              <a:t>( </a:t>
-            </a:r>
-            <a:r>
-              <a:rPr lang="it-IT" dirty="0" err="1">
-                <a:cs typeface="Courier New" panose="02070309020205020404" pitchFamily="49" charset="0"/>
-              </a:rPr>
-              <a:t>obstacle</a:t>
-            </a:r>
-            <a:r>
-              <a:rPr lang="it-IT" dirty="0">
-                <a:cs typeface="Courier New" panose="02070309020205020404" pitchFamily="49" charset="0"/>
-              </a:rPr>
-              <a:t>(X), [</a:t>
-            </a:r>
-            <a:r>
-              <a:rPr lang="it-IT" dirty="0" err="1">
-                <a:cs typeface="Courier New" panose="02070309020205020404" pitchFamily="49" charset="0"/>
-              </a:rPr>
-              <a:t>X:cell</a:t>
-            </a:r>
-            <a:r>
-              <a:rPr lang="it-IT" dirty="0">
-                <a:cs typeface="Courier New" panose="02070309020205020404" pitchFamily="49" charset="0"/>
-              </a:rPr>
-              <a:t>], []).</a:t>
-            </a:r>
-          </a:p>
-          <a:p>
-            <a:pPr lvl="1"/>
-            <a:r>
-              <a:rPr lang="it-IT" dirty="0" err="1">
-                <a:cs typeface="Courier New" panose="02070309020205020404" pitchFamily="49" charset="0"/>
-              </a:rPr>
-              <a:t>backliteral</a:t>
-            </a:r>
-            <a:r>
-              <a:rPr lang="it-IT" dirty="0">
-                <a:cs typeface="Courier New" panose="02070309020205020404" pitchFamily="49" charset="0"/>
-              </a:rPr>
-              <a:t>( \+ (G), [</a:t>
-            </a:r>
-            <a:r>
-              <a:rPr lang="it-IT" dirty="0" err="1">
-                <a:cs typeface="Courier New" panose="02070309020205020404" pitchFamily="49" charset="0"/>
-              </a:rPr>
-              <a:t>X:cell</a:t>
-            </a:r>
-            <a:r>
-              <a:rPr lang="it-IT" dirty="0">
-                <a:cs typeface="Courier New" panose="02070309020205020404" pitchFamily="49" charset="0"/>
-              </a:rPr>
-              <a:t>], []) :-</a:t>
-            </a:r>
-          </a:p>
-          <a:p>
-            <a:pPr lvl="1"/>
-            <a:r>
-              <a:rPr lang="it-IT" dirty="0">
-                <a:cs typeface="Courier New" panose="02070309020205020404" pitchFamily="49" charset="0"/>
-              </a:rPr>
-              <a:t>	G = </a:t>
-            </a:r>
-            <a:r>
-              <a:rPr lang="it-IT" dirty="0" err="1">
-                <a:cs typeface="Courier New" panose="02070309020205020404" pitchFamily="49" charset="0"/>
-              </a:rPr>
-              <a:t>obstacle</a:t>
-            </a:r>
-            <a:r>
-              <a:rPr lang="it-IT" dirty="0">
-                <a:cs typeface="Courier New" panose="02070309020205020404" pitchFamily="49" charset="0"/>
-              </a:rPr>
-              <a:t>(X).</a:t>
-            </a:r>
-          </a:p>
-          <a:p>
-            <a:pPr lvl="1"/>
-            <a:r>
-              <a:rPr lang="it-IT" dirty="0" err="1">
-                <a:solidFill>
-                  <a:schemeClr val="tx1">
-                    <a:lumMod val="85000"/>
-                    <a:lumOff val="15000"/>
-                  </a:schemeClr>
-                </a:solidFill>
-                <a:cs typeface="Courier New" panose="02070309020205020404" pitchFamily="49" charset="0"/>
-              </a:rPr>
-              <a:t>backliteral</a:t>
-            </a:r>
-            <a:r>
-              <a:rPr lang="it-IT" dirty="0">
-                <a:solidFill>
-                  <a:schemeClr val="tx1">
-                    <a:lumMod val="85000"/>
-                    <a:lumOff val="15000"/>
-                  </a:schemeClr>
-                </a:solidFill>
-                <a:cs typeface="Courier New" panose="02070309020205020404" pitchFamily="49" charset="0"/>
-              </a:rPr>
-              <a:t>( </a:t>
-            </a:r>
-            <a:r>
-              <a:rPr lang="it-IT" dirty="0" err="1">
-                <a:solidFill>
-                  <a:schemeClr val="tx1">
-                    <a:lumMod val="85000"/>
-                    <a:lumOff val="15000"/>
-                  </a:schemeClr>
-                </a:solidFill>
-                <a:cs typeface="Courier New" panose="02070309020205020404" pitchFamily="49" charset="0"/>
-              </a:rPr>
-              <a:t>adjacent</a:t>
-            </a:r>
-            <a:r>
-              <a:rPr lang="it-IT" dirty="0">
-                <a:solidFill>
-                  <a:schemeClr val="tx1">
-                    <a:lumMod val="85000"/>
-                    <a:lumOff val="15000"/>
-                  </a:schemeClr>
-                </a:solidFill>
-                <a:cs typeface="Courier New" panose="02070309020205020404" pitchFamily="49" charset="0"/>
-              </a:rPr>
-              <a:t>(X,Y), [</a:t>
-            </a:r>
-            <a:r>
-              <a:rPr lang="it-IT" dirty="0" err="1">
-                <a:solidFill>
-                  <a:schemeClr val="tx1">
-                    <a:lumMod val="85000"/>
-                    <a:lumOff val="15000"/>
-                  </a:schemeClr>
-                </a:solidFill>
-                <a:cs typeface="Courier New" panose="02070309020205020404" pitchFamily="49" charset="0"/>
-              </a:rPr>
-              <a:t>X:cell,Y:cell</a:t>
-            </a:r>
-            <a:r>
-              <a:rPr lang="it-IT" dirty="0">
-                <a:solidFill>
-                  <a:schemeClr val="tx1">
-                    <a:lumMod val="85000"/>
-                    <a:lumOff val="15000"/>
-                  </a:schemeClr>
-                </a:solidFill>
-                <a:cs typeface="Courier New" panose="02070309020205020404" pitchFamily="49" charset="0"/>
-              </a:rPr>
-              <a:t>], []).</a:t>
-            </a:r>
-          </a:p>
-          <a:p>
-            <a:r>
-              <a:rPr lang="it-IT" b="1" dirty="0" err="1">
-                <a:cs typeface="Courier New" panose="02070309020205020404" pitchFamily="49" charset="0"/>
-              </a:rPr>
-              <a:t>Structured</a:t>
-            </a:r>
-            <a:r>
-              <a:rPr lang="it-IT" b="1" dirty="0">
-                <a:cs typeface="Courier New" panose="02070309020205020404" pitchFamily="49" charset="0"/>
-              </a:rPr>
-              <a:t> </a:t>
-            </a:r>
-            <a:r>
-              <a:rPr lang="it-IT" b="1" dirty="0" err="1">
-                <a:cs typeface="Courier New" panose="02070309020205020404" pitchFamily="49" charset="0"/>
-              </a:rPr>
-              <a:t>terms</a:t>
-            </a:r>
-            <a:r>
-              <a:rPr lang="it-IT" b="1" dirty="0">
-                <a:cs typeface="Courier New" panose="02070309020205020404" pitchFamily="49" charset="0"/>
-              </a:rPr>
-              <a:t>: none</a:t>
-            </a:r>
-          </a:p>
-          <a:p>
-            <a:r>
-              <a:rPr lang="en-US" b="1" dirty="0"/>
-              <a:t>Start Hypothesis: </a:t>
-            </a:r>
-            <a:r>
-              <a:rPr lang="en-US" dirty="0" err="1">
-                <a:cs typeface="Courier New" panose="02070309020205020404" pitchFamily="49" charset="0"/>
-              </a:rPr>
-              <a:t>start_clause</a:t>
-            </a:r>
-            <a:r>
-              <a:rPr lang="en-US" dirty="0">
-                <a:cs typeface="Courier New" panose="02070309020205020404" pitchFamily="49" charset="0"/>
-              </a:rPr>
-              <a:t>( [move(X,Y)] / [ X:cell, Y:cell] ).</a:t>
-            </a:r>
-            <a:endParaRPr lang="it-IT" dirty="0">
-              <a:cs typeface="Courier New" panose="02070309020205020404" pitchFamily="49" charset="0"/>
-            </a:endParaRPr>
-          </a:p>
-          <a:p>
-            <a:r>
-              <a:rPr lang="it-IT" b="1" dirty="0">
-                <a:cs typeface="Courier New" panose="02070309020205020404" pitchFamily="49" charset="0"/>
-              </a:rPr>
-              <a:t>Positive </a:t>
-            </a:r>
-            <a:r>
-              <a:rPr lang="it-IT" b="1" dirty="0" err="1">
-                <a:cs typeface="Courier New" panose="02070309020205020404" pitchFamily="49" charset="0"/>
-              </a:rPr>
-              <a:t>examples</a:t>
-            </a:r>
-            <a:r>
-              <a:rPr lang="it-IT" b="1" dirty="0">
-                <a:cs typeface="Courier New" panose="02070309020205020404" pitchFamily="49" charset="0"/>
-              </a:rPr>
-              <a:t>: 1 / Negative </a:t>
-            </a:r>
-            <a:r>
-              <a:rPr lang="it-IT" b="1" dirty="0" err="1">
-                <a:cs typeface="Courier New" panose="02070309020205020404" pitchFamily="49" charset="0"/>
-              </a:rPr>
-              <a:t>examples</a:t>
-            </a:r>
-            <a:r>
-              <a:rPr lang="it-IT" b="1" dirty="0">
-                <a:cs typeface="Courier New" panose="02070309020205020404" pitchFamily="49" charset="0"/>
-              </a:rPr>
-              <a:t>: 1</a:t>
-            </a:r>
-            <a:endParaRPr lang="it-IT" dirty="0">
-              <a:cs typeface="Courier New" panose="02070309020205020404" pitchFamily="49" charset="0"/>
-            </a:endParaRPr>
-          </a:p>
-          <a:p>
-            <a:r>
-              <a:rPr lang="en-US" b="1" dirty="0">
-                <a:cs typeface="Courier New" panose="02070309020205020404" pitchFamily="49" charset="0"/>
-              </a:rPr>
-              <a:t>Parameters:</a:t>
-            </a:r>
-          </a:p>
-          <a:p>
-            <a:pPr lvl="1">
-              <a:lnSpc>
-                <a:spcPct val="100000"/>
-              </a:lnSpc>
-            </a:pPr>
-            <a:r>
-              <a:rPr lang="en-US" dirty="0" err="1">
-                <a:cs typeface="Courier New" panose="02070309020205020404" pitchFamily="49" charset="0"/>
-              </a:rPr>
-              <a:t>max_proof_length</a:t>
-            </a:r>
-            <a:r>
-              <a:rPr lang="en-US" dirty="0">
-                <a:cs typeface="Courier New" panose="02070309020205020404" pitchFamily="49" charset="0"/>
-              </a:rPr>
-              <a:t>( 2). </a:t>
-            </a:r>
-          </a:p>
-          <a:p>
-            <a:pPr lvl="1">
-              <a:lnSpc>
-                <a:spcPct val="100000"/>
-              </a:lnSpc>
-            </a:pPr>
-            <a:r>
-              <a:rPr lang="en-US" dirty="0" err="1">
-                <a:cs typeface="Courier New" panose="02070309020205020404" pitchFamily="49" charset="0"/>
-              </a:rPr>
-              <a:t>max_clauses</a:t>
-            </a:r>
-            <a:r>
-              <a:rPr lang="en-US" dirty="0">
-                <a:cs typeface="Courier New" panose="02070309020205020404" pitchFamily="49" charset="0"/>
-              </a:rPr>
-              <a:t>( 2). </a:t>
-            </a:r>
-          </a:p>
-          <a:p>
-            <a:pPr lvl="1">
-              <a:lnSpc>
-                <a:spcPct val="100000"/>
-              </a:lnSpc>
-            </a:pPr>
-            <a:r>
-              <a:rPr lang="en-US" dirty="0" err="1">
-                <a:cs typeface="Courier New" panose="02070309020205020404" pitchFamily="49" charset="0"/>
-              </a:rPr>
-              <a:t>max_clause_length</a:t>
-            </a:r>
-            <a:r>
-              <a:rPr lang="en-US" dirty="0">
-                <a:cs typeface="Courier New" panose="02070309020205020404" pitchFamily="49" charset="0"/>
-              </a:rPr>
-              <a:t>( 3).  </a:t>
-            </a:r>
-            <a:endParaRPr lang="it-IT" dirty="0">
-              <a:cs typeface="Courier New" panose="02070309020205020404" pitchFamily="49" charset="0"/>
-            </a:endParaRPr>
-          </a:p>
-        </p:txBody>
-      </p:sp>
-      <p:sp>
-        <p:nvSpPr>
-          <p:cNvPr id="8" name="Textfeld 7">
-            <a:extLst>
-              <a:ext uri="{FF2B5EF4-FFF2-40B4-BE49-F238E27FC236}">
-                <a16:creationId xmlns:a16="http://schemas.microsoft.com/office/drawing/2014/main" id="{70C859B7-C99B-41DA-B6A9-14DF479A8CF0}"/>
-              </a:ext>
-            </a:extLst>
-          </p:cNvPr>
-          <p:cNvSpPr txBox="1"/>
-          <p:nvPr/>
-        </p:nvSpPr>
-        <p:spPr>
-          <a:xfrm>
-            <a:off x="789510" y="4982546"/>
-            <a:ext cx="2942735" cy="1477328"/>
+            <a:off x="11292840" y="0"/>
+            <a:ext cx="899160" cy="6858000"/>
           </a:xfrm>
           <a:prstGeom prst="rect">
             <a:avLst/>
           </a:prstGeom>
-          <a:noFill/>
+          <a:solidFill>
+            <a:srgbClr val="353537"/>
+          </a:solidFill>
+          <a:ln>
+            <a:noFill/>
+          </a:ln>
         </p:spPr>
+        <p:style>
+          <a:lnRef idx="2">
+            <a:schemeClr val="accent1">
+              <a:shade val="50000"/>
+            </a:schemeClr>
+          </a:lnRef>
+          <a:fillRef idx="1">
+            <a:schemeClr val="accent1"/>
+          </a:fillRef>
+          <a:effectRef idx="0">
+            <a:schemeClr val="accent1"/>
+          </a:effectRef>
+          <a:fontRef idx="minor">
+            <a:schemeClr val="lt1"/>
+          </a:fontRef>
+        </p:style>
         <p:txBody>
-          <a:bodyPr wrap="square" rtlCol="0">
-            <a:spAutoFit/>
-          </a:bodyPr>
+          <a:bodyPr rtlCol="0" anchor="ctr"/>
           <a:lstStyle/>
           <a:p>
-            <a:r>
-              <a:rPr lang="de-DE" dirty="0"/>
-              <a:t>The </a:t>
-            </a:r>
-            <a:r>
-              <a:rPr lang="de-DE" dirty="0" err="1"/>
-              <a:t>number</a:t>
-            </a:r>
-            <a:r>
-              <a:rPr lang="de-DE" dirty="0"/>
-              <a:t> </a:t>
-            </a:r>
-            <a:r>
-              <a:rPr lang="de-DE" dirty="0" err="1"/>
-              <a:t>of</a:t>
-            </a:r>
-            <a:r>
-              <a:rPr lang="de-DE" dirty="0"/>
-              <a:t> </a:t>
-            </a:r>
-            <a:r>
-              <a:rPr lang="de-DE" dirty="0" err="1"/>
-              <a:t>hypotheses</a:t>
-            </a:r>
-            <a:r>
-              <a:rPr lang="de-DE" dirty="0"/>
-              <a:t> </a:t>
-            </a:r>
-            <a:r>
-              <a:rPr lang="de-DE" dirty="0" err="1"/>
-              <a:t>generated</a:t>
-            </a:r>
-            <a:r>
-              <a:rPr lang="de-DE" dirty="0"/>
-              <a:t> and </a:t>
-            </a:r>
-            <a:r>
-              <a:rPr lang="de-DE" dirty="0" err="1"/>
-              <a:t>refined</a:t>
-            </a:r>
-            <a:r>
-              <a:rPr lang="de-DE" dirty="0"/>
-              <a:t> </a:t>
-            </a:r>
-            <a:r>
-              <a:rPr lang="de-DE" dirty="0" err="1"/>
-              <a:t>is</a:t>
-            </a:r>
-            <a:r>
-              <a:rPr lang="de-DE" dirty="0"/>
-              <a:t> </a:t>
-            </a:r>
-            <a:r>
-              <a:rPr lang="de-DE" dirty="0" err="1"/>
-              <a:t>independent</a:t>
-            </a:r>
-            <a:r>
-              <a:rPr lang="de-DE" dirty="0"/>
-              <a:t> </a:t>
-            </a:r>
-            <a:r>
-              <a:rPr lang="de-DE" dirty="0" err="1"/>
-              <a:t>of</a:t>
-            </a:r>
-            <a:r>
-              <a:rPr lang="de-DE" dirty="0"/>
-              <a:t> </a:t>
-            </a:r>
-            <a:r>
-              <a:rPr lang="de-DE" dirty="0" err="1"/>
-              <a:t>the</a:t>
-            </a:r>
-            <a:r>
-              <a:rPr lang="de-DE" dirty="0"/>
-              <a:t> </a:t>
-            </a:r>
-            <a:r>
-              <a:rPr lang="de-DE" dirty="0" err="1"/>
-              <a:t>size</a:t>
-            </a:r>
-            <a:r>
-              <a:rPr lang="de-DE" dirty="0"/>
-              <a:t> </a:t>
-            </a:r>
-            <a:r>
-              <a:rPr lang="de-DE" dirty="0" err="1"/>
-              <a:t>of</a:t>
-            </a:r>
-            <a:r>
-              <a:rPr lang="de-DE" dirty="0"/>
-              <a:t> </a:t>
-            </a:r>
-            <a:r>
-              <a:rPr lang="de-DE" dirty="0" err="1"/>
-              <a:t>the</a:t>
-            </a:r>
-            <a:r>
-              <a:rPr lang="de-DE" dirty="0"/>
-              <a:t> </a:t>
-            </a:r>
-            <a:r>
-              <a:rPr lang="de-DE" dirty="0" err="1"/>
-              <a:t>grid</a:t>
-            </a:r>
-            <a:r>
-              <a:rPr lang="de-DE" dirty="0"/>
-              <a:t> and </a:t>
-            </a:r>
-            <a:r>
-              <a:rPr lang="de-DE" dirty="0" err="1"/>
-              <a:t>the</a:t>
-            </a:r>
-            <a:r>
-              <a:rPr lang="de-DE" dirty="0"/>
-              <a:t> </a:t>
-            </a:r>
-            <a:r>
-              <a:rPr lang="de-DE" dirty="0" err="1"/>
-              <a:t>grid</a:t>
-            </a:r>
-            <a:r>
-              <a:rPr lang="de-DE" dirty="0"/>
-              <a:t>!</a:t>
-            </a:r>
-            <a:endParaRPr lang="de-AT" dirty="0"/>
+            <a:pPr algn="ctr"/>
+            <a:endParaRPr lang="en-US"/>
           </a:p>
         </p:txBody>
       </p:sp>
     </p:spTree>
     <p:extLst>
       <p:ext uri="{BB962C8B-B14F-4D97-AF65-F5344CB8AC3E}">
-        <p14:creationId xmlns:p14="http://schemas.microsoft.com/office/powerpoint/2010/main" val="3149756374"/>
+        <p14:creationId xmlns:p14="http://schemas.microsoft.com/office/powerpoint/2010/main" val="694569748"/>
       </p:ext>
     </p:extLst>
   </p:cSld>
@@ -8740,6 +11017,183 @@
 </file>
 
 <file path=ppt/slides/slide14.xml><?xml version="1.0" encoding="utf-8"?>
+<p:sld xmlns:a="http://schemas.openxmlformats.org/drawingml/2006/main" xmlns:r="http://schemas.openxmlformats.org/officeDocument/2006/relationships" xmlns:p="http://schemas.openxmlformats.org/presentationml/2006/main">
+  <p:cSld>
+    <p:bg>
+      <p:bgPr>
+        <a:solidFill>
+          <a:schemeClr val="bg2">
+            <a:lumMod val="75000"/>
+          </a:schemeClr>
+        </a:solidFill>
+        <a:effectLst/>
+      </p:bgPr>
+    </p:bg>
+    <p:spTree>
+      <p:nvGrpSpPr>
+        <p:cNvPr id="1" name=""/>
+        <p:cNvGrpSpPr/>
+        <p:nvPr/>
+      </p:nvGrpSpPr>
+      <p:grpSpPr>
+        <a:xfrm>
+          <a:off x="0" y="0"/>
+          <a:ext cx="0" cy="0"/>
+          <a:chOff x="0" y="0"/>
+          <a:chExt cx="0" cy="0"/>
+        </a:xfrm>
+      </p:grpSpPr>
+      <p:sp>
+        <p:nvSpPr>
+          <p:cNvPr id="2" name="Titolo 1">
+            <a:extLst>
+              <a:ext uri="{FF2B5EF4-FFF2-40B4-BE49-F238E27FC236}">
+                <a16:creationId xmlns:a16="http://schemas.microsoft.com/office/drawing/2014/main" id="{0291A3D3-B292-47ED-ABBC-9797B442CFE7}"/>
+              </a:ext>
+            </a:extLst>
+          </p:cNvPr>
+          <p:cNvSpPr>
+            <a:spLocks noGrp="1"/>
+          </p:cNvSpPr>
+          <p:nvPr>
+            <p:ph type="ctrTitle"/>
+          </p:nvPr>
+        </p:nvSpPr>
+        <p:spPr>
+          <a:xfrm>
+            <a:off x="1102282" y="3749041"/>
+            <a:ext cx="10134678" cy="1635760"/>
+          </a:xfrm>
+        </p:spPr>
+        <p:txBody>
+          <a:bodyPr>
+            <a:normAutofit fontScale="90000"/>
+          </a:bodyPr>
+          <a:lstStyle/>
+          <a:p>
+            <a:pPr algn="ctr"/>
+            <a:r>
+              <a:rPr lang="it-IT" sz="6800" dirty="0" err="1"/>
+              <a:t>Execution</a:t>
+            </a:r>
+            <a:r>
+              <a:rPr lang="it-IT" sz="6800" dirty="0"/>
+              <a:t> of the solver on the model</a:t>
+            </a:r>
+          </a:p>
+        </p:txBody>
+      </p:sp>
+      <p:sp>
+        <p:nvSpPr>
+          <p:cNvPr id="3" name="Sottotitolo 2">
+            <a:extLst>
+              <a:ext uri="{FF2B5EF4-FFF2-40B4-BE49-F238E27FC236}">
+                <a16:creationId xmlns:a16="http://schemas.microsoft.com/office/drawing/2014/main" id="{4B2EB609-C683-4669-90E7-B194B927D423}"/>
+              </a:ext>
+            </a:extLst>
+          </p:cNvPr>
+          <p:cNvSpPr>
+            <a:spLocks noGrp="1"/>
+          </p:cNvSpPr>
+          <p:nvPr>
+            <p:ph type="subTitle" idx="1"/>
+          </p:nvPr>
+        </p:nvSpPr>
+        <p:spPr>
+          <a:xfrm>
+            <a:off x="1348701" y="5384801"/>
+            <a:ext cx="9641840" cy="787399"/>
+          </a:xfrm>
+        </p:spPr>
+        <p:txBody>
+          <a:bodyPr>
+            <a:normAutofit/>
+          </a:bodyPr>
+          <a:lstStyle/>
+          <a:p>
+            <a:pPr algn="ctr"/>
+            <a:r>
+              <a:rPr lang="it-IT" dirty="0" err="1"/>
+              <a:t>path</a:t>
+            </a:r>
+            <a:r>
+              <a:rPr lang="it-IT" dirty="0"/>
+              <a:t> </a:t>
+            </a:r>
+            <a:r>
+              <a:rPr lang="it-IT" dirty="0" err="1"/>
+              <a:t>found</a:t>
+            </a:r>
+            <a:r>
+              <a:rPr lang="it-IT" dirty="0"/>
+              <a:t> on </a:t>
+            </a:r>
+            <a:r>
+              <a:rPr lang="it-IT" dirty="0" err="1"/>
+              <a:t>our</a:t>
+            </a:r>
+            <a:r>
+              <a:rPr lang="it-IT" dirty="0"/>
+              <a:t> </a:t>
+            </a:r>
+            <a:r>
+              <a:rPr lang="it-IT" dirty="0" err="1"/>
+              <a:t>grid</a:t>
+            </a:r>
+            <a:endParaRPr lang="it-IT" dirty="0"/>
+          </a:p>
+        </p:txBody>
+      </p:sp>
+      <p:pic>
+        <p:nvPicPr>
+          <p:cNvPr id="5" name="Immagine 4" descr="Immagine che contiene testo&#10;&#10;Descrizione generata automaticamente">
+            <a:extLst>
+              <a:ext uri="{FF2B5EF4-FFF2-40B4-BE49-F238E27FC236}">
+                <a16:creationId xmlns:a16="http://schemas.microsoft.com/office/drawing/2014/main" id="{69006E42-89D5-40ED-9ECE-7ACF1A3B9402}"/>
+              </a:ext>
+            </a:extLst>
+          </p:cNvPr>
+          <p:cNvPicPr>
+            <a:picLocks noChangeAspect="1"/>
+          </p:cNvPicPr>
+          <p:nvPr/>
+        </p:nvPicPr>
+        <p:blipFill>
+          <a:blip r:embed="rId2">
+            <a:extLst>
+              <a:ext uri="{28A0092B-C50C-407E-A947-70E740481C1C}">
+                <a14:useLocalDpi xmlns:a14="http://schemas.microsoft.com/office/drawing/2010/main" val="0"/>
+              </a:ext>
+            </a:extLst>
+          </a:blip>
+          <a:stretch>
+            <a:fillRect/>
+          </a:stretch>
+        </p:blipFill>
+        <p:spPr>
+          <a:xfrm>
+            <a:off x="1348701" y="1580617"/>
+            <a:ext cx="9641841" cy="1904263"/>
+          </a:xfrm>
+          <a:prstGeom prst="rect">
+            <a:avLst/>
+          </a:prstGeom>
+        </p:spPr>
+      </p:pic>
+    </p:spTree>
+    <p:extLst>
+      <p:ext uri="{BB962C8B-B14F-4D97-AF65-F5344CB8AC3E}">
+        <p14:creationId xmlns:p14="http://schemas.microsoft.com/office/powerpoint/2010/main" val="3828735430"/>
+      </p:ext>
+    </p:extLst>
+  </p:cSld>
+  <p:clrMapOvr>
+    <a:masterClrMapping/>
+  </p:clrMapOvr>
+</p:sld>
+</file>
+
+<file path=ppt/slides/slide15.xml><?xml version="1.0" encoding="utf-8"?>
 <p:sld xmlns:a="http://schemas.openxmlformats.org/drawingml/2006/main" xmlns:r="http://schemas.openxmlformats.org/officeDocument/2006/relationships" xmlns:p="http://schemas.openxmlformats.org/presentationml/2006/main">
   <p:cSld>
     <p:bg>
@@ -8766,10 +11220,128 @@
       </p:grpSpPr>
       <p:sp>
         <p:nvSpPr>
+          <p:cNvPr id="10" name="Rectangle 9">
+            <a:extLst>
+              <a:ext uri="{FF2B5EF4-FFF2-40B4-BE49-F238E27FC236}">
+                <a16:creationId xmlns:a16="http://schemas.microsoft.com/office/drawing/2014/main" id="{C68C397E-C9BC-4DE8-986D-204E427AD949}"/>
+              </a:ext>
+              <a:ext uri="{C183D7F6-B498-43B3-948B-1728B52AA6E4}">
+                <adec:decorative xmlns:adec="http://schemas.microsoft.com/office/drawing/2017/decorative" val="1"/>
+              </a:ext>
+            </a:extLst>
+          </p:cNvPr>
+          <p:cNvSpPr>
+            <a:spLocks noGrp="1" noRot="1" noChangeAspect="1" noMove="1" noResize="1" noEditPoints="1" noAdjustHandles="1" noChangeArrowheads="1" noChangeShapeType="1" noTextEdit="1"/>
+          </p:cNvSpPr>
+          <p:nvPr>
+            <p:extLst>
+              <p:ext uri="{386F3935-93C4-4BCD-93E2-E3B085C9AB24}">
+                <p16:designElem xmlns:p16="http://schemas.microsoft.com/office/powerpoint/2015/main" val="1"/>
+              </p:ext>
+            </p:extLst>
+          </p:nvPr>
+        </p:nvSpPr>
+        <p:spPr>
+          <a:xfrm>
+            <a:off x="11292840" y="0"/>
+            <a:ext cx="914400" cy="6858000"/>
+          </a:xfrm>
+          <a:prstGeom prst="rect">
+            <a:avLst/>
+          </a:prstGeom>
+          <a:solidFill>
+            <a:schemeClr val="tx2">
+              <a:lumMod val="75000"/>
+            </a:schemeClr>
+          </a:solidFill>
+          <a:ln>
+            <a:noFill/>
+          </a:ln>
+        </p:spPr>
+        <p:style>
+          <a:lnRef idx="2">
+            <a:schemeClr val="accent1">
+              <a:shade val="50000"/>
+            </a:schemeClr>
+          </a:lnRef>
+          <a:fillRef idx="1">
+            <a:schemeClr val="accent1"/>
+          </a:fillRef>
+          <a:effectRef idx="0">
+            <a:schemeClr val="accent1"/>
+          </a:effectRef>
+          <a:fontRef idx="minor">
+            <a:schemeClr val="lt1"/>
+          </a:fontRef>
+        </p:style>
+      </p:sp>
+      <p:sp>
+        <p:nvSpPr>
+          <p:cNvPr id="12" name="Rectangle 11">
+            <a:extLst>
+              <a:ext uri="{FF2B5EF4-FFF2-40B4-BE49-F238E27FC236}">
+                <a16:creationId xmlns:a16="http://schemas.microsoft.com/office/drawing/2014/main" id="{30B3D270-B19D-4DB8-BD3C-3E707485B515}"/>
+              </a:ext>
+              <a:ext uri="{C183D7F6-B498-43B3-948B-1728B52AA6E4}">
+                <adec:decorative xmlns:adec="http://schemas.microsoft.com/office/drawing/2017/decorative" val="1"/>
+              </a:ext>
+            </a:extLst>
+          </p:cNvPr>
+          <p:cNvSpPr>
+            <a:spLocks noGrp="1" noRot="1" noChangeAspect="1" noMove="1" noResize="1" noEditPoints="1" noAdjustHandles="1" noChangeArrowheads="1" noChangeShapeType="1" noTextEdit="1"/>
+          </p:cNvSpPr>
+          <p:nvPr>
+            <p:extLst>
+              <p:ext uri="{386F3935-93C4-4BCD-93E2-E3B085C9AB24}">
+                <p16:designElem xmlns:p16="http://schemas.microsoft.com/office/powerpoint/2015/main" val="1"/>
+              </p:ext>
+            </p:extLst>
+          </p:nvPr>
+        </p:nvSpPr>
+        <p:spPr>
+          <a:xfrm>
+            <a:off x="1" y="0"/>
+            <a:ext cx="4055416" cy="6858000"/>
+          </a:xfrm>
+          <a:prstGeom prst="rect">
+            <a:avLst/>
+          </a:prstGeom>
+          <a:solidFill>
+            <a:schemeClr val="accent1"/>
+          </a:solidFill>
+          <a:ln>
+            <a:noFill/>
+          </a:ln>
+        </p:spPr>
+        <p:style>
+          <a:lnRef idx="0">
+            <a:scrgbClr r="0" g="0" b="0"/>
+          </a:lnRef>
+          <a:fillRef idx="0">
+            <a:scrgbClr r="0" g="0" b="0"/>
+          </a:fillRef>
+          <a:effectRef idx="0">
+            <a:scrgbClr r="0" g="0" b="0"/>
+          </a:effectRef>
+          <a:fontRef idx="minor">
+            <a:schemeClr val="lt1"/>
+          </a:fontRef>
+        </p:style>
+        <p:txBody>
+          <a:bodyPr rtlCol="0" anchor="ctr"/>
+          <a:lstStyle/>
+          <a:p>
+            <a:pPr algn="ctr"/>
+            <a:endParaRPr lang="en-US"/>
+          </a:p>
+        </p:txBody>
+      </p:sp>
+      <p:sp>
+        <p:nvSpPr>
           <p:cNvPr id="2" name="Titolo 1">
             <a:extLst>
               <a:ext uri="{FF2B5EF4-FFF2-40B4-BE49-F238E27FC236}">
-                <a16:creationId xmlns:a16="http://schemas.microsoft.com/office/drawing/2014/main" id="{D02D210C-DC25-442C-A0DC-2021B3ABC932}"/>
+                <a16:creationId xmlns:a16="http://schemas.microsoft.com/office/drawing/2014/main" id="{B7BB8695-A9D0-4C59-BE51-433C13BE28BE}"/>
               </a:ext>
             </a:extLst>
           </p:cNvPr>
@@ -8782,757 +11354,116 @@
         </p:nvSpPr>
         <p:spPr>
           <a:xfrm>
-            <a:off x="4654295" y="484632"/>
-            <a:ext cx="6261555" cy="1512201"/>
+            <a:off x="566058" y="836023"/>
+            <a:ext cx="2718788" cy="5183777"/>
           </a:xfrm>
         </p:spPr>
         <p:txBody>
-          <a:bodyPr>
+          <a:bodyPr vert="horz" lIns="91440" tIns="45720" rIns="91440" bIns="45720" rtlCol="0" anchor="ctr">
             <a:normAutofit/>
           </a:bodyPr>
           <a:lstStyle/>
           <a:p>
             <a:r>
-              <a:rPr lang="it-IT"/>
-              <a:t>Learning to travel</a:t>
+              <a:rPr lang="en-US" sz="3600">
+                <a:solidFill>
+                  <a:srgbClr val="FFFFFF"/>
+                </a:solidFill>
+              </a:rPr>
+              <a:t>Analysis on scalability of the tool</a:t>
             </a:r>
           </a:p>
         </p:txBody>
       </p:sp>
-      <p:pic>
-        <p:nvPicPr>
-          <p:cNvPr id="4" name="Picture 4" descr="Maze">
+      <p:sp>
+        <p:nvSpPr>
+          <p:cNvPr id="14" name="Rectangle 13">
             <a:extLst>
               <a:ext uri="{FF2B5EF4-FFF2-40B4-BE49-F238E27FC236}">
-                <a16:creationId xmlns:a16="http://schemas.microsoft.com/office/drawing/2014/main" id="{C8005455-DE52-4166-891D-E22990B7B159}"/>
+                <a16:creationId xmlns:a16="http://schemas.microsoft.com/office/drawing/2014/main" id="{49BDAF94-B52E-4307-B54C-EF413086FC77}"/>
+              </a:ext>
+              <a:ext uri="{C183D7F6-B498-43B3-948B-1728B52AA6E4}">
+                <adec:decorative xmlns:adec="http://schemas.microsoft.com/office/drawing/2017/decorative" val="1"/>
               </a:ext>
             </a:extLst>
           </p:cNvPr>
-          <p:cNvPicPr>
-            <a:picLocks noChangeAspect="1"/>
-          </p:cNvPicPr>
-          <p:nvPr/>
-        </p:nvPicPr>
-        <p:blipFill rotWithShape="1">
-          <a:blip r:embed="rId2"/>
-          <a:srcRect t="9021"/>
-          <a:stretch/>
-        </p:blipFill>
+          <p:cNvSpPr>
+            <a:spLocks noGrp="1" noRot="1" noChangeAspect="1" noMove="1" noResize="1" noEditPoints="1" noAdjustHandles="1" noChangeArrowheads="1" noChangeShapeType="1" noTextEdit="1"/>
+          </p:cNvSpPr>
+          <p:nvPr>
+            <p:extLst>
+              <p:ext uri="{386F3935-93C4-4BCD-93E2-E3B085C9AB24}">
+                <p16:designElem xmlns:p16="http://schemas.microsoft.com/office/powerpoint/2015/main" val="1"/>
+              </p:ext>
+            </p:extLst>
+          </p:nvPr>
+        </p:nvSpPr>
         <p:spPr>
           <a:xfrm>
-            <a:off x="789510" y="884026"/>
-            <a:ext cx="3269567" cy="1985559"/>
+            <a:off x="11292840" y="0"/>
+            <a:ext cx="914400" cy="6858000"/>
           </a:xfrm>
           <a:prstGeom prst="rect">
             <a:avLst/>
           </a:prstGeom>
+          <a:solidFill>
+            <a:schemeClr val="tx2">
+              <a:lumMod val="75000"/>
+            </a:schemeClr>
+          </a:solidFill>
+          <a:ln>
+            <a:noFill/>
+          </a:ln>
         </p:spPr>
-      </p:pic>
-      <p:sp>
-        <p:nvSpPr>
-          <p:cNvPr id="3" name="Segnaposto contenuto 2">
+        <p:style>
+          <a:lnRef idx="2">
+            <a:schemeClr val="accent1">
+              <a:shade val="50000"/>
+            </a:schemeClr>
+          </a:lnRef>
+          <a:fillRef idx="1">
+            <a:schemeClr val="accent1"/>
+          </a:fillRef>
+          <a:effectRef idx="0">
+            <a:schemeClr val="accent1"/>
+          </a:effectRef>
+          <a:fontRef idx="minor">
+            <a:schemeClr val="lt1"/>
+          </a:fontRef>
+        </p:style>
+      </p:sp>
+      <p:graphicFrame>
+        <p:nvGraphicFramePr>
+          <p:cNvPr id="6" name="CasellaDiTesto 3">
             <a:extLst>
               <a:ext uri="{FF2B5EF4-FFF2-40B4-BE49-F238E27FC236}">
-                <a16:creationId xmlns:a16="http://schemas.microsoft.com/office/drawing/2014/main" id="{C6D47933-B121-49D1-9D84-21CF203209CD}"/>
+                <a16:creationId xmlns:a16="http://schemas.microsoft.com/office/drawing/2014/main" id="{9A8AD107-1E45-4FE0-9E7A-6E3B9915AB20}"/>
               </a:ext>
             </a:extLst>
           </p:cNvPr>
-          <p:cNvSpPr>
-            <a:spLocks noGrp="1"/>
-          </p:cNvSpPr>
+          <p:cNvGraphicFramePr/>
           <p:nvPr>
-            <p:ph idx="1"/>
+            <p:extLst>
+              <p:ext uri="{D42A27DB-BD31-4B8C-83A1-F6EECF244321}">
+                <p14:modId xmlns:p14="http://schemas.microsoft.com/office/powerpoint/2010/main" val="3091213856"/>
+              </p:ext>
+            </p:extLst>
           </p:nvPr>
-        </p:nvSpPr>
-        <p:spPr>
-          <a:xfrm>
-            <a:off x="4654295" y="2104008"/>
-            <a:ext cx="6261556" cy="4269360"/>
-          </a:xfrm>
-        </p:spPr>
-        <p:txBody>
-          <a:bodyPr>
-            <a:normAutofit fontScale="92500" lnSpcReduction="10000"/>
-          </a:bodyPr>
-          <a:lstStyle/>
-          <a:p>
-            <a:r>
-              <a:rPr lang="it-IT" sz="1400" b="1" dirty="0"/>
-              <a:t>Goal: </a:t>
-            </a:r>
-            <a:r>
-              <a:rPr lang="it-IT" sz="1500" dirty="0" err="1">
-                <a:solidFill>
-                  <a:schemeClr val="tx1">
-                    <a:lumMod val="85000"/>
-                    <a:lumOff val="15000"/>
-                  </a:schemeClr>
-                </a:solidFill>
-                <a:cs typeface="Courier New" panose="02070309020205020404" pitchFamily="49" charset="0"/>
-              </a:rPr>
-              <a:t>Learn</a:t>
-            </a:r>
-            <a:r>
-              <a:rPr lang="it-IT" sz="1500" dirty="0">
-                <a:solidFill>
-                  <a:schemeClr val="tx1">
-                    <a:lumMod val="85000"/>
-                    <a:lumOff val="15000"/>
-                  </a:schemeClr>
-                </a:solidFill>
-                <a:cs typeface="Courier New" panose="02070309020205020404" pitchFamily="49" charset="0"/>
-              </a:rPr>
-              <a:t> to </a:t>
-            </a:r>
-            <a:r>
-              <a:rPr lang="it-IT" sz="1500" dirty="0" err="1">
-                <a:solidFill>
-                  <a:schemeClr val="tx1">
-                    <a:lumMod val="85000"/>
-                    <a:lumOff val="15000"/>
-                  </a:schemeClr>
-                </a:solidFill>
-                <a:cs typeface="Courier New" panose="02070309020205020404" pitchFamily="49" charset="0"/>
-              </a:rPr>
-              <a:t>move</a:t>
-            </a:r>
-            <a:r>
-              <a:rPr lang="it-IT" sz="1500" dirty="0">
-                <a:solidFill>
-                  <a:schemeClr val="tx1">
-                    <a:lumMod val="85000"/>
-                    <a:lumOff val="15000"/>
-                  </a:schemeClr>
-                </a:solidFill>
-                <a:cs typeface="Courier New" panose="02070309020205020404" pitchFamily="49" charset="0"/>
-              </a:rPr>
-              <a:t> from </a:t>
-            </a:r>
-            <a:r>
-              <a:rPr lang="it-IT" sz="1500" dirty="0" err="1">
-                <a:solidFill>
-                  <a:schemeClr val="tx1">
-                    <a:lumMod val="85000"/>
-                    <a:lumOff val="15000"/>
-                  </a:schemeClr>
-                </a:solidFill>
-                <a:cs typeface="Courier New" panose="02070309020205020404" pitchFamily="49" charset="0"/>
-              </a:rPr>
-              <a:t>two</a:t>
-            </a:r>
-            <a:r>
-              <a:rPr lang="it-IT" sz="1500" dirty="0">
-                <a:solidFill>
-                  <a:schemeClr val="tx1">
-                    <a:lumMod val="85000"/>
-                    <a:lumOff val="15000"/>
-                  </a:schemeClr>
-                </a:solidFill>
-                <a:cs typeface="Courier New" panose="02070309020205020404" pitchFamily="49" charset="0"/>
-              </a:rPr>
-              <a:t> </a:t>
-            </a:r>
-            <a:r>
-              <a:rPr lang="it-IT" sz="1500" dirty="0" err="1">
-                <a:solidFill>
-                  <a:schemeClr val="tx1">
-                    <a:lumMod val="85000"/>
-                    <a:lumOff val="15000"/>
-                  </a:schemeClr>
-                </a:solidFill>
-                <a:cs typeface="Courier New" panose="02070309020205020404" pitchFamily="49" charset="0"/>
-              </a:rPr>
-              <a:t>distant</a:t>
-            </a:r>
-            <a:r>
-              <a:rPr lang="it-IT" sz="1500" dirty="0">
-                <a:solidFill>
-                  <a:schemeClr val="tx1">
-                    <a:lumMod val="85000"/>
-                    <a:lumOff val="15000"/>
-                  </a:schemeClr>
-                </a:solidFill>
-                <a:cs typeface="Courier New" panose="02070309020205020404" pitchFamily="49" charset="0"/>
-              </a:rPr>
-              <a:t> </a:t>
-            </a:r>
-            <a:r>
-              <a:rPr lang="it-IT" sz="1500" dirty="0" err="1">
-                <a:solidFill>
-                  <a:schemeClr val="tx1">
-                    <a:lumMod val="85000"/>
-                    <a:lumOff val="15000"/>
-                  </a:schemeClr>
-                </a:solidFill>
-                <a:cs typeface="Courier New" panose="02070309020205020404" pitchFamily="49" charset="0"/>
-              </a:rPr>
-              <a:t>cells</a:t>
-            </a:r>
-            <a:r>
-              <a:rPr lang="it-IT" sz="1500" dirty="0">
-                <a:solidFill>
-                  <a:schemeClr val="tx1">
-                    <a:lumMod val="85000"/>
-                    <a:lumOff val="15000"/>
-                  </a:schemeClr>
-                </a:solidFill>
-                <a:cs typeface="Courier New" panose="02070309020205020404" pitchFamily="49" charset="0"/>
-              </a:rPr>
-              <a:t> in the </a:t>
-            </a:r>
-            <a:r>
-              <a:rPr lang="it-IT" sz="1500" dirty="0" err="1">
-                <a:solidFill>
-                  <a:schemeClr val="tx1">
-                    <a:lumMod val="85000"/>
-                    <a:lumOff val="15000"/>
-                  </a:schemeClr>
-                </a:solidFill>
-                <a:cs typeface="Courier New" panose="02070309020205020404" pitchFamily="49" charset="0"/>
-              </a:rPr>
-              <a:t>maze</a:t>
-            </a:r>
-            <a:r>
-              <a:rPr lang="it-IT" sz="1500" dirty="0">
-                <a:solidFill>
-                  <a:schemeClr val="tx1">
-                    <a:lumMod val="85000"/>
-                    <a:lumOff val="15000"/>
-                  </a:schemeClr>
-                </a:solidFill>
-                <a:cs typeface="Courier New" panose="02070309020205020404" pitchFamily="49" charset="0"/>
-              </a:rPr>
-              <a:t> </a:t>
-            </a:r>
-            <a:r>
-              <a:rPr lang="it-IT" sz="1500" dirty="0" err="1">
-                <a:solidFill>
-                  <a:schemeClr val="tx1">
-                    <a:lumMod val="85000"/>
-                    <a:lumOff val="15000"/>
-                  </a:schemeClr>
-                </a:solidFill>
-                <a:cs typeface="Courier New" panose="02070309020205020404" pitchFamily="49" charset="0"/>
-              </a:rPr>
-              <a:t>without</a:t>
-            </a:r>
-            <a:r>
-              <a:rPr lang="it-IT" sz="1500" dirty="0">
-                <a:solidFill>
-                  <a:schemeClr val="tx1">
-                    <a:lumMod val="85000"/>
-                    <a:lumOff val="15000"/>
-                  </a:schemeClr>
-                </a:solidFill>
-                <a:cs typeface="Courier New" panose="02070309020205020404" pitchFamily="49" charset="0"/>
-              </a:rPr>
-              <a:t> </a:t>
-            </a:r>
-            <a:r>
-              <a:rPr lang="it-IT" sz="1500" dirty="0" err="1">
-                <a:solidFill>
-                  <a:schemeClr val="tx1">
-                    <a:lumMod val="85000"/>
-                    <a:lumOff val="15000"/>
-                  </a:schemeClr>
-                </a:solidFill>
-                <a:cs typeface="Courier New" panose="02070309020205020404" pitchFamily="49" charset="0"/>
-              </a:rPr>
-              <a:t>going</a:t>
-            </a:r>
-            <a:r>
-              <a:rPr lang="it-IT" sz="1500" dirty="0">
-                <a:solidFill>
-                  <a:schemeClr val="tx1">
-                    <a:lumMod val="85000"/>
-                    <a:lumOff val="15000"/>
-                  </a:schemeClr>
-                </a:solidFill>
-                <a:cs typeface="Courier New" panose="02070309020205020404" pitchFamily="49" charset="0"/>
-              </a:rPr>
-              <a:t> </a:t>
-            </a:r>
-            <a:r>
-              <a:rPr lang="it-IT" sz="1500" dirty="0" err="1">
-                <a:solidFill>
-                  <a:schemeClr val="tx1">
-                    <a:lumMod val="85000"/>
-                    <a:lumOff val="15000"/>
-                  </a:schemeClr>
-                </a:solidFill>
-                <a:cs typeface="Courier New" panose="02070309020205020404" pitchFamily="49" charset="0"/>
-              </a:rPr>
-              <a:t>through</a:t>
-            </a:r>
-            <a:r>
-              <a:rPr lang="it-IT" sz="1500" dirty="0">
-                <a:solidFill>
-                  <a:schemeClr val="tx1">
-                    <a:lumMod val="85000"/>
-                    <a:lumOff val="15000"/>
-                  </a:schemeClr>
-                </a:solidFill>
-                <a:cs typeface="Courier New" panose="02070309020205020404" pitchFamily="49" charset="0"/>
-              </a:rPr>
-              <a:t> </a:t>
-            </a:r>
-            <a:r>
-              <a:rPr lang="it-IT" sz="1500" dirty="0" err="1">
-                <a:solidFill>
-                  <a:schemeClr val="tx1">
-                    <a:lumMod val="85000"/>
-                    <a:lumOff val="15000"/>
-                  </a:schemeClr>
-                </a:solidFill>
-                <a:cs typeface="Courier New" panose="02070309020205020404" pitchFamily="49" charset="0"/>
-              </a:rPr>
-              <a:t>illegal</a:t>
-            </a:r>
-            <a:r>
-              <a:rPr lang="it-IT" sz="1500" dirty="0">
-                <a:solidFill>
-                  <a:schemeClr val="tx1">
-                    <a:lumMod val="85000"/>
-                    <a:lumOff val="15000"/>
-                  </a:schemeClr>
-                </a:solidFill>
-                <a:cs typeface="Courier New" panose="02070309020205020404" pitchFamily="49" charset="0"/>
-              </a:rPr>
-              <a:t> </a:t>
-            </a:r>
-            <a:r>
-              <a:rPr lang="it-IT" sz="1500" dirty="0" err="1">
-                <a:solidFill>
-                  <a:schemeClr val="tx1">
-                    <a:lumMod val="85000"/>
-                    <a:lumOff val="15000"/>
-                  </a:schemeClr>
-                </a:solidFill>
-                <a:cs typeface="Courier New" panose="02070309020205020404" pitchFamily="49" charset="0"/>
-              </a:rPr>
-              <a:t>cells</a:t>
-            </a:r>
-            <a:r>
-              <a:rPr lang="it-IT" sz="1500" dirty="0">
-                <a:solidFill>
-                  <a:schemeClr val="tx1">
-                    <a:lumMod val="85000"/>
-                    <a:lumOff val="15000"/>
-                  </a:schemeClr>
-                </a:solidFill>
-                <a:cs typeface="Courier New" panose="02070309020205020404" pitchFamily="49" charset="0"/>
-              </a:rPr>
-              <a:t>. (Predicate </a:t>
-            </a:r>
-            <a:r>
-              <a:rPr lang="it-IT" sz="1500" dirty="0" err="1">
-                <a:solidFill>
-                  <a:schemeClr val="tx1">
-                    <a:lumMod val="85000"/>
-                    <a:lumOff val="15000"/>
-                  </a:schemeClr>
-                </a:solidFill>
-                <a:cs typeface="Courier New" panose="02070309020205020404" pitchFamily="49" charset="0"/>
-              </a:rPr>
-              <a:t>reach</a:t>
-            </a:r>
-            <a:r>
-              <a:rPr lang="it-IT" sz="1500" dirty="0">
-                <a:solidFill>
-                  <a:schemeClr val="tx1">
-                    <a:lumMod val="85000"/>
-                    <a:lumOff val="15000"/>
-                  </a:schemeClr>
-                </a:solidFill>
-                <a:cs typeface="Courier New" panose="02070309020205020404" pitchFamily="49" charset="0"/>
-              </a:rPr>
-              <a:t>/3).</a:t>
-            </a:r>
-          </a:p>
-          <a:p>
-            <a:r>
-              <a:rPr lang="it-IT" sz="1400" b="1" dirty="0"/>
-              <a:t>Background Knowledge:</a:t>
-            </a:r>
-          </a:p>
-          <a:p>
-            <a:pPr lvl="1">
-              <a:lnSpc>
-                <a:spcPct val="100000"/>
-              </a:lnSpc>
-            </a:pPr>
-            <a:r>
-              <a:rPr lang="it-IT" sz="1500" dirty="0" err="1">
-                <a:cs typeface="Courier New" panose="02070309020205020404" pitchFamily="49" charset="0"/>
-              </a:rPr>
-              <a:t>backliteral</a:t>
-            </a:r>
-            <a:r>
-              <a:rPr lang="it-IT" sz="1500" dirty="0">
-                <a:cs typeface="Courier New" panose="02070309020205020404" pitchFamily="49" charset="0"/>
-              </a:rPr>
-              <a:t>( </a:t>
-            </a:r>
-            <a:r>
-              <a:rPr lang="it-IT" sz="1500" dirty="0" err="1">
-                <a:cs typeface="Courier New" panose="02070309020205020404" pitchFamily="49" charset="0"/>
-              </a:rPr>
-              <a:t>move</a:t>
-            </a:r>
-            <a:r>
-              <a:rPr lang="it-IT" sz="1500" dirty="0">
-                <a:cs typeface="Courier New" panose="02070309020205020404" pitchFamily="49" charset="0"/>
-              </a:rPr>
-              <a:t>(X,Y), [</a:t>
-            </a:r>
-            <a:r>
-              <a:rPr lang="it-IT" sz="1500" dirty="0" err="1">
-                <a:cs typeface="Courier New" panose="02070309020205020404" pitchFamily="49" charset="0"/>
-              </a:rPr>
-              <a:t>X:cell</a:t>
-            </a:r>
-            <a:r>
-              <a:rPr lang="it-IT" sz="1500" dirty="0">
-                <a:cs typeface="Courier New" panose="02070309020205020404" pitchFamily="49" charset="0"/>
-              </a:rPr>
-              <a:t>], [</a:t>
-            </a:r>
-            <a:r>
-              <a:rPr lang="it-IT" sz="1500" dirty="0" err="1">
-                <a:cs typeface="Courier New" panose="02070309020205020404" pitchFamily="49" charset="0"/>
-              </a:rPr>
-              <a:t>Y:cell</a:t>
-            </a:r>
-            <a:r>
-              <a:rPr lang="it-IT" sz="1500" dirty="0">
-                <a:cs typeface="Courier New" panose="02070309020205020404" pitchFamily="49" charset="0"/>
-              </a:rPr>
-              <a:t>]).</a:t>
-            </a:r>
-          </a:p>
-          <a:p>
-            <a:pPr lvl="1">
-              <a:lnSpc>
-                <a:spcPct val="100000"/>
-              </a:lnSpc>
-            </a:pPr>
-            <a:r>
-              <a:rPr lang="it-IT" sz="1500" dirty="0" err="1">
-                <a:cs typeface="Courier New" panose="02070309020205020404" pitchFamily="49" charset="0"/>
-              </a:rPr>
-              <a:t>backliteral</a:t>
-            </a:r>
-            <a:r>
-              <a:rPr lang="it-IT" sz="1500" dirty="0">
-                <a:cs typeface="Courier New" panose="02070309020205020404" pitchFamily="49" charset="0"/>
-              </a:rPr>
-              <a:t>( </a:t>
-            </a:r>
-            <a:r>
-              <a:rPr lang="it-IT" sz="1500" dirty="0" err="1">
-                <a:cs typeface="Courier New" panose="02070309020205020404" pitchFamily="49" charset="0"/>
-              </a:rPr>
-              <a:t>reach</a:t>
-            </a:r>
-            <a:r>
-              <a:rPr lang="it-IT" sz="1500" dirty="0">
-                <a:cs typeface="Courier New" panose="02070309020205020404" pitchFamily="49" charset="0"/>
-              </a:rPr>
-              <a:t>(X,Y,L), [</a:t>
-            </a:r>
-            <a:r>
-              <a:rPr lang="it-IT" sz="1500" dirty="0" err="1">
-                <a:cs typeface="Courier New" panose="02070309020205020404" pitchFamily="49" charset="0"/>
-              </a:rPr>
-              <a:t>X:cell,L:list</a:t>
-            </a:r>
-            <a:r>
-              <a:rPr lang="it-IT" sz="1500" dirty="0">
-                <a:cs typeface="Courier New" panose="02070309020205020404" pitchFamily="49" charset="0"/>
-              </a:rPr>
-              <a:t>], [</a:t>
-            </a:r>
-            <a:r>
-              <a:rPr lang="it-IT" sz="1500" dirty="0" err="1">
-                <a:cs typeface="Courier New" panose="02070309020205020404" pitchFamily="49" charset="0"/>
-              </a:rPr>
-              <a:t>Y:cell</a:t>
-            </a:r>
-            <a:r>
-              <a:rPr lang="it-IT" sz="1500" dirty="0">
-                <a:cs typeface="Courier New" panose="02070309020205020404" pitchFamily="49" charset="0"/>
-              </a:rPr>
-              <a:t>]).</a:t>
-            </a:r>
-          </a:p>
-          <a:p>
-            <a:r>
-              <a:rPr lang="it-IT" sz="1400" b="1" dirty="0" err="1">
-                <a:cs typeface="Courier New" panose="02070309020205020404" pitchFamily="49" charset="0"/>
-              </a:rPr>
-              <a:t>Structured</a:t>
-            </a:r>
-            <a:r>
-              <a:rPr lang="it-IT" sz="1400" b="1" dirty="0">
-                <a:cs typeface="Courier New" panose="02070309020205020404" pitchFamily="49" charset="0"/>
-              </a:rPr>
-              <a:t> </a:t>
-            </a:r>
-            <a:r>
-              <a:rPr lang="it-IT" sz="1400" b="1" dirty="0" err="1">
-                <a:cs typeface="Courier New" panose="02070309020205020404" pitchFamily="49" charset="0"/>
-              </a:rPr>
-              <a:t>terms</a:t>
-            </a:r>
-            <a:r>
-              <a:rPr lang="it-IT" sz="1400" b="1" dirty="0">
-                <a:cs typeface="Courier New" panose="02070309020205020404" pitchFamily="49" charset="0"/>
-              </a:rPr>
-              <a:t>:</a:t>
-            </a:r>
-          </a:p>
-          <a:p>
-            <a:pPr lvl="1"/>
-            <a:r>
-              <a:rPr lang="en-US" sz="1500" dirty="0">
-                <a:cs typeface="Courier New" panose="02070309020205020404" pitchFamily="49" charset="0"/>
-              </a:rPr>
-              <a:t>term( list1, [X|L], [ X:cell, L:list]).</a:t>
-            </a:r>
-          </a:p>
-          <a:p>
-            <a:pPr lvl="1"/>
-            <a:r>
-              <a:rPr lang="en-US" sz="1500" dirty="0">
-                <a:cs typeface="Courier New" panose="02070309020205020404" pitchFamily="49" charset="0"/>
-              </a:rPr>
-              <a:t>term( list1, [X], [</a:t>
-            </a:r>
-            <a:r>
-              <a:rPr lang="en-US" sz="1500" dirty="0" err="1">
-                <a:cs typeface="Courier New" panose="02070309020205020404" pitchFamily="49" charset="0"/>
-              </a:rPr>
-              <a:t>X:cell</a:t>
-            </a:r>
-            <a:r>
-              <a:rPr lang="en-US" sz="1500" dirty="0">
-                <a:cs typeface="Courier New" panose="02070309020205020404" pitchFamily="49" charset="0"/>
-              </a:rPr>
-              <a:t>]).</a:t>
-            </a:r>
-          </a:p>
-          <a:p>
-            <a:r>
-              <a:rPr lang="it-IT" sz="1500" b="1" dirty="0">
-                <a:solidFill>
-                  <a:schemeClr val="tx1">
-                    <a:lumMod val="85000"/>
-                    <a:lumOff val="15000"/>
-                  </a:schemeClr>
-                </a:solidFill>
-                <a:cs typeface="Courier New" panose="02070309020205020404" pitchFamily="49" charset="0"/>
-              </a:rPr>
-              <a:t>Start </a:t>
-            </a:r>
-            <a:r>
-              <a:rPr lang="it-IT" sz="1500" b="1" dirty="0" err="1">
-                <a:solidFill>
-                  <a:schemeClr val="tx1">
-                    <a:lumMod val="85000"/>
-                    <a:lumOff val="15000"/>
-                  </a:schemeClr>
-                </a:solidFill>
-                <a:cs typeface="Courier New" panose="02070309020205020404" pitchFamily="49" charset="0"/>
-              </a:rPr>
-              <a:t>hypothesis</a:t>
-            </a:r>
-            <a:r>
-              <a:rPr lang="it-IT" sz="1500" dirty="0">
-                <a:solidFill>
-                  <a:schemeClr val="tx1">
-                    <a:lumMod val="85000"/>
-                    <a:lumOff val="15000"/>
-                  </a:schemeClr>
-                </a:solidFill>
-                <a:cs typeface="Courier New" panose="02070309020205020404" pitchFamily="49" charset="0"/>
-              </a:rPr>
-              <a:t>: </a:t>
-            </a:r>
-            <a:r>
-              <a:rPr lang="en-US" sz="1500" dirty="0" err="1">
-                <a:solidFill>
-                  <a:schemeClr val="tx1">
-                    <a:lumMod val="85000"/>
-                    <a:lumOff val="15000"/>
-                  </a:schemeClr>
-                </a:solidFill>
-                <a:cs typeface="Courier New" panose="02070309020205020404" pitchFamily="49" charset="0"/>
-              </a:rPr>
-              <a:t>start_clause</a:t>
-            </a:r>
-            <a:r>
-              <a:rPr lang="en-US" sz="1500" dirty="0">
-                <a:solidFill>
-                  <a:schemeClr val="tx1">
-                    <a:lumMod val="85000"/>
-                    <a:lumOff val="15000"/>
-                  </a:schemeClr>
-                </a:solidFill>
-                <a:cs typeface="Courier New" panose="02070309020205020404" pitchFamily="49" charset="0"/>
-              </a:rPr>
-              <a:t>([ reach(X,Y,L)] / [X:cell,Y:cell,L:list1]). </a:t>
-            </a:r>
-            <a:endParaRPr lang="it-IT" sz="1500" dirty="0">
-              <a:solidFill>
-                <a:schemeClr val="tx1">
-                  <a:lumMod val="85000"/>
-                  <a:lumOff val="15000"/>
-                </a:schemeClr>
-              </a:solidFill>
-              <a:cs typeface="Courier New" panose="02070309020205020404" pitchFamily="49" charset="0"/>
-            </a:endParaRPr>
-          </a:p>
-          <a:p>
-            <a:r>
-              <a:rPr lang="it-IT" sz="1400" b="1" dirty="0">
-                <a:cs typeface="Courier New" panose="02070309020205020404" pitchFamily="49" charset="0"/>
-              </a:rPr>
-              <a:t>Positive </a:t>
-            </a:r>
-            <a:r>
-              <a:rPr lang="it-IT" sz="1400" b="1" dirty="0" err="1">
-                <a:cs typeface="Courier New" panose="02070309020205020404" pitchFamily="49" charset="0"/>
-              </a:rPr>
-              <a:t>examples</a:t>
-            </a:r>
-            <a:r>
-              <a:rPr lang="it-IT" sz="1400" b="1" dirty="0">
-                <a:cs typeface="Courier New" panose="02070309020205020404" pitchFamily="49" charset="0"/>
-              </a:rPr>
-              <a:t>: 3 / N</a:t>
-            </a:r>
-            <a:r>
-              <a:rPr lang="en-US" sz="1400" b="1" dirty="0" err="1">
-                <a:cs typeface="Courier New" panose="02070309020205020404" pitchFamily="49" charset="0"/>
-              </a:rPr>
-              <a:t>egative</a:t>
-            </a:r>
-            <a:r>
-              <a:rPr lang="en-US" sz="1400" b="1" dirty="0">
-                <a:cs typeface="Courier New" panose="02070309020205020404" pitchFamily="49" charset="0"/>
-              </a:rPr>
-              <a:t> examples: 5</a:t>
-            </a:r>
-          </a:p>
-          <a:p>
-            <a:r>
-              <a:rPr lang="en-US" sz="1400" b="1" dirty="0">
-                <a:cs typeface="Courier New" panose="02070309020205020404" pitchFamily="49" charset="0"/>
-              </a:rPr>
-              <a:t>Parameters:</a:t>
-            </a:r>
-          </a:p>
-          <a:p>
-            <a:pPr lvl="1">
-              <a:lnSpc>
-                <a:spcPct val="80000"/>
-              </a:lnSpc>
-            </a:pPr>
-            <a:r>
-              <a:rPr lang="en-US" sz="1500" dirty="0" err="1">
-                <a:cs typeface="Courier New" panose="02070309020205020404" pitchFamily="49" charset="0"/>
-              </a:rPr>
-              <a:t>max_proof_length</a:t>
-            </a:r>
-            <a:r>
-              <a:rPr lang="en-US" sz="1500" dirty="0">
-                <a:cs typeface="Courier New" panose="02070309020205020404" pitchFamily="49" charset="0"/>
-              </a:rPr>
-              <a:t>( 5). </a:t>
-            </a:r>
-          </a:p>
-          <a:p>
-            <a:pPr lvl="1">
-              <a:lnSpc>
-                <a:spcPct val="80000"/>
-              </a:lnSpc>
-            </a:pPr>
-            <a:r>
-              <a:rPr lang="en-US" sz="1500" dirty="0" err="1">
-                <a:cs typeface="Courier New" panose="02070309020205020404" pitchFamily="49" charset="0"/>
-              </a:rPr>
-              <a:t>max_clauses</a:t>
-            </a:r>
-            <a:r>
-              <a:rPr lang="en-US" sz="1500" dirty="0">
-                <a:cs typeface="Courier New" panose="02070309020205020404" pitchFamily="49" charset="0"/>
-              </a:rPr>
-              <a:t>( 2). </a:t>
-            </a:r>
-          </a:p>
-          <a:p>
-            <a:pPr lvl="1">
-              <a:lnSpc>
-                <a:spcPct val="80000"/>
-              </a:lnSpc>
-            </a:pPr>
-            <a:r>
-              <a:rPr lang="en-US" sz="1500" dirty="0" err="1">
-                <a:cs typeface="Courier New" panose="02070309020205020404" pitchFamily="49" charset="0"/>
-              </a:rPr>
-              <a:t>max_clause_length</a:t>
-            </a:r>
-            <a:r>
-              <a:rPr lang="en-US" sz="1500" dirty="0">
-                <a:cs typeface="Courier New" panose="02070309020205020404" pitchFamily="49" charset="0"/>
-              </a:rPr>
-              <a:t>( 3).  </a:t>
-            </a:r>
-            <a:endParaRPr lang="de-AT" sz="1500" dirty="0">
-              <a:cs typeface="Courier New" panose="02070309020205020404" pitchFamily="49" charset="0"/>
-            </a:endParaRPr>
-          </a:p>
-          <a:p>
-            <a:endParaRPr lang="en-US" sz="1400" b="1" dirty="0">
-              <a:cs typeface="Courier New" panose="02070309020205020404" pitchFamily="49" charset="0"/>
-            </a:endParaRPr>
-          </a:p>
-        </p:txBody>
-      </p:sp>
-      <p:pic>
-        <p:nvPicPr>
-          <p:cNvPr id="10" name="Grafik 9">
-            <a:extLst>
-              <a:ext uri="{FF2B5EF4-FFF2-40B4-BE49-F238E27FC236}">
-                <a16:creationId xmlns:a16="http://schemas.microsoft.com/office/drawing/2014/main" id="{A6397934-E5AA-4520-B27A-8BC179EFD4BC}"/>
-              </a:ext>
-            </a:extLst>
-          </p:cNvPr>
-          <p:cNvPicPr>
-            <a:picLocks noChangeAspect="1"/>
-          </p:cNvPicPr>
-          <p:nvPr/>
-        </p:nvPicPr>
-        <p:blipFill>
-          <a:blip r:embed="rId3"/>
-          <a:stretch>
-            <a:fillRect/>
-          </a:stretch>
-        </p:blipFill>
-        <p:spPr>
-          <a:xfrm>
-            <a:off x="963452" y="3429000"/>
-            <a:ext cx="3095625" cy="1619250"/>
-          </a:xfrm>
-          <a:prstGeom prst="rect">
-            <a:avLst/>
-          </a:prstGeom>
-        </p:spPr>
-      </p:pic>
+        </p:nvGraphicFramePr>
+        <p:xfrm>
+          <a:off x="4658815" y="804672"/>
+          <a:ext cx="5990136" cy="5262054"/>
+        </p:xfrm>
+        <a:graphic>
+          <a:graphicData uri="http://schemas.openxmlformats.org/drawingml/2006/diagram">
+            <dgm:relIds xmlns:dgm="http://schemas.openxmlformats.org/drawingml/2006/diagram" xmlns:r="http://schemas.openxmlformats.org/officeDocument/2006/relationships" r:dm="rId2" r:lo="rId3" r:qs="rId4" r:cs="rId5"/>
+          </a:graphicData>
+        </a:graphic>
+      </p:graphicFrame>
     </p:spTree>
     <p:extLst>
       <p:ext uri="{BB962C8B-B14F-4D97-AF65-F5344CB8AC3E}">
-        <p14:creationId xmlns:p14="http://schemas.microsoft.com/office/powerpoint/2010/main" val="257936271"/>
+        <p14:creationId xmlns:p14="http://schemas.microsoft.com/office/powerpoint/2010/main" val="727034527"/>
       </p:ext>
     </p:extLst>
   </p:cSld>
@@ -9542,9 +11473,17 @@
 </p:sld>
 </file>
 
-<file path=ppt/slides/slide15.xml><?xml version="1.0" encoding="utf-8"?>
+<file path=ppt/slides/slide16.xml><?xml version="1.0" encoding="utf-8"?>
 <p:sld xmlns:a="http://schemas.openxmlformats.org/drawingml/2006/main" xmlns:r="http://schemas.openxmlformats.org/officeDocument/2006/relationships" xmlns:p="http://schemas.openxmlformats.org/presentationml/2006/main">
   <p:cSld>
+    <p:bg>
+      <p:bgPr>
+        <a:solidFill>
+          <a:schemeClr val="bg1"/>
+        </a:solidFill>
+        <a:effectLst/>
+      </p:bgPr>
+    </p:bg>
     <p:spTree>
       <p:nvGrpSpPr>
         <p:cNvPr id="1" name=""/>
@@ -9559,12 +11498,119 @@
           <a:chExt cx="0" cy="0"/>
         </a:xfrm>
       </p:grpSpPr>
+      <p:sp useBgFill="1">
+        <p:nvSpPr>
+          <p:cNvPr id="15" name="Rectangle 9">
+            <a:extLst>
+              <a:ext uri="{FF2B5EF4-FFF2-40B4-BE49-F238E27FC236}">
+                <a16:creationId xmlns:a16="http://schemas.microsoft.com/office/drawing/2014/main" id="{D0CDF5D3-7220-42A0-9D37-ECF3BF283B37}"/>
+              </a:ext>
+              <a:ext uri="{C183D7F6-B498-43B3-948B-1728B52AA6E4}">
+                <adec:decorative xmlns:adec="http://schemas.microsoft.com/office/drawing/2017/decorative" val="1"/>
+              </a:ext>
+            </a:extLst>
+          </p:cNvPr>
+          <p:cNvSpPr>
+            <a:spLocks noGrp="1" noRot="1" noChangeAspect="1" noMove="1" noResize="1" noEditPoints="1" noAdjustHandles="1" noChangeArrowheads="1" noChangeShapeType="1" noTextEdit="1"/>
+          </p:cNvSpPr>
+          <p:nvPr>
+            <p:extLst>
+              <p:ext uri="{386F3935-93C4-4BCD-93E2-E3B085C9AB24}">
+                <p16:designElem xmlns:p16="http://schemas.microsoft.com/office/powerpoint/2015/main" val="1"/>
+              </p:ext>
+            </p:extLst>
+          </p:nvPr>
+        </p:nvSpPr>
+        <p:spPr>
+          <a:xfrm>
+            <a:off x="457200" y="0"/>
+            <a:ext cx="10835640" cy="5105400"/>
+          </a:xfrm>
+          <a:prstGeom prst="rect">
+            <a:avLst/>
+          </a:prstGeom>
+          <a:ln>
+            <a:noFill/>
+          </a:ln>
+        </p:spPr>
+        <p:style>
+          <a:lnRef idx="2">
+            <a:schemeClr val="accent1">
+              <a:shade val="50000"/>
+            </a:schemeClr>
+          </a:lnRef>
+          <a:fillRef idx="1">
+            <a:schemeClr val="accent1"/>
+          </a:fillRef>
+          <a:effectRef idx="0">
+            <a:schemeClr val="accent1"/>
+          </a:effectRef>
+          <a:fontRef idx="minor">
+            <a:schemeClr val="lt1"/>
+          </a:fontRef>
+        </p:style>
+      </p:sp>
+      <p:sp>
+        <p:nvSpPr>
+          <p:cNvPr id="17" name="Rectangle 11">
+            <a:extLst>
+              <a:ext uri="{FF2B5EF4-FFF2-40B4-BE49-F238E27FC236}">
+                <a16:creationId xmlns:a16="http://schemas.microsoft.com/office/drawing/2014/main" id="{64BC717F-58B3-4A4E-BC3B-1B11323AD5C9}"/>
+              </a:ext>
+              <a:ext uri="{C183D7F6-B498-43B3-948B-1728B52AA6E4}">
+                <adec:decorative xmlns:adec="http://schemas.microsoft.com/office/drawing/2017/decorative" val="1"/>
+              </a:ext>
+            </a:extLst>
+          </p:cNvPr>
+          <p:cNvSpPr>
+            <a:spLocks noGrp="1" noRot="1" noChangeAspect="1" noMove="1" noResize="1" noEditPoints="1" noAdjustHandles="1" noChangeArrowheads="1" noChangeShapeType="1" noTextEdit="1"/>
+          </p:cNvSpPr>
+          <p:nvPr>
+            <p:extLst>
+              <p:ext uri="{386F3935-93C4-4BCD-93E2-E3B085C9AB24}">
+                <p16:designElem xmlns:p16="http://schemas.microsoft.com/office/powerpoint/2015/main" val="1"/>
+              </p:ext>
+            </p:extLst>
+          </p:nvPr>
+        </p:nvSpPr>
+        <p:spPr>
+          <a:xfrm>
+            <a:off x="457200" y="5105400"/>
+            <a:ext cx="10835640" cy="1752600"/>
+          </a:xfrm>
+          <a:prstGeom prst="rect">
+            <a:avLst/>
+          </a:prstGeom>
+          <a:solidFill>
+            <a:srgbClr val="353537"/>
+          </a:solidFill>
+          <a:ln>
+            <a:noFill/>
+          </a:ln>
+        </p:spPr>
+        <p:style>
+          <a:lnRef idx="2">
+            <a:schemeClr val="accent1">
+              <a:shade val="50000"/>
+            </a:schemeClr>
+          </a:lnRef>
+          <a:fillRef idx="1">
+            <a:schemeClr val="accent1"/>
+          </a:fillRef>
+          <a:effectRef idx="0">
+            <a:schemeClr val="accent1"/>
+          </a:effectRef>
+          <a:fontRef idx="minor">
+            <a:schemeClr val="lt1"/>
+          </a:fontRef>
+        </p:style>
+      </p:sp>
       <p:sp>
         <p:nvSpPr>
           <p:cNvPr id="2" name="Titolo 1">
             <a:extLst>
               <a:ext uri="{FF2B5EF4-FFF2-40B4-BE49-F238E27FC236}">
-                <a16:creationId xmlns:a16="http://schemas.microsoft.com/office/drawing/2014/main" id="{D02D210C-DC25-442C-A0DC-2021B3ABC932}"/>
+                <a16:creationId xmlns:a16="http://schemas.microsoft.com/office/drawing/2014/main" id="{5C5E9109-1498-42B5-9C0D-9F61724C4D12}"/>
               </a:ext>
             </a:extLst>
           </p:cNvPr>
@@ -9572,13 +11618,13 @@
             <a:spLocks noGrp="1"/>
           </p:cNvSpPr>
           <p:nvPr>
-            <p:ph type="title"/>
+            <p:ph type="ctrTitle"/>
           </p:nvPr>
         </p:nvSpPr>
         <p:spPr>
           <a:xfrm>
-            <a:off x="4654295" y="484632"/>
-            <a:ext cx="6261555" cy="1512201"/>
+            <a:off x="944183" y="5181600"/>
+            <a:ext cx="10156435" cy="1076324"/>
           </a:xfrm>
         </p:spPr>
         <p:txBody>
@@ -9588,59 +11634,51 @@
           <a:lstStyle/>
           <a:p>
             <a:r>
-              <a:rPr lang="it-IT" dirty="0" err="1"/>
-              <a:t>Combined</a:t>
-            </a:r>
-            <a:r>
-              <a:rPr lang="it-IT" dirty="0"/>
-              <a:t> Learning: </a:t>
-            </a:r>
-            <a:r>
-              <a:rPr lang="it-IT" dirty="0" err="1"/>
-              <a:t>walk</a:t>
-            </a:r>
-            <a:r>
-              <a:rPr lang="it-IT" dirty="0"/>
-              <a:t> &amp; travel</a:t>
-            </a:r>
+              <a:rPr lang="it-IT" sz="5400" dirty="0">
+                <a:solidFill>
+                  <a:srgbClr val="FFFFFF"/>
+                </a:solidFill>
+              </a:rPr>
+              <a:t>Performance </a:t>
+            </a:r>
+            <a:r>
+              <a:rPr lang="it-IT" sz="5400" dirty="0" err="1">
+                <a:solidFill>
+                  <a:srgbClr val="FFFFFF"/>
+                </a:solidFill>
+              </a:rPr>
+              <a:t>analysis</a:t>
+            </a:r>
+            <a:r>
+              <a:rPr lang="it-IT" sz="5400" dirty="0">
+                <a:solidFill>
+                  <a:srgbClr val="FFFFFF"/>
+                </a:solidFill>
+              </a:rPr>
+              <a:t> </a:t>
+            </a:r>
+            <a:r>
+              <a:rPr lang="it-IT" sz="5400" dirty="0" err="1">
+                <a:solidFill>
+                  <a:srgbClr val="FFFFFF"/>
+                </a:solidFill>
+              </a:rPr>
+              <a:t>results</a:t>
+            </a:r>
+            <a:endParaRPr lang="it-IT" sz="5400" dirty="0">
+              <a:solidFill>
+                <a:srgbClr val="FFFFFF"/>
+              </a:solidFill>
+            </a:endParaRPr>
           </a:p>
         </p:txBody>
       </p:sp>
-      <p:pic>
-        <p:nvPicPr>
-          <p:cNvPr id="4" name="Picture 4" descr="Maze">
+      <p:sp>
+        <p:nvSpPr>
+          <p:cNvPr id="3" name="Sottotitolo 2">
             <a:extLst>
               <a:ext uri="{FF2B5EF4-FFF2-40B4-BE49-F238E27FC236}">
-                <a16:creationId xmlns:a16="http://schemas.microsoft.com/office/drawing/2014/main" id="{C8005455-DE52-4166-891D-E22990B7B159}"/>
-              </a:ext>
-            </a:extLst>
-          </p:cNvPr>
-          <p:cNvPicPr>
-            <a:picLocks noChangeAspect="1"/>
-          </p:cNvPicPr>
-          <p:nvPr/>
-        </p:nvPicPr>
-        <p:blipFill rotWithShape="1">
-          <a:blip r:embed="rId2"/>
-          <a:srcRect t="9021"/>
-          <a:stretch/>
-        </p:blipFill>
-        <p:spPr>
-          <a:xfrm>
-            <a:off x="789510" y="884026"/>
-            <a:ext cx="3269567" cy="1985559"/>
-          </a:xfrm>
-          <a:prstGeom prst="rect">
-            <a:avLst/>
-          </a:prstGeom>
-        </p:spPr>
-      </p:pic>
-      <p:sp>
-        <p:nvSpPr>
-          <p:cNvPr id="3" name="Segnaposto contenuto 2">
-            <a:extLst>
-              <a:ext uri="{FF2B5EF4-FFF2-40B4-BE49-F238E27FC236}">
-                <a16:creationId xmlns:a16="http://schemas.microsoft.com/office/drawing/2014/main" id="{C6D47933-B121-49D1-9D84-21CF203209CD}"/>
+                <a16:creationId xmlns:a16="http://schemas.microsoft.com/office/drawing/2014/main" id="{442B35D4-4DB7-47AC-8385-593EA06DD205}"/>
               </a:ext>
             </a:extLst>
           </p:cNvPr>
@@ -9648,13 +11686,13 @@
             <a:spLocks noGrp="1"/>
           </p:cNvSpPr>
           <p:nvPr>
-            <p:ph idx="1"/>
+            <p:ph type="subTitle" idx="1"/>
           </p:nvPr>
         </p:nvSpPr>
         <p:spPr>
           <a:xfrm>
-            <a:off x="4654295" y="2104008"/>
-            <a:ext cx="6261556" cy="4269360"/>
+            <a:off x="944182" y="6229349"/>
+            <a:ext cx="9747821" cy="536576"/>
           </a:xfrm>
         </p:spPr>
         <p:txBody>
@@ -9664,485 +11702,205 @@
           <a:lstStyle/>
           <a:p>
             <a:r>
-              <a:rPr lang="it-IT" sz="1400" b="1" dirty="0"/>
-              <a:t>Goal: </a:t>
-            </a:r>
-            <a:r>
-              <a:rPr lang="it-IT" sz="1500" dirty="0" err="1">
+              <a:rPr lang="it-IT" sz="1600" dirty="0" err="1">
                 <a:solidFill>
-                  <a:schemeClr val="tx1">
-                    <a:lumMod val="85000"/>
-                    <a:lumOff val="15000"/>
-                  </a:schemeClr>
+                  <a:srgbClr val="BFBFBF"/>
                 </a:solidFill>
-                <a:cs typeface="Courier New" panose="02070309020205020404" pitchFamily="49" charset="0"/>
               </a:rPr>
-              <a:t>Learn</a:t>
-            </a:r>
-            <a:r>
-              <a:rPr lang="it-IT" sz="1500" dirty="0">
+              <a:t>Evident</a:t>
+            </a:r>
+            <a:r>
+              <a:rPr lang="it-IT" sz="1600" dirty="0">
                 <a:solidFill>
-                  <a:schemeClr val="tx1">
-                    <a:lumMod val="85000"/>
-                    <a:lumOff val="15000"/>
-                  </a:schemeClr>
+                  <a:srgbClr val="BFBFBF"/>
                 </a:solidFill>
-                <a:cs typeface="Courier New" panose="02070309020205020404" pitchFamily="49" charset="0"/>
-              </a:rPr>
-              <a:t> the </a:t>
-            </a:r>
-            <a:r>
-              <a:rPr lang="it-IT" sz="1500" dirty="0" err="1">
-                <a:solidFill>
-                  <a:schemeClr val="tx1">
-                    <a:lumMod val="85000"/>
-                    <a:lumOff val="15000"/>
-                  </a:schemeClr>
-                </a:solidFill>
-                <a:cs typeface="Courier New" panose="02070309020205020404" pitchFamily="49" charset="0"/>
-              </a:rPr>
-              <a:t>two</a:t>
-            </a:r>
-            <a:r>
-              <a:rPr lang="it-IT" sz="1500" dirty="0">
-                <a:solidFill>
-                  <a:schemeClr val="tx1">
-                    <a:lumMod val="85000"/>
-                    <a:lumOff val="15000"/>
-                  </a:schemeClr>
-                </a:solidFill>
-                <a:cs typeface="Courier New" panose="02070309020205020404" pitchFamily="49" charset="0"/>
               </a:rPr>
               <a:t> </a:t>
             </a:r>
             <a:r>
-              <a:rPr lang="it-IT" sz="1500" dirty="0" err="1">
+              <a:rPr lang="it-IT" sz="1600" dirty="0" err="1">
                 <a:solidFill>
-                  <a:schemeClr val="tx1">
-                    <a:lumMod val="85000"/>
-                    <a:lumOff val="15000"/>
-                  </a:schemeClr>
+                  <a:srgbClr val="BFBFBF"/>
                 </a:solidFill>
-                <a:cs typeface="Courier New" panose="02070309020205020404" pitchFamily="49" charset="0"/>
               </a:rPr>
-              <a:t>predicates</a:t>
-            </a:r>
-            <a:r>
-              <a:rPr lang="it-IT" sz="1500" dirty="0">
+              <a:t>exp</a:t>
+            </a:r>
+            <a:r>
+              <a:rPr lang="it-IT" sz="1600" dirty="0">
                 <a:solidFill>
-                  <a:schemeClr val="tx1">
-                    <a:lumMod val="85000"/>
-                    <a:lumOff val="15000"/>
-                  </a:schemeClr>
+                  <a:srgbClr val="BFBFBF"/>
                 </a:solidFill>
-                <a:cs typeface="Courier New" panose="02070309020205020404" pitchFamily="49" charset="0"/>
+              </a:rPr>
+              <a:t>. Trend ! </a:t>
+            </a:r>
+            <a:r>
+              <a:rPr lang="it-IT" sz="1600" dirty="0" err="1">
+                <a:solidFill>
+                  <a:srgbClr val="BFBFBF"/>
+                </a:solidFill>
+              </a:rPr>
+              <a:t>This</a:t>
+            </a:r>
+            <a:r>
+              <a:rPr lang="it-IT" sz="1600" dirty="0">
+                <a:solidFill>
+                  <a:srgbClr val="BFBFBF"/>
+                </a:solidFill>
               </a:rPr>
               <a:t> </a:t>
             </a:r>
             <a:r>
-              <a:rPr lang="it-IT" sz="1500" dirty="0" err="1">
+              <a:rPr lang="it-IT" sz="1600" dirty="0" err="1">
                 <a:solidFill>
-                  <a:schemeClr val="tx1">
-                    <a:lumMod val="85000"/>
-                    <a:lumOff val="15000"/>
-                  </a:schemeClr>
+                  <a:srgbClr val="BFBFBF"/>
                 </a:solidFill>
-                <a:cs typeface="Courier New" panose="02070309020205020404" pitchFamily="49" charset="0"/>
               </a:rPr>
-              <a:t>move</a:t>
-            </a:r>
-            <a:r>
-              <a:rPr lang="it-IT" sz="1500" dirty="0">
+              <a:t>implies</a:t>
+            </a:r>
+            <a:r>
+              <a:rPr lang="it-IT" sz="1600" dirty="0">
                 <a:solidFill>
-                  <a:schemeClr val="tx1">
-                    <a:lumMod val="85000"/>
-                    <a:lumOff val="15000"/>
-                  </a:schemeClr>
+                  <a:srgbClr val="BFBFBF"/>
                 </a:solidFill>
-                <a:cs typeface="Courier New" panose="02070309020205020404" pitchFamily="49" charset="0"/>
-              </a:rPr>
-              <a:t>/2 and </a:t>
-            </a:r>
-            <a:r>
-              <a:rPr lang="it-IT" sz="1500" dirty="0" err="1">
-                <a:solidFill>
-                  <a:schemeClr val="tx1">
-                    <a:lumMod val="85000"/>
-                    <a:lumOff val="15000"/>
-                  </a:schemeClr>
-                </a:solidFill>
-                <a:cs typeface="Courier New" panose="02070309020205020404" pitchFamily="49" charset="0"/>
-              </a:rPr>
-              <a:t>reach</a:t>
-            </a:r>
-            <a:r>
-              <a:rPr lang="it-IT" sz="1500" dirty="0">
-                <a:solidFill>
-                  <a:schemeClr val="tx1">
-                    <a:lumMod val="85000"/>
-                    <a:lumOff val="15000"/>
-                  </a:schemeClr>
-                </a:solidFill>
-                <a:cs typeface="Courier New" panose="02070309020205020404" pitchFamily="49" charset="0"/>
-              </a:rPr>
-              <a:t>/3 </a:t>
-            </a:r>
-            <a:r>
-              <a:rPr lang="it-IT" sz="1500" dirty="0" err="1">
-                <a:solidFill>
-                  <a:schemeClr val="tx1">
-                    <a:lumMod val="85000"/>
-                    <a:lumOff val="15000"/>
-                  </a:schemeClr>
-                </a:solidFill>
-                <a:cs typeface="Courier New" panose="02070309020205020404" pitchFamily="49" charset="0"/>
-              </a:rPr>
-              <a:t>at</a:t>
-            </a:r>
-            <a:r>
-              <a:rPr lang="it-IT" sz="1500" dirty="0">
-                <a:solidFill>
-                  <a:schemeClr val="tx1">
-                    <a:lumMod val="85000"/>
-                    <a:lumOff val="15000"/>
-                  </a:schemeClr>
-                </a:solidFill>
-                <a:cs typeface="Courier New" panose="02070309020205020404" pitchFamily="49" charset="0"/>
-              </a:rPr>
-              <a:t> once.</a:t>
-            </a:r>
-          </a:p>
-          <a:p>
-            <a:r>
-              <a:rPr lang="it-IT" sz="1400" b="1" dirty="0"/>
-              <a:t>Background Knowledge:</a:t>
-            </a:r>
-          </a:p>
-          <a:p>
-            <a:pPr lvl="1">
-              <a:lnSpc>
-                <a:spcPct val="100000"/>
-              </a:lnSpc>
-            </a:pPr>
-            <a:r>
-              <a:rPr lang="it-IT" sz="1500" dirty="0" err="1">
-                <a:cs typeface="Courier New" panose="02070309020205020404" pitchFamily="49" charset="0"/>
-              </a:rPr>
-              <a:t>Same</a:t>
-            </a:r>
-            <a:r>
-              <a:rPr lang="it-IT" sz="1500" dirty="0">
-                <a:cs typeface="Courier New" panose="02070309020205020404" pitchFamily="49" charset="0"/>
               </a:rPr>
               <a:t> </a:t>
             </a:r>
             <a:r>
-              <a:rPr lang="it-IT" sz="1500" dirty="0" err="1">
-                <a:cs typeface="Courier New" panose="02070309020205020404" pitchFamily="49" charset="0"/>
+              <a:rPr lang="it-IT" sz="1600" dirty="0" err="1">
+                <a:solidFill>
+                  <a:srgbClr val="BFBFBF"/>
+                </a:solidFill>
               </a:rPr>
-              <a:t>as</a:t>
-            </a:r>
-            <a:r>
-              <a:rPr lang="it-IT" sz="1500" dirty="0">
-                <a:cs typeface="Courier New" panose="02070309020205020404" pitchFamily="49" charset="0"/>
+              <a:t>that</a:t>
+            </a:r>
+            <a:r>
+              <a:rPr lang="it-IT" sz="1600" dirty="0">
+                <a:solidFill>
+                  <a:srgbClr val="BFBFBF"/>
+                </a:solidFill>
               </a:rPr>
               <a:t> </a:t>
             </a:r>
             <a:r>
-              <a:rPr lang="it-IT" sz="1500" dirty="0" err="1">
-                <a:cs typeface="Courier New" panose="02070309020205020404" pitchFamily="49" charset="0"/>
+              <a:rPr lang="it-IT" sz="1600" dirty="0" err="1">
+                <a:solidFill>
+                  <a:srgbClr val="BFBFBF"/>
+                </a:solidFill>
               </a:rPr>
-              <a:t>before</a:t>
-            </a:r>
-            <a:r>
-              <a:rPr lang="it-IT" sz="1500" dirty="0">
-                <a:cs typeface="Courier New" panose="02070309020205020404" pitchFamily="49" charset="0"/>
+              <a:t>it’s</a:t>
+            </a:r>
+            <a:r>
+              <a:rPr lang="it-IT" sz="1600" dirty="0">
+                <a:solidFill>
+                  <a:srgbClr val="BFBFBF"/>
+                </a:solidFill>
               </a:rPr>
-              <a:t> for </a:t>
-            </a:r>
-            <a:r>
-              <a:rPr lang="it-IT" sz="1500" dirty="0" err="1">
-                <a:cs typeface="Courier New" panose="02070309020205020404" pitchFamily="49" charset="0"/>
+              <a:t> a good </a:t>
+            </a:r>
+            <a:r>
+              <a:rPr lang="it-IT" sz="1600" dirty="0" err="1">
+                <a:solidFill>
+                  <a:srgbClr val="BFBFBF"/>
+                </a:solidFill>
               </a:rPr>
-              <a:t>both</a:t>
-            </a:r>
-            <a:r>
-              <a:rPr lang="it-IT" sz="1500" dirty="0">
-                <a:cs typeface="Courier New" panose="02070309020205020404" pitchFamily="49" charset="0"/>
+              <a:t>practice</a:t>
+            </a:r>
+            <a:r>
+              <a:rPr lang="it-IT" sz="1600" dirty="0">
+                <a:solidFill>
+                  <a:srgbClr val="BFBFBF"/>
+                </a:solidFill>
+              </a:rPr>
+              <a:t> split a task in </a:t>
+            </a:r>
+            <a:r>
+              <a:rPr lang="it-IT" sz="1600" dirty="0" err="1">
+                <a:solidFill>
+                  <a:srgbClr val="BFBFBF"/>
+                </a:solidFill>
+              </a:rPr>
+              <a:t>other</a:t>
+            </a:r>
+            <a:r>
+              <a:rPr lang="it-IT" sz="1600" dirty="0">
+                <a:solidFill>
+                  <a:srgbClr val="BFBFBF"/>
+                </a:solidFill>
               </a:rPr>
               <a:t> tasks</a:t>
             </a:r>
           </a:p>
-          <a:p>
-            <a:r>
-              <a:rPr lang="it-IT" sz="1400" b="1" dirty="0" err="1">
-                <a:cs typeface="Courier New" panose="02070309020205020404" pitchFamily="49" charset="0"/>
-              </a:rPr>
-              <a:t>Structured</a:t>
-            </a:r>
-            <a:r>
-              <a:rPr lang="it-IT" sz="1400" b="1" dirty="0">
-                <a:cs typeface="Courier New" panose="02070309020205020404" pitchFamily="49" charset="0"/>
-              </a:rPr>
-              <a:t> </a:t>
-            </a:r>
-            <a:r>
-              <a:rPr lang="it-IT" sz="1400" b="1" dirty="0" err="1">
-                <a:cs typeface="Courier New" panose="02070309020205020404" pitchFamily="49" charset="0"/>
-              </a:rPr>
-              <a:t>terms</a:t>
-            </a:r>
-            <a:r>
-              <a:rPr lang="it-IT" sz="1400" b="1" dirty="0">
-                <a:cs typeface="Courier New" panose="02070309020205020404" pitchFamily="49" charset="0"/>
-              </a:rPr>
-              <a:t>:</a:t>
-            </a:r>
-          </a:p>
-          <a:p>
-            <a:pPr lvl="1"/>
-            <a:r>
-              <a:rPr lang="en-US" sz="1500" dirty="0">
-                <a:cs typeface="Courier New" panose="02070309020205020404" pitchFamily="49" charset="0"/>
-              </a:rPr>
-              <a:t>Same as before for both tasks</a:t>
-            </a:r>
-          </a:p>
-          <a:p>
-            <a:r>
-              <a:rPr lang="it-IT" sz="1500" b="1" dirty="0">
-                <a:solidFill>
-                  <a:schemeClr val="tx1">
-                    <a:lumMod val="85000"/>
-                    <a:lumOff val="15000"/>
-                  </a:schemeClr>
-                </a:solidFill>
-                <a:cs typeface="Courier New" panose="02070309020205020404" pitchFamily="49" charset="0"/>
-              </a:rPr>
-              <a:t>Start </a:t>
-            </a:r>
-            <a:r>
-              <a:rPr lang="it-IT" sz="1500" b="1" dirty="0" err="1">
-                <a:solidFill>
-                  <a:schemeClr val="tx1">
-                    <a:lumMod val="85000"/>
-                    <a:lumOff val="15000"/>
-                  </a:schemeClr>
-                </a:solidFill>
-                <a:cs typeface="Courier New" panose="02070309020205020404" pitchFamily="49" charset="0"/>
-              </a:rPr>
-              <a:t>hypothesis</a:t>
-            </a:r>
-            <a:r>
-              <a:rPr lang="it-IT" sz="1500" dirty="0">
-                <a:solidFill>
-                  <a:schemeClr val="tx1">
-                    <a:lumMod val="85000"/>
-                    <a:lumOff val="15000"/>
-                  </a:schemeClr>
-                </a:solidFill>
-                <a:cs typeface="Courier New" panose="02070309020205020404" pitchFamily="49" charset="0"/>
-              </a:rPr>
-              <a:t>: </a:t>
-            </a:r>
-            <a:r>
-              <a:rPr lang="en-US" sz="1500" dirty="0">
-                <a:cs typeface="Courier New" panose="02070309020205020404" pitchFamily="49" charset="0"/>
-              </a:rPr>
-              <a:t>Same as before for both tasks</a:t>
-            </a:r>
-            <a:endParaRPr lang="it-IT" sz="1500" dirty="0">
-              <a:solidFill>
-                <a:schemeClr val="tx1">
-                  <a:lumMod val="85000"/>
-                  <a:lumOff val="15000"/>
-                </a:schemeClr>
-              </a:solidFill>
-              <a:cs typeface="Courier New" panose="02070309020205020404" pitchFamily="49" charset="0"/>
-            </a:endParaRPr>
-          </a:p>
-          <a:p>
-            <a:pPr lvl="1"/>
-            <a:r>
-              <a:rPr lang="en-US" sz="1300" dirty="0" err="1">
-                <a:solidFill>
-                  <a:schemeClr val="tx1">
-                    <a:lumMod val="85000"/>
-                    <a:lumOff val="15000"/>
-                  </a:schemeClr>
-                </a:solidFill>
-                <a:cs typeface="Courier New" panose="02070309020205020404" pitchFamily="49" charset="0"/>
-              </a:rPr>
-              <a:t>start_clause</a:t>
-            </a:r>
-            <a:r>
-              <a:rPr lang="en-US" sz="1300" dirty="0">
-                <a:solidFill>
-                  <a:schemeClr val="tx1">
-                    <a:lumMod val="85000"/>
-                    <a:lumOff val="15000"/>
-                  </a:schemeClr>
-                </a:solidFill>
-                <a:cs typeface="Courier New" panose="02070309020205020404" pitchFamily="49" charset="0"/>
-              </a:rPr>
-              <a:t>( [move(X,Y)] / [ X:cell, Y:cell] ).</a:t>
-            </a:r>
-          </a:p>
-          <a:p>
-            <a:pPr lvl="1"/>
-            <a:r>
-              <a:rPr lang="en-US" sz="1300" dirty="0" err="1">
-                <a:solidFill>
-                  <a:schemeClr val="tx1">
-                    <a:lumMod val="85000"/>
-                    <a:lumOff val="15000"/>
-                  </a:schemeClr>
-                </a:solidFill>
-                <a:cs typeface="Courier New" panose="02070309020205020404" pitchFamily="49" charset="0"/>
-              </a:rPr>
-              <a:t>start_clause</a:t>
-            </a:r>
-            <a:r>
-              <a:rPr lang="en-US" sz="1300" dirty="0">
-                <a:solidFill>
-                  <a:schemeClr val="tx1">
-                    <a:lumMod val="85000"/>
-                    <a:lumOff val="15000"/>
-                  </a:schemeClr>
-                </a:solidFill>
-                <a:cs typeface="Courier New" panose="02070309020205020404" pitchFamily="49" charset="0"/>
-              </a:rPr>
-              <a:t>( [ reach(X,Y,L)] / [X:cell,Y:cell,L:list1] ).</a:t>
-            </a:r>
-            <a:endParaRPr lang="it-IT" sz="1300" dirty="0">
-              <a:solidFill>
-                <a:schemeClr val="tx1">
-                  <a:lumMod val="85000"/>
-                  <a:lumOff val="15000"/>
-                </a:schemeClr>
-              </a:solidFill>
-              <a:cs typeface="Courier New" panose="02070309020205020404" pitchFamily="49" charset="0"/>
-            </a:endParaRPr>
-          </a:p>
-          <a:p>
-            <a:r>
-              <a:rPr lang="it-IT" sz="1400" b="1" dirty="0">
-                <a:cs typeface="Courier New" panose="02070309020205020404" pitchFamily="49" charset="0"/>
-              </a:rPr>
-              <a:t>Positive </a:t>
-            </a:r>
-            <a:r>
-              <a:rPr lang="it-IT" sz="1400" b="1" dirty="0" err="1">
-                <a:cs typeface="Courier New" panose="02070309020205020404" pitchFamily="49" charset="0"/>
-              </a:rPr>
-              <a:t>examples</a:t>
-            </a:r>
-            <a:r>
-              <a:rPr lang="it-IT" sz="1400" b="1" dirty="0">
-                <a:cs typeface="Courier New" panose="02070309020205020404" pitchFamily="49" charset="0"/>
-              </a:rPr>
-              <a:t> / N</a:t>
-            </a:r>
-            <a:r>
-              <a:rPr lang="en-US" sz="1400" b="1" dirty="0" err="1">
-                <a:cs typeface="Courier New" panose="02070309020205020404" pitchFamily="49" charset="0"/>
-              </a:rPr>
-              <a:t>egative</a:t>
-            </a:r>
-            <a:r>
-              <a:rPr lang="en-US" sz="1400" b="1" dirty="0">
-                <a:cs typeface="Courier New" panose="02070309020205020404" pitchFamily="49" charset="0"/>
-              </a:rPr>
-              <a:t> examples: </a:t>
-            </a:r>
-            <a:r>
-              <a:rPr lang="en-US" sz="1400" dirty="0">
-                <a:cs typeface="Courier New" panose="02070309020205020404" pitchFamily="49" charset="0"/>
-              </a:rPr>
-              <a:t>same as before</a:t>
-            </a:r>
-          </a:p>
-          <a:p>
-            <a:r>
-              <a:rPr lang="en-US" sz="1400" b="1" dirty="0">
-                <a:cs typeface="Courier New" panose="02070309020205020404" pitchFamily="49" charset="0"/>
-              </a:rPr>
-              <a:t>Parameters: Changed!</a:t>
-            </a:r>
-          </a:p>
-          <a:p>
-            <a:pPr lvl="1">
-              <a:lnSpc>
-                <a:spcPct val="80000"/>
-              </a:lnSpc>
-            </a:pPr>
-            <a:r>
-              <a:rPr lang="en-US" sz="1500" dirty="0" err="1">
-                <a:cs typeface="Courier New" panose="02070309020205020404" pitchFamily="49" charset="0"/>
-              </a:rPr>
-              <a:t>max_proof_length</a:t>
-            </a:r>
-            <a:r>
-              <a:rPr lang="en-US" sz="1500" dirty="0">
-                <a:cs typeface="Courier New" panose="02070309020205020404" pitchFamily="49" charset="0"/>
-              </a:rPr>
-              <a:t>( 7). </a:t>
-            </a:r>
-          </a:p>
-          <a:p>
-            <a:pPr lvl="1">
-              <a:lnSpc>
-                <a:spcPct val="80000"/>
-              </a:lnSpc>
-            </a:pPr>
-            <a:r>
-              <a:rPr lang="en-US" sz="1500" dirty="0" err="1">
-                <a:cs typeface="Courier New" panose="02070309020205020404" pitchFamily="49" charset="0"/>
-              </a:rPr>
-              <a:t>max_clauses</a:t>
-            </a:r>
-            <a:r>
-              <a:rPr lang="en-US" sz="1500" dirty="0">
-                <a:cs typeface="Courier New" panose="02070309020205020404" pitchFamily="49" charset="0"/>
-              </a:rPr>
-              <a:t>( 4). </a:t>
-            </a:r>
-          </a:p>
-          <a:p>
-            <a:pPr lvl="1">
-              <a:lnSpc>
-                <a:spcPct val="80000"/>
-              </a:lnSpc>
-            </a:pPr>
-            <a:r>
-              <a:rPr lang="en-US" sz="1500" dirty="0" err="1">
-                <a:cs typeface="Courier New" panose="02070309020205020404" pitchFamily="49" charset="0"/>
-              </a:rPr>
-              <a:t>max_clause_length</a:t>
-            </a:r>
-            <a:r>
-              <a:rPr lang="en-US" sz="1500" dirty="0">
-                <a:cs typeface="Courier New" panose="02070309020205020404" pitchFamily="49" charset="0"/>
-              </a:rPr>
-              <a:t>( 3).  </a:t>
-            </a:r>
-            <a:endParaRPr lang="de-AT" sz="1500" dirty="0">
-              <a:cs typeface="Courier New" panose="02070309020205020404" pitchFamily="49" charset="0"/>
-            </a:endParaRPr>
-          </a:p>
-          <a:p>
-            <a:endParaRPr lang="en-US" sz="1400" b="1" dirty="0">
-              <a:cs typeface="Courier New" panose="02070309020205020404" pitchFamily="49" charset="0"/>
-            </a:endParaRPr>
+        </p:txBody>
+      </p:sp>
+      <p:sp>
+        <p:nvSpPr>
+          <p:cNvPr id="14" name="Rectangle 13">
+            <a:extLst>
+              <a:ext uri="{FF2B5EF4-FFF2-40B4-BE49-F238E27FC236}">
+                <a16:creationId xmlns:a16="http://schemas.microsoft.com/office/drawing/2014/main" id="{1EE75710-64C5-4CA8-8A7C-82EE4125C90D}"/>
+              </a:ext>
+              <a:ext uri="{C183D7F6-B498-43B3-948B-1728B52AA6E4}">
+                <adec:decorative xmlns:adec="http://schemas.microsoft.com/office/drawing/2017/decorative" val="1"/>
+              </a:ext>
+            </a:extLst>
+          </p:cNvPr>
+          <p:cNvSpPr>
+            <a:spLocks noGrp="1" noRot="1" noChangeAspect="1" noMove="1" noResize="1" noEditPoints="1" noAdjustHandles="1" noChangeArrowheads="1" noChangeShapeType="1" noTextEdit="1"/>
+          </p:cNvSpPr>
+          <p:nvPr>
+            <p:extLst>
+              <p:ext uri="{386F3935-93C4-4BCD-93E2-E3B085C9AB24}">
+                <p16:designElem xmlns:p16="http://schemas.microsoft.com/office/powerpoint/2015/main" val="1"/>
+              </p:ext>
+            </p:extLst>
+          </p:nvPr>
+        </p:nvSpPr>
+        <p:spPr>
+          <a:xfrm>
+            <a:off x="0" y="0"/>
+            <a:ext cx="457200" cy="6858000"/>
+          </a:xfrm>
+          <a:prstGeom prst="rect">
+            <a:avLst/>
+          </a:prstGeom>
+          <a:solidFill>
+            <a:srgbClr val="6F6F74"/>
+          </a:solidFill>
+          <a:ln>
+            <a:noFill/>
+          </a:ln>
+        </p:spPr>
+        <p:style>
+          <a:lnRef idx="2">
+            <a:schemeClr val="accent1">
+              <a:shade val="50000"/>
+            </a:schemeClr>
+          </a:lnRef>
+          <a:fillRef idx="1">
+            <a:schemeClr val="accent1"/>
+          </a:fillRef>
+          <a:effectRef idx="0">
+            <a:schemeClr val="accent1"/>
+          </a:effectRef>
+          <a:fontRef idx="minor">
+            <a:schemeClr val="lt1"/>
+          </a:fontRef>
+        </p:style>
+        <p:txBody>
+          <a:bodyPr rtlCol="0" anchor="ctr"/>
+          <a:lstStyle/>
+          <a:p>
+            <a:pPr algn="ctr"/>
+            <a:endParaRPr lang="en-US"/>
           </a:p>
         </p:txBody>
       </p:sp>
       <p:pic>
         <p:nvPicPr>
-          <p:cNvPr id="6" name="Grafik 5">
+          <p:cNvPr id="5" name="Immagine 4">
             <a:extLst>
               <a:ext uri="{FF2B5EF4-FFF2-40B4-BE49-F238E27FC236}">
-                <a16:creationId xmlns:a16="http://schemas.microsoft.com/office/drawing/2014/main" id="{B3962E54-C6E4-43B0-92D1-1CA503E15C1F}"/>
+                <a16:creationId xmlns:a16="http://schemas.microsoft.com/office/drawing/2014/main" id="{7B45ED3E-54B8-4BB7-8E4B-C5136231C433}"/>
               </a:ext>
             </a:extLst>
           </p:cNvPr>
@@ -10152,110 +11910,21 @@
           <p:nvPr/>
         </p:nvPicPr>
         <p:blipFill>
-          <a:blip r:embed="rId3"/>
+          <a:blip r:embed="rId2">
+            <a:extLst>
+              <a:ext uri="{28A0092B-C50C-407E-A947-70E740481C1C}">
+                <a14:useLocalDpi xmlns:a14="http://schemas.microsoft.com/office/drawing/2010/main" val="0"/>
+              </a:ext>
+            </a:extLst>
+          </a:blip>
           <a:stretch>
             <a:fillRect/>
           </a:stretch>
         </p:blipFill>
         <p:spPr>
           <a:xfrm>
-            <a:off x="789510" y="3347761"/>
-            <a:ext cx="3314700" cy="2466975"/>
-          </a:xfrm>
-          <a:prstGeom prst="rect">
-            <a:avLst/>
-          </a:prstGeom>
-        </p:spPr>
-      </p:pic>
-    </p:spTree>
-    <p:extLst>
-      <p:ext uri="{BB962C8B-B14F-4D97-AF65-F5344CB8AC3E}">
-        <p14:creationId xmlns:p14="http://schemas.microsoft.com/office/powerpoint/2010/main" val="3988906080"/>
-      </p:ext>
-    </p:extLst>
-  </p:cSld>
-  <p:clrMapOvr>
-    <a:masterClrMapping/>
-  </p:clrMapOvr>
-</p:sld>
-</file>
-
-<file path=ppt/slides/slide16.xml><?xml version="1.0" encoding="utf-8"?>
-<p:sld xmlns:a="http://schemas.openxmlformats.org/drawingml/2006/main" xmlns:r="http://schemas.openxmlformats.org/officeDocument/2006/relationships" xmlns:p="http://schemas.openxmlformats.org/presentationml/2006/main">
-  <p:cSld>
-    <p:spTree>
-      <p:nvGrpSpPr>
-        <p:cNvPr id="1" name=""/>
-        <p:cNvGrpSpPr/>
-        <p:nvPr/>
-      </p:nvGrpSpPr>
-      <p:grpSpPr>
-        <a:xfrm>
-          <a:off x="0" y="0"/>
-          <a:ext cx="0" cy="0"/>
-          <a:chOff x="0" y="0"/>
-          <a:chExt cx="0" cy="0"/>
-        </a:xfrm>
-      </p:grpSpPr>
-      <p:sp>
-        <p:nvSpPr>
-          <p:cNvPr id="2" name="Titolo 1">
-            <a:extLst>
-              <a:ext uri="{FF2B5EF4-FFF2-40B4-BE49-F238E27FC236}">
-                <a16:creationId xmlns:a16="http://schemas.microsoft.com/office/drawing/2014/main" id="{D02D210C-DC25-442C-A0DC-2021B3ABC932}"/>
-              </a:ext>
-            </a:extLst>
-          </p:cNvPr>
-          <p:cNvSpPr>
-            <a:spLocks noGrp="1"/>
-          </p:cNvSpPr>
-          <p:nvPr>
-            <p:ph type="title"/>
-          </p:nvPr>
-        </p:nvSpPr>
-        <p:spPr>
-          <a:xfrm>
-            <a:off x="4654295" y="484632"/>
-            <a:ext cx="6261555" cy="1512201"/>
-          </a:xfrm>
-        </p:spPr>
-        <p:txBody>
-          <a:bodyPr>
-            <a:normAutofit/>
-          </a:bodyPr>
-          <a:lstStyle/>
-          <a:p>
-            <a:r>
-              <a:rPr lang="it-IT" dirty="0" err="1"/>
-              <a:t>Findings</a:t>
-            </a:r>
-            <a:endParaRPr lang="it-IT" dirty="0"/>
-          </a:p>
-        </p:txBody>
-      </p:sp>
-      <p:pic>
-        <p:nvPicPr>
-          <p:cNvPr id="4" name="Picture 4" descr="Maze">
-            <a:extLst>
-              <a:ext uri="{FF2B5EF4-FFF2-40B4-BE49-F238E27FC236}">
-                <a16:creationId xmlns:a16="http://schemas.microsoft.com/office/drawing/2014/main" id="{C8005455-DE52-4166-891D-E22990B7B159}"/>
-              </a:ext>
-            </a:extLst>
-          </p:cNvPr>
-          <p:cNvPicPr>
-            <a:picLocks noChangeAspect="1"/>
-          </p:cNvPicPr>
-          <p:nvPr/>
-        </p:nvPicPr>
-        <p:blipFill rotWithShape="1">
-          <a:blip r:embed="rId2"/>
-          <a:srcRect t="9021"/>
-          <a:stretch/>
-        </p:blipFill>
-        <p:spPr>
-          <a:xfrm>
-            <a:off x="789510" y="884026"/>
-            <a:ext cx="3269567" cy="1985559"/>
+            <a:off x="2882644" y="640081"/>
+            <a:ext cx="6023995" cy="3825240"/>
           </a:xfrm>
           <a:prstGeom prst="rect">
             <a:avLst/>
@@ -10264,211 +11933,76 @@
       </p:pic>
       <p:sp>
         <p:nvSpPr>
-          <p:cNvPr id="3" name="Segnaposto contenuto 2">
+          <p:cNvPr id="16" name="Rectangle 15">
             <a:extLst>
               <a:ext uri="{FF2B5EF4-FFF2-40B4-BE49-F238E27FC236}">
-                <a16:creationId xmlns:a16="http://schemas.microsoft.com/office/drawing/2014/main" id="{C6D47933-B121-49D1-9D84-21CF203209CD}"/>
+                <a16:creationId xmlns:a16="http://schemas.microsoft.com/office/drawing/2014/main" id="{435050B1-74E1-4A81-923D-0F5971A3BC01}"/>
+              </a:ext>
+              <a:ext uri="{C183D7F6-B498-43B3-948B-1728B52AA6E4}">
+                <adec:decorative xmlns:adec="http://schemas.microsoft.com/office/drawing/2017/decorative" val="1"/>
               </a:ext>
             </a:extLst>
           </p:cNvPr>
           <p:cNvSpPr>
-            <a:spLocks noGrp="1"/>
+            <a:spLocks noGrp="1" noRot="1" noChangeAspect="1" noMove="1" noResize="1" noEditPoints="1" noAdjustHandles="1" noChangeArrowheads="1" noChangeShapeType="1" noTextEdit="1"/>
           </p:cNvSpPr>
           <p:nvPr>
-            <p:ph idx="1"/>
+            <p:extLst>
+              <p:ext uri="{386F3935-93C4-4BCD-93E2-E3B085C9AB24}">
+                <p16:designElem xmlns:p16="http://schemas.microsoft.com/office/powerpoint/2015/main" val="1"/>
+              </p:ext>
+            </p:extLst>
           </p:nvPr>
         </p:nvSpPr>
         <p:spPr>
           <a:xfrm>
-            <a:off x="4654295" y="2104008"/>
-            <a:ext cx="6261556" cy="4269360"/>
+            <a:off x="11292840" y="0"/>
+            <a:ext cx="899160" cy="6858000"/>
           </a:xfrm>
+          <a:prstGeom prst="rect">
+            <a:avLst/>
+          </a:prstGeom>
+          <a:solidFill>
+            <a:srgbClr val="353537"/>
+          </a:solidFill>
+          <a:ln>
+            <a:noFill/>
+          </a:ln>
         </p:spPr>
+        <p:style>
+          <a:lnRef idx="2">
+            <a:schemeClr val="accent1">
+              <a:shade val="50000"/>
+            </a:schemeClr>
+          </a:lnRef>
+          <a:fillRef idx="1">
+            <a:schemeClr val="accent1"/>
+          </a:fillRef>
+          <a:effectRef idx="0">
+            <a:schemeClr val="accent1"/>
+          </a:effectRef>
+          <a:fontRef idx="minor">
+            <a:schemeClr val="lt1"/>
+          </a:fontRef>
+        </p:style>
         <p:txBody>
-          <a:bodyPr>
-            <a:normAutofit/>
-          </a:bodyPr>
+          <a:bodyPr rtlCol="0" anchor="ctr"/>
           <a:lstStyle/>
           <a:p>
-            <a:r>
-              <a:rPr lang="de-AT" sz="1600" b="1" dirty="0"/>
-              <a:t>Do not </a:t>
-            </a:r>
-            <a:r>
-              <a:rPr lang="de-AT" sz="1600" b="1" dirty="0" err="1"/>
-              <a:t>put</a:t>
-            </a:r>
-            <a:r>
-              <a:rPr lang="de-AT" sz="1600" b="1" dirty="0"/>
-              <a:t> </a:t>
-            </a:r>
-            <a:r>
-              <a:rPr lang="de-AT" sz="1600" b="1" dirty="0" err="1"/>
-              <a:t>too</a:t>
-            </a:r>
-            <a:r>
-              <a:rPr lang="de-AT" sz="1600" b="1" dirty="0"/>
-              <a:t> </a:t>
-            </a:r>
-            <a:r>
-              <a:rPr lang="de-AT" sz="1600" b="1" dirty="0" err="1"/>
-              <a:t>many</a:t>
-            </a:r>
-            <a:r>
-              <a:rPr lang="de-AT" sz="1600" b="1" dirty="0"/>
-              <a:t> </a:t>
-            </a:r>
-            <a:r>
-              <a:rPr lang="de-AT" sz="1600" b="1" dirty="0" err="1"/>
-              <a:t>examples</a:t>
-            </a:r>
-            <a:r>
-              <a:rPr lang="de-AT" sz="1600" b="1" dirty="0"/>
-              <a:t>! Start </a:t>
-            </a:r>
-            <a:r>
-              <a:rPr lang="de-AT" sz="1600" b="1" dirty="0" err="1"/>
-              <a:t>with</a:t>
-            </a:r>
-            <a:r>
-              <a:rPr lang="de-AT" sz="1600" b="1" dirty="0"/>
-              <a:t> 1- 2 </a:t>
-            </a:r>
-            <a:r>
-              <a:rPr lang="de-AT" sz="1600" b="1" dirty="0" err="1"/>
-              <a:t>examples</a:t>
-            </a:r>
-            <a:r>
-              <a:rPr lang="de-AT" sz="1600" b="1" dirty="0"/>
-              <a:t> and </a:t>
-            </a:r>
-            <a:r>
-              <a:rPr lang="de-AT" sz="1600" b="1" dirty="0" err="1"/>
-              <a:t>then</a:t>
-            </a:r>
-            <a:r>
-              <a:rPr lang="de-AT" sz="1600" b="1" dirty="0"/>
-              <a:t> </a:t>
-            </a:r>
-            <a:r>
-              <a:rPr lang="de-AT" sz="1600" b="1" dirty="0" err="1"/>
-              <a:t>add</a:t>
-            </a:r>
-            <a:r>
-              <a:rPr lang="de-AT" sz="1600" b="1" dirty="0"/>
-              <a:t> </a:t>
-            </a:r>
-            <a:r>
-              <a:rPr lang="de-AT" sz="1600" b="1" dirty="0" err="1"/>
-              <a:t>successively</a:t>
-            </a:r>
-            <a:r>
-              <a:rPr lang="de-AT" sz="1600" b="1" dirty="0"/>
-              <a:t> </a:t>
-            </a:r>
-            <a:r>
-              <a:rPr lang="de-AT" sz="1600" b="1" dirty="0" err="1"/>
-              <a:t>new</a:t>
-            </a:r>
-            <a:r>
-              <a:rPr lang="de-AT" sz="1600" b="1" dirty="0"/>
-              <a:t> </a:t>
-            </a:r>
-            <a:r>
-              <a:rPr lang="de-AT" sz="1600" b="1" dirty="0" err="1"/>
-              <a:t>ones</a:t>
-            </a:r>
-            <a:r>
-              <a:rPr lang="de-AT" sz="1600" b="1" dirty="0"/>
-              <a:t> </a:t>
-            </a:r>
-            <a:r>
-              <a:rPr lang="de-AT" sz="1600" b="1" dirty="0" err="1"/>
-              <a:t>as</a:t>
-            </a:r>
-            <a:r>
-              <a:rPr lang="de-AT" sz="1600" b="1" dirty="0"/>
-              <a:t> </a:t>
-            </a:r>
-            <a:r>
-              <a:rPr lang="de-AT" sz="1600" b="1" dirty="0" err="1"/>
-              <a:t>needed</a:t>
-            </a:r>
-            <a:r>
-              <a:rPr lang="de-AT" sz="1600" b="1" dirty="0"/>
-              <a:t>.</a:t>
-            </a:r>
-            <a:endParaRPr lang="de-AT" sz="1600" dirty="0">
-              <a:cs typeface="Courier New" panose="02070309020205020404" pitchFamily="49" charset="0"/>
-            </a:endParaRPr>
-          </a:p>
-          <a:p>
-            <a:r>
-              <a:rPr lang="en-US" sz="1600" b="1" dirty="0">
-                <a:cs typeface="Courier New" panose="02070309020205020404" pitchFamily="49" charset="0"/>
-              </a:rPr>
-              <a:t>Do not forget about the parameter settings.</a:t>
-            </a:r>
-          </a:p>
-          <a:p>
-            <a:r>
-              <a:rPr lang="en-US" sz="1600" b="1" dirty="0">
-                <a:cs typeface="Courier New" panose="02070309020205020404" pitchFamily="49" charset="0"/>
-              </a:rPr>
-              <a:t>Start learning small steps / simple tasks.</a:t>
-            </a:r>
-          </a:p>
-          <a:p>
-            <a:r>
-              <a:rPr lang="en-US" sz="1600" b="1" dirty="0">
-                <a:cs typeface="Courier New" panose="02070309020205020404" pitchFamily="49" charset="0"/>
-              </a:rPr>
-              <a:t>It is more efficient to learn each action on its own then all at once (only one </a:t>
-            </a:r>
-            <a:r>
-              <a:rPr lang="en-US" sz="1600" b="1" dirty="0" err="1">
-                <a:cs typeface="Courier New" panose="02070309020205020404" pitchFamily="49" charset="0"/>
-              </a:rPr>
-              <a:t>start_clause</a:t>
-            </a:r>
-            <a:r>
-              <a:rPr lang="en-US" sz="1600" b="1" dirty="0">
-                <a:cs typeface="Courier New" panose="02070309020205020404" pitchFamily="49" charset="0"/>
-              </a:rPr>
-              <a:t>). With more than one start clause and many </a:t>
-            </a:r>
-            <a:r>
-              <a:rPr lang="en-US" sz="1600" b="1" dirty="0" err="1">
-                <a:cs typeface="Courier New" panose="02070309020205020404" pitchFamily="49" charset="0"/>
-              </a:rPr>
-              <a:t>backliterals</a:t>
-            </a:r>
-            <a:r>
-              <a:rPr lang="en-US" sz="1600" b="1" dirty="0">
-                <a:cs typeface="Courier New" panose="02070309020205020404" pitchFamily="49" charset="0"/>
-              </a:rPr>
-              <a:t> the task grows heavily. </a:t>
-            </a:r>
-          </a:p>
-          <a:p>
-            <a:r>
-              <a:rPr lang="en-US" sz="1600" b="1" dirty="0">
-                <a:cs typeface="Courier New" panose="02070309020205020404" pitchFamily="49" charset="0"/>
-              </a:rPr>
-              <a:t>Recursiveness simplifies the learning.</a:t>
-            </a:r>
+            <a:pPr algn="ctr"/>
+            <a:endParaRPr lang="en-US"/>
           </a:p>
         </p:txBody>
       </p:sp>
     </p:spTree>
     <p:extLst>
       <p:ext uri="{BB962C8B-B14F-4D97-AF65-F5344CB8AC3E}">
-        <p14:creationId xmlns:p14="http://schemas.microsoft.com/office/powerpoint/2010/main" val="2828345095"/>
+        <p14:creationId xmlns:p14="http://schemas.microsoft.com/office/powerpoint/2010/main" val="3769335257"/>
       </p:ext>
     </p:extLst>
   </p:cSld>
   <p:clrMapOvr>
-    <a:masterClrMapping/>
+    <a:overrideClrMapping bg1="lt1" tx1="dk1" bg2="lt2" tx2="dk2" accent1="accent1" accent2="accent2" accent3="accent3" accent4="accent4" accent5="accent5" accent6="accent6" hlink="hlink" folHlink="folHlink"/>
   </p:clrMapOvr>
 </p:sld>
 </file>
@@ -13349,17 +14883,10 @@
           <a:lstStyle/>
           <a:p>
             <a:r>
-              <a:rPr lang="it-IT" dirty="0"/>
-              <a:t>Brief </a:t>
-            </a:r>
-            <a:r>
-              <a:rPr lang="it-IT" dirty="0" err="1"/>
-              <a:t>recap</a:t>
-            </a:r>
-            <a:r>
-              <a:rPr lang="it-IT" dirty="0"/>
-              <a:t> on ASP</a:t>
-            </a:r>
+              <a:rPr lang="it-IT"/>
+              <a:t>Brief recap on ASP</a:t>
+            </a:r>
+            <a:endParaRPr lang="it-IT" dirty="0"/>
           </a:p>
         </p:txBody>
       </p:sp>
@@ -13395,155 +14922,15 @@
               <a:buNone/>
             </a:pPr>
             <a:r>
-              <a:rPr lang="it-IT" dirty="0"/>
-              <a:t>ASP model </a:t>
-            </a:r>
-            <a:r>
-              <a:rPr lang="it-IT" dirty="0" err="1"/>
-              <a:t>is</a:t>
-            </a:r>
-            <a:r>
-              <a:rPr lang="it-IT" dirty="0"/>
-              <a:t> (</a:t>
-            </a:r>
-            <a:r>
-              <a:rPr lang="it-IT" dirty="0" err="1"/>
-              <a:t>roughly</a:t>
-            </a:r>
-            <a:r>
-              <a:rPr lang="it-IT" dirty="0"/>
-              <a:t> </a:t>
-            </a:r>
-            <a:r>
-              <a:rPr lang="it-IT" dirty="0" err="1"/>
-              <a:t>speaking</a:t>
-            </a:r>
-            <a:r>
-              <a:rPr lang="it-IT" dirty="0"/>
-              <a:t>) a set of rules </a:t>
-            </a:r>
-            <a:r>
-              <a:rPr lang="it-IT" dirty="0" err="1"/>
-              <a:t>that</a:t>
-            </a:r>
-            <a:r>
-              <a:rPr lang="it-IT" dirty="0"/>
-              <a:t> </a:t>
-            </a:r>
-            <a:r>
-              <a:rPr lang="it-IT" dirty="0" err="1"/>
-              <a:t>represent</a:t>
-            </a:r>
-            <a:r>
-              <a:rPr lang="it-IT" dirty="0"/>
-              <a:t> </a:t>
-            </a:r>
-            <a:r>
-              <a:rPr lang="it-IT" dirty="0" err="1"/>
-              <a:t>logics</a:t>
-            </a:r>
-            <a:r>
-              <a:rPr lang="it-IT" dirty="0"/>
-              <a:t> of a </a:t>
-            </a:r>
-            <a:r>
-              <a:rPr lang="it-IT" dirty="0" err="1"/>
-              <a:t>problem</a:t>
-            </a:r>
-            <a:r>
-              <a:rPr lang="it-IT" dirty="0"/>
-              <a:t>. The solver </a:t>
-            </a:r>
-            <a:r>
-              <a:rPr lang="it-IT" dirty="0" err="1"/>
-              <a:t>tries</a:t>
-            </a:r>
-            <a:r>
-              <a:rPr lang="it-IT" dirty="0"/>
-              <a:t> to </a:t>
-            </a:r>
-            <a:r>
-              <a:rPr lang="it-IT" dirty="0" err="1"/>
-              <a:t>find</a:t>
-            </a:r>
-            <a:r>
-              <a:rPr lang="it-IT" dirty="0"/>
-              <a:t> </a:t>
-            </a:r>
-            <a:r>
-              <a:rPr lang="it-IT" dirty="0" err="1"/>
-              <a:t>all</a:t>
-            </a:r>
-            <a:r>
-              <a:rPr lang="it-IT" dirty="0"/>
-              <a:t> </a:t>
-            </a:r>
-            <a:r>
-              <a:rPr lang="it-IT" dirty="0" err="1"/>
-              <a:t>interpretations</a:t>
-            </a:r>
-            <a:r>
-              <a:rPr lang="it-IT" dirty="0"/>
-              <a:t> (</a:t>
-            </a:r>
-            <a:r>
-              <a:rPr lang="it-IT" dirty="0" err="1"/>
-              <a:t>atoms</a:t>
-            </a:r>
-            <a:r>
-              <a:rPr lang="it-IT" dirty="0"/>
-              <a:t> </a:t>
-            </a:r>
-            <a:r>
-              <a:rPr lang="it-IT" dirty="0" err="1"/>
-              <a:t>wich</a:t>
-            </a:r>
-            <a:r>
-              <a:rPr lang="it-IT" dirty="0"/>
-              <a:t> are </a:t>
-            </a:r>
-            <a:r>
-              <a:rPr lang="it-IT" dirty="0" err="1"/>
-              <a:t>true</a:t>
-            </a:r>
-            <a:r>
-              <a:rPr lang="it-IT" dirty="0"/>
-              <a:t>) </a:t>
-            </a:r>
-            <a:r>
-              <a:rPr lang="it-IT" dirty="0" err="1"/>
-              <a:t>that</a:t>
-            </a:r>
-            <a:r>
-              <a:rPr lang="it-IT" dirty="0"/>
-              <a:t> </a:t>
-            </a:r>
-            <a:r>
-              <a:rPr lang="it-IT" dirty="0" err="1"/>
-              <a:t>satisfies</a:t>
-            </a:r>
-            <a:r>
-              <a:rPr lang="it-IT" dirty="0"/>
-              <a:t> rules, </a:t>
-            </a:r>
-            <a:r>
-              <a:rPr lang="it-IT" dirty="0" err="1"/>
-              <a:t>namely</a:t>
-            </a:r>
-            <a:r>
-              <a:rPr lang="it-IT" dirty="0"/>
-              <a:t> the </a:t>
-            </a:r>
-            <a:r>
-              <a:rPr lang="it-IT" b="1" dirty="0" err="1"/>
-              <a:t>Answer</a:t>
-            </a:r>
-            <a:r>
-              <a:rPr lang="it-IT" b="1" dirty="0"/>
-              <a:t> sets</a:t>
-            </a:r>
-            <a:r>
-              <a:rPr lang="it-IT" dirty="0"/>
+              <a:rPr lang="it-IT"/>
+              <a:t>ASP model is (roughly speaking) a set of rules that represent logics of a problem. The solver tries to find all interpretations (atoms wich are true) that satisfies rules, namely the </a:t>
+            </a:r>
+            <a:r>
+              <a:rPr lang="it-IT" b="1"/>
+              <a:t>Answer sets</a:t>
+            </a:r>
+            <a:r>
+              <a:rPr lang="it-IT"/>
               <a:t>.</a:t>
             </a:r>
           </a:p>
@@ -13552,181 +14939,21 @@
               <a:buNone/>
             </a:pPr>
             <a:r>
-              <a:rPr lang="it-IT" dirty="0"/>
-              <a:t>An </a:t>
-            </a:r>
-            <a:r>
-              <a:rPr lang="it-IT" dirty="0" err="1"/>
-              <a:t>example</a:t>
-            </a:r>
-            <a:r>
-              <a:rPr lang="it-IT" dirty="0"/>
-              <a:t> for the </a:t>
-            </a:r>
-            <a:r>
-              <a:rPr lang="it-IT" dirty="0" err="1"/>
-              <a:t>maze</a:t>
-            </a:r>
-            <a:r>
-              <a:rPr lang="it-IT" dirty="0"/>
-              <a:t> </a:t>
-            </a:r>
-            <a:r>
-              <a:rPr lang="it-IT" dirty="0" err="1"/>
-              <a:t>problem</a:t>
-            </a:r>
-            <a:r>
-              <a:rPr lang="it-IT" dirty="0"/>
-              <a:t>: </a:t>
-            </a:r>
-            <a:r>
-              <a:rPr lang="it-IT" dirty="0" err="1"/>
-              <a:t>write</a:t>
-            </a:r>
-            <a:r>
-              <a:rPr lang="it-IT" dirty="0"/>
-              <a:t> set of rules </a:t>
-            </a:r>
-            <a:r>
-              <a:rPr lang="it-IT" dirty="0" err="1"/>
-              <a:t>that</a:t>
-            </a:r>
-            <a:r>
-              <a:rPr lang="it-IT" dirty="0"/>
-              <a:t> </a:t>
-            </a:r>
-            <a:r>
-              <a:rPr lang="it-IT" dirty="0" err="1"/>
-              <a:t>specify</a:t>
-            </a:r>
-            <a:r>
-              <a:rPr lang="it-IT" dirty="0"/>
-              <a:t> </a:t>
-            </a:r>
-            <a:r>
-              <a:rPr lang="it-IT" dirty="0" err="1"/>
-              <a:t>legal</a:t>
-            </a:r>
-            <a:r>
-              <a:rPr lang="it-IT" dirty="0"/>
-              <a:t> </a:t>
-            </a:r>
-            <a:r>
-              <a:rPr lang="it-IT" dirty="0" err="1"/>
-              <a:t>moves</a:t>
-            </a:r>
-            <a:r>
-              <a:rPr lang="it-IT" dirty="0"/>
-              <a:t> on the </a:t>
-            </a:r>
-            <a:r>
-              <a:rPr lang="it-IT" dirty="0" err="1"/>
-              <a:t>grid</a:t>
-            </a:r>
-            <a:r>
-              <a:rPr lang="it-IT" dirty="0"/>
-              <a:t> in a </a:t>
-            </a:r>
-            <a:r>
-              <a:rPr lang="it-IT" dirty="0" err="1"/>
-              <a:t>logical</a:t>
-            </a:r>
-            <a:r>
-              <a:rPr lang="it-IT" dirty="0"/>
-              <a:t> </a:t>
-            </a:r>
-            <a:r>
-              <a:rPr lang="it-IT" dirty="0" err="1"/>
-              <a:t>manner</a:t>
-            </a:r>
-            <a:r>
-              <a:rPr lang="it-IT" dirty="0"/>
-              <a:t> and </a:t>
-            </a:r>
-            <a:r>
-              <a:rPr lang="it-IT" dirty="0" err="1"/>
-              <a:t>find</a:t>
-            </a:r>
-            <a:r>
-              <a:rPr lang="it-IT" dirty="0"/>
-              <a:t> out </a:t>
-            </a:r>
-            <a:r>
-              <a:rPr lang="it-IT" dirty="0" err="1"/>
-              <a:t>all</a:t>
-            </a:r>
-            <a:r>
-              <a:rPr lang="it-IT" dirty="0"/>
-              <a:t> </a:t>
-            </a:r>
-            <a:r>
-              <a:rPr lang="it-IT" dirty="0" err="1"/>
-              <a:t>answer</a:t>
-            </a:r>
-            <a:r>
-              <a:rPr lang="it-IT" dirty="0"/>
-              <a:t> sets: </a:t>
-            </a:r>
-            <a:r>
-              <a:rPr lang="it-IT" dirty="0" err="1"/>
-              <a:t>different</a:t>
-            </a:r>
-            <a:r>
-              <a:rPr lang="it-IT" dirty="0"/>
-              <a:t> set of </a:t>
-            </a:r>
-            <a:r>
-              <a:rPr lang="it-IT" dirty="0" err="1"/>
-              <a:t>moves</a:t>
-            </a:r>
-            <a:r>
-              <a:rPr lang="it-IT" dirty="0"/>
-              <a:t> (</a:t>
-            </a:r>
-            <a:r>
-              <a:rPr lang="it-IT" dirty="0" err="1"/>
-              <a:t>paths</a:t>
-            </a:r>
-            <a:r>
-              <a:rPr lang="it-IT" dirty="0"/>
-              <a:t>) from start to goal position.</a:t>
-            </a:r>
-          </a:p>
-          <a:p>
-            <a:r>
-              <a:rPr lang="it-IT" dirty="0" err="1"/>
-              <a:t>Different</a:t>
-            </a:r>
-            <a:r>
-              <a:rPr lang="it-IT" dirty="0"/>
-              <a:t> </a:t>
-            </a:r>
-            <a:r>
-              <a:rPr lang="it-IT" dirty="0" err="1"/>
-              <a:t>types</a:t>
-            </a:r>
-            <a:r>
-              <a:rPr lang="it-IT" dirty="0"/>
-              <a:t> of rules in an ASP </a:t>
-            </a:r>
-            <a:r>
-              <a:rPr lang="it-IT" dirty="0" err="1"/>
-              <a:t>encoding</a:t>
-            </a:r>
-            <a:r>
-              <a:rPr lang="it-IT" dirty="0"/>
-              <a:t>:</a:t>
+              <a:rPr lang="it-IT"/>
+              <a:t>An example for the maze problem: write set of rules that specify legal moves on the grid in a logical manner and find out all answer sets: different set of moves (paths) from start to goal position.</a:t>
+            </a:r>
+          </a:p>
+          <a:p>
+            <a:r>
+              <a:rPr lang="it-IT"/>
+              <a:t>Different types of rules in an ASP encoding:</a:t>
             </a:r>
           </a:p>
           <a:p>
             <a:pPr lvl="1"/>
             <a:r>
-              <a:rPr lang="it-IT" b="1" dirty="0" err="1"/>
-              <a:t>Normal</a:t>
-            </a:r>
-            <a:r>
-              <a:rPr lang="it-IT" b="1" dirty="0"/>
-              <a:t> rule : </a:t>
+              <a:rPr lang="it-IT" b="1"/>
+              <a:t>Normal rule : </a:t>
             </a:r>
           </a:p>
           <a:p>
@@ -13734,7 +14961,7 @@
               <a:buNone/>
             </a:pPr>
             <a:r>
-              <a:rPr lang="it-IT" b="1" dirty="0">
+              <a:rPr lang="it-IT" b="1">
                 <a:solidFill>
                   <a:srgbClr val="FF0000"/>
                 </a:solidFill>
@@ -13742,7 +14969,7 @@
               <a:t>    </a:t>
             </a:r>
             <a:r>
-              <a:rPr lang="it-IT" dirty="0">
+              <a:rPr lang="it-IT">
                 <a:solidFill>
                   <a:srgbClr val="FF0000"/>
                 </a:solidFill>
@@ -13750,23 +14977,96 @@
               <a:t> </a:t>
             </a:r>
             <a:r>
-              <a:rPr lang="it-IT" i="1" dirty="0">
+              <a:rPr lang="it-IT" i="1">
                 <a:solidFill>
                   <a:srgbClr val="FF0000"/>
                 </a:solidFill>
               </a:rPr>
-              <a:t>h :- b1, . . . , </a:t>
-            </a:r>
-            <a:r>
-              <a:rPr lang="it-IT" i="1" dirty="0" err="1">
+              <a:t>h :- b1, . . . , bn </a:t>
+            </a:r>
+            <a:r>
+              <a:rPr lang="it-IT" i="1"/>
+              <a:t>| </a:t>
+            </a:r>
+            <a:r>
+              <a:rPr lang="it-IT"/>
+              <a:t>where </a:t>
+            </a:r>
+            <a:r>
+              <a:rPr lang="en-US"/>
+              <a:t>h1 is an atom and b1 . . . bn are literals…semantic similar to prolog.</a:t>
+            </a:r>
+            <a:endParaRPr lang="it-IT" b="1" i="1"/>
+          </a:p>
+          <a:p>
+            <a:pPr lvl="1"/>
+            <a:r>
+              <a:rPr lang="it-IT" b="1"/>
+              <a:t>Hard constraint :</a:t>
+            </a:r>
+          </a:p>
+          <a:p>
+            <a:pPr marL="548640" lvl="2" indent="0">
+              <a:buNone/>
+            </a:pPr>
+            <a:r>
+              <a:rPr lang="it-IT"/>
+              <a:t>      </a:t>
+            </a:r>
+            <a:r>
+              <a:rPr lang="it-IT" i="1">
                 <a:solidFill>
                   <a:srgbClr val="FF0000"/>
                 </a:solidFill>
               </a:rPr>
-              <a:t>bn</a:t>
-            </a:r>
-            <a:r>
-              <a:rPr lang="it-IT" i="1" dirty="0">
+              <a:t>:- b1, . . . , bn   </a:t>
+            </a:r>
+            <a:r>
+              <a:rPr lang="it-IT"/>
+              <a:t>| </a:t>
+            </a:r>
+            <a:r>
+              <a:rPr lang="en-US"/>
+              <a:t>if b1 . . . bn are satisfied by an interpretation, then it cannot be an answer set.</a:t>
+            </a:r>
+          </a:p>
+          <a:p>
+            <a:pPr lvl="1"/>
+            <a:r>
+              <a:rPr lang="it-IT" b="1"/>
+              <a:t>Choice rule :</a:t>
+            </a:r>
+          </a:p>
+          <a:p>
+            <a:pPr marL="548640" lvl="2" indent="0">
+              <a:buNone/>
+            </a:pPr>
+            <a:r>
+              <a:rPr lang="it-IT">
+                <a:solidFill>
+                  <a:srgbClr val="FF0000"/>
+                </a:solidFill>
+              </a:rPr>
+              <a:t>      </a:t>
+            </a:r>
+            <a:r>
+              <a:rPr lang="it-IT" i="1">
+                <a:solidFill>
+                  <a:srgbClr val="FF0000"/>
+                </a:solidFill>
+              </a:rPr>
+              <a:t>l{h1; . . . ; hm}u :- b1, . . . , bn  </a:t>
+            </a:r>
+            <a:r>
+              <a:rPr lang="it-IT">
+                <a:solidFill>
+                  <a:schemeClr val="tx1"/>
+                </a:solidFill>
+              </a:rPr>
+              <a:t>|</a:t>
+            </a:r>
+            <a:r>
+              <a:rPr lang="it-IT">
                 <a:solidFill>
                   <a:srgbClr val="FF0000"/>
                 </a:solidFill>
@@ -13774,175 +15074,38 @@
               <a:t> </a:t>
             </a:r>
             <a:r>
-              <a:rPr lang="it-IT" i="1" dirty="0"/>
-              <a:t>| </a:t>
-            </a:r>
-            <a:r>
-              <a:rPr lang="it-IT" dirty="0" err="1"/>
-              <a:t>where</a:t>
-            </a:r>
-            <a:r>
-              <a:rPr lang="it-IT" dirty="0"/>
-              <a:t> </a:t>
-            </a:r>
-            <a:r>
-              <a:rPr lang="en-US" dirty="0"/>
-              <a:t>h1 is an atom and b1 . . . bn are literals…semantic similar to prolog.</a:t>
-            </a:r>
-            <a:endParaRPr lang="it-IT" b="1" i="1" dirty="0"/>
-          </a:p>
-          <a:p>
-            <a:pPr lvl="1"/>
-            <a:r>
-              <a:rPr lang="it-IT" b="1" dirty="0"/>
-              <a:t>Hard </a:t>
-            </a:r>
-            <a:r>
-              <a:rPr lang="it-IT" b="1" dirty="0" err="1"/>
-              <a:t>constraint</a:t>
-            </a:r>
-            <a:r>
-              <a:rPr lang="it-IT" b="1" dirty="0"/>
-              <a:t> :</a:t>
-            </a:r>
-          </a:p>
-          <a:p>
-            <a:pPr marL="548640" lvl="2" indent="0">
-              <a:buNone/>
-            </a:pPr>
-            <a:r>
-              <a:rPr lang="it-IT" dirty="0"/>
-              <a:t>      </a:t>
-            </a:r>
-            <a:r>
-              <a:rPr lang="it-IT" i="1" dirty="0">
-                <a:solidFill>
-                  <a:srgbClr val="FF0000"/>
-                </a:solidFill>
-              </a:rPr>
-              <a:t>:- b1, . . . , </a:t>
-            </a:r>
-            <a:r>
-              <a:rPr lang="it-IT" i="1" dirty="0" err="1">
-                <a:solidFill>
-                  <a:srgbClr val="FF0000"/>
-                </a:solidFill>
-              </a:rPr>
-              <a:t>bn</a:t>
-            </a:r>
-            <a:r>
-              <a:rPr lang="it-IT" i="1" dirty="0">
-                <a:solidFill>
-                  <a:srgbClr val="FF0000"/>
-                </a:solidFill>
-              </a:rPr>
-              <a:t>   </a:t>
-            </a:r>
-            <a:r>
-              <a:rPr lang="it-IT" dirty="0"/>
-              <a:t>| </a:t>
-            </a:r>
-            <a:r>
-              <a:rPr lang="en-US" dirty="0"/>
-              <a:t>if b1 . . . bn are satisfied by an interpretation, then it cannot be an answer set.</a:t>
-            </a:r>
-          </a:p>
-          <a:p>
-            <a:pPr lvl="1"/>
-            <a:r>
-              <a:rPr lang="it-IT" b="1" dirty="0"/>
-              <a:t>Choice rule :</a:t>
-            </a:r>
-          </a:p>
-          <a:p>
-            <a:pPr marL="548640" lvl="2" indent="0">
-              <a:buNone/>
-            </a:pPr>
-            <a:r>
-              <a:rPr lang="it-IT" dirty="0">
-                <a:solidFill>
-                  <a:srgbClr val="FF0000"/>
-                </a:solidFill>
-              </a:rPr>
-              <a:t>      </a:t>
-            </a:r>
-            <a:r>
-              <a:rPr lang="it-IT" i="1" dirty="0">
-                <a:solidFill>
-                  <a:srgbClr val="FF0000"/>
-                </a:solidFill>
-              </a:rPr>
-              <a:t>l{h1; . . . ; hm}u :- b1, . . . , </a:t>
-            </a:r>
-            <a:r>
-              <a:rPr lang="it-IT" i="1" dirty="0" err="1">
-                <a:solidFill>
-                  <a:srgbClr val="FF0000"/>
-                </a:solidFill>
-              </a:rPr>
-              <a:t>bn</a:t>
-            </a:r>
-            <a:r>
-              <a:rPr lang="it-IT" i="1" dirty="0">
-                <a:solidFill>
-                  <a:srgbClr val="FF0000"/>
-                </a:solidFill>
-              </a:rPr>
-              <a:t>  </a:t>
-            </a:r>
-            <a:r>
-              <a:rPr lang="it-IT" dirty="0">
-                <a:solidFill>
-                  <a:schemeClr val="tx1"/>
-                </a:solidFill>
-              </a:rPr>
-              <a:t>|</a:t>
-            </a:r>
-            <a:r>
-              <a:rPr lang="it-IT" dirty="0">
-                <a:solidFill>
-                  <a:srgbClr val="FF0000"/>
-                </a:solidFill>
-              </a:rPr>
-              <a:t> </a:t>
-            </a:r>
-            <a:r>
-              <a:rPr lang="en-US" i="1" dirty="0"/>
+              <a:rPr lang="en-US" i="1"/>
               <a:t>l, u </a:t>
             </a:r>
             <a:r>
-              <a:rPr lang="en-US" dirty="0"/>
+              <a:rPr lang="en-US"/>
               <a:t>integers. If the body is satisfied then between </a:t>
             </a:r>
             <a:r>
-              <a:rPr lang="en-US" i="1" dirty="0"/>
+              <a:rPr lang="en-US" i="1"/>
               <a:t>l</a:t>
             </a:r>
             <a:r>
-              <a:rPr lang="en-US" dirty="0"/>
+              <a:rPr lang="en-US"/>
               <a:t> and </a:t>
             </a:r>
             <a:r>
-              <a:rPr lang="en-US" i="1" dirty="0"/>
+              <a:rPr lang="en-US" i="1"/>
               <a:t>u</a:t>
             </a:r>
             <a:r>
-              <a:rPr lang="en-US" dirty="0"/>
+              <a:rPr lang="en-US"/>
               <a:t> of the atoms </a:t>
             </a:r>
             <a:r>
-              <a:rPr lang="it-IT" i="1" dirty="0"/>
+              <a:rPr lang="it-IT" i="1"/>
               <a:t>h1...hn  </a:t>
             </a:r>
             <a:r>
-              <a:rPr lang="it-IT" dirty="0"/>
-              <a:t>are </a:t>
-            </a:r>
-            <a:r>
-              <a:rPr lang="it-IT" dirty="0" err="1"/>
-              <a:t>satisfied</a:t>
-            </a:r>
-            <a:endParaRPr lang="it-IT" b="1" dirty="0">
+              <a:rPr lang="it-IT"/>
+              <a:t>are satisfied</a:t>
+            </a:r>
+            <a:endParaRPr lang="it-IT" b="1">
               <a:solidFill>
                 <a:srgbClr val="FF0000"/>
               </a:solidFill>
@@ -13952,7 +15115,7 @@
             <a:pPr marL="548640" lvl="2" indent="0">
               <a:buNone/>
             </a:pPr>
-            <a:endParaRPr lang="it-IT" b="1" dirty="0">
+            <a:endParaRPr lang="it-IT" b="1">
               <a:solidFill>
                 <a:srgbClr val="FF0000"/>
               </a:solidFill>
@@ -14399,7 +15562,7 @@
         </p:spPr>
         <p:txBody>
           <a:bodyPr>
-            <a:normAutofit fontScale="92500" lnSpcReduction="10000"/>
+            <a:normAutofit fontScale="85000" lnSpcReduction="10000"/>
           </a:bodyPr>
           <a:lstStyle/>
           <a:p>
@@ -14478,6 +15641,59 @@
             <a:r>
               <a:rPr lang="it-IT" sz="1300" dirty="0"/>
               <a:t>/2).</a:t>
+            </a:r>
+          </a:p>
+          <a:p>
+            <a:pPr marL="0" indent="0">
+              <a:buNone/>
+            </a:pPr>
+            <a:r>
+              <a:rPr lang="it-IT" sz="1300" dirty="0" err="1"/>
+              <a:t>Somethig</a:t>
+            </a:r>
+            <a:r>
+              <a:rPr lang="it-IT" sz="1300" dirty="0"/>
+              <a:t> like : </a:t>
+            </a:r>
+            <a:r>
+              <a:rPr lang="it-IT" sz="1300" dirty="0" err="1"/>
+              <a:t>next</a:t>
+            </a:r>
+            <a:r>
+              <a:rPr lang="it-IT" sz="1300" dirty="0"/>
+              <a:t>((X,Y), (Z,K)) </a:t>
+            </a:r>
+            <a:r>
+              <a:rPr lang="it-IT" sz="1300" dirty="0" err="1"/>
+              <a:t>holds</a:t>
+            </a:r>
+            <a:r>
+              <a:rPr lang="it-IT" sz="1300" dirty="0"/>
+              <a:t> </a:t>
+            </a:r>
+            <a:r>
+              <a:rPr lang="it-IT" sz="1300" dirty="0" err="1"/>
+              <a:t>if</a:t>
+            </a:r>
+            <a:r>
+              <a:rPr lang="it-IT" sz="1300" dirty="0"/>
+              <a:t> </a:t>
+            </a:r>
+            <a:r>
+              <a:rPr lang="it-IT" sz="1300" dirty="0" err="1"/>
+              <a:t>coordinates</a:t>
+            </a:r>
+            <a:r>
+              <a:rPr lang="it-IT" sz="1300" dirty="0"/>
+              <a:t> are </a:t>
+            </a:r>
+            <a:r>
+              <a:rPr lang="it-IT" sz="1300" dirty="0" err="1"/>
+              <a:t>near</a:t>
+            </a:r>
+            <a:r>
+              <a:rPr lang="it-IT" sz="1300" dirty="0"/>
+              <a:t>.</a:t>
             </a:r>
           </a:p>
           <a:p>

--- a/ATAI_Presentation ILASP.pptx
+++ b/ATAI_Presentation ILASP.pptx
@@ -6,22 +6,19 @@
   </p:sldMasterIdLst>
   <p:sldIdLst>
     <p:sldId id="256" r:id="rId2"/>
-    <p:sldId id="260" r:id="rId3"/>
-    <p:sldId id="258" r:id="rId4"/>
-    <p:sldId id="259" r:id="rId5"/>
-    <p:sldId id="270" r:id="rId6"/>
-    <p:sldId id="268" r:id="rId7"/>
-    <p:sldId id="262" r:id="rId8"/>
-    <p:sldId id="274" r:id="rId9"/>
-    <p:sldId id="263" r:id="rId10"/>
-    <p:sldId id="275" r:id="rId11"/>
-    <p:sldId id="276" r:id="rId12"/>
-    <p:sldId id="277" r:id="rId13"/>
-    <p:sldId id="278" r:id="rId14"/>
-    <p:sldId id="279" r:id="rId15"/>
-    <p:sldId id="280" r:id="rId16"/>
-    <p:sldId id="281" r:id="rId17"/>
-    <p:sldId id="272" r:id="rId18"/>
+    <p:sldId id="270" r:id="rId3"/>
+    <p:sldId id="268" r:id="rId4"/>
+    <p:sldId id="262" r:id="rId5"/>
+    <p:sldId id="274" r:id="rId6"/>
+    <p:sldId id="263" r:id="rId7"/>
+    <p:sldId id="275" r:id="rId8"/>
+    <p:sldId id="276" r:id="rId9"/>
+    <p:sldId id="277" r:id="rId10"/>
+    <p:sldId id="278" r:id="rId11"/>
+    <p:sldId id="279" r:id="rId12"/>
+    <p:sldId id="280" r:id="rId13"/>
+    <p:sldId id="281" r:id="rId14"/>
+    <p:sldId id="272" r:id="rId15"/>
   </p:sldIdLst>
   <p:sldSz cx="12192000" cy="6858000"/>
   <p:notesSz cx="6858000" cy="9144000"/>
@@ -129,11 +126,11 @@
 </file>
 
 <file path=ppt/diagrams/colors1.xml><?xml version="1.0" encoding="utf-8"?>
-<dgm:colorsDef xmlns:dgm="http://schemas.openxmlformats.org/drawingml/2006/diagram" xmlns:a="http://schemas.openxmlformats.org/drawingml/2006/main" uniqueId="urn:microsoft.com/office/officeart/2018/5/colors/Iconchunking_neutralbg_colorful2">
+<dgm:colorsDef xmlns:dgm="http://schemas.openxmlformats.org/drawingml/2006/diagram" xmlns:a="http://schemas.openxmlformats.org/drawingml/2006/main" uniqueId="urn:microsoft.com/office/officeart/2018/5/colors/Iconchunking_neutralbg_colorful1">
   <dgm:title val=""/>
   <dgm:desc val=""/>
   <dgm:catLst>
-    <dgm:cat type="colorful" pri="10200"/>
+    <dgm:cat type="colorful" pri="10100"/>
   </dgm:catLst>
   <dgm:styleLbl name="node0">
     <dgm:fillClrLst meth="repeat">
@@ -148,9 +145,12 @@
     <dgm:txEffectClrLst/>
   </dgm:styleLbl>
   <dgm:styleLbl name="node1">
-    <dgm:fillClrLst>
+    <dgm:fillClrLst meth="repeat">
       <a:schemeClr val="accent2"/>
       <a:schemeClr val="accent3"/>
+      <a:schemeClr val="accent4"/>
+      <a:schemeClr val="accent5"/>
+      <a:schemeClr val="accent6"/>
     </dgm:fillClrLst>
     <dgm:linClrLst meth="repeat">
       <a:schemeClr val="lt1">
@@ -163,13 +163,19 @@
     <dgm:txEffectClrLst/>
   </dgm:styleLbl>
   <dgm:styleLbl name="alignNode1">
-    <dgm:fillClrLst>
+    <dgm:fillClrLst meth="repeat">
       <a:schemeClr val="accent2"/>
       <a:schemeClr val="accent3"/>
+      <a:schemeClr val="accent4"/>
+      <a:schemeClr val="accent5"/>
+      <a:schemeClr val="accent6"/>
     </dgm:fillClrLst>
-    <dgm:linClrLst>
+    <dgm:linClrLst meth="repeat">
       <a:schemeClr val="accent2"/>
       <a:schemeClr val="accent3"/>
+      <a:schemeClr val="accent4"/>
+      <a:schemeClr val="accent5"/>
+      <a:schemeClr val="accent6"/>
     </dgm:linClrLst>
     <dgm:effectClrLst/>
     <dgm:txLinClrLst/>
@@ -177,9 +183,12 @@
     <dgm:txEffectClrLst/>
   </dgm:styleLbl>
   <dgm:styleLbl name="lnNode1">
-    <dgm:fillClrLst>
+    <dgm:fillClrLst meth="repeat">
       <a:schemeClr val="accent2"/>
       <a:schemeClr val="accent3"/>
+      <a:schemeClr val="accent4"/>
+      <a:schemeClr val="accent5"/>
+      <a:schemeClr val="accent6"/>
     </dgm:fillClrLst>
     <dgm:linClrLst meth="repeat">
       <a:schemeClr val="lt1"/>
@@ -190,11 +199,20 @@
     <dgm:txEffectClrLst/>
   </dgm:styleLbl>
   <dgm:styleLbl name="vennNode1">
-    <dgm:fillClrLst>
+    <dgm:fillClrLst meth="repeat">
       <a:schemeClr val="accent2">
         <a:alpha val="50000"/>
       </a:schemeClr>
       <a:schemeClr val="accent3">
+        <a:alpha val="50000"/>
+      </a:schemeClr>
+      <a:schemeClr val="accent4">
+        <a:alpha val="50000"/>
+      </a:schemeClr>
+      <a:schemeClr val="accent5">
+        <a:alpha val="50000"/>
+      </a:schemeClr>
+      <a:schemeClr val="accent6">
         <a:alpha val="50000"/>
       </a:schemeClr>
     </dgm:fillClrLst>
@@ -208,6 +226,18 @@
   </dgm:styleLbl>
   <dgm:styleLbl name="node2">
     <dgm:fillClrLst>
+      <a:schemeClr val="accent2"/>
+    </dgm:fillClrLst>
+    <dgm:linClrLst meth="repeat">
+      <a:schemeClr val="lt1"/>
+    </dgm:linClrLst>
+    <dgm:effectClrLst/>
+    <dgm:txLinClrLst/>
+    <dgm:txFillClrLst/>
+    <dgm:txEffectClrLst/>
+  </dgm:styleLbl>
+  <dgm:styleLbl name="node3">
+    <dgm:fillClrLst>
       <a:schemeClr val="accent3"/>
     </dgm:fillClrLst>
     <dgm:linClrLst meth="repeat">
@@ -218,7 +248,7 @@
     <dgm:txFillClrLst/>
     <dgm:txEffectClrLst/>
   </dgm:styleLbl>
-  <dgm:styleLbl name="node3">
+  <dgm:styleLbl name="node4">
     <dgm:fillClrLst>
       <a:schemeClr val="accent4"/>
     </dgm:fillClrLst>
@@ -230,24 +260,21 @@
     <dgm:txFillClrLst/>
     <dgm:txEffectClrLst/>
   </dgm:styleLbl>
-  <dgm:styleLbl name="node4">
-    <dgm:fillClrLst>
-      <a:schemeClr val="accent5"/>
-    </dgm:fillClrLst>
-    <dgm:linClrLst meth="repeat">
-      <a:schemeClr val="lt1"/>
-    </dgm:linClrLst>
-    <dgm:effectClrLst/>
-    <dgm:txLinClrLst/>
-    <dgm:txFillClrLst/>
-    <dgm:txEffectClrLst/>
-  </dgm:styleLbl>
   <dgm:styleLbl name="fgImgPlace1">
-    <dgm:fillClrLst>
+    <dgm:fillClrLst meth="repeat">
       <a:schemeClr val="accent2">
         <a:tint val="50000"/>
       </a:schemeClr>
       <a:schemeClr val="accent3">
+        <a:tint val="50000"/>
+      </a:schemeClr>
+      <a:schemeClr val="accent4">
+        <a:tint val="50000"/>
+      </a:schemeClr>
+      <a:schemeClr val="accent5">
+        <a:tint val="50000"/>
+      </a:schemeClr>
+      <a:schemeClr val="accent6">
         <a:tint val="50000"/>
       </a:schemeClr>
     </dgm:fillClrLst>
@@ -263,10 +290,10 @@
   </dgm:styleLbl>
   <dgm:styleLbl name="alignImgPlace1">
     <dgm:fillClrLst>
-      <a:schemeClr val="accent2">
+      <a:schemeClr val="accent1">
         <a:tint val="50000"/>
       </a:schemeClr>
-      <a:schemeClr val="accent3">
+      <a:schemeClr val="accent2">
         <a:tint val="20000"/>
       </a:schemeClr>
     </dgm:fillClrLst>
@@ -282,10 +309,10 @@
   </dgm:styleLbl>
   <dgm:styleLbl name="bgImgPlace1">
     <dgm:fillClrLst>
-      <a:schemeClr val="accent2">
+      <a:schemeClr val="accent1">
         <a:tint val="50000"/>
       </a:schemeClr>
-      <a:schemeClr val="accent3">
+      <a:schemeClr val="accent2">
         <a:tint val="20000"/>
       </a:schemeClr>
     </dgm:fillClrLst>
@@ -300,11 +327,14 @@
     <dgm:txEffectClrLst/>
   </dgm:styleLbl>
   <dgm:styleLbl name="sibTrans2D1">
-    <dgm:fillClrLst>
+    <dgm:fillClrLst meth="repeat">
       <a:schemeClr val="accent2"/>
       <a:schemeClr val="accent3"/>
+      <a:schemeClr val="accent4"/>
+      <a:schemeClr val="accent5"/>
+      <a:schemeClr val="accent6"/>
     </dgm:fillClrLst>
-    <dgm:linClrLst meth="repeat">
+    <dgm:linClrLst meth="cycle">
       <a:schemeClr val="lt1"/>
     </dgm:linClrLst>
     <dgm:effectClrLst/>
@@ -313,11 +343,14 @@
     <dgm:txEffectClrLst/>
   </dgm:styleLbl>
   <dgm:styleLbl name="fgSibTrans2D1">
-    <dgm:fillClrLst>
+    <dgm:fillClrLst meth="repeat">
       <a:schemeClr val="accent2"/>
       <a:schemeClr val="accent3"/>
+      <a:schemeClr val="accent4"/>
+      <a:schemeClr val="accent5"/>
+      <a:schemeClr val="accent6"/>
     </dgm:fillClrLst>
-    <dgm:linClrLst meth="repeat">
+    <dgm:linClrLst meth="cycle">
       <a:schemeClr val="lt1"/>
     </dgm:linClrLst>
     <dgm:effectClrLst/>
@@ -328,11 +361,14 @@
     <dgm:txEffectClrLst/>
   </dgm:styleLbl>
   <dgm:styleLbl name="bgSibTrans2D1">
-    <dgm:fillClrLst>
+    <dgm:fillClrLst meth="repeat">
       <a:schemeClr val="accent2"/>
       <a:schemeClr val="accent3"/>
+      <a:schemeClr val="accent4"/>
+      <a:schemeClr val="accent5"/>
+      <a:schemeClr val="accent6"/>
     </dgm:fillClrLst>
-    <dgm:linClrLst meth="repeat">
+    <dgm:linClrLst meth="cycle">
       <a:schemeClr val="lt1"/>
     </dgm:linClrLst>
     <dgm:effectClrLst/>
@@ -343,10 +379,19 @@
     <dgm:txEffectClrLst/>
   </dgm:styleLbl>
   <dgm:styleLbl name="sibTrans1D1">
-    <dgm:fillClrLst/>
-    <dgm:linClrLst>
+    <dgm:fillClrLst meth="repeat">
       <a:schemeClr val="accent2"/>
       <a:schemeClr val="accent3"/>
+      <a:schemeClr val="accent4"/>
+      <a:schemeClr val="accent5"/>
+      <a:schemeClr val="accent6"/>
+    </dgm:fillClrLst>
+    <dgm:linClrLst meth="repeat">
+      <a:schemeClr val="accent2"/>
+      <a:schemeClr val="accent3"/>
+      <a:schemeClr val="accent4"/>
+      <a:schemeClr val="accent5"/>
+      <a:schemeClr val="accent6"/>
     </dgm:linClrLst>
     <dgm:effectClrLst/>
     <dgm:txLinClrLst/>
@@ -373,12 +418,10 @@
   </dgm:styleLbl>
   <dgm:styleLbl name="asst0">
     <dgm:fillClrLst meth="repeat">
-      <a:schemeClr val="accent2"/>
+      <a:schemeClr val="accent1"/>
     </dgm:fillClrLst>
     <dgm:linClrLst meth="repeat">
-      <a:schemeClr val="lt1">
-        <a:shade val="80000"/>
-      </a:schemeClr>
+      <a:schemeClr val="lt1"/>
     </dgm:linClrLst>
     <dgm:effectClrLst/>
     <dgm:txLinClrLst/>
@@ -387,12 +430,10 @@
   </dgm:styleLbl>
   <dgm:styleLbl name="asst1">
     <dgm:fillClrLst meth="repeat">
-      <a:schemeClr val="accent3"/>
+      <a:schemeClr val="accent2"/>
     </dgm:fillClrLst>
     <dgm:linClrLst meth="repeat">
-      <a:schemeClr val="lt1">
-        <a:shade val="80000"/>
-      </a:schemeClr>
+      <a:schemeClr val="lt1"/>
     </dgm:linClrLst>
     <dgm:effectClrLst/>
     <dgm:txLinClrLst/>
@@ -400,6 +441,18 @@
     <dgm:txEffectClrLst/>
   </dgm:styleLbl>
   <dgm:styleLbl name="asst2">
+    <dgm:fillClrLst>
+      <a:schemeClr val="accent3"/>
+    </dgm:fillClrLst>
+    <dgm:linClrLst meth="repeat">
+      <a:schemeClr val="lt1"/>
+    </dgm:linClrLst>
+    <dgm:effectClrLst/>
+    <dgm:txLinClrLst/>
+    <dgm:txFillClrLst/>
+    <dgm:txEffectClrLst/>
+  </dgm:styleLbl>
+  <dgm:styleLbl name="asst3">
     <dgm:fillClrLst>
       <a:schemeClr val="accent4"/>
     </dgm:fillClrLst>
@@ -411,21 +464,9 @@
     <dgm:txFillClrLst/>
     <dgm:txEffectClrLst/>
   </dgm:styleLbl>
-  <dgm:styleLbl name="asst3">
+  <dgm:styleLbl name="asst4">
     <dgm:fillClrLst>
       <a:schemeClr val="accent5"/>
-    </dgm:fillClrLst>
-    <dgm:linClrLst meth="repeat">
-      <a:schemeClr val="lt1"/>
-    </dgm:linClrLst>
-    <dgm:effectClrLst/>
-    <dgm:txLinClrLst/>
-    <dgm:txFillClrLst/>
-    <dgm:txEffectClrLst/>
-  </dgm:styleLbl>
-  <dgm:styleLbl name="asst4">
-    <dgm:fillClrLst>
-      <a:schemeClr val="accent6"/>
     </dgm:fillClrLst>
     <dgm:linClrLst meth="repeat">
       <a:schemeClr val="lt1"/>
@@ -492,6 +533,22 @@
       <a:schemeClr val="accent2"/>
     </dgm:fillClrLst>
     <dgm:linClrLst meth="repeat">
+      <a:schemeClr val="accent1"/>
+    </dgm:linClrLst>
+    <dgm:effectClrLst/>
+    <dgm:txLinClrLst/>
+    <dgm:txFillClrLst meth="repeat">
+      <a:schemeClr val="tx1"/>
+    </dgm:txFillClrLst>
+    <dgm:txEffectClrLst/>
+  </dgm:styleLbl>
+  <dgm:styleLbl name="parChTrans1D2">
+    <dgm:fillClrLst meth="repeat">
+      <a:schemeClr val="accent3">
+        <a:tint val="90000"/>
+      </a:schemeClr>
+    </dgm:fillClrLst>
+    <dgm:linClrLst meth="repeat">
       <a:schemeClr val="accent2"/>
     </dgm:linClrLst>
     <dgm:effectClrLst/>
@@ -501,10 +558,10 @@
     </dgm:txFillClrLst>
     <dgm:txEffectClrLst/>
   </dgm:styleLbl>
-  <dgm:styleLbl name="parChTrans1D2">
+  <dgm:styleLbl name="parChTrans1D3">
     <dgm:fillClrLst meth="repeat">
-      <a:schemeClr val="accent2">
-        <a:tint val="90000"/>
+      <a:schemeClr val="accent4">
+        <a:tint val="70000"/>
       </a:schemeClr>
     </dgm:fillClrLst>
     <dgm:linClrLst meth="repeat">
@@ -517,10 +574,10 @@
     </dgm:txFillClrLst>
     <dgm:txEffectClrLst/>
   </dgm:styleLbl>
-  <dgm:styleLbl name="parChTrans1D3">
+  <dgm:styleLbl name="parChTrans1D4">
     <dgm:fillClrLst meth="repeat">
-      <a:schemeClr val="accent2">
-        <a:tint val="70000"/>
+      <a:schemeClr val="accent5">
+        <a:tint val="50000"/>
       </a:schemeClr>
     </dgm:fillClrLst>
     <dgm:linClrLst meth="repeat">
@@ -533,31 +590,18 @@
     </dgm:txFillClrLst>
     <dgm:txEffectClrLst/>
   </dgm:styleLbl>
-  <dgm:styleLbl name="parChTrans1D4">
-    <dgm:fillClrLst meth="repeat">
-      <a:schemeClr val="accent2">
-        <a:tint val="50000"/>
-      </a:schemeClr>
-    </dgm:fillClrLst>
-    <dgm:linClrLst meth="repeat">
-      <a:schemeClr val="accent5"/>
-    </dgm:linClrLst>
-    <dgm:effectClrLst/>
-    <dgm:txLinClrLst/>
-    <dgm:txFillClrLst meth="repeat">
-      <a:schemeClr val="tx1"/>
-    </dgm:txFillClrLst>
-    <dgm:txEffectClrLst/>
-  </dgm:styleLbl>
   <dgm:styleLbl name="fgAcc1">
     <dgm:fillClrLst meth="repeat">
       <a:schemeClr val="lt1">
         <a:alpha val="90000"/>
       </a:schemeClr>
     </dgm:fillClrLst>
-    <dgm:linClrLst>
+    <dgm:linClrLst meth="repeat">
       <a:schemeClr val="accent2"/>
       <a:schemeClr val="accent3"/>
+      <a:schemeClr val="accent4"/>
+      <a:schemeClr val="accent5"/>
+      <a:schemeClr val="accent6"/>
     </dgm:linClrLst>
     <dgm:effectClrLst/>
     <dgm:txLinClrLst/>
@@ -572,9 +616,12 @@
         <a:alpha val="90000"/>
       </a:schemeClr>
     </dgm:fillClrLst>
-    <dgm:linClrLst>
+    <dgm:linClrLst meth="repeat">
       <a:schemeClr val="accent2"/>
       <a:schemeClr val="accent3"/>
+      <a:schemeClr val="accent4"/>
+      <a:schemeClr val="accent5"/>
+      <a:schemeClr val="accent6"/>
     </dgm:linClrLst>
     <dgm:effectClrLst/>
     <dgm:txLinClrLst/>
@@ -589,9 +636,12 @@
         <a:alpha val="90000"/>
       </a:schemeClr>
     </dgm:fillClrLst>
-    <dgm:linClrLst>
+    <dgm:linClrLst meth="repeat">
       <a:schemeClr val="accent2"/>
       <a:schemeClr val="accent3"/>
+      <a:schemeClr val="accent4"/>
+      <a:schemeClr val="accent5"/>
+      <a:schemeClr val="accent6"/>
     </dgm:linClrLst>
     <dgm:effectClrLst/>
     <dgm:txLinClrLst/>
@@ -607,7 +657,7 @@
       </a:schemeClr>
     </dgm:fillClrLst>
     <dgm:linClrLst meth="repeat">
-      <a:schemeClr val="accent2"/>
+      <a:schemeClr val="accent1"/>
     </dgm:linClrLst>
     <dgm:effectClrLst/>
     <dgm:txLinClrLst/>
@@ -622,9 +672,12 @@
         <a:alpha val="90000"/>
       </a:schemeClr>
     </dgm:fillClrLst>
-    <dgm:linClrLst>
+    <dgm:linClrLst meth="repeat">
       <a:schemeClr val="accent2"/>
       <a:schemeClr val="accent3"/>
+      <a:schemeClr val="accent4"/>
+      <a:schemeClr val="accent5"/>
+      <a:schemeClr val="accent6"/>
     </dgm:linClrLst>
     <dgm:effectClrLst/>
     <dgm:txLinClrLst/>
@@ -637,9 +690,12 @@
     <dgm:fillClrLst meth="repeat">
       <a:schemeClr val="lt1"/>
     </dgm:fillClrLst>
-    <dgm:linClrLst>
+    <dgm:linClrLst meth="repeat">
       <a:schemeClr val="accent2"/>
       <a:schemeClr val="accent3"/>
+      <a:schemeClr val="accent4"/>
+      <a:schemeClr val="accent5"/>
+      <a:schemeClr val="accent6"/>
     </dgm:linClrLst>
     <dgm:effectClrLst/>
     <dgm:txLinClrLst/>
@@ -652,9 +708,12 @@
     <dgm:fillClrLst meth="repeat">
       <a:schemeClr val="lt1"/>
     </dgm:fillClrLst>
-    <dgm:linClrLst>
+    <dgm:linClrLst meth="repeat">
       <a:schemeClr val="accent2"/>
       <a:schemeClr val="accent3"/>
+      <a:schemeClr val="accent4"/>
+      <a:schemeClr val="accent5"/>
+      <a:schemeClr val="accent6"/>
     </dgm:linClrLst>
     <dgm:effectClrLst/>
     <dgm:txLinClrLst/>
@@ -667,9 +726,12 @@
     <dgm:fillClrLst meth="repeat">
       <a:schemeClr val="lt1"/>
     </dgm:fillClrLst>
-    <dgm:linClrLst>
+    <dgm:linClrLst meth="repeat">
       <a:schemeClr val="accent2"/>
       <a:schemeClr val="accent3"/>
+      <a:schemeClr val="accent4"/>
+      <a:schemeClr val="accent5"/>
+      <a:schemeClr val="accent6"/>
     </dgm:linClrLst>
     <dgm:effectClrLst/>
     <dgm:txLinClrLst/>
@@ -679,7 +741,7 @@
     <dgm:txEffectClrLst/>
   </dgm:styleLbl>
   <dgm:styleLbl name="fgAccFollowNode1">
-    <dgm:fillClrLst>
+    <dgm:fillClrLst meth="repeat">
       <a:schemeClr val="accent2">
         <a:tint val="40000"/>
         <a:alpha val="90000"/>
@@ -688,13 +750,37 @@
         <a:tint val="40000"/>
         <a:alpha val="90000"/>
       </a:schemeClr>
+      <a:schemeClr val="accent4">
+        <a:tint val="40000"/>
+        <a:alpha val="90000"/>
+      </a:schemeClr>
+      <a:schemeClr val="accent5">
+        <a:tint val="40000"/>
+        <a:alpha val="90000"/>
+      </a:schemeClr>
+      <a:schemeClr val="accent6">
+        <a:tint val="40000"/>
+        <a:alpha val="90000"/>
+      </a:schemeClr>
     </dgm:fillClrLst>
-    <dgm:linClrLst>
+    <dgm:linClrLst meth="repeat">
       <a:schemeClr val="accent2">
         <a:tint val="40000"/>
         <a:alpha val="90000"/>
       </a:schemeClr>
       <a:schemeClr val="accent3">
+        <a:tint val="40000"/>
+        <a:alpha val="90000"/>
+      </a:schemeClr>
+      <a:schemeClr val="accent4">
+        <a:tint val="40000"/>
+        <a:alpha val="90000"/>
+      </a:schemeClr>
+      <a:schemeClr val="accent5">
+        <a:tint val="40000"/>
+        <a:alpha val="90000"/>
+      </a:schemeClr>
+      <a:schemeClr val="accent6">
         <a:tint val="40000"/>
         <a:alpha val="90000"/>
       </a:schemeClr>
@@ -707,7 +793,7 @@
     <dgm:txEffectClrLst/>
   </dgm:styleLbl>
   <dgm:styleLbl name="alignAccFollowNode1">
-    <dgm:fillClrLst>
+    <dgm:fillClrLst meth="repeat">
       <a:schemeClr val="accent2">
         <a:tint val="40000"/>
         <a:alpha val="90000"/>
@@ -716,13 +802,37 @@
         <a:tint val="40000"/>
         <a:alpha val="90000"/>
       </a:schemeClr>
+      <a:schemeClr val="accent4">
+        <a:tint val="40000"/>
+        <a:alpha val="90000"/>
+      </a:schemeClr>
+      <a:schemeClr val="accent5">
+        <a:tint val="40000"/>
+        <a:alpha val="90000"/>
+      </a:schemeClr>
+      <a:schemeClr val="accent6">
+        <a:tint val="40000"/>
+        <a:alpha val="90000"/>
+      </a:schemeClr>
     </dgm:fillClrLst>
-    <dgm:linClrLst>
+    <dgm:linClrLst meth="repeat">
       <a:schemeClr val="accent2">
         <a:tint val="40000"/>
         <a:alpha val="90000"/>
       </a:schemeClr>
       <a:schemeClr val="accent3">
+        <a:tint val="40000"/>
+        <a:alpha val="90000"/>
+      </a:schemeClr>
+      <a:schemeClr val="accent4">
+        <a:tint val="40000"/>
+        <a:alpha val="90000"/>
+      </a:schemeClr>
+      <a:schemeClr val="accent5">
+        <a:tint val="40000"/>
+        <a:alpha val="90000"/>
+      </a:schemeClr>
+      <a:schemeClr val="accent6">
         <a:tint val="40000"/>
         <a:alpha val="90000"/>
       </a:schemeClr>
@@ -735,7 +845,7 @@
     <dgm:txEffectClrLst/>
   </dgm:styleLbl>
   <dgm:styleLbl name="bgAccFollowNode1">
-    <dgm:fillClrLst>
+    <dgm:fillClrLst meth="repeat">
       <a:schemeClr val="accent2">
         <a:tint val="40000"/>
         <a:alpha val="90000"/>
@@ -744,13 +854,37 @@
         <a:tint val="40000"/>
         <a:alpha val="90000"/>
       </a:schemeClr>
+      <a:schemeClr val="accent4">
+        <a:tint val="40000"/>
+        <a:alpha val="90000"/>
+      </a:schemeClr>
+      <a:schemeClr val="accent5">
+        <a:tint val="40000"/>
+        <a:alpha val="90000"/>
+      </a:schemeClr>
+      <a:schemeClr val="accent6">
+        <a:tint val="40000"/>
+        <a:alpha val="90000"/>
+      </a:schemeClr>
     </dgm:fillClrLst>
-    <dgm:linClrLst>
+    <dgm:linClrLst meth="repeat">
       <a:schemeClr val="accent2">
         <a:tint val="40000"/>
         <a:alpha val="90000"/>
       </a:schemeClr>
       <a:schemeClr val="accent3">
+        <a:tint val="40000"/>
+        <a:alpha val="90000"/>
+      </a:schemeClr>
+      <a:schemeClr val="accent4">
+        <a:tint val="40000"/>
+        <a:alpha val="90000"/>
+      </a:schemeClr>
+      <a:schemeClr val="accent5">
+        <a:tint val="40000"/>
+        <a:alpha val="90000"/>
+      </a:schemeClr>
+      <a:schemeClr val="accent6">
         <a:tint val="40000"/>
         <a:alpha val="90000"/>
       </a:schemeClr>
@@ -785,6 +919,22 @@
       </a:schemeClr>
     </dgm:fillClrLst>
     <dgm:linClrLst>
+      <a:schemeClr val="accent2"/>
+    </dgm:linClrLst>
+    <dgm:effectClrLst/>
+    <dgm:txLinClrLst/>
+    <dgm:txFillClrLst meth="repeat">
+      <a:schemeClr val="dk1"/>
+    </dgm:txFillClrLst>
+    <dgm:txEffectClrLst/>
+  </dgm:styleLbl>
+  <dgm:styleLbl name="fgAcc3">
+    <dgm:fillClrLst meth="repeat">
+      <a:schemeClr val="lt1">
+        <a:alpha val="90000"/>
+      </a:schemeClr>
+    </dgm:fillClrLst>
+    <dgm:linClrLst>
       <a:schemeClr val="accent3"/>
     </dgm:linClrLst>
     <dgm:effectClrLst/>
@@ -794,7 +944,7 @@
     </dgm:txFillClrLst>
     <dgm:txEffectClrLst/>
   </dgm:styleLbl>
-  <dgm:styleLbl name="fgAcc3">
+  <dgm:styleLbl name="fgAcc4">
     <dgm:fillClrLst meth="repeat">
       <a:schemeClr val="lt1">
         <a:alpha val="90000"/>
@@ -802,22 +952,6 @@
     </dgm:fillClrLst>
     <dgm:linClrLst>
       <a:schemeClr val="accent4"/>
-    </dgm:linClrLst>
-    <dgm:effectClrLst/>
-    <dgm:txLinClrLst/>
-    <dgm:txFillClrLst meth="repeat">
-      <a:schemeClr val="dk1"/>
-    </dgm:txFillClrLst>
-    <dgm:txEffectClrLst/>
-  </dgm:styleLbl>
-  <dgm:styleLbl name="fgAcc4">
-    <dgm:fillClrLst meth="repeat">
-      <a:schemeClr val="lt1">
-        <a:alpha val="90000"/>
-      </a:schemeClr>
-    </dgm:fillClrLst>
-    <dgm:linClrLst>
-      <a:schemeClr val="accent5"/>
     </dgm:linClrLst>
     <dgm:effectClrLst/>
     <dgm:txLinClrLst/>
@@ -860,7 +994,7 @@
   </dgm:styleLbl>
   <dgm:styleLbl name="trBgShp">
     <dgm:fillClrLst meth="repeat">
-      <a:schemeClr val="accent2">
+      <a:schemeClr val="accent1">
         <a:tint val="50000"/>
         <a:alpha val="40000"/>
       </a:schemeClr>
@@ -1697,8 +1831,8 @@
 <file path=ppt/diagrams/data1.xml><?xml version="1.0" encoding="utf-8"?>
 <dgm:dataModel xmlns:dgm="http://schemas.openxmlformats.org/drawingml/2006/diagram" xmlns:a="http://schemas.openxmlformats.org/drawingml/2006/main">
   <dgm:ptLst>
-    <dgm:pt modelId="{675C2EC4-6267-46F7-9A7B-D494800FC517}" type="doc">
-      <dgm:prSet loTypeId="urn:microsoft.com/office/officeart/2018/2/layout/IconLabelList" loCatId="icon" qsTypeId="urn:microsoft.com/office/officeart/2005/8/quickstyle/simple1" qsCatId="simple" csTypeId="urn:microsoft.com/office/officeart/2018/5/colors/Iconchunking_neutralbg_colorful2" csCatId="colorful" phldr="1"/>
+    <dgm:pt modelId="{2E4F617D-814B-45C8-8EFC-82082F70A6AF}" type="doc">
+      <dgm:prSet loTypeId="urn:microsoft.com/office/officeart/2018/2/layout/IconLabelList" loCatId="icon" qsTypeId="urn:microsoft.com/office/officeart/2005/8/quickstyle/simple1" qsCatId="simple" csTypeId="urn:microsoft.com/office/officeart/2018/5/colors/Iconchunking_neutralbg_colorful1" csCatId="colorful" phldr="1"/>
       <dgm:spPr/>
       <dgm:t>
         <a:bodyPr/>
@@ -1708,7 +1842,7 @@
         </a:p>
       </dgm:t>
     </dgm:pt>
-    <dgm:pt modelId="{4055D2C3-E26C-48C8-909E-824517E5419B}">
+    <dgm:pt modelId="{8A9E9A87-F984-4D55-9DD2-E3F8A5E8651A}">
       <dgm:prSet/>
       <dgm:spPr/>
       <dgm:t>
@@ -1721,14 +1855,14 @@
             </a:lnSpc>
           </a:pPr>
           <a:r>
-            <a:rPr lang="it-IT" baseline="0"/>
-            <a:t>A fairly simple problem.</a:t>
+            <a:rPr lang="it-IT"/>
+            <a:t>The Inductive learning tool used in ASP is Ilasp.</a:t>
           </a:r>
           <a:endParaRPr lang="en-US"/>
         </a:p>
       </dgm:t>
     </dgm:pt>
-    <dgm:pt modelId="{4BD2426A-EDEF-477D-B9B4-69DF71FDB255}" type="parTrans" cxnId="{D48C69B0-6B4F-42BF-B785-79C7AC95185C}">
+    <dgm:pt modelId="{5067D686-1AFC-4511-92B3-E99122BCC76D}" type="parTrans" cxnId="{42EE33ED-D6CC-4B55-8113-C359B835569D}">
       <dgm:prSet/>
       <dgm:spPr/>
       <dgm:t>
@@ -1739,7 +1873,7 @@
         </a:p>
       </dgm:t>
     </dgm:pt>
-    <dgm:pt modelId="{D4462628-68E8-4F51-B3F0-256397EADBA4}" type="sibTrans" cxnId="{D48C69B0-6B4F-42BF-B785-79C7AC95185C}">
+    <dgm:pt modelId="{7F3BDDF0-DACB-41A1-BFDF-2A03FA8E915D}" type="sibTrans" cxnId="{42EE33ED-D6CC-4B55-8113-C359B835569D}">
       <dgm:prSet/>
       <dgm:spPr/>
       <dgm:t>
@@ -1750,49 +1884,7 @@
         </a:p>
       </dgm:t>
     </dgm:pt>
-    <dgm:pt modelId="{2C776F50-BC90-4D16-B422-EAD985AC1004}">
-      <dgm:prSet/>
-      <dgm:spPr/>
-      <dgm:t>
-        <a:bodyPr/>
-        <a:lstStyle/>
-        <a:p>
-          <a:pPr>
-            <a:lnSpc>
-              <a:spcPct val="100000"/>
-            </a:lnSpc>
-          </a:pPr>
-          <a:r>
-            <a:rPr lang="it-IT" baseline="0"/>
-            <a:t>Find a path from point A to point B in a labyrinth-shaped map.</a:t>
-          </a:r>
-          <a:endParaRPr lang="en-US"/>
-        </a:p>
-      </dgm:t>
-    </dgm:pt>
-    <dgm:pt modelId="{289E04B4-B0A7-4DFA-A65D-556BC77F307D}" type="parTrans" cxnId="{0979FC01-E05C-48EF-85F8-1E83F6023E8B}">
-      <dgm:prSet/>
-      <dgm:spPr/>
-      <dgm:t>
-        <a:bodyPr/>
-        <a:lstStyle/>
-        <a:p>
-          <a:endParaRPr lang="en-US"/>
-        </a:p>
-      </dgm:t>
-    </dgm:pt>
-    <dgm:pt modelId="{EF585F06-4B58-468F-AFE6-F2019FFBDD05}" type="sibTrans" cxnId="{0979FC01-E05C-48EF-85F8-1E83F6023E8B}">
-      <dgm:prSet/>
-      <dgm:spPr/>
-      <dgm:t>
-        <a:bodyPr/>
-        <a:lstStyle/>
-        <a:p>
-          <a:endParaRPr lang="en-US"/>
-        </a:p>
-      </dgm:t>
-    </dgm:pt>
-    <dgm:pt modelId="{AB0B76B8-7ED5-4D70-9D39-1DC72B3616EB}">
+    <dgm:pt modelId="{8E8BDDB5-8144-4D6F-99B2-164073B07815}">
       <dgm:prSet/>
       <dgm:spPr/>
       <dgm:t>
@@ -1806,35 +1898,85 @@
           </a:pPr>
           <a:r>
             <a:rPr lang="en-US" dirty="0"/>
-            <a:t>Can be solved with a huge variety of classical algorithms</a:t>
+            <a:t>It enables learning programs containing normal rules, choice rules and hard constraints, specifying (as always) background knowledge, search space and positive </a:t>
+          </a:r>
+          <a:r>
+            <a:rPr lang="en-US"/>
+            <a:t>+ negative examples</a:t>
+          </a:r>
+          <a:r>
+            <a:rPr lang="en-US" dirty="0"/>
+            <a:t>.</a:t>
           </a:r>
         </a:p>
       </dgm:t>
     </dgm:pt>
-    <dgm:pt modelId="{4419F40D-0670-41A6-9DA9-4DEA6EDB34CE}" type="parTrans" cxnId="{3A59FB07-6168-4D88-8C24-494B08D9DDD0}">
+    <dgm:pt modelId="{2E1D1ED3-9A1F-4903-900F-7A74983A84C5}" type="parTrans" cxnId="{195FB2F3-792B-4A2C-B1A1-AFB18C95D8A2}">
       <dgm:prSet/>
       <dgm:spPr/>
       <dgm:t>
         <a:bodyPr/>
         <a:lstStyle/>
         <a:p>
-          <a:endParaRPr lang="it-IT"/>
+          <a:endParaRPr lang="en-US"/>
         </a:p>
       </dgm:t>
     </dgm:pt>
-    <dgm:pt modelId="{0FEE0AA9-ABC3-4AA9-A2D9-6046644FA4B6}" type="sibTrans" cxnId="{3A59FB07-6168-4D88-8C24-494B08D9DDD0}">
+    <dgm:pt modelId="{CD8E4148-2443-4807-AE0C-FAC9611AEF03}" type="sibTrans" cxnId="{195FB2F3-792B-4A2C-B1A1-AFB18C95D8A2}">
       <dgm:prSet/>
       <dgm:spPr/>
       <dgm:t>
         <a:bodyPr/>
         <a:lstStyle/>
         <a:p>
-          <a:endParaRPr lang="it-IT"/>
+          <a:endParaRPr lang="en-US"/>
         </a:p>
       </dgm:t>
     </dgm:pt>
-    <dgm:pt modelId="{31BF4EFE-BC3F-4DBE-BDA1-887E93734E2B}" type="pres">
-      <dgm:prSet presAssocID="{675C2EC4-6267-46F7-9A7B-D494800FC517}" presName="root" presStyleCnt="0">
+    <dgm:pt modelId="{B0660B93-22B6-49A4-AD54-A2D1189F97FA}">
+      <dgm:prSet/>
+      <dgm:spPr/>
+      <dgm:t>
+        <a:bodyPr/>
+        <a:lstStyle/>
+        <a:p>
+          <a:pPr>
+            <a:lnSpc>
+              <a:spcPct val="100000"/>
+            </a:lnSpc>
+          </a:pPr>
+          <a:r>
+            <a:rPr lang="it-IT"/>
+            <a:t>Here it has been used for the maze problem, specifically to learn some normal rules that compose the ASP model wich solves the problem of path finding.</a:t>
+          </a:r>
+          <a:endParaRPr lang="en-US"/>
+        </a:p>
+      </dgm:t>
+    </dgm:pt>
+    <dgm:pt modelId="{5720057F-09BC-4E58-B742-5BC7534621DF}" type="parTrans" cxnId="{0A8948B7-0485-4BA2-AAC3-9E3CC2394C13}">
+      <dgm:prSet/>
+      <dgm:spPr/>
+      <dgm:t>
+        <a:bodyPr/>
+        <a:lstStyle/>
+        <a:p>
+          <a:endParaRPr lang="en-US"/>
+        </a:p>
+      </dgm:t>
+    </dgm:pt>
+    <dgm:pt modelId="{1F06D19E-CE75-4EBD-81A0-C243F807B47F}" type="sibTrans" cxnId="{0A8948B7-0485-4BA2-AAC3-9E3CC2394C13}">
+      <dgm:prSet/>
+      <dgm:spPr/>
+      <dgm:t>
+        <a:bodyPr/>
+        <a:lstStyle/>
+        <a:p>
+          <a:endParaRPr lang="en-US"/>
+        </a:p>
+      </dgm:t>
+    </dgm:pt>
+    <dgm:pt modelId="{9C17E02F-1A62-4735-822F-0A2DB6A3DC30}" type="pres">
+      <dgm:prSet presAssocID="{2E4F617D-814B-45C8-8EFC-82082F70A6AF}" presName="root" presStyleCnt="0">
         <dgm:presLayoutVars>
           <dgm:dir/>
           <dgm:resizeHandles val="exact"/>
@@ -1842,12 +1984,12 @@
       </dgm:prSet>
       <dgm:spPr/>
     </dgm:pt>
-    <dgm:pt modelId="{CCC305A8-3560-4B64-ABE1-4F0C6CA6B285}" type="pres">
-      <dgm:prSet presAssocID="{4055D2C3-E26C-48C8-909E-824517E5419B}" presName="compNode" presStyleCnt="0"/>
+    <dgm:pt modelId="{D57472C5-DAEF-4C8E-AB8C-7869B331FB6A}" type="pres">
+      <dgm:prSet presAssocID="{8A9E9A87-F984-4D55-9DD2-E3F8A5E8651A}" presName="compNode" presStyleCnt="0"/>
       <dgm:spPr/>
     </dgm:pt>
-    <dgm:pt modelId="{6894D2A4-B7BB-4E7F-9ECF-63A7919B495D}" type="pres">
-      <dgm:prSet presAssocID="{4055D2C3-E26C-48C8-909E-824517E5419B}" presName="iconRect" presStyleLbl="node1" presStyleIdx="0" presStyleCnt="3"/>
+    <dgm:pt modelId="{EFB5C9CB-66DF-46FE-8C66-0F0BC76FA53A}" type="pres">
+      <dgm:prSet presAssocID="{8A9E9A87-F984-4D55-9DD2-E3F8A5E8651A}" presName="iconRect" presStyleLbl="node1" presStyleIdx="0" presStyleCnt="3"/>
       <dgm:spPr>
         <a:blipFill>
           <a:blip xmlns:r="http://schemas.openxmlformats.org/officeDocument/2006/relationships" r:embed="rId1">
@@ -1864,22 +2006,19 @@
             <a:fillRect/>
           </a:stretch>
         </a:blipFill>
-        <a:ln>
-          <a:noFill/>
-        </a:ln>
       </dgm:spPr>
       <dgm:extLst>
         <a:ext uri="{E40237B7-FDA0-4F09-8148-C483321AD2D9}">
-          <dgm14:cNvPr xmlns:dgm14="http://schemas.microsoft.com/office/drawing/2010/diagram" id="0" name="" descr="Question mark"/>
+          <dgm14:cNvPr xmlns:dgm14="http://schemas.microsoft.com/office/drawing/2010/diagram" id="0" name="" descr="Strumenti"/>
         </a:ext>
       </dgm:extLst>
     </dgm:pt>
-    <dgm:pt modelId="{E45ECE81-4666-4EC5-9855-B0D1A920D3BA}" type="pres">
-      <dgm:prSet presAssocID="{4055D2C3-E26C-48C8-909E-824517E5419B}" presName="spaceRect" presStyleCnt="0"/>
+    <dgm:pt modelId="{E84AE11D-F156-48DF-8328-60D4E416E48C}" type="pres">
+      <dgm:prSet presAssocID="{8A9E9A87-F984-4D55-9DD2-E3F8A5E8651A}" presName="spaceRect" presStyleCnt="0"/>
       <dgm:spPr/>
     </dgm:pt>
-    <dgm:pt modelId="{AD63EEEC-75F0-4E3B-956A-E484B8B9B947}" type="pres">
-      <dgm:prSet presAssocID="{4055D2C3-E26C-48C8-909E-824517E5419B}" presName="textRect" presStyleLbl="revTx" presStyleIdx="0" presStyleCnt="3">
+    <dgm:pt modelId="{2D831D01-2B99-4B0E-AE72-604B918B3084}" type="pres">
+      <dgm:prSet presAssocID="{8A9E9A87-F984-4D55-9DD2-E3F8A5E8651A}" presName="textRect" presStyleLbl="revTx" presStyleIdx="0" presStyleCnt="3">
         <dgm:presLayoutVars>
           <dgm:chMax val="1"/>
           <dgm:chPref val="1"/>
@@ -1887,17 +2026,20 @@
       </dgm:prSet>
       <dgm:spPr/>
     </dgm:pt>
-    <dgm:pt modelId="{2EE12D98-B8DC-45C5-815A-FBC49123773B}" type="pres">
-      <dgm:prSet presAssocID="{D4462628-68E8-4F51-B3F0-256397EADBA4}" presName="sibTrans" presStyleCnt="0"/>
+    <dgm:pt modelId="{EC7DAF78-5FAD-4FE0-B17E-0FEC07F68067}" type="pres">
+      <dgm:prSet presAssocID="{7F3BDDF0-DACB-41A1-BFDF-2A03FA8E915D}" presName="sibTrans" presStyleCnt="0"/>
       <dgm:spPr/>
     </dgm:pt>
-    <dgm:pt modelId="{3F05A706-B774-4C8D-BA1D-D447DF39B723}" type="pres">
-      <dgm:prSet presAssocID="{2C776F50-BC90-4D16-B422-EAD985AC1004}" presName="compNode" presStyleCnt="0"/>
+    <dgm:pt modelId="{06F27A1A-BEDE-4B35-9D1B-3923F79083E7}" type="pres">
+      <dgm:prSet presAssocID="{8E8BDDB5-8144-4D6F-99B2-164073B07815}" presName="compNode" presStyleCnt="0"/>
       <dgm:spPr/>
     </dgm:pt>
-    <dgm:pt modelId="{41EB48D5-9C18-484C-8B9A-9438F8676B04}" type="pres">
-      <dgm:prSet presAssocID="{2C776F50-BC90-4D16-B422-EAD985AC1004}" presName="iconRect" presStyleLbl="node1" presStyleIdx="1" presStyleCnt="3"/>
+    <dgm:pt modelId="{604BC986-800D-4D46-8BB8-EE0D7E0458AB}" type="pres">
+      <dgm:prSet presAssocID="{8E8BDDB5-8144-4D6F-99B2-164073B07815}" presName="iconRect" presStyleLbl="node1" presStyleIdx="1" presStyleCnt="3" custScaleX="118739" custScaleY="109771" custLinFactNeighborX="-8" custLinFactNeighborY="3414"/>
       <dgm:spPr>
+        <a:prstGeom prst="trapezoid">
+          <a:avLst/>
+        </a:prstGeom>
         <a:blipFill>
           <a:blip xmlns:r="http://schemas.openxmlformats.org/officeDocument/2006/relationships" r:embed="rId3">
             <a:extLst>
@@ -1913,22 +2055,19 @@
             <a:fillRect/>
           </a:stretch>
         </a:blipFill>
-        <a:ln>
-          <a:noFill/>
-        </a:ln>
       </dgm:spPr>
       <dgm:extLst>
         <a:ext uri="{E40237B7-FDA0-4F09-8148-C483321AD2D9}">
-          <dgm14:cNvPr xmlns:dgm14="http://schemas.microsoft.com/office/drawing/2010/diagram" id="0" name="" descr="Drawing Compass"/>
+          <dgm14:cNvPr xmlns:dgm14="http://schemas.microsoft.com/office/drawing/2010/diagram" id="0" name="" descr="Puzzle Pieces"/>
         </a:ext>
       </dgm:extLst>
     </dgm:pt>
-    <dgm:pt modelId="{331D1028-266D-4FEA-A4DE-D0566694E7E1}" type="pres">
-      <dgm:prSet presAssocID="{2C776F50-BC90-4D16-B422-EAD985AC1004}" presName="spaceRect" presStyleCnt="0"/>
+    <dgm:pt modelId="{3B374349-8F0D-49B8-BDF9-9EAC9EBA9FAB}" type="pres">
+      <dgm:prSet presAssocID="{8E8BDDB5-8144-4D6F-99B2-164073B07815}" presName="spaceRect" presStyleCnt="0"/>
       <dgm:spPr/>
     </dgm:pt>
-    <dgm:pt modelId="{09FDF43C-D70F-49B7-B979-2157673E5BF8}" type="pres">
-      <dgm:prSet presAssocID="{2C776F50-BC90-4D16-B422-EAD985AC1004}" presName="textRect" presStyleLbl="revTx" presStyleIdx="1" presStyleCnt="3">
+    <dgm:pt modelId="{CDD208AC-6ED6-4C7D-A09C-AB2861FE982E}" type="pres">
+      <dgm:prSet presAssocID="{8E8BDDB5-8144-4D6F-99B2-164073B07815}" presName="textRect" presStyleLbl="revTx" presStyleIdx="1" presStyleCnt="3" custScaleX="155122" custScaleY="90213">
         <dgm:presLayoutVars>
           <dgm:chMax val="1"/>
           <dgm:chPref val="1"/>
@@ -1936,16 +2075,16 @@
       </dgm:prSet>
       <dgm:spPr/>
     </dgm:pt>
-    <dgm:pt modelId="{BD00CEBA-1D28-40A3-A7BE-E8453277B585}" type="pres">
-      <dgm:prSet presAssocID="{EF585F06-4B58-468F-AFE6-F2019FFBDD05}" presName="sibTrans" presStyleCnt="0"/>
+    <dgm:pt modelId="{1E7E1B5F-DB2B-49D2-9D02-B8745BC60F31}" type="pres">
+      <dgm:prSet presAssocID="{CD8E4148-2443-4807-AE0C-FAC9611AEF03}" presName="sibTrans" presStyleCnt="0"/>
       <dgm:spPr/>
     </dgm:pt>
-    <dgm:pt modelId="{34F9855D-6671-4E80-BEE3-2E3BE0041AB3}" type="pres">
-      <dgm:prSet presAssocID="{AB0B76B8-7ED5-4D70-9D39-1DC72B3616EB}" presName="compNode" presStyleCnt="0"/>
+    <dgm:pt modelId="{5C83321E-9518-4BAA-84D7-060A63D0A0BD}" type="pres">
+      <dgm:prSet presAssocID="{B0660B93-22B6-49A4-AD54-A2D1189F97FA}" presName="compNode" presStyleCnt="0"/>
       <dgm:spPr/>
     </dgm:pt>
-    <dgm:pt modelId="{0C365192-D719-4D22-AAE1-22DBCC232A1A}" type="pres">
-      <dgm:prSet presAssocID="{AB0B76B8-7ED5-4D70-9D39-1DC72B3616EB}" presName="iconRect" presStyleLbl="node1" presStyleIdx="2" presStyleCnt="3"/>
+    <dgm:pt modelId="{6601BD12-704F-4AFB-95D9-A21F46D79D6E}" type="pres">
+      <dgm:prSet presAssocID="{B0660B93-22B6-49A4-AD54-A2D1189F97FA}" presName="iconRect" presStyleLbl="node1" presStyleIdx="2" presStyleCnt="3"/>
       <dgm:spPr>
         <a:blipFill>
           <a:blip xmlns:r="http://schemas.openxmlformats.org/officeDocument/2006/relationships" r:embed="rId5">
@@ -1962,22 +2101,19 @@
             <a:fillRect/>
           </a:stretch>
         </a:blipFill>
-        <a:ln>
-          <a:noFill/>
-        </a:ln>
       </dgm:spPr>
       <dgm:extLst>
         <a:ext uri="{E40237B7-FDA0-4F09-8148-C483321AD2D9}">
-          <dgm14:cNvPr xmlns:dgm14="http://schemas.microsoft.com/office/drawing/2010/diagram" id="0" name="" descr="Head with Gears"/>
+          <dgm14:cNvPr xmlns:dgm14="http://schemas.microsoft.com/office/drawing/2010/diagram" id="0" name="" descr="Labirinto"/>
         </a:ext>
       </dgm:extLst>
     </dgm:pt>
-    <dgm:pt modelId="{0FD6157F-5838-43BD-A30F-E83B90EF2488}" type="pres">
-      <dgm:prSet presAssocID="{AB0B76B8-7ED5-4D70-9D39-1DC72B3616EB}" presName="spaceRect" presStyleCnt="0"/>
+    <dgm:pt modelId="{0BF577C7-AA03-49EB-A489-EDC8772758B5}" type="pres">
+      <dgm:prSet presAssocID="{B0660B93-22B6-49A4-AD54-A2D1189F97FA}" presName="spaceRect" presStyleCnt="0"/>
       <dgm:spPr/>
     </dgm:pt>
-    <dgm:pt modelId="{5DDFC1B9-9F53-4274-ACA8-138960DEA609}" type="pres">
-      <dgm:prSet presAssocID="{AB0B76B8-7ED5-4D70-9D39-1DC72B3616EB}" presName="textRect" presStyleLbl="revTx" presStyleIdx="2" presStyleCnt="3">
+    <dgm:pt modelId="{64827935-B67A-4BB5-9A13-D5D9C87A680F}" type="pres">
+      <dgm:prSet presAssocID="{B0660B93-22B6-49A4-AD54-A2D1189F97FA}" presName="textRect" presStyleLbl="revTx" presStyleIdx="2" presStyleCnt="3">
         <dgm:presLayoutVars>
           <dgm:chMax val="1"/>
           <dgm:chPref val="1"/>
@@ -1987,33 +2123,33 @@
     </dgm:pt>
   </dgm:ptLst>
   <dgm:cxnLst>
-    <dgm:cxn modelId="{0979FC01-E05C-48EF-85F8-1E83F6023E8B}" srcId="{675C2EC4-6267-46F7-9A7B-D494800FC517}" destId="{2C776F50-BC90-4D16-B422-EAD985AC1004}" srcOrd="1" destOrd="0" parTransId="{289E04B4-B0A7-4DFA-A65D-556BC77F307D}" sibTransId="{EF585F06-4B58-468F-AFE6-F2019FFBDD05}"/>
-    <dgm:cxn modelId="{3A59FB07-6168-4D88-8C24-494B08D9DDD0}" srcId="{675C2EC4-6267-46F7-9A7B-D494800FC517}" destId="{AB0B76B8-7ED5-4D70-9D39-1DC72B3616EB}" srcOrd="2" destOrd="0" parTransId="{4419F40D-0670-41A6-9DA9-4DEA6EDB34CE}" sibTransId="{0FEE0AA9-ABC3-4AA9-A2D9-6046644FA4B6}"/>
-    <dgm:cxn modelId="{F5D5FC1F-80D8-4B92-A331-69B159798930}" type="presOf" srcId="{2C776F50-BC90-4D16-B422-EAD985AC1004}" destId="{09FDF43C-D70F-49B7-B979-2157673E5BF8}" srcOrd="0" destOrd="0" presId="urn:microsoft.com/office/officeart/2018/2/layout/IconLabelList"/>
-    <dgm:cxn modelId="{C24BAC9E-511B-438B-B20C-D7C8AF2E8A9B}" type="presOf" srcId="{AB0B76B8-7ED5-4D70-9D39-1DC72B3616EB}" destId="{5DDFC1B9-9F53-4274-ACA8-138960DEA609}" srcOrd="0" destOrd="0" presId="urn:microsoft.com/office/officeart/2018/2/layout/IconLabelList"/>
-    <dgm:cxn modelId="{D48C69B0-6B4F-42BF-B785-79C7AC95185C}" srcId="{675C2EC4-6267-46F7-9A7B-D494800FC517}" destId="{4055D2C3-E26C-48C8-909E-824517E5419B}" srcOrd="0" destOrd="0" parTransId="{4BD2426A-EDEF-477D-B9B4-69DF71FDB255}" sibTransId="{D4462628-68E8-4F51-B3F0-256397EADBA4}"/>
-    <dgm:cxn modelId="{6A9845BD-DC5D-49FC-9042-90532BE8736A}" type="presOf" srcId="{675C2EC4-6267-46F7-9A7B-D494800FC517}" destId="{31BF4EFE-BC3F-4DBE-BDA1-887E93734E2B}" srcOrd="0" destOrd="0" presId="urn:microsoft.com/office/officeart/2018/2/layout/IconLabelList"/>
-    <dgm:cxn modelId="{56210DC1-4D9D-4867-A69D-5F67869F29A8}" type="presOf" srcId="{4055D2C3-E26C-48C8-909E-824517E5419B}" destId="{AD63EEEC-75F0-4E3B-956A-E484B8B9B947}" srcOrd="0" destOrd="0" presId="urn:microsoft.com/office/officeart/2018/2/layout/IconLabelList"/>
-    <dgm:cxn modelId="{C2F327AA-9272-4FFD-BB34-B5C365B1376B}" type="presParOf" srcId="{31BF4EFE-BC3F-4DBE-BDA1-887E93734E2B}" destId="{CCC305A8-3560-4B64-ABE1-4F0C6CA6B285}" srcOrd="0" destOrd="0" presId="urn:microsoft.com/office/officeart/2018/2/layout/IconLabelList"/>
-    <dgm:cxn modelId="{7E2CB60E-EE31-48A5-8141-8CC9D233F7EE}" type="presParOf" srcId="{CCC305A8-3560-4B64-ABE1-4F0C6CA6B285}" destId="{6894D2A4-B7BB-4E7F-9ECF-63A7919B495D}" srcOrd="0" destOrd="0" presId="urn:microsoft.com/office/officeart/2018/2/layout/IconLabelList"/>
-    <dgm:cxn modelId="{4188BEB4-3D06-438A-8C70-3308FFED49D4}" type="presParOf" srcId="{CCC305A8-3560-4B64-ABE1-4F0C6CA6B285}" destId="{E45ECE81-4666-4EC5-9855-B0D1A920D3BA}" srcOrd="1" destOrd="0" presId="urn:microsoft.com/office/officeart/2018/2/layout/IconLabelList"/>
-    <dgm:cxn modelId="{C0CEE6B9-5CFE-4A2A-BBBE-491780B238A7}" type="presParOf" srcId="{CCC305A8-3560-4B64-ABE1-4F0C6CA6B285}" destId="{AD63EEEC-75F0-4E3B-956A-E484B8B9B947}" srcOrd="2" destOrd="0" presId="urn:microsoft.com/office/officeart/2018/2/layout/IconLabelList"/>
-    <dgm:cxn modelId="{600490B7-9E93-41AC-B646-495076A9CE83}" type="presParOf" srcId="{31BF4EFE-BC3F-4DBE-BDA1-887E93734E2B}" destId="{2EE12D98-B8DC-45C5-815A-FBC49123773B}" srcOrd="1" destOrd="0" presId="urn:microsoft.com/office/officeart/2018/2/layout/IconLabelList"/>
-    <dgm:cxn modelId="{65D69C69-94FB-4AC2-938D-12BA5D9101DD}" type="presParOf" srcId="{31BF4EFE-BC3F-4DBE-BDA1-887E93734E2B}" destId="{3F05A706-B774-4C8D-BA1D-D447DF39B723}" srcOrd="2" destOrd="0" presId="urn:microsoft.com/office/officeart/2018/2/layout/IconLabelList"/>
-    <dgm:cxn modelId="{7BE6590C-AC3B-41DC-BFB8-EB2A79795D68}" type="presParOf" srcId="{3F05A706-B774-4C8D-BA1D-D447DF39B723}" destId="{41EB48D5-9C18-484C-8B9A-9438F8676B04}" srcOrd="0" destOrd="0" presId="urn:microsoft.com/office/officeart/2018/2/layout/IconLabelList"/>
-    <dgm:cxn modelId="{3932318A-EBC7-4A58-B576-388C56ABD2DA}" type="presParOf" srcId="{3F05A706-B774-4C8D-BA1D-D447DF39B723}" destId="{331D1028-266D-4FEA-A4DE-D0566694E7E1}" srcOrd="1" destOrd="0" presId="urn:microsoft.com/office/officeart/2018/2/layout/IconLabelList"/>
-    <dgm:cxn modelId="{88F6109D-533D-48C7-B478-07569C45670C}" type="presParOf" srcId="{3F05A706-B774-4C8D-BA1D-D447DF39B723}" destId="{09FDF43C-D70F-49B7-B979-2157673E5BF8}" srcOrd="2" destOrd="0" presId="urn:microsoft.com/office/officeart/2018/2/layout/IconLabelList"/>
-    <dgm:cxn modelId="{2A03A196-596E-4830-BDE4-CBA6BC8C4B23}" type="presParOf" srcId="{31BF4EFE-BC3F-4DBE-BDA1-887E93734E2B}" destId="{BD00CEBA-1D28-40A3-A7BE-E8453277B585}" srcOrd="3" destOrd="0" presId="urn:microsoft.com/office/officeart/2018/2/layout/IconLabelList"/>
-    <dgm:cxn modelId="{AEEEA3B9-9277-4B2E-8995-DCBB7B6011A0}" type="presParOf" srcId="{31BF4EFE-BC3F-4DBE-BDA1-887E93734E2B}" destId="{34F9855D-6671-4E80-BEE3-2E3BE0041AB3}" srcOrd="4" destOrd="0" presId="urn:microsoft.com/office/officeart/2018/2/layout/IconLabelList"/>
-    <dgm:cxn modelId="{B03E2915-75D0-4D19-BF72-B1E6EB6D2C5A}" type="presParOf" srcId="{34F9855D-6671-4E80-BEE3-2E3BE0041AB3}" destId="{0C365192-D719-4D22-AAE1-22DBCC232A1A}" srcOrd="0" destOrd="0" presId="urn:microsoft.com/office/officeart/2018/2/layout/IconLabelList"/>
-    <dgm:cxn modelId="{257DBDEA-55EF-44E4-A674-4F3B3BB5E8DC}" type="presParOf" srcId="{34F9855D-6671-4E80-BEE3-2E3BE0041AB3}" destId="{0FD6157F-5838-43BD-A30F-E83B90EF2488}" srcOrd="1" destOrd="0" presId="urn:microsoft.com/office/officeart/2018/2/layout/IconLabelList"/>
-    <dgm:cxn modelId="{58A8E0DD-A1E5-4882-8AD2-E246EC120D2D}" type="presParOf" srcId="{34F9855D-6671-4E80-BEE3-2E3BE0041AB3}" destId="{5DDFC1B9-9F53-4274-ACA8-138960DEA609}" srcOrd="2" destOrd="0" presId="urn:microsoft.com/office/officeart/2018/2/layout/IconLabelList"/>
+    <dgm:cxn modelId="{CC2FB267-0EE4-42D9-BA22-EDCAA956DF45}" type="presOf" srcId="{B0660B93-22B6-49A4-AD54-A2D1189F97FA}" destId="{64827935-B67A-4BB5-9A13-D5D9C87A680F}" srcOrd="0" destOrd="0" presId="urn:microsoft.com/office/officeart/2018/2/layout/IconLabelList"/>
+    <dgm:cxn modelId="{1A4C8675-9E76-4DDC-95E6-756443A3E9E4}" type="presOf" srcId="{8A9E9A87-F984-4D55-9DD2-E3F8A5E8651A}" destId="{2D831D01-2B99-4B0E-AE72-604B918B3084}" srcOrd="0" destOrd="0" presId="urn:microsoft.com/office/officeart/2018/2/layout/IconLabelList"/>
+    <dgm:cxn modelId="{6A2516A1-7388-449D-BAEF-A77BCC89E368}" type="presOf" srcId="{2E4F617D-814B-45C8-8EFC-82082F70A6AF}" destId="{9C17E02F-1A62-4735-822F-0A2DB6A3DC30}" srcOrd="0" destOrd="0" presId="urn:microsoft.com/office/officeart/2018/2/layout/IconLabelList"/>
+    <dgm:cxn modelId="{0A8948B7-0485-4BA2-AAC3-9E3CC2394C13}" srcId="{2E4F617D-814B-45C8-8EFC-82082F70A6AF}" destId="{B0660B93-22B6-49A4-AD54-A2D1189F97FA}" srcOrd="2" destOrd="0" parTransId="{5720057F-09BC-4E58-B742-5BC7534621DF}" sibTransId="{1F06D19E-CE75-4EBD-81A0-C243F807B47F}"/>
+    <dgm:cxn modelId="{9EDED3EA-91E8-4CD7-BEF1-D37DD15AE110}" type="presOf" srcId="{8E8BDDB5-8144-4D6F-99B2-164073B07815}" destId="{CDD208AC-6ED6-4C7D-A09C-AB2861FE982E}" srcOrd="0" destOrd="0" presId="urn:microsoft.com/office/officeart/2018/2/layout/IconLabelList"/>
+    <dgm:cxn modelId="{42EE33ED-D6CC-4B55-8113-C359B835569D}" srcId="{2E4F617D-814B-45C8-8EFC-82082F70A6AF}" destId="{8A9E9A87-F984-4D55-9DD2-E3F8A5E8651A}" srcOrd="0" destOrd="0" parTransId="{5067D686-1AFC-4511-92B3-E99122BCC76D}" sibTransId="{7F3BDDF0-DACB-41A1-BFDF-2A03FA8E915D}"/>
+    <dgm:cxn modelId="{195FB2F3-792B-4A2C-B1A1-AFB18C95D8A2}" srcId="{2E4F617D-814B-45C8-8EFC-82082F70A6AF}" destId="{8E8BDDB5-8144-4D6F-99B2-164073B07815}" srcOrd="1" destOrd="0" parTransId="{2E1D1ED3-9A1F-4903-900F-7A74983A84C5}" sibTransId="{CD8E4148-2443-4807-AE0C-FAC9611AEF03}"/>
+    <dgm:cxn modelId="{2244E644-2FAD-4F2E-8144-2C40A9FD2384}" type="presParOf" srcId="{9C17E02F-1A62-4735-822F-0A2DB6A3DC30}" destId="{D57472C5-DAEF-4C8E-AB8C-7869B331FB6A}" srcOrd="0" destOrd="0" presId="urn:microsoft.com/office/officeart/2018/2/layout/IconLabelList"/>
+    <dgm:cxn modelId="{A58E419A-4DF3-49BC-9938-4BCBF3BA9A2B}" type="presParOf" srcId="{D57472C5-DAEF-4C8E-AB8C-7869B331FB6A}" destId="{EFB5C9CB-66DF-46FE-8C66-0F0BC76FA53A}" srcOrd="0" destOrd="0" presId="urn:microsoft.com/office/officeart/2018/2/layout/IconLabelList"/>
+    <dgm:cxn modelId="{A41C56D4-8D1A-421E-A86E-3CC5355FA8B4}" type="presParOf" srcId="{D57472C5-DAEF-4C8E-AB8C-7869B331FB6A}" destId="{E84AE11D-F156-48DF-8328-60D4E416E48C}" srcOrd="1" destOrd="0" presId="urn:microsoft.com/office/officeart/2018/2/layout/IconLabelList"/>
+    <dgm:cxn modelId="{6C7F8BBE-838C-4007-AF38-2F3D359BB9D0}" type="presParOf" srcId="{D57472C5-DAEF-4C8E-AB8C-7869B331FB6A}" destId="{2D831D01-2B99-4B0E-AE72-604B918B3084}" srcOrd="2" destOrd="0" presId="urn:microsoft.com/office/officeart/2018/2/layout/IconLabelList"/>
+    <dgm:cxn modelId="{06875AD3-5833-41CA-B0B1-20A9A3F23DB5}" type="presParOf" srcId="{9C17E02F-1A62-4735-822F-0A2DB6A3DC30}" destId="{EC7DAF78-5FAD-4FE0-B17E-0FEC07F68067}" srcOrd="1" destOrd="0" presId="urn:microsoft.com/office/officeart/2018/2/layout/IconLabelList"/>
+    <dgm:cxn modelId="{BC09EA71-A2AC-412D-8D36-A44236CD1C55}" type="presParOf" srcId="{9C17E02F-1A62-4735-822F-0A2DB6A3DC30}" destId="{06F27A1A-BEDE-4B35-9D1B-3923F79083E7}" srcOrd="2" destOrd="0" presId="urn:microsoft.com/office/officeart/2018/2/layout/IconLabelList"/>
+    <dgm:cxn modelId="{769DD519-0452-48DE-BD25-99D3AE4D05AD}" type="presParOf" srcId="{06F27A1A-BEDE-4B35-9D1B-3923F79083E7}" destId="{604BC986-800D-4D46-8BB8-EE0D7E0458AB}" srcOrd="0" destOrd="0" presId="urn:microsoft.com/office/officeart/2018/2/layout/IconLabelList"/>
+    <dgm:cxn modelId="{08F88348-D05C-4220-A13D-F57A658E0F12}" type="presParOf" srcId="{06F27A1A-BEDE-4B35-9D1B-3923F79083E7}" destId="{3B374349-8F0D-49B8-BDF9-9EAC9EBA9FAB}" srcOrd="1" destOrd="0" presId="urn:microsoft.com/office/officeart/2018/2/layout/IconLabelList"/>
+    <dgm:cxn modelId="{03B04776-64CC-4877-8900-40991D7AA380}" type="presParOf" srcId="{06F27A1A-BEDE-4B35-9D1B-3923F79083E7}" destId="{CDD208AC-6ED6-4C7D-A09C-AB2861FE982E}" srcOrd="2" destOrd="0" presId="urn:microsoft.com/office/officeart/2018/2/layout/IconLabelList"/>
+    <dgm:cxn modelId="{FB8D557C-FF39-4B02-BE2E-4E57E7C02B83}" type="presParOf" srcId="{9C17E02F-1A62-4735-822F-0A2DB6A3DC30}" destId="{1E7E1B5F-DB2B-49D2-9D02-B8745BC60F31}" srcOrd="3" destOrd="0" presId="urn:microsoft.com/office/officeart/2018/2/layout/IconLabelList"/>
+    <dgm:cxn modelId="{C88C4ACE-5D67-4465-8168-5024F44CA540}" type="presParOf" srcId="{9C17E02F-1A62-4735-822F-0A2DB6A3DC30}" destId="{5C83321E-9518-4BAA-84D7-060A63D0A0BD}" srcOrd="4" destOrd="0" presId="urn:microsoft.com/office/officeart/2018/2/layout/IconLabelList"/>
+    <dgm:cxn modelId="{91FF9988-EB82-4D50-82F9-9AF59265F591}" type="presParOf" srcId="{5C83321E-9518-4BAA-84D7-060A63D0A0BD}" destId="{6601BD12-704F-4AFB-95D9-A21F46D79D6E}" srcOrd="0" destOrd="0" presId="urn:microsoft.com/office/officeart/2018/2/layout/IconLabelList"/>
+    <dgm:cxn modelId="{5DC75B10-24E5-405D-BA14-36F3456615D6}" type="presParOf" srcId="{5C83321E-9518-4BAA-84D7-060A63D0A0BD}" destId="{0BF577C7-AA03-49EB-A489-EDC8772758B5}" srcOrd="1" destOrd="0" presId="urn:microsoft.com/office/officeart/2018/2/layout/IconLabelList"/>
+    <dgm:cxn modelId="{9A2A9BE3-B672-40D9-8B86-113A984479AC}" type="presParOf" srcId="{5C83321E-9518-4BAA-84D7-060A63D0A0BD}" destId="{64827935-B67A-4BB5-9A13-D5D9C87A680F}" srcOrd="2" destOrd="0" presId="urn:microsoft.com/office/officeart/2018/2/layout/IconLabelList"/>
   </dgm:cxnLst>
   <dgm:bg/>
   <dgm:whole/>
   <dgm:extLst>
     <a:ext uri="http://schemas.microsoft.com/office/drawing/2008/diagram">
-      <dsp:dataModelExt xmlns:dsp="http://schemas.microsoft.com/office/drawing/2008/diagram" relId="rId7" minVer="http://schemas.openxmlformats.org/drawingml/2006/diagram"/>
+      <dsp:dataModelExt xmlns:dsp="http://schemas.microsoft.com/office/drawing/2008/diagram" relId="rId6" minVer="http://schemas.openxmlformats.org/drawingml/2006/diagram"/>
     </a:ext>
   </dgm:extLst>
 </dgm:dataModel>
@@ -2337,15 +2473,15 @@
       <dsp:cNvGrpSpPr/>
     </dsp:nvGrpSpPr>
     <dsp:grpSpPr/>
-    <dsp:sp modelId="{6894D2A4-B7BB-4E7F-9ECF-63A7919B495D}">
+    <dsp:sp modelId="{EFB5C9CB-66DF-46FE-8C66-0F0BC76FA53A}">
       <dsp:nvSpPr>
         <dsp:cNvPr id="0" name=""/>
         <dsp:cNvSpPr/>
       </dsp:nvSpPr>
       <dsp:spPr>
         <a:xfrm>
-          <a:off x="809665" y="196941"/>
-          <a:ext cx="770449" cy="770449"/>
+          <a:off x="1069098" y="1020979"/>
+          <a:ext cx="1036636" cy="1036636"/>
         </a:xfrm>
         <a:prstGeom prst="rect">
           <a:avLst/>
@@ -2366,7 +2502,15 @@
           </a:stretch>
         </a:blipFill>
         <a:ln w="13970" cap="flat" cmpd="sng" algn="ctr">
-          <a:noFill/>
+          <a:solidFill>
+            <a:schemeClr val="lt1">
+              <a:alpha val="0"/>
+              <a:hueOff val="0"/>
+              <a:satOff val="0"/>
+              <a:lumOff val="0"/>
+              <a:alphaOff val="0"/>
+            </a:schemeClr>
+          </a:solidFill>
           <a:prstDash val="solid"/>
         </a:ln>
         <a:effectLst/>
@@ -2386,15 +2530,15 @@
         </a:fontRef>
       </dsp:style>
     </dsp:sp>
-    <dsp:sp modelId="{AD63EEEC-75F0-4E3B-956A-E484B8B9B947}">
+    <dsp:sp modelId="{2D831D01-2B99-4B0E-AE72-604B918B3084}">
       <dsp:nvSpPr>
         <dsp:cNvPr id="0" name=""/>
         <dsp:cNvSpPr/>
       </dsp:nvSpPr>
       <dsp:spPr>
         <a:xfrm>
-          <a:off x="338835" y="1224423"/>
-          <a:ext cx="1712109" cy="684843"/>
+          <a:off x="435598" y="2381802"/>
+          <a:ext cx="2303636" cy="798695"/>
         </a:xfrm>
         <a:prstGeom prst="rect">
           <a:avLst/>
@@ -2423,7 +2567,7 @@
         </a:bodyPr>
         <a:lstStyle/>
         <a:p>
-          <a:pPr marL="0" lvl="0" indent="0" algn="ctr" defTabSz="533400">
+          <a:pPr marL="0" lvl="0" indent="0" algn="ctr" defTabSz="488950">
             <a:lnSpc>
               <a:spcPct val="100000"/>
             </a:lnSpc>
@@ -2436,28 +2580,28 @@
             <a:buNone/>
           </a:pPr>
           <a:r>
-            <a:rPr lang="it-IT" sz="1200" kern="1200" baseline="0"/>
-            <a:t>A fairly simple problem.</a:t>
+            <a:rPr lang="it-IT" sz="1100" kern="1200"/>
+            <a:t>The Inductive learning tool used in ASP is Ilasp.</a:t>
           </a:r>
-          <a:endParaRPr lang="en-US" sz="1200" kern="1200"/>
+          <a:endParaRPr lang="en-US" sz="1100" kern="1200"/>
         </a:p>
       </dsp:txBody>
       <dsp:txXfrm>
-        <a:off x="338835" y="1224423"/>
-        <a:ext cx="1712109" cy="684843"/>
+        <a:off x="435598" y="2381802"/>
+        <a:ext cx="2303636" cy="798695"/>
       </dsp:txXfrm>
     </dsp:sp>
-    <dsp:sp modelId="{41EB48D5-9C18-484C-8B9A-9438F8676B04}">
+    <dsp:sp modelId="{604BC986-800D-4D46-8BB8-EE0D7E0458AB}">
       <dsp:nvSpPr>
         <dsp:cNvPr id="0" name=""/>
         <dsp:cNvSpPr/>
       </dsp:nvSpPr>
       <dsp:spPr>
         <a:xfrm>
-          <a:off x="2821394" y="196941"/>
-          <a:ext cx="770449" cy="770449"/>
+          <a:off x="4313566" y="1050590"/>
+          <a:ext cx="1230891" cy="1137926"/>
         </a:xfrm>
-        <a:prstGeom prst="rect">
+        <a:prstGeom prst="trapezoid">
           <a:avLst/>
         </a:prstGeom>
         <a:blipFill>
@@ -2476,7 +2620,15 @@
           </a:stretch>
         </a:blipFill>
         <a:ln w="13970" cap="flat" cmpd="sng" algn="ctr">
-          <a:noFill/>
+          <a:solidFill>
+            <a:schemeClr val="lt1">
+              <a:alpha val="0"/>
+              <a:hueOff val="0"/>
+              <a:satOff val="0"/>
+              <a:lumOff val="0"/>
+              <a:alphaOff val="0"/>
+            </a:schemeClr>
+          </a:solidFill>
           <a:prstDash val="solid"/>
         </a:ln>
         <a:effectLst/>
@@ -2496,15 +2648,15 @@
         </a:fontRef>
       </dsp:style>
     </dsp:sp>
-    <dsp:sp modelId="{09FDF43C-D70F-49B7-B979-2157673E5BF8}">
+    <dsp:sp modelId="{CDD208AC-6ED6-4C7D-A09C-AB2861FE982E}">
       <dsp:nvSpPr>
         <dsp:cNvPr id="0" name=""/>
         <dsp:cNvSpPr/>
       </dsp:nvSpPr>
       <dsp:spPr>
         <a:xfrm>
-          <a:off x="2350564" y="1224423"/>
-          <a:ext cx="1712109" cy="684843"/>
+          <a:off x="3142371" y="2465751"/>
+          <a:ext cx="3573447" cy="720527"/>
         </a:xfrm>
         <a:prstGeom prst="rect">
           <a:avLst/>
@@ -2533,7 +2685,7 @@
         </a:bodyPr>
         <a:lstStyle/>
         <a:p>
-          <a:pPr marL="0" lvl="0" indent="0" algn="ctr" defTabSz="533400">
+          <a:pPr marL="0" lvl="0" indent="0" algn="ctr" defTabSz="488950">
             <a:lnSpc>
               <a:spcPct val="100000"/>
             </a:lnSpc>
@@ -2546,26 +2698,33 @@
             <a:buNone/>
           </a:pPr>
           <a:r>
-            <a:rPr lang="it-IT" sz="1200" kern="1200" baseline="0"/>
-            <a:t>Find a path from point A to point B in a labyrinth-shaped map.</a:t>
+            <a:rPr lang="en-US" sz="1100" kern="1200" dirty="0"/>
+            <a:t>It enables learning programs containing normal rules, choice rules and hard constraints, specifying (as always) background knowledge, search space and positive </a:t>
           </a:r>
-          <a:endParaRPr lang="en-US" sz="1200" kern="1200"/>
+          <a:r>
+            <a:rPr lang="en-US" sz="1100" kern="1200"/>
+            <a:t>+ negative examples</a:t>
+          </a:r>
+          <a:r>
+            <a:rPr lang="en-US" sz="1100" kern="1200" dirty="0"/>
+            <a:t>.</a:t>
+          </a:r>
         </a:p>
       </dsp:txBody>
       <dsp:txXfrm>
-        <a:off x="2350564" y="1224423"/>
-        <a:ext cx="1712109" cy="684843"/>
+        <a:off x="3142371" y="2465751"/>
+        <a:ext cx="3573447" cy="720527"/>
       </dsp:txXfrm>
     </dsp:sp>
-    <dsp:sp modelId="{0C365192-D719-4D22-AAE1-22DBCC232A1A}">
+    <dsp:sp modelId="{6601BD12-704F-4AFB-95D9-A21F46D79D6E}">
       <dsp:nvSpPr>
         <dsp:cNvPr id="0" name=""/>
         <dsp:cNvSpPr/>
       </dsp:nvSpPr>
       <dsp:spPr>
         <a:xfrm>
-          <a:off x="1815529" y="2337294"/>
-          <a:ext cx="770449" cy="770449"/>
+          <a:off x="7752455" y="1020979"/>
+          <a:ext cx="1036636" cy="1036636"/>
         </a:xfrm>
         <a:prstGeom prst="rect">
           <a:avLst/>
@@ -2586,7 +2745,15 @@
           </a:stretch>
         </a:blipFill>
         <a:ln w="13970" cap="flat" cmpd="sng" algn="ctr">
-          <a:noFill/>
+          <a:solidFill>
+            <a:schemeClr val="lt1">
+              <a:alpha val="0"/>
+              <a:hueOff val="0"/>
+              <a:satOff val="0"/>
+              <a:lumOff val="0"/>
+              <a:alphaOff val="0"/>
+            </a:schemeClr>
+          </a:solidFill>
           <a:prstDash val="solid"/>
         </a:ln>
         <a:effectLst/>
@@ -2606,15 +2773,15 @@
         </a:fontRef>
       </dsp:style>
     </dsp:sp>
-    <dsp:sp modelId="{5DDFC1B9-9F53-4274-ACA8-138960DEA609}">
+    <dsp:sp modelId="{64827935-B67A-4BB5-9A13-D5D9C87A680F}">
       <dsp:nvSpPr>
         <dsp:cNvPr id="0" name=""/>
         <dsp:cNvSpPr/>
       </dsp:nvSpPr>
       <dsp:spPr>
         <a:xfrm>
-          <a:off x="1344699" y="3364777"/>
-          <a:ext cx="1712109" cy="684843"/>
+          <a:off x="7118955" y="2381802"/>
+          <a:ext cx="2303636" cy="798695"/>
         </a:xfrm>
         <a:prstGeom prst="rect">
           <a:avLst/>
@@ -2643,7 +2810,7 @@
         </a:bodyPr>
         <a:lstStyle/>
         <a:p>
-          <a:pPr marL="0" lvl="0" indent="0" algn="ctr" defTabSz="533400">
+          <a:pPr marL="0" lvl="0" indent="0" algn="ctr" defTabSz="488950">
             <a:lnSpc>
               <a:spcPct val="100000"/>
             </a:lnSpc>
@@ -2656,14 +2823,15 @@
             <a:buNone/>
           </a:pPr>
           <a:r>
-            <a:rPr lang="en-US" sz="1200" kern="1200" dirty="0"/>
-            <a:t>Can be solved with a huge variety of classical algorithms</a:t>
+            <a:rPr lang="it-IT" sz="1100" kern="1200"/>
+            <a:t>Here it has been used for the maze problem, specifically to learn some normal rules that compose the ASP model wich solves the problem of path finding.</a:t>
           </a:r>
+          <a:endParaRPr lang="en-US" sz="1100" kern="1200"/>
         </a:p>
       </dsp:txBody>
       <dsp:txXfrm>
-        <a:off x="1344699" y="3364777"/>
-        <a:ext cx="1712109" cy="684843"/>
+        <a:off x="7118955" y="2381802"/>
+        <a:ext cx="2303636" cy="798695"/>
       </dsp:txXfrm>
     </dsp:sp>
   </dsp:spTree>
@@ -8915,1726 +9083,6 @@
       </p:grpSpPr>
       <p:sp>
         <p:nvSpPr>
-          <p:cNvPr id="10" name="Rectangle 9">
-            <a:extLst>
-              <a:ext uri="{FF2B5EF4-FFF2-40B4-BE49-F238E27FC236}">
-                <a16:creationId xmlns:a16="http://schemas.microsoft.com/office/drawing/2014/main" id="{5D5E0904-721C-4D68-9EB8-1C9752E329A7}"/>
-              </a:ext>
-              <a:ext uri="{C183D7F6-B498-43B3-948B-1728B52AA6E4}">
-                <adec:decorative xmlns:adec="http://schemas.microsoft.com/office/drawing/2017/decorative" val="1"/>
-              </a:ext>
-            </a:extLst>
-          </p:cNvPr>
-          <p:cNvSpPr>
-            <a:spLocks noGrp="1" noRot="1" noChangeAspect="1" noMove="1" noResize="1" noEditPoints="1" noAdjustHandles="1" noChangeArrowheads="1" noChangeShapeType="1" noTextEdit="1"/>
-          </p:cNvSpPr>
-          <p:nvPr>
-            <p:extLst>
-              <p:ext uri="{386F3935-93C4-4BCD-93E2-E3B085C9AB24}">
-                <p16:designElem xmlns:p16="http://schemas.microsoft.com/office/powerpoint/2015/main" val="1"/>
-              </p:ext>
-            </p:extLst>
-          </p:nvPr>
-        </p:nvSpPr>
-        <p:spPr>
-          <a:xfrm>
-            <a:off x="0" y="0"/>
-            <a:ext cx="457200" cy="6858000"/>
-          </a:xfrm>
-          <a:prstGeom prst="rect">
-            <a:avLst/>
-          </a:prstGeom>
-          <a:solidFill>
-            <a:schemeClr val="accent1"/>
-          </a:solidFill>
-          <a:ln>
-            <a:noFill/>
-          </a:ln>
-        </p:spPr>
-        <p:style>
-          <a:lnRef idx="2">
-            <a:schemeClr val="accent1">
-              <a:shade val="50000"/>
-            </a:schemeClr>
-          </a:lnRef>
-          <a:fillRef idx="1">
-            <a:schemeClr val="accent1"/>
-          </a:fillRef>
-          <a:effectRef idx="0">
-            <a:schemeClr val="accent1"/>
-          </a:effectRef>
-          <a:fontRef idx="minor">
-            <a:schemeClr val="lt1"/>
-          </a:fontRef>
-        </p:style>
-      </p:sp>
-      <p:sp useBgFill="1">
-        <p:nvSpPr>
-          <p:cNvPr id="12" name="Rectangle 11">
-            <a:extLst>
-              <a:ext uri="{FF2B5EF4-FFF2-40B4-BE49-F238E27FC236}">
-                <a16:creationId xmlns:a16="http://schemas.microsoft.com/office/drawing/2014/main" id="{D0CDF5D3-7220-42A0-9D37-ECF3BF283B37}"/>
-              </a:ext>
-              <a:ext uri="{C183D7F6-B498-43B3-948B-1728B52AA6E4}">
-                <adec:decorative xmlns:adec="http://schemas.microsoft.com/office/drawing/2017/decorative" val="1"/>
-              </a:ext>
-            </a:extLst>
-          </p:cNvPr>
-          <p:cNvSpPr>
-            <a:spLocks noGrp="1" noRot="1" noChangeAspect="1" noMove="1" noResize="1" noEditPoints="1" noAdjustHandles="1" noChangeArrowheads="1" noChangeShapeType="1" noTextEdit="1"/>
-          </p:cNvSpPr>
-          <p:nvPr>
-            <p:extLst>
-              <p:ext uri="{386F3935-93C4-4BCD-93E2-E3B085C9AB24}">
-                <p16:designElem xmlns:p16="http://schemas.microsoft.com/office/powerpoint/2015/main" val="1"/>
-              </p:ext>
-            </p:extLst>
-          </p:nvPr>
-        </p:nvSpPr>
-        <p:spPr>
-          <a:xfrm>
-            <a:off x="457200" y="0"/>
-            <a:ext cx="10835640" cy="5105400"/>
-          </a:xfrm>
-          <a:prstGeom prst="rect">
-            <a:avLst/>
-          </a:prstGeom>
-          <a:ln>
-            <a:noFill/>
-          </a:ln>
-        </p:spPr>
-        <p:style>
-          <a:lnRef idx="2">
-            <a:schemeClr val="accent1">
-              <a:shade val="50000"/>
-            </a:schemeClr>
-          </a:lnRef>
-          <a:fillRef idx="1">
-            <a:schemeClr val="accent1"/>
-          </a:fillRef>
-          <a:effectRef idx="0">
-            <a:schemeClr val="accent1"/>
-          </a:effectRef>
-          <a:fontRef idx="minor">
-            <a:schemeClr val="lt1"/>
-          </a:fontRef>
-        </p:style>
-      </p:sp>
-      <p:sp>
-        <p:nvSpPr>
-          <p:cNvPr id="14" name="Rectangle 13">
-            <a:extLst>
-              <a:ext uri="{FF2B5EF4-FFF2-40B4-BE49-F238E27FC236}">
-                <a16:creationId xmlns:a16="http://schemas.microsoft.com/office/drawing/2014/main" id="{64BC717F-58B3-4A4E-BC3B-1B11323AD5C9}"/>
-              </a:ext>
-              <a:ext uri="{C183D7F6-B498-43B3-948B-1728B52AA6E4}">
-                <adec:decorative xmlns:adec="http://schemas.microsoft.com/office/drawing/2017/decorative" val="1"/>
-              </a:ext>
-            </a:extLst>
-          </p:cNvPr>
-          <p:cNvSpPr>
-            <a:spLocks noGrp="1" noRot="1" noChangeAspect="1" noMove="1" noResize="1" noEditPoints="1" noAdjustHandles="1" noChangeArrowheads="1" noChangeShapeType="1" noTextEdit="1"/>
-          </p:cNvSpPr>
-          <p:nvPr>
-            <p:extLst>
-              <p:ext uri="{386F3935-93C4-4BCD-93E2-E3B085C9AB24}">
-                <p16:designElem xmlns:p16="http://schemas.microsoft.com/office/powerpoint/2015/main" val="1"/>
-              </p:ext>
-            </p:extLst>
-          </p:nvPr>
-        </p:nvSpPr>
-        <p:spPr>
-          <a:xfrm>
-            <a:off x="457200" y="5105400"/>
-            <a:ext cx="10835640" cy="1752600"/>
-          </a:xfrm>
-          <a:prstGeom prst="rect">
-            <a:avLst/>
-          </a:prstGeom>
-          <a:solidFill>
-            <a:srgbClr val="353537"/>
-          </a:solidFill>
-          <a:ln>
-            <a:noFill/>
-          </a:ln>
-        </p:spPr>
-        <p:style>
-          <a:lnRef idx="2">
-            <a:schemeClr val="accent1">
-              <a:shade val="50000"/>
-            </a:schemeClr>
-          </a:lnRef>
-          <a:fillRef idx="1">
-            <a:schemeClr val="accent1"/>
-          </a:fillRef>
-          <a:effectRef idx="0">
-            <a:schemeClr val="accent1"/>
-          </a:effectRef>
-          <a:fontRef idx="minor">
-            <a:schemeClr val="lt1"/>
-          </a:fontRef>
-        </p:style>
-      </p:sp>
-      <p:sp>
-        <p:nvSpPr>
-          <p:cNvPr id="2" name="Titolo 1">
-            <a:extLst>
-              <a:ext uri="{FF2B5EF4-FFF2-40B4-BE49-F238E27FC236}">
-                <a16:creationId xmlns:a16="http://schemas.microsoft.com/office/drawing/2014/main" id="{FD88AB67-D6CF-4A93-B39F-6EDEEE343FF8}"/>
-              </a:ext>
-            </a:extLst>
-          </p:cNvPr>
-          <p:cNvSpPr>
-            <a:spLocks noGrp="1"/>
-          </p:cNvSpPr>
-          <p:nvPr>
-            <p:ph type="title"/>
-          </p:nvPr>
-        </p:nvSpPr>
-        <p:spPr>
-          <a:xfrm>
-            <a:off x="944183" y="5181600"/>
-            <a:ext cx="10156435" cy="1076324"/>
-          </a:xfrm>
-        </p:spPr>
-        <p:txBody>
-          <a:bodyPr vert="horz" lIns="91440" tIns="45720" rIns="91440" bIns="45720" rtlCol="0" anchor="b">
-            <a:normAutofit/>
-          </a:bodyPr>
-          <a:lstStyle/>
-          <a:p>
-            <a:pPr>
-              <a:lnSpc>
-                <a:spcPct val="85000"/>
-              </a:lnSpc>
-            </a:pPr>
-            <a:r>
-              <a:rPr lang="en-US" sz="5400" dirty="0">
-                <a:solidFill>
-                  <a:srgbClr val="FFFFFF"/>
-                </a:solidFill>
-              </a:rPr>
-              <a:t>Output of ILASP task </a:t>
-            </a:r>
-          </a:p>
-        </p:txBody>
-      </p:sp>
-      <p:sp>
-        <p:nvSpPr>
-          <p:cNvPr id="16" name="Rectangle 15">
-            <a:extLst>
-              <a:ext uri="{FF2B5EF4-FFF2-40B4-BE49-F238E27FC236}">
-                <a16:creationId xmlns:a16="http://schemas.microsoft.com/office/drawing/2014/main" id="{1EE75710-64C5-4CA8-8A7C-82EE4125C90D}"/>
-              </a:ext>
-              <a:ext uri="{C183D7F6-B498-43B3-948B-1728B52AA6E4}">
-                <adec:decorative xmlns:adec="http://schemas.microsoft.com/office/drawing/2017/decorative" val="1"/>
-              </a:ext>
-            </a:extLst>
-          </p:cNvPr>
-          <p:cNvSpPr>
-            <a:spLocks noGrp="1" noRot="1" noChangeAspect="1" noMove="1" noResize="1" noEditPoints="1" noAdjustHandles="1" noChangeArrowheads="1" noChangeShapeType="1" noTextEdit="1"/>
-          </p:cNvSpPr>
-          <p:nvPr>
-            <p:extLst>
-              <p:ext uri="{386F3935-93C4-4BCD-93E2-E3B085C9AB24}">
-                <p16:designElem xmlns:p16="http://schemas.microsoft.com/office/powerpoint/2015/main" val="1"/>
-              </p:ext>
-            </p:extLst>
-          </p:nvPr>
-        </p:nvSpPr>
-        <p:spPr>
-          <a:xfrm>
-            <a:off x="0" y="0"/>
-            <a:ext cx="457200" cy="6858000"/>
-          </a:xfrm>
-          <a:prstGeom prst="rect">
-            <a:avLst/>
-          </a:prstGeom>
-          <a:solidFill>
-            <a:srgbClr val="6F6F74"/>
-          </a:solidFill>
-          <a:ln>
-            <a:noFill/>
-          </a:ln>
-        </p:spPr>
-        <p:style>
-          <a:lnRef idx="2">
-            <a:schemeClr val="accent1">
-              <a:shade val="50000"/>
-            </a:schemeClr>
-          </a:lnRef>
-          <a:fillRef idx="1">
-            <a:schemeClr val="accent1"/>
-          </a:fillRef>
-          <a:effectRef idx="0">
-            <a:schemeClr val="accent1"/>
-          </a:effectRef>
-          <a:fontRef idx="minor">
-            <a:schemeClr val="lt1"/>
-          </a:fontRef>
-        </p:style>
-        <p:txBody>
-          <a:bodyPr rtlCol="0" anchor="ctr"/>
-          <a:lstStyle/>
-          <a:p>
-            <a:pPr algn="ctr"/>
-            <a:endParaRPr lang="en-US"/>
-          </a:p>
-        </p:txBody>
-      </p:sp>
-      <p:pic>
-        <p:nvPicPr>
-          <p:cNvPr id="5" name="Segnaposto contenuto 4">
-            <a:extLst>
-              <a:ext uri="{FF2B5EF4-FFF2-40B4-BE49-F238E27FC236}">
-                <a16:creationId xmlns:a16="http://schemas.microsoft.com/office/drawing/2014/main" id="{7CDA1C07-119E-44E4-A38B-0E467FC87103}"/>
-              </a:ext>
-            </a:extLst>
-          </p:cNvPr>
-          <p:cNvPicPr>
-            <a:picLocks noGrp="1" noChangeAspect="1"/>
-          </p:cNvPicPr>
-          <p:nvPr>
-            <p:ph idx="1"/>
-          </p:nvPr>
-        </p:nvPicPr>
-        <p:blipFill>
-          <a:blip r:embed="rId2">
-            <a:extLst>
-              <a:ext uri="{28A0092B-C50C-407E-A947-70E740481C1C}">
-                <a14:useLocalDpi xmlns:a14="http://schemas.microsoft.com/office/drawing/2010/main" val="0"/>
-              </a:ext>
-            </a:extLst>
-          </a:blip>
-          <a:stretch>
-            <a:fillRect/>
-          </a:stretch>
-        </p:blipFill>
-        <p:spPr>
-          <a:xfrm>
-            <a:off x="649421" y="641439"/>
-            <a:ext cx="10518830" cy="3760480"/>
-          </a:xfrm>
-          <a:prstGeom prst="rect">
-            <a:avLst/>
-          </a:prstGeom>
-        </p:spPr>
-      </p:pic>
-      <p:sp>
-        <p:nvSpPr>
-          <p:cNvPr id="18" name="Rectangle 17">
-            <a:extLst>
-              <a:ext uri="{FF2B5EF4-FFF2-40B4-BE49-F238E27FC236}">
-                <a16:creationId xmlns:a16="http://schemas.microsoft.com/office/drawing/2014/main" id="{435050B1-74E1-4A81-923D-0F5971A3BC01}"/>
-              </a:ext>
-              <a:ext uri="{C183D7F6-B498-43B3-948B-1728B52AA6E4}">
-                <adec:decorative xmlns:adec="http://schemas.microsoft.com/office/drawing/2017/decorative" val="1"/>
-              </a:ext>
-            </a:extLst>
-          </p:cNvPr>
-          <p:cNvSpPr>
-            <a:spLocks noGrp="1" noRot="1" noChangeAspect="1" noMove="1" noResize="1" noEditPoints="1" noAdjustHandles="1" noChangeArrowheads="1" noChangeShapeType="1" noTextEdit="1"/>
-          </p:cNvSpPr>
-          <p:nvPr>
-            <p:extLst>
-              <p:ext uri="{386F3935-93C4-4BCD-93E2-E3B085C9AB24}">
-                <p16:designElem xmlns:p16="http://schemas.microsoft.com/office/powerpoint/2015/main" val="1"/>
-              </p:ext>
-            </p:extLst>
-          </p:nvPr>
-        </p:nvSpPr>
-        <p:spPr>
-          <a:xfrm>
-            <a:off x="11292840" y="0"/>
-            <a:ext cx="899160" cy="6858000"/>
-          </a:xfrm>
-          <a:prstGeom prst="rect">
-            <a:avLst/>
-          </a:prstGeom>
-          <a:solidFill>
-            <a:srgbClr val="353537"/>
-          </a:solidFill>
-          <a:ln>
-            <a:noFill/>
-          </a:ln>
-        </p:spPr>
-        <p:style>
-          <a:lnRef idx="2">
-            <a:schemeClr val="accent1">
-              <a:shade val="50000"/>
-            </a:schemeClr>
-          </a:lnRef>
-          <a:fillRef idx="1">
-            <a:schemeClr val="accent1"/>
-          </a:fillRef>
-          <a:effectRef idx="0">
-            <a:schemeClr val="accent1"/>
-          </a:effectRef>
-          <a:fontRef idx="minor">
-            <a:schemeClr val="lt1"/>
-          </a:fontRef>
-        </p:style>
-        <p:txBody>
-          <a:bodyPr rtlCol="0" anchor="ctr"/>
-          <a:lstStyle/>
-          <a:p>
-            <a:pPr algn="ctr"/>
-            <a:endParaRPr lang="en-US"/>
-          </a:p>
-        </p:txBody>
-      </p:sp>
-      <p:sp>
-        <p:nvSpPr>
-          <p:cNvPr id="6" name="CasellaDiTesto 5">
-            <a:extLst>
-              <a:ext uri="{FF2B5EF4-FFF2-40B4-BE49-F238E27FC236}">
-                <a16:creationId xmlns:a16="http://schemas.microsoft.com/office/drawing/2014/main" id="{27B443BC-F82B-41AF-BEB1-C959BA9E5DEE}"/>
-              </a:ext>
-            </a:extLst>
-          </p:cNvPr>
-          <p:cNvSpPr txBox="1"/>
-          <p:nvPr/>
-        </p:nvSpPr>
-        <p:spPr>
-          <a:xfrm>
-            <a:off x="3923357" y="4513302"/>
-            <a:ext cx="3970959" cy="369332"/>
-          </a:xfrm>
-          <a:prstGeom prst="rect">
-            <a:avLst/>
-          </a:prstGeom>
-          <a:noFill/>
-        </p:spPr>
-        <p:txBody>
-          <a:bodyPr wrap="none" rtlCol="0">
-            <a:spAutoFit/>
-          </a:bodyPr>
-          <a:lstStyle/>
-          <a:p>
-            <a:r>
-              <a:rPr lang="it-IT" dirty="0"/>
-              <a:t>(</a:t>
-            </a:r>
-            <a:r>
-              <a:rPr lang="it-IT" dirty="0" err="1"/>
-              <a:t>Vx</a:t>
-            </a:r>
-            <a:r>
-              <a:rPr lang="it-IT" dirty="0"/>
-              <a:t>, </a:t>
-            </a:r>
-            <a:r>
-              <a:rPr lang="it-IT" dirty="0" err="1"/>
-              <a:t>Vy</a:t>
-            </a:r>
-            <a:r>
-              <a:rPr lang="it-IT" dirty="0"/>
-              <a:t>) are </a:t>
-            </a:r>
-            <a:r>
-              <a:rPr lang="it-IT" dirty="0" err="1"/>
-              <a:t>coordinates</a:t>
-            </a:r>
-            <a:r>
-              <a:rPr lang="it-IT" dirty="0"/>
-              <a:t> on the </a:t>
-            </a:r>
-            <a:r>
-              <a:rPr lang="it-IT" dirty="0" err="1"/>
-              <a:t>grid</a:t>
-            </a:r>
-            <a:endParaRPr lang="it-IT" dirty="0"/>
-          </a:p>
-        </p:txBody>
-      </p:sp>
-    </p:spTree>
-    <p:extLst>
-      <p:ext uri="{BB962C8B-B14F-4D97-AF65-F5344CB8AC3E}">
-        <p14:creationId xmlns:p14="http://schemas.microsoft.com/office/powerpoint/2010/main" val="2939428061"/>
-      </p:ext>
-    </p:extLst>
-  </p:cSld>
-  <p:clrMapOvr>
-    <a:masterClrMapping/>
-  </p:clrMapOvr>
-</p:sld>
-</file>
-
-<file path=ppt/slides/slide11.xml><?xml version="1.0" encoding="utf-8"?>
-<p:sld xmlns:a="http://schemas.openxmlformats.org/drawingml/2006/main" xmlns:r="http://schemas.openxmlformats.org/officeDocument/2006/relationships" xmlns:p="http://schemas.openxmlformats.org/presentationml/2006/main">
-  <p:cSld>
-    <p:bg>
-      <p:bgPr>
-        <a:solidFill>
-          <a:schemeClr val="bg1"/>
-        </a:solidFill>
-        <a:effectLst/>
-      </p:bgPr>
-    </p:bg>
-    <p:spTree>
-      <p:nvGrpSpPr>
-        <p:cNvPr id="1" name=""/>
-        <p:cNvGrpSpPr/>
-        <p:nvPr/>
-      </p:nvGrpSpPr>
-      <p:grpSpPr>
-        <a:xfrm>
-          <a:off x="0" y="0"/>
-          <a:ext cx="0" cy="0"/>
-          <a:chOff x="0" y="0"/>
-          <a:chExt cx="0" cy="0"/>
-        </a:xfrm>
-      </p:grpSpPr>
-      <p:sp>
-        <p:nvSpPr>
-          <p:cNvPr id="2" name="Titolo 1">
-            <a:extLst>
-              <a:ext uri="{FF2B5EF4-FFF2-40B4-BE49-F238E27FC236}">
-                <a16:creationId xmlns:a16="http://schemas.microsoft.com/office/drawing/2014/main" id="{0A12707C-3206-4993-9DBE-17D9EACB1C00}"/>
-              </a:ext>
-            </a:extLst>
-          </p:cNvPr>
-          <p:cNvSpPr>
-            <a:spLocks noGrp="1"/>
-          </p:cNvSpPr>
-          <p:nvPr>
-            <p:ph type="title"/>
-          </p:nvPr>
-        </p:nvSpPr>
-        <p:spPr>
-          <a:xfrm>
-            <a:off x="1077125" y="457200"/>
-            <a:ext cx="4857331" cy="1649941"/>
-          </a:xfrm>
-        </p:spPr>
-        <p:txBody>
-          <a:bodyPr>
-            <a:normAutofit fontScale="90000"/>
-          </a:bodyPr>
-          <a:lstStyle/>
-          <a:p>
-            <a:r>
-              <a:rPr lang="it-IT" sz="4100" dirty="0"/>
-              <a:t>Learning to </a:t>
-            </a:r>
-            <a:r>
-              <a:rPr lang="it-IT" sz="4100" dirty="0" err="1"/>
-              <a:t>move</a:t>
-            </a:r>
-            <a:r>
-              <a:rPr lang="it-IT" sz="4100" dirty="0"/>
-              <a:t> on </a:t>
-            </a:r>
-            <a:r>
-              <a:rPr lang="it-IT" sz="4100" dirty="0" err="1"/>
-              <a:t>adjacent</a:t>
-            </a:r>
-            <a:r>
-              <a:rPr lang="it-IT" sz="4100" dirty="0"/>
-              <a:t> </a:t>
-            </a:r>
-            <a:r>
-              <a:rPr lang="it-IT" sz="4100" dirty="0" err="1"/>
-              <a:t>cells</a:t>
-            </a:r>
-            <a:r>
-              <a:rPr lang="it-IT" sz="4100" dirty="0"/>
-              <a:t> – </a:t>
-            </a:r>
-            <a:r>
-              <a:rPr lang="it-IT" sz="4100" dirty="0" err="1"/>
-              <a:t>considering</a:t>
-            </a:r>
-            <a:r>
-              <a:rPr lang="it-IT" sz="4100" dirty="0"/>
-              <a:t> </a:t>
-            </a:r>
-            <a:r>
-              <a:rPr lang="it-IT" sz="4100" dirty="0" err="1"/>
-              <a:t>obstacles</a:t>
-            </a:r>
-            <a:endParaRPr lang="it-IT" sz="4100" dirty="0"/>
-          </a:p>
-        </p:txBody>
-      </p:sp>
-      <p:sp>
-        <p:nvSpPr>
-          <p:cNvPr id="14" name="Rectangle 13">
-            <a:extLst>
-              <a:ext uri="{FF2B5EF4-FFF2-40B4-BE49-F238E27FC236}">
-                <a16:creationId xmlns:a16="http://schemas.microsoft.com/office/drawing/2014/main" id="{50CF6C96-4596-4D83-A9F9-A3AB22AB4D89}"/>
-              </a:ext>
-              <a:ext uri="{C183D7F6-B498-43B3-948B-1728B52AA6E4}">
-                <adec:decorative xmlns:adec="http://schemas.microsoft.com/office/drawing/2017/decorative" val="1"/>
-              </a:ext>
-            </a:extLst>
-          </p:cNvPr>
-          <p:cNvSpPr>
-            <a:spLocks noGrp="1" noRot="1" noChangeAspect="1" noMove="1" noResize="1" noEditPoints="1" noAdjustHandles="1" noChangeArrowheads="1" noChangeShapeType="1" noTextEdit="1"/>
-          </p:cNvSpPr>
-          <p:nvPr>
-            <p:extLst>
-              <p:ext uri="{386F3935-93C4-4BCD-93E2-E3B085C9AB24}">
-                <p16:designElem xmlns:p16="http://schemas.microsoft.com/office/powerpoint/2015/main" val="1"/>
-              </p:ext>
-            </p:extLst>
-          </p:nvPr>
-        </p:nvSpPr>
-        <p:spPr>
-          <a:xfrm>
-            <a:off x="0" y="0"/>
-            <a:ext cx="914400" cy="6858000"/>
-          </a:xfrm>
-          <a:prstGeom prst="rect">
-            <a:avLst/>
-          </a:prstGeom>
-          <a:solidFill>
-            <a:schemeClr val="accent1"/>
-          </a:solidFill>
-          <a:ln>
-            <a:noFill/>
-          </a:ln>
-        </p:spPr>
-        <p:style>
-          <a:lnRef idx="2">
-            <a:schemeClr val="accent1">
-              <a:shade val="50000"/>
-            </a:schemeClr>
-          </a:lnRef>
-          <a:fillRef idx="1">
-            <a:schemeClr val="accent1"/>
-          </a:fillRef>
-          <a:effectRef idx="0">
-            <a:schemeClr val="accent1"/>
-          </a:effectRef>
-          <a:fontRef idx="minor">
-            <a:schemeClr val="lt1"/>
-          </a:fontRef>
-        </p:style>
-      </p:sp>
-      <p:sp>
-        <p:nvSpPr>
-          <p:cNvPr id="3" name="Segnaposto contenuto 2">
-            <a:extLst>
-              <a:ext uri="{FF2B5EF4-FFF2-40B4-BE49-F238E27FC236}">
-                <a16:creationId xmlns:a16="http://schemas.microsoft.com/office/drawing/2014/main" id="{D879B614-B7EF-4C41-B525-645B6994B712}"/>
-              </a:ext>
-            </a:extLst>
-          </p:cNvPr>
-          <p:cNvSpPr>
-            <a:spLocks noGrp="1"/>
-          </p:cNvSpPr>
-          <p:nvPr>
-            <p:ph idx="1"/>
-          </p:nvPr>
-        </p:nvSpPr>
-        <p:spPr>
-          <a:xfrm>
-            <a:off x="1199535" y="2438399"/>
-            <a:ext cx="4572002" cy="3853219"/>
-          </a:xfrm>
-        </p:spPr>
-        <p:txBody>
-          <a:bodyPr>
-            <a:normAutofit lnSpcReduction="10000"/>
-          </a:bodyPr>
-          <a:lstStyle/>
-          <a:p>
-            <a:r>
-              <a:rPr lang="it-IT" sz="1300" b="1" dirty="0"/>
-              <a:t>Goal: </a:t>
-            </a:r>
-            <a:r>
-              <a:rPr lang="it-IT" sz="1300" dirty="0" err="1"/>
-              <a:t>using</a:t>
-            </a:r>
-            <a:r>
-              <a:rPr lang="it-IT" sz="1300" dirty="0"/>
-              <a:t> </a:t>
-            </a:r>
-            <a:r>
-              <a:rPr lang="it-IT" sz="1300" dirty="0" err="1"/>
-              <a:t>what</a:t>
-            </a:r>
-            <a:r>
-              <a:rPr lang="it-IT" sz="1300" dirty="0"/>
-              <a:t> </a:t>
-            </a:r>
-            <a:r>
-              <a:rPr lang="it-IT" sz="1300" dirty="0" err="1"/>
-              <a:t>learned</a:t>
-            </a:r>
-            <a:r>
-              <a:rPr lang="it-IT" sz="1300" dirty="0"/>
-              <a:t> </a:t>
-            </a:r>
-            <a:r>
-              <a:rPr lang="it-IT" sz="1300" dirty="0" err="1"/>
-              <a:t>previosuly</a:t>
-            </a:r>
-            <a:r>
-              <a:rPr lang="it-IT" sz="1300" dirty="0"/>
-              <a:t>, </a:t>
-            </a:r>
-            <a:r>
-              <a:rPr lang="it-IT" sz="1300" dirty="0" err="1"/>
-              <a:t>learn</a:t>
-            </a:r>
-            <a:r>
-              <a:rPr lang="it-IT" sz="1300" dirty="0"/>
-              <a:t> to </a:t>
-            </a:r>
-            <a:r>
-              <a:rPr lang="it-IT" sz="1300" dirty="0" err="1"/>
-              <a:t>move</a:t>
-            </a:r>
-            <a:r>
-              <a:rPr lang="it-IT" sz="1300" dirty="0"/>
-              <a:t> </a:t>
-            </a:r>
-            <a:r>
-              <a:rPr lang="it-IT" sz="1300" dirty="0" err="1"/>
-              <a:t>into</a:t>
-            </a:r>
-            <a:r>
-              <a:rPr lang="it-IT" sz="1300" dirty="0"/>
-              <a:t> </a:t>
-            </a:r>
-            <a:r>
-              <a:rPr lang="it-IT" sz="1300" dirty="0" err="1"/>
-              <a:t>cells</a:t>
-            </a:r>
-            <a:r>
-              <a:rPr lang="it-IT" sz="1300" dirty="0"/>
-              <a:t> </a:t>
-            </a:r>
-            <a:r>
-              <a:rPr lang="it-IT" sz="1300" dirty="0" err="1"/>
-              <a:t>without</a:t>
-            </a:r>
-            <a:r>
-              <a:rPr lang="it-IT" sz="1300" dirty="0"/>
-              <a:t> </a:t>
-            </a:r>
-            <a:r>
-              <a:rPr lang="it-IT" sz="1300" dirty="0" err="1"/>
-              <a:t>obstacles</a:t>
-            </a:r>
-            <a:r>
-              <a:rPr lang="it-IT" sz="1300" dirty="0"/>
-              <a:t> (Predicate </a:t>
-            </a:r>
-            <a:r>
-              <a:rPr lang="it-IT" sz="1300" dirty="0" err="1"/>
-              <a:t>nextLegit</a:t>
-            </a:r>
-            <a:r>
-              <a:rPr lang="it-IT" sz="1300" dirty="0"/>
-              <a:t>/2).</a:t>
-            </a:r>
-          </a:p>
-          <a:p>
-            <a:pPr marL="0" indent="0">
-              <a:buNone/>
-            </a:pPr>
-            <a:r>
-              <a:rPr lang="it-IT" sz="1300" dirty="0" err="1"/>
-              <a:t>Something</a:t>
-            </a:r>
-            <a:r>
-              <a:rPr lang="it-IT" sz="1300" dirty="0"/>
-              <a:t> like : </a:t>
-            </a:r>
-            <a:r>
-              <a:rPr lang="it-IT" sz="1300" dirty="0" err="1"/>
-              <a:t>nextLegit</a:t>
-            </a:r>
-            <a:r>
-              <a:rPr lang="it-IT" sz="1300" dirty="0"/>
-              <a:t>((X,Y), (Z,K)) </a:t>
-            </a:r>
-            <a:r>
-              <a:rPr lang="it-IT" sz="1300" dirty="0" err="1"/>
-              <a:t>holds</a:t>
-            </a:r>
-            <a:r>
-              <a:rPr lang="it-IT" sz="1300" dirty="0"/>
-              <a:t> </a:t>
-            </a:r>
-            <a:r>
-              <a:rPr lang="it-IT" sz="1300" dirty="0" err="1"/>
-              <a:t>if</a:t>
-            </a:r>
-            <a:r>
-              <a:rPr lang="it-IT" sz="1300" dirty="0"/>
-              <a:t> </a:t>
-            </a:r>
-            <a:r>
-              <a:rPr lang="it-IT" sz="1300" dirty="0" err="1"/>
-              <a:t>coordinates</a:t>
-            </a:r>
-            <a:r>
-              <a:rPr lang="it-IT" sz="1300" dirty="0"/>
-              <a:t> are </a:t>
-            </a:r>
-            <a:r>
-              <a:rPr lang="it-IT" sz="1300" dirty="0" err="1"/>
-              <a:t>near</a:t>
-            </a:r>
-            <a:r>
-              <a:rPr lang="it-IT" sz="1300" dirty="0"/>
-              <a:t> and </a:t>
-            </a:r>
-            <a:r>
-              <a:rPr lang="it-IT" sz="1300" dirty="0" err="1"/>
-              <a:t>not</a:t>
-            </a:r>
-            <a:r>
-              <a:rPr lang="it-IT" sz="1300" dirty="0"/>
-              <a:t> </a:t>
-            </a:r>
-            <a:r>
-              <a:rPr lang="it-IT" sz="1300" dirty="0" err="1"/>
-              <a:t>contain</a:t>
-            </a:r>
-            <a:r>
-              <a:rPr lang="it-IT" sz="1300" dirty="0"/>
-              <a:t> </a:t>
-            </a:r>
-            <a:r>
-              <a:rPr lang="it-IT" sz="1300" dirty="0" err="1"/>
-              <a:t>obstacles</a:t>
-            </a:r>
-            <a:r>
-              <a:rPr lang="it-IT" sz="1300" dirty="0"/>
-              <a:t>.</a:t>
-            </a:r>
-          </a:p>
-          <a:p>
-            <a:r>
-              <a:rPr lang="it-IT" sz="1300" b="1" dirty="0"/>
-              <a:t>Background Knowledge:</a:t>
-            </a:r>
-          </a:p>
-          <a:p>
-            <a:pPr lvl="1"/>
-            <a:r>
-              <a:rPr lang="it-IT" sz="1300" dirty="0"/>
-              <a:t>«</a:t>
-            </a:r>
-            <a:r>
-              <a:rPr lang="it-IT" sz="1300" dirty="0" err="1"/>
-              <a:t>succ</a:t>
-            </a:r>
-            <a:r>
-              <a:rPr lang="it-IT" sz="1300" dirty="0"/>
-              <a:t>» predicate, = predicate </a:t>
-            </a:r>
-            <a:r>
-              <a:rPr lang="it-IT" sz="1300" dirty="0" err="1"/>
-              <a:t>true</a:t>
-            </a:r>
-            <a:r>
-              <a:rPr lang="it-IT" sz="1300" dirty="0"/>
-              <a:t> for </a:t>
-            </a:r>
-            <a:r>
-              <a:rPr lang="it-IT" sz="1300" dirty="0" err="1"/>
-              <a:t>adjacent</a:t>
-            </a:r>
-            <a:r>
-              <a:rPr lang="it-IT" sz="1300" dirty="0"/>
-              <a:t> </a:t>
-            </a:r>
-            <a:r>
-              <a:rPr lang="it-IT" sz="1300" dirty="0" err="1"/>
-              <a:t>cells</a:t>
-            </a:r>
-            <a:r>
-              <a:rPr lang="it-IT" sz="1300" dirty="0"/>
-              <a:t>. «</a:t>
-            </a:r>
-            <a:r>
-              <a:rPr lang="it-IT" sz="1300" dirty="0" err="1"/>
-              <a:t>cell</a:t>
-            </a:r>
-            <a:r>
-              <a:rPr lang="it-IT" sz="1300" dirty="0"/>
-              <a:t>» predicate,  = predicate </a:t>
-            </a:r>
-            <a:r>
-              <a:rPr lang="it-IT" sz="1300" dirty="0" err="1"/>
-              <a:t>true</a:t>
-            </a:r>
-            <a:r>
-              <a:rPr lang="it-IT" sz="1300" dirty="0"/>
-              <a:t> for </a:t>
-            </a:r>
-            <a:r>
-              <a:rPr lang="it-IT" sz="1300" dirty="0" err="1"/>
-              <a:t>coordinates</a:t>
-            </a:r>
-            <a:r>
-              <a:rPr lang="it-IT" sz="1300" dirty="0"/>
-              <a:t> on the </a:t>
-            </a:r>
-            <a:r>
-              <a:rPr lang="it-IT" sz="1300" dirty="0" err="1"/>
-              <a:t>grid</a:t>
-            </a:r>
-            <a:r>
-              <a:rPr lang="it-IT" sz="1300" dirty="0"/>
-              <a:t>. </a:t>
-            </a:r>
-          </a:p>
-          <a:p>
-            <a:pPr marL="274320" lvl="1" indent="0">
-              <a:buNone/>
-            </a:pPr>
-            <a:r>
-              <a:rPr lang="it-IT" sz="1300" dirty="0"/>
-              <a:t>    «</a:t>
-            </a:r>
-            <a:r>
-              <a:rPr lang="it-IT" sz="1300" dirty="0" err="1"/>
-              <a:t>obstacle</a:t>
-            </a:r>
-            <a:r>
-              <a:rPr lang="it-IT" sz="1300" dirty="0"/>
-              <a:t>» predicate. «</a:t>
-            </a:r>
-            <a:r>
-              <a:rPr lang="it-IT" sz="1300" dirty="0" err="1"/>
-              <a:t>next</a:t>
-            </a:r>
-            <a:r>
-              <a:rPr lang="it-IT" sz="1300" dirty="0"/>
-              <a:t> predicate» (</a:t>
-            </a:r>
-            <a:r>
-              <a:rPr lang="it-IT" sz="1300" dirty="0" err="1"/>
-              <a:t>learned</a:t>
-            </a:r>
-            <a:r>
-              <a:rPr lang="it-IT" sz="1300" dirty="0"/>
-              <a:t> </a:t>
-            </a:r>
-            <a:r>
-              <a:rPr lang="it-IT" sz="1300" dirty="0" err="1"/>
-              <a:t>prev</a:t>
-            </a:r>
-            <a:r>
-              <a:rPr lang="it-IT" sz="1300" dirty="0"/>
-              <a:t>).</a:t>
-            </a:r>
-          </a:p>
-          <a:p>
-            <a:r>
-              <a:rPr lang="it-IT" sz="1300" b="1" dirty="0">
-                <a:cs typeface="Courier New" panose="02070309020205020404" pitchFamily="49" charset="0"/>
-              </a:rPr>
-              <a:t>Positive </a:t>
-            </a:r>
-            <a:r>
-              <a:rPr lang="it-IT" sz="1300" b="1" dirty="0" err="1">
-                <a:cs typeface="Courier New" panose="02070309020205020404" pitchFamily="49" charset="0"/>
-              </a:rPr>
-              <a:t>examples</a:t>
-            </a:r>
-            <a:r>
-              <a:rPr lang="it-IT" sz="1300" b="1" dirty="0">
-                <a:cs typeface="Courier New" panose="02070309020205020404" pitchFamily="49" charset="0"/>
-              </a:rPr>
-              <a:t>: </a:t>
-            </a:r>
-            <a:r>
-              <a:rPr lang="it-IT" sz="1300" dirty="0"/>
-              <a:t>shows </a:t>
-            </a:r>
-            <a:r>
-              <a:rPr lang="it-IT" sz="1300" dirty="0" err="1"/>
-              <a:t>that</a:t>
-            </a:r>
-            <a:r>
-              <a:rPr lang="it-IT" sz="1300" dirty="0"/>
-              <a:t> </a:t>
-            </a:r>
-            <a:r>
-              <a:rPr lang="it-IT" sz="1300" dirty="0" err="1"/>
-              <a:t>nextLegit</a:t>
-            </a:r>
-            <a:r>
-              <a:rPr lang="it-IT" sz="1300" dirty="0"/>
-              <a:t> </a:t>
-            </a:r>
-            <a:r>
-              <a:rPr lang="it-IT" sz="1300" dirty="0" err="1"/>
-              <a:t>is</a:t>
-            </a:r>
-            <a:r>
-              <a:rPr lang="it-IT" sz="1300" dirty="0"/>
-              <a:t> </a:t>
-            </a:r>
-            <a:r>
-              <a:rPr lang="it-IT" sz="1300" dirty="0" err="1"/>
-              <a:t>true</a:t>
-            </a:r>
-            <a:r>
-              <a:rPr lang="it-IT" sz="1300" dirty="0"/>
-              <a:t> in </a:t>
-            </a:r>
-            <a:r>
-              <a:rPr lang="it-IT" sz="1300" dirty="0" err="1"/>
-              <a:t>cells</a:t>
-            </a:r>
-            <a:r>
-              <a:rPr lang="it-IT" sz="1300" dirty="0"/>
-              <a:t> </a:t>
-            </a:r>
-            <a:r>
-              <a:rPr lang="it-IT" sz="1300" dirty="0" err="1"/>
-              <a:t>without</a:t>
-            </a:r>
-            <a:r>
-              <a:rPr lang="it-IT" sz="1300" dirty="0"/>
-              <a:t> </a:t>
-            </a:r>
-            <a:r>
-              <a:rPr lang="it-IT" sz="1300" dirty="0" err="1"/>
-              <a:t>obstacles</a:t>
-            </a:r>
-            <a:r>
-              <a:rPr lang="it-IT" sz="1300" dirty="0"/>
-              <a:t> </a:t>
-            </a:r>
-            <a:r>
-              <a:rPr lang="it-IT" sz="1300" b="1" dirty="0">
-                <a:cs typeface="Courier New" panose="02070309020205020404" pitchFamily="49" charset="0"/>
-              </a:rPr>
-              <a:t>/Negative </a:t>
-            </a:r>
-            <a:r>
-              <a:rPr lang="it-IT" sz="1300" b="1" dirty="0" err="1">
-                <a:cs typeface="Courier New" panose="02070309020205020404" pitchFamily="49" charset="0"/>
-              </a:rPr>
-              <a:t>examples</a:t>
-            </a:r>
-            <a:r>
-              <a:rPr lang="it-IT" sz="1300" b="1" dirty="0">
-                <a:cs typeface="Courier New" panose="02070309020205020404" pitchFamily="49" charset="0"/>
-              </a:rPr>
-              <a:t>: </a:t>
-            </a:r>
-            <a:r>
-              <a:rPr lang="it-IT" sz="1300" dirty="0">
-                <a:cs typeface="Courier New" panose="02070309020205020404" pitchFamily="49" charset="0"/>
-              </a:rPr>
-              <a:t>shows </a:t>
-            </a:r>
-            <a:r>
-              <a:rPr lang="it-IT" sz="1300" dirty="0" err="1">
-                <a:cs typeface="Courier New" panose="02070309020205020404" pitchFamily="49" charset="0"/>
-              </a:rPr>
-              <a:t>that</a:t>
-            </a:r>
-            <a:r>
-              <a:rPr lang="it-IT" sz="1300" dirty="0">
-                <a:cs typeface="Courier New" panose="02070309020205020404" pitchFamily="49" charset="0"/>
-              </a:rPr>
-              <a:t> </a:t>
-            </a:r>
-            <a:r>
-              <a:rPr lang="it-IT" sz="1300" dirty="0" err="1">
-                <a:cs typeface="Courier New" panose="02070309020205020404" pitchFamily="49" charset="0"/>
-              </a:rPr>
-              <a:t>nextLegit</a:t>
-            </a:r>
-            <a:r>
-              <a:rPr lang="it-IT" sz="1300" dirty="0">
-                <a:cs typeface="Courier New" panose="02070309020205020404" pitchFamily="49" charset="0"/>
-              </a:rPr>
-              <a:t> </a:t>
-            </a:r>
-            <a:r>
-              <a:rPr lang="it-IT" sz="1300" dirty="0" err="1">
-                <a:cs typeface="Courier New" panose="02070309020205020404" pitchFamily="49" charset="0"/>
-              </a:rPr>
-              <a:t>is</a:t>
-            </a:r>
-            <a:r>
-              <a:rPr lang="it-IT" sz="1300" dirty="0">
-                <a:cs typeface="Courier New" panose="02070309020205020404" pitchFamily="49" charset="0"/>
-              </a:rPr>
-              <a:t> </a:t>
-            </a:r>
-            <a:r>
-              <a:rPr lang="it-IT" sz="1300" dirty="0" err="1">
-                <a:cs typeface="Courier New" panose="02070309020205020404" pitchFamily="49" charset="0"/>
-              </a:rPr>
-              <a:t>not</a:t>
-            </a:r>
-            <a:r>
-              <a:rPr lang="it-IT" sz="1300" dirty="0">
-                <a:cs typeface="Courier New" panose="02070309020205020404" pitchFamily="49" charset="0"/>
-              </a:rPr>
-              <a:t> </a:t>
-            </a:r>
-            <a:r>
-              <a:rPr lang="it-IT" sz="1300" dirty="0" err="1">
-                <a:cs typeface="Courier New" panose="02070309020205020404" pitchFamily="49" charset="0"/>
-              </a:rPr>
-              <a:t>true</a:t>
-            </a:r>
-            <a:r>
-              <a:rPr lang="it-IT" sz="1300" dirty="0">
-                <a:cs typeface="Courier New" panose="02070309020205020404" pitchFamily="49" charset="0"/>
-              </a:rPr>
-              <a:t> in </a:t>
-            </a:r>
-            <a:r>
-              <a:rPr lang="it-IT" sz="1300" dirty="0" err="1">
-                <a:cs typeface="Courier New" panose="02070309020205020404" pitchFamily="49" charset="0"/>
-              </a:rPr>
-              <a:t>cells</a:t>
-            </a:r>
-            <a:r>
-              <a:rPr lang="it-IT" sz="1300" dirty="0">
-                <a:cs typeface="Courier New" panose="02070309020205020404" pitchFamily="49" charset="0"/>
-              </a:rPr>
-              <a:t> with </a:t>
-            </a:r>
-            <a:r>
-              <a:rPr lang="it-IT" sz="1300" dirty="0" err="1">
-                <a:cs typeface="Courier New" panose="02070309020205020404" pitchFamily="49" charset="0"/>
-              </a:rPr>
-              <a:t>obstacles</a:t>
-            </a:r>
-            <a:endParaRPr lang="it-IT" sz="1300" dirty="0">
-              <a:cs typeface="Courier New" panose="02070309020205020404" pitchFamily="49" charset="0"/>
-            </a:endParaRPr>
-          </a:p>
-          <a:p>
-            <a:r>
-              <a:rPr lang="it-IT" sz="1300" b="1" dirty="0">
-                <a:cs typeface="Courier New" panose="02070309020205020404" pitchFamily="49" charset="0"/>
-              </a:rPr>
-              <a:t>mode </a:t>
-            </a:r>
-            <a:r>
-              <a:rPr lang="it-IT" sz="1300" b="1" dirty="0" err="1">
-                <a:cs typeface="Courier New" panose="02070309020205020404" pitchFamily="49" charset="0"/>
-              </a:rPr>
-              <a:t>bias</a:t>
-            </a:r>
-            <a:r>
-              <a:rPr lang="it-IT" sz="1300" b="1" dirty="0">
-                <a:cs typeface="Courier New" panose="02070309020205020404" pitchFamily="49" charset="0"/>
-              </a:rPr>
-              <a:t>: </a:t>
-            </a:r>
-            <a:r>
-              <a:rPr lang="it-IT" sz="1300" dirty="0" err="1">
-                <a:cs typeface="Courier New" panose="02070309020205020404" pitchFamily="49" charset="0"/>
-              </a:rPr>
-              <a:t>predicates</a:t>
-            </a:r>
-            <a:r>
-              <a:rPr lang="it-IT" sz="1300" dirty="0">
-                <a:cs typeface="Courier New" panose="02070309020205020404" pitchFamily="49" charset="0"/>
-              </a:rPr>
-              <a:t> «</a:t>
-            </a:r>
-            <a:r>
-              <a:rPr lang="it-IT" sz="1300" dirty="0" err="1">
-                <a:cs typeface="Courier New" panose="02070309020205020404" pitchFamily="49" charset="0"/>
-              </a:rPr>
-              <a:t>next</a:t>
-            </a:r>
-            <a:r>
-              <a:rPr lang="it-IT" sz="1300" dirty="0">
-                <a:cs typeface="Courier New" panose="02070309020205020404" pitchFamily="49" charset="0"/>
-              </a:rPr>
-              <a:t>», «</a:t>
-            </a:r>
-            <a:r>
-              <a:rPr lang="it-IT" sz="1300" dirty="0" err="1">
-                <a:cs typeface="Courier New" panose="02070309020205020404" pitchFamily="49" charset="0"/>
-              </a:rPr>
-              <a:t>obstacle</a:t>
-            </a:r>
-            <a:r>
-              <a:rPr lang="it-IT" sz="1300" dirty="0">
-                <a:cs typeface="Courier New" panose="02070309020205020404" pitchFamily="49" charset="0"/>
-              </a:rPr>
-              <a:t>», and «</a:t>
-            </a:r>
-            <a:r>
-              <a:rPr lang="it-IT" sz="1300" dirty="0" err="1">
-                <a:cs typeface="Courier New" panose="02070309020205020404" pitchFamily="49" charset="0"/>
-              </a:rPr>
-              <a:t>nextLegit</a:t>
-            </a:r>
-            <a:r>
-              <a:rPr lang="it-IT" sz="1300" dirty="0">
-                <a:cs typeface="Courier New" panose="02070309020205020404" pitchFamily="49" charset="0"/>
-              </a:rPr>
-              <a:t>» on the head of the rules.</a:t>
-            </a:r>
-            <a:endParaRPr lang="it-IT" sz="1300" b="1" dirty="0">
-              <a:cs typeface="Courier New" panose="02070309020205020404" pitchFamily="49" charset="0"/>
-            </a:endParaRPr>
-          </a:p>
-          <a:p>
-            <a:endParaRPr lang="it-IT" sz="1300" b="1" dirty="0">
-              <a:cs typeface="Courier New" panose="02070309020205020404" pitchFamily="49" charset="0"/>
-            </a:endParaRPr>
-          </a:p>
-          <a:p>
-            <a:endParaRPr lang="it-IT" sz="1300" b="1" dirty="0">
-              <a:cs typeface="Courier New" panose="02070309020205020404" pitchFamily="49" charset="0"/>
-            </a:endParaRPr>
-          </a:p>
-        </p:txBody>
-      </p:sp>
-      <p:pic>
-        <p:nvPicPr>
-          <p:cNvPr id="4" name="Picture 4" descr="Maze">
-            <a:extLst>
-              <a:ext uri="{FF2B5EF4-FFF2-40B4-BE49-F238E27FC236}">
-                <a16:creationId xmlns:a16="http://schemas.microsoft.com/office/drawing/2014/main" id="{15FFD1B1-AEEE-4EE4-9047-6C67FEA2BDA9}"/>
-              </a:ext>
-            </a:extLst>
-          </p:cNvPr>
-          <p:cNvPicPr>
-            <a:picLocks noChangeAspect="1"/>
-          </p:cNvPicPr>
-          <p:nvPr/>
-        </p:nvPicPr>
-        <p:blipFill rotWithShape="1">
-          <a:blip r:embed="rId2"/>
-          <a:srcRect l="17328" r="23349" b="-1"/>
-          <a:stretch/>
-        </p:blipFill>
-        <p:spPr>
-          <a:xfrm>
-            <a:off x="6097181" y="10"/>
-            <a:ext cx="6094819" cy="6857990"/>
-          </a:xfrm>
-          <a:prstGeom prst="rect">
-            <a:avLst/>
-          </a:prstGeom>
-        </p:spPr>
-      </p:pic>
-    </p:spTree>
-    <p:extLst>
-      <p:ext uri="{BB962C8B-B14F-4D97-AF65-F5344CB8AC3E}">
-        <p14:creationId xmlns:p14="http://schemas.microsoft.com/office/powerpoint/2010/main" val="4267022262"/>
-      </p:ext>
-    </p:extLst>
-  </p:cSld>
-  <p:clrMapOvr>
-    <a:masterClrMapping/>
-  </p:clrMapOvr>
-</p:sld>
-</file>
-
-<file path=ppt/slides/slide12.xml><?xml version="1.0" encoding="utf-8"?>
-<p:sld xmlns:a="http://schemas.openxmlformats.org/drawingml/2006/main" xmlns:r="http://schemas.openxmlformats.org/officeDocument/2006/relationships" xmlns:p="http://schemas.openxmlformats.org/presentationml/2006/main">
-  <p:cSld>
-    <p:bg>
-      <p:bgPr>
-        <a:solidFill>
-          <a:schemeClr val="bg1"/>
-        </a:solidFill>
-        <a:effectLst/>
-      </p:bgPr>
-    </p:bg>
-    <p:spTree>
-      <p:nvGrpSpPr>
-        <p:cNvPr id="1" name=""/>
-        <p:cNvGrpSpPr/>
-        <p:nvPr/>
-      </p:nvGrpSpPr>
-      <p:grpSpPr>
-        <a:xfrm>
-          <a:off x="0" y="0"/>
-          <a:ext cx="0" cy="0"/>
-          <a:chOff x="0" y="0"/>
-          <a:chExt cx="0" cy="0"/>
-        </a:xfrm>
-      </p:grpSpPr>
-      <p:sp>
-        <p:nvSpPr>
-          <p:cNvPr id="10" name="Rectangle 9">
-            <a:extLst>
-              <a:ext uri="{FF2B5EF4-FFF2-40B4-BE49-F238E27FC236}">
-                <a16:creationId xmlns:a16="http://schemas.microsoft.com/office/drawing/2014/main" id="{5D5E0904-721C-4D68-9EB8-1C9752E329A7}"/>
-              </a:ext>
-              <a:ext uri="{C183D7F6-B498-43B3-948B-1728B52AA6E4}">
-                <adec:decorative xmlns:adec="http://schemas.microsoft.com/office/drawing/2017/decorative" val="1"/>
-              </a:ext>
-            </a:extLst>
-          </p:cNvPr>
-          <p:cNvSpPr>
-            <a:spLocks noGrp="1" noRot="1" noChangeAspect="1" noMove="1" noResize="1" noEditPoints="1" noAdjustHandles="1" noChangeArrowheads="1" noChangeShapeType="1" noTextEdit="1"/>
-          </p:cNvSpPr>
-          <p:nvPr>
-            <p:extLst>
-              <p:ext uri="{386F3935-93C4-4BCD-93E2-E3B085C9AB24}">
-                <p16:designElem xmlns:p16="http://schemas.microsoft.com/office/powerpoint/2015/main" val="1"/>
-              </p:ext>
-            </p:extLst>
-          </p:nvPr>
-        </p:nvSpPr>
-        <p:spPr>
-          <a:xfrm>
-            <a:off x="0" y="0"/>
-            <a:ext cx="457200" cy="6858000"/>
-          </a:xfrm>
-          <a:prstGeom prst="rect">
-            <a:avLst/>
-          </a:prstGeom>
-          <a:solidFill>
-            <a:schemeClr val="accent1"/>
-          </a:solidFill>
-          <a:ln>
-            <a:noFill/>
-          </a:ln>
-        </p:spPr>
-        <p:style>
-          <a:lnRef idx="2">
-            <a:schemeClr val="accent1">
-              <a:shade val="50000"/>
-            </a:schemeClr>
-          </a:lnRef>
-          <a:fillRef idx="1">
-            <a:schemeClr val="accent1"/>
-          </a:fillRef>
-          <a:effectRef idx="0">
-            <a:schemeClr val="accent1"/>
-          </a:effectRef>
-          <a:fontRef idx="minor">
-            <a:schemeClr val="lt1"/>
-          </a:fontRef>
-        </p:style>
-      </p:sp>
-      <p:sp useBgFill="1">
-        <p:nvSpPr>
-          <p:cNvPr id="12" name="Rectangle 11">
-            <a:extLst>
-              <a:ext uri="{FF2B5EF4-FFF2-40B4-BE49-F238E27FC236}">
-                <a16:creationId xmlns:a16="http://schemas.microsoft.com/office/drawing/2014/main" id="{D0CDF5D3-7220-42A0-9D37-ECF3BF283B37}"/>
-              </a:ext>
-              <a:ext uri="{C183D7F6-B498-43B3-948B-1728B52AA6E4}">
-                <adec:decorative xmlns:adec="http://schemas.microsoft.com/office/drawing/2017/decorative" val="1"/>
-              </a:ext>
-            </a:extLst>
-          </p:cNvPr>
-          <p:cNvSpPr>
-            <a:spLocks noGrp="1" noRot="1" noChangeAspect="1" noMove="1" noResize="1" noEditPoints="1" noAdjustHandles="1" noChangeArrowheads="1" noChangeShapeType="1" noTextEdit="1"/>
-          </p:cNvSpPr>
-          <p:nvPr>
-            <p:extLst>
-              <p:ext uri="{386F3935-93C4-4BCD-93E2-E3B085C9AB24}">
-                <p16:designElem xmlns:p16="http://schemas.microsoft.com/office/powerpoint/2015/main" val="1"/>
-              </p:ext>
-            </p:extLst>
-          </p:nvPr>
-        </p:nvSpPr>
-        <p:spPr>
-          <a:xfrm>
-            <a:off x="457200" y="0"/>
-            <a:ext cx="10835640" cy="5105400"/>
-          </a:xfrm>
-          <a:prstGeom prst="rect">
-            <a:avLst/>
-          </a:prstGeom>
-          <a:ln>
-            <a:noFill/>
-          </a:ln>
-        </p:spPr>
-        <p:style>
-          <a:lnRef idx="2">
-            <a:schemeClr val="accent1">
-              <a:shade val="50000"/>
-            </a:schemeClr>
-          </a:lnRef>
-          <a:fillRef idx="1">
-            <a:schemeClr val="accent1"/>
-          </a:fillRef>
-          <a:effectRef idx="0">
-            <a:schemeClr val="accent1"/>
-          </a:effectRef>
-          <a:fontRef idx="minor">
-            <a:schemeClr val="lt1"/>
-          </a:fontRef>
-        </p:style>
-      </p:sp>
-      <p:sp>
-        <p:nvSpPr>
-          <p:cNvPr id="14" name="Rectangle 13">
-            <a:extLst>
-              <a:ext uri="{FF2B5EF4-FFF2-40B4-BE49-F238E27FC236}">
-                <a16:creationId xmlns:a16="http://schemas.microsoft.com/office/drawing/2014/main" id="{64BC717F-58B3-4A4E-BC3B-1B11323AD5C9}"/>
-              </a:ext>
-              <a:ext uri="{C183D7F6-B498-43B3-948B-1728B52AA6E4}">
-                <adec:decorative xmlns:adec="http://schemas.microsoft.com/office/drawing/2017/decorative" val="1"/>
-              </a:ext>
-            </a:extLst>
-          </p:cNvPr>
-          <p:cNvSpPr>
-            <a:spLocks noGrp="1" noRot="1" noChangeAspect="1" noMove="1" noResize="1" noEditPoints="1" noAdjustHandles="1" noChangeArrowheads="1" noChangeShapeType="1" noTextEdit="1"/>
-          </p:cNvSpPr>
-          <p:nvPr>
-            <p:extLst>
-              <p:ext uri="{386F3935-93C4-4BCD-93E2-E3B085C9AB24}">
-                <p16:designElem xmlns:p16="http://schemas.microsoft.com/office/powerpoint/2015/main" val="1"/>
-              </p:ext>
-            </p:extLst>
-          </p:nvPr>
-        </p:nvSpPr>
-        <p:spPr>
-          <a:xfrm>
-            <a:off x="457200" y="5105400"/>
-            <a:ext cx="10835640" cy="1752600"/>
-          </a:xfrm>
-          <a:prstGeom prst="rect">
-            <a:avLst/>
-          </a:prstGeom>
-          <a:solidFill>
-            <a:srgbClr val="353537"/>
-          </a:solidFill>
-          <a:ln>
-            <a:noFill/>
-          </a:ln>
-        </p:spPr>
-        <p:style>
-          <a:lnRef idx="2">
-            <a:schemeClr val="accent1">
-              <a:shade val="50000"/>
-            </a:schemeClr>
-          </a:lnRef>
-          <a:fillRef idx="1">
-            <a:schemeClr val="accent1"/>
-          </a:fillRef>
-          <a:effectRef idx="0">
-            <a:schemeClr val="accent1"/>
-          </a:effectRef>
-          <a:fontRef idx="minor">
-            <a:schemeClr val="lt1"/>
-          </a:fontRef>
-        </p:style>
-      </p:sp>
-      <p:sp>
-        <p:nvSpPr>
-          <p:cNvPr id="2" name="Titolo 1">
-            <a:extLst>
-              <a:ext uri="{FF2B5EF4-FFF2-40B4-BE49-F238E27FC236}">
-                <a16:creationId xmlns:a16="http://schemas.microsoft.com/office/drawing/2014/main" id="{FD88AB67-D6CF-4A93-B39F-6EDEEE343FF8}"/>
-              </a:ext>
-            </a:extLst>
-          </p:cNvPr>
-          <p:cNvSpPr>
-            <a:spLocks noGrp="1"/>
-          </p:cNvSpPr>
-          <p:nvPr>
-            <p:ph type="title"/>
-          </p:nvPr>
-        </p:nvSpPr>
-        <p:spPr>
-          <a:xfrm>
-            <a:off x="944183" y="5181600"/>
-            <a:ext cx="10156435" cy="1076324"/>
-          </a:xfrm>
-        </p:spPr>
-        <p:txBody>
-          <a:bodyPr vert="horz" lIns="91440" tIns="45720" rIns="91440" bIns="45720" rtlCol="0" anchor="b">
-            <a:normAutofit/>
-          </a:bodyPr>
-          <a:lstStyle/>
-          <a:p>
-            <a:pPr>
-              <a:lnSpc>
-                <a:spcPct val="85000"/>
-              </a:lnSpc>
-            </a:pPr>
-            <a:r>
-              <a:rPr lang="en-US" sz="5400" dirty="0">
-                <a:solidFill>
-                  <a:srgbClr val="FFFFFF"/>
-                </a:solidFill>
-              </a:rPr>
-              <a:t>Output of ILASP task </a:t>
-            </a:r>
-          </a:p>
-        </p:txBody>
-      </p:sp>
-      <p:sp>
-        <p:nvSpPr>
-          <p:cNvPr id="16" name="Rectangle 15">
-            <a:extLst>
-              <a:ext uri="{FF2B5EF4-FFF2-40B4-BE49-F238E27FC236}">
-                <a16:creationId xmlns:a16="http://schemas.microsoft.com/office/drawing/2014/main" id="{1EE75710-64C5-4CA8-8A7C-82EE4125C90D}"/>
-              </a:ext>
-              <a:ext uri="{C183D7F6-B498-43B3-948B-1728B52AA6E4}">
-                <adec:decorative xmlns:adec="http://schemas.microsoft.com/office/drawing/2017/decorative" val="1"/>
-              </a:ext>
-            </a:extLst>
-          </p:cNvPr>
-          <p:cNvSpPr>
-            <a:spLocks noGrp="1" noRot="1" noChangeAspect="1" noMove="1" noResize="1" noEditPoints="1" noAdjustHandles="1" noChangeArrowheads="1" noChangeShapeType="1" noTextEdit="1"/>
-          </p:cNvSpPr>
-          <p:nvPr>
-            <p:extLst>
-              <p:ext uri="{386F3935-93C4-4BCD-93E2-E3B085C9AB24}">
-                <p16:designElem xmlns:p16="http://schemas.microsoft.com/office/powerpoint/2015/main" val="1"/>
-              </p:ext>
-            </p:extLst>
-          </p:nvPr>
-        </p:nvSpPr>
-        <p:spPr>
-          <a:xfrm>
-            <a:off x="0" y="0"/>
-            <a:ext cx="457200" cy="6858000"/>
-          </a:xfrm>
-          <a:prstGeom prst="rect">
-            <a:avLst/>
-          </a:prstGeom>
-          <a:solidFill>
-            <a:srgbClr val="6F6F74"/>
-          </a:solidFill>
-          <a:ln>
-            <a:noFill/>
-          </a:ln>
-        </p:spPr>
-        <p:style>
-          <a:lnRef idx="2">
-            <a:schemeClr val="accent1">
-              <a:shade val="50000"/>
-            </a:schemeClr>
-          </a:lnRef>
-          <a:fillRef idx="1">
-            <a:schemeClr val="accent1"/>
-          </a:fillRef>
-          <a:effectRef idx="0">
-            <a:schemeClr val="accent1"/>
-          </a:effectRef>
-          <a:fontRef idx="minor">
-            <a:schemeClr val="lt1"/>
-          </a:fontRef>
-        </p:style>
-        <p:txBody>
-          <a:bodyPr rtlCol="0" anchor="ctr"/>
-          <a:lstStyle/>
-          <a:p>
-            <a:pPr algn="ctr"/>
-            <a:endParaRPr lang="en-US"/>
-          </a:p>
-        </p:txBody>
-      </p:sp>
-      <p:sp>
-        <p:nvSpPr>
-          <p:cNvPr id="18" name="Rectangle 17">
-            <a:extLst>
-              <a:ext uri="{FF2B5EF4-FFF2-40B4-BE49-F238E27FC236}">
-                <a16:creationId xmlns:a16="http://schemas.microsoft.com/office/drawing/2014/main" id="{435050B1-74E1-4A81-923D-0F5971A3BC01}"/>
-              </a:ext>
-              <a:ext uri="{C183D7F6-B498-43B3-948B-1728B52AA6E4}">
-                <adec:decorative xmlns:adec="http://schemas.microsoft.com/office/drawing/2017/decorative" val="1"/>
-              </a:ext>
-            </a:extLst>
-          </p:cNvPr>
-          <p:cNvSpPr>
-            <a:spLocks noGrp="1" noRot="1" noChangeAspect="1" noMove="1" noResize="1" noEditPoints="1" noAdjustHandles="1" noChangeArrowheads="1" noChangeShapeType="1" noTextEdit="1"/>
-          </p:cNvSpPr>
-          <p:nvPr>
-            <p:extLst>
-              <p:ext uri="{386F3935-93C4-4BCD-93E2-E3B085C9AB24}">
-                <p16:designElem xmlns:p16="http://schemas.microsoft.com/office/powerpoint/2015/main" val="1"/>
-              </p:ext>
-            </p:extLst>
-          </p:nvPr>
-        </p:nvSpPr>
-        <p:spPr>
-          <a:xfrm>
-            <a:off x="11292840" y="0"/>
-            <a:ext cx="899160" cy="6858000"/>
-          </a:xfrm>
-          <a:prstGeom prst="rect">
-            <a:avLst/>
-          </a:prstGeom>
-          <a:solidFill>
-            <a:srgbClr val="353537"/>
-          </a:solidFill>
-          <a:ln>
-            <a:noFill/>
-          </a:ln>
-        </p:spPr>
-        <p:style>
-          <a:lnRef idx="2">
-            <a:schemeClr val="accent1">
-              <a:shade val="50000"/>
-            </a:schemeClr>
-          </a:lnRef>
-          <a:fillRef idx="1">
-            <a:schemeClr val="accent1"/>
-          </a:fillRef>
-          <a:effectRef idx="0">
-            <a:schemeClr val="accent1"/>
-          </a:effectRef>
-          <a:fontRef idx="minor">
-            <a:schemeClr val="lt1"/>
-          </a:fontRef>
-        </p:style>
-        <p:txBody>
-          <a:bodyPr rtlCol="0" anchor="ctr"/>
-          <a:lstStyle/>
-          <a:p>
-            <a:pPr algn="ctr"/>
-            <a:endParaRPr lang="en-US"/>
-          </a:p>
-        </p:txBody>
-      </p:sp>
-      <p:sp>
-        <p:nvSpPr>
-          <p:cNvPr id="6" name="CasellaDiTesto 5">
-            <a:extLst>
-              <a:ext uri="{FF2B5EF4-FFF2-40B4-BE49-F238E27FC236}">
-                <a16:creationId xmlns:a16="http://schemas.microsoft.com/office/drawing/2014/main" id="{27B443BC-F82B-41AF-BEB1-C959BA9E5DEE}"/>
-              </a:ext>
-            </a:extLst>
-          </p:cNvPr>
-          <p:cNvSpPr txBox="1"/>
-          <p:nvPr/>
-        </p:nvSpPr>
-        <p:spPr>
-          <a:xfrm>
-            <a:off x="3923357" y="4513302"/>
-            <a:ext cx="3970959" cy="369332"/>
-          </a:xfrm>
-          <a:prstGeom prst="rect">
-            <a:avLst/>
-          </a:prstGeom>
-          <a:noFill/>
-        </p:spPr>
-        <p:txBody>
-          <a:bodyPr wrap="none" rtlCol="0">
-            <a:spAutoFit/>
-          </a:bodyPr>
-          <a:lstStyle/>
-          <a:p>
-            <a:r>
-              <a:rPr lang="it-IT" dirty="0"/>
-              <a:t>(</a:t>
-            </a:r>
-            <a:r>
-              <a:rPr lang="it-IT" dirty="0" err="1"/>
-              <a:t>Vx</a:t>
-            </a:r>
-            <a:r>
-              <a:rPr lang="it-IT" dirty="0"/>
-              <a:t>, </a:t>
-            </a:r>
-            <a:r>
-              <a:rPr lang="it-IT" dirty="0" err="1"/>
-              <a:t>Vy</a:t>
-            </a:r>
-            <a:r>
-              <a:rPr lang="it-IT" dirty="0"/>
-              <a:t>) are </a:t>
-            </a:r>
-            <a:r>
-              <a:rPr lang="it-IT" dirty="0" err="1"/>
-              <a:t>coordinates</a:t>
-            </a:r>
-            <a:r>
-              <a:rPr lang="it-IT" dirty="0"/>
-              <a:t> on the </a:t>
-            </a:r>
-            <a:r>
-              <a:rPr lang="it-IT" dirty="0" err="1"/>
-              <a:t>grid</a:t>
-            </a:r>
-            <a:endParaRPr lang="it-IT" dirty="0"/>
-          </a:p>
-        </p:txBody>
-      </p:sp>
-      <p:pic>
-        <p:nvPicPr>
-          <p:cNvPr id="11" name="Immagine 10">
-            <a:extLst>
-              <a:ext uri="{FF2B5EF4-FFF2-40B4-BE49-F238E27FC236}">
-                <a16:creationId xmlns:a16="http://schemas.microsoft.com/office/drawing/2014/main" id="{4262E2BB-6F39-477D-9EC3-5D81CC8BBC56}"/>
-              </a:ext>
-            </a:extLst>
-          </p:cNvPr>
-          <p:cNvPicPr>
-            <a:picLocks noChangeAspect="1"/>
-          </p:cNvPicPr>
-          <p:nvPr/>
-        </p:nvPicPr>
-        <p:blipFill>
-          <a:blip r:embed="rId2">
-            <a:extLst>
-              <a:ext uri="{28A0092B-C50C-407E-A947-70E740481C1C}">
-                <a14:useLocalDpi xmlns:a14="http://schemas.microsoft.com/office/drawing/2010/main" val="0"/>
-              </a:ext>
-            </a:extLst>
-          </a:blip>
-          <a:stretch>
-            <a:fillRect/>
-          </a:stretch>
-        </p:blipFill>
-        <p:spPr>
-          <a:xfrm>
-            <a:off x="545782" y="1172647"/>
-            <a:ext cx="10658475" cy="3057525"/>
-          </a:xfrm>
-          <a:prstGeom prst="rect">
-            <a:avLst/>
-          </a:prstGeom>
-        </p:spPr>
-      </p:pic>
-    </p:spTree>
-    <p:extLst>
-      <p:ext uri="{BB962C8B-B14F-4D97-AF65-F5344CB8AC3E}">
-        <p14:creationId xmlns:p14="http://schemas.microsoft.com/office/powerpoint/2010/main" val="1946959615"/>
-      </p:ext>
-    </p:extLst>
-  </p:cSld>
-  <p:clrMapOvr>
-    <a:masterClrMapping/>
-  </p:clrMapOvr>
-</p:sld>
-</file>
-
-<file path=ppt/slides/slide13.xml><?xml version="1.0" encoding="utf-8"?>
-<p:sld xmlns:a="http://schemas.openxmlformats.org/drawingml/2006/main" xmlns:r="http://schemas.openxmlformats.org/officeDocument/2006/relationships" xmlns:p="http://schemas.openxmlformats.org/presentationml/2006/main">
-  <p:cSld>
-    <p:bg>
-      <p:bgPr>
-        <a:solidFill>
-          <a:schemeClr val="bg1"/>
-        </a:solidFill>
-        <a:effectLst/>
-      </p:bgPr>
-    </p:bg>
-    <p:spTree>
-      <p:nvGrpSpPr>
-        <p:cNvPr id="1" name=""/>
-        <p:cNvGrpSpPr/>
-        <p:nvPr/>
-      </p:nvGrpSpPr>
-      <p:grpSpPr>
-        <a:xfrm>
-          <a:off x="0" y="0"/>
-          <a:ext cx="0" cy="0"/>
-          <a:chOff x="0" y="0"/>
-          <a:chExt cx="0" cy="0"/>
-        </a:xfrm>
-      </p:grpSpPr>
-      <p:sp>
-        <p:nvSpPr>
           <p:cNvPr id="9" name="Rectangle 8">
             <a:extLst>
               <a:ext uri="{FF2B5EF4-FFF2-40B4-BE49-F238E27FC236}">
@@ -10910,36 +9358,6 @@
           </a:p>
         </p:txBody>
       </p:sp>
-      <p:pic>
-        <p:nvPicPr>
-          <p:cNvPr id="4" name="Immagine 3" descr="Immagine che contiene testo&#10;&#10;Descrizione generata automaticamente">
-            <a:extLst>
-              <a:ext uri="{FF2B5EF4-FFF2-40B4-BE49-F238E27FC236}">
-                <a16:creationId xmlns:a16="http://schemas.microsoft.com/office/drawing/2014/main" id="{1D1F2FC6-5D39-4761-A1C4-47AF748BE832}"/>
-              </a:ext>
-            </a:extLst>
-          </p:cNvPr>
-          <p:cNvPicPr>
-            <a:picLocks noChangeAspect="1"/>
-          </p:cNvPicPr>
-          <p:nvPr/>
-        </p:nvPicPr>
-        <p:blipFill>
-          <a:blip r:embed="rId2"/>
-          <a:stretch>
-            <a:fillRect/>
-          </a:stretch>
-        </p:blipFill>
-        <p:spPr>
-          <a:xfrm>
-            <a:off x="1112230" y="484632"/>
-            <a:ext cx="6241112" cy="5882248"/>
-          </a:xfrm>
-          <a:prstGeom prst="rect">
-            <a:avLst/>
-          </a:prstGeom>
-        </p:spPr>
-      </p:pic>
       <p:sp>
         <p:nvSpPr>
           <p:cNvPr id="17" name="Rectangle 16">
@@ -11003,6 +9421,36 @@
           </a:p>
         </p:txBody>
       </p:sp>
+      <p:pic>
+        <p:nvPicPr>
+          <p:cNvPr id="5" name="Immagine 4">
+            <a:extLst>
+              <a:ext uri="{FF2B5EF4-FFF2-40B4-BE49-F238E27FC236}">
+                <a16:creationId xmlns:a16="http://schemas.microsoft.com/office/drawing/2014/main" id="{662CFD65-98EC-4EAF-AD1B-EFF382586F0E}"/>
+              </a:ext>
+            </a:extLst>
+          </p:cNvPr>
+          <p:cNvPicPr>
+            <a:picLocks noChangeAspect="1"/>
+          </p:cNvPicPr>
+          <p:nvPr/>
+        </p:nvPicPr>
+        <p:blipFill>
+          <a:blip r:embed="rId2"/>
+          <a:stretch>
+            <a:fillRect/>
+          </a:stretch>
+        </p:blipFill>
+        <p:spPr>
+          <a:xfrm>
+            <a:off x="452283" y="-6488"/>
+            <a:ext cx="7500683" cy="6858000"/>
+          </a:xfrm>
+          <a:prstGeom prst="rect">
+            <a:avLst/>
+          </a:prstGeom>
+        </p:spPr>
+      </p:pic>
     </p:spTree>
     <p:extLst>
       <p:ext uri="{BB962C8B-B14F-4D97-AF65-F5344CB8AC3E}">
@@ -11016,7 +9464,7 @@
 </p:sld>
 </file>
 
-<file path=ppt/slides/slide14.xml><?xml version="1.0" encoding="utf-8"?>
+<file path=ppt/slides/slide11.xml><?xml version="1.0" encoding="utf-8"?>
 <p:sld xmlns:a="http://schemas.openxmlformats.org/drawingml/2006/main" xmlns:r="http://schemas.openxmlformats.org/officeDocument/2006/relationships" xmlns:p="http://schemas.openxmlformats.org/presentationml/2006/main">
   <p:cSld>
     <p:bg>
@@ -11067,17 +9515,17 @@
         </p:spPr>
         <p:txBody>
           <a:bodyPr>
-            <a:normAutofit fontScale="90000"/>
+            <a:normAutofit/>
           </a:bodyPr>
           <a:lstStyle/>
           <a:p>
             <a:pPr algn="ctr"/>
             <a:r>
-              <a:rPr lang="it-IT" sz="6800" dirty="0" err="1"/>
+              <a:rPr lang="it-IT" sz="5800" dirty="0" err="1"/>
               <a:t>Execution</a:t>
             </a:r>
             <a:r>
-              <a:rPr lang="it-IT" sz="6800" dirty="0"/>
+              <a:rPr lang="it-IT" sz="5800" dirty="0"/>
               <a:t> of the solver on the model</a:t>
             </a:r>
           </a:p>
@@ -11114,7 +9562,7 @@
             <a:pPr algn="ctr"/>
             <a:r>
               <a:rPr lang="it-IT" dirty="0" err="1"/>
-              <a:t>path</a:t>
+              <a:t>paths</a:t>
             </a:r>
             <a:r>
               <a:rPr lang="it-IT" dirty="0"/>
@@ -11146,10 +9594,10 @@
       </p:sp>
       <p:pic>
         <p:nvPicPr>
-          <p:cNvPr id="5" name="Immagine 4" descr="Immagine che contiene testo&#10;&#10;Descrizione generata automaticamente">
+          <p:cNvPr id="6" name="Immagine 5" descr="Immagine che contiene testo&#10;&#10;Descrizione generata automaticamente">
             <a:extLst>
               <a:ext uri="{FF2B5EF4-FFF2-40B4-BE49-F238E27FC236}">
-                <a16:creationId xmlns:a16="http://schemas.microsoft.com/office/drawing/2014/main" id="{69006E42-89D5-40ED-9ECE-7ACF1A3B9402}"/>
+                <a16:creationId xmlns:a16="http://schemas.microsoft.com/office/drawing/2014/main" id="{B5C21C61-EDE7-4B35-B381-1F295C321C80}"/>
               </a:ext>
             </a:extLst>
           </p:cNvPr>
@@ -11172,8 +9620,8 @@
         </p:blipFill>
         <p:spPr>
           <a:xfrm>
-            <a:off x="1348701" y="1580617"/>
-            <a:ext cx="9641841" cy="1904263"/>
+            <a:off x="917950" y="1473199"/>
+            <a:ext cx="10829545" cy="1868097"/>
           </a:xfrm>
           <a:prstGeom prst="rect">
             <a:avLst/>
@@ -11193,7 +9641,7 @@
 </p:sld>
 </file>
 
-<file path=ppt/slides/slide15.xml><?xml version="1.0" encoding="utf-8"?>
+<file path=ppt/slides/slide12.xml><?xml version="1.0" encoding="utf-8"?>
 <p:sld xmlns:a="http://schemas.openxmlformats.org/drawingml/2006/main" xmlns:r="http://schemas.openxmlformats.org/officeDocument/2006/relationships" xmlns:p="http://schemas.openxmlformats.org/presentationml/2006/main">
   <p:cSld>
     <p:bg>
@@ -11473,7 +9921,7 @@
 </p:sld>
 </file>
 
-<file path=ppt/slides/slide16.xml><?xml version="1.0" encoding="utf-8"?>
+<file path=ppt/slides/slide13.xml><?xml version="1.0" encoding="utf-8"?>
 <p:sld xmlns:a="http://schemas.openxmlformats.org/drawingml/2006/main" xmlns:r="http://schemas.openxmlformats.org/officeDocument/2006/relationships" xmlns:p="http://schemas.openxmlformats.org/presentationml/2006/main">
   <p:cSld>
     <p:bg>
@@ -12007,7 +10455,7 @@
 </p:sld>
 </file>
 
-<file path=ppt/slides/slide17.xml><?xml version="1.0" encoding="utf-8"?>
+<file path=ppt/slides/slide14.xml><?xml version="1.0" encoding="utf-8"?>
 <p:sld xmlns:a="http://schemas.openxmlformats.org/drawingml/2006/main" xmlns:r="http://schemas.openxmlformats.org/officeDocument/2006/relationships" xmlns:p="http://schemas.openxmlformats.org/presentationml/2006/main">
   <p:cSld>
     <p:spTree>
@@ -12483,802 +10931,6 @@
 </file>
 
 <file path=ppt/slides/slide2.xml><?xml version="1.0" encoding="utf-8"?>
-<p:sld xmlns:a="http://schemas.openxmlformats.org/drawingml/2006/main" xmlns:r="http://schemas.openxmlformats.org/officeDocument/2006/relationships" xmlns:p="http://schemas.openxmlformats.org/presentationml/2006/main">
-  <p:cSld>
-    <p:bg>
-      <p:bgPr>
-        <a:solidFill>
-          <a:schemeClr val="bg1"/>
-        </a:solidFill>
-        <a:effectLst/>
-      </p:bgPr>
-    </p:bg>
-    <p:spTree>
-      <p:nvGrpSpPr>
-        <p:cNvPr id="1" name=""/>
-        <p:cNvGrpSpPr/>
-        <p:nvPr/>
-      </p:nvGrpSpPr>
-      <p:grpSpPr>
-        <a:xfrm>
-          <a:off x="0" y="0"/>
-          <a:ext cx="0" cy="0"/>
-          <a:chOff x="0" y="0"/>
-          <a:chExt cx="0" cy="0"/>
-        </a:xfrm>
-      </p:grpSpPr>
-      <p:sp>
-        <p:nvSpPr>
-          <p:cNvPr id="14" name="Rectangle 14">
-            <a:extLst>
-              <a:ext uri="{FF2B5EF4-FFF2-40B4-BE49-F238E27FC236}">
-                <a16:creationId xmlns:a16="http://schemas.microsoft.com/office/drawing/2014/main" id="{6FA0A1AD-DEE2-4598-8D3B-C1F65F315A79}"/>
-              </a:ext>
-              <a:ext uri="{C183D7F6-B498-43B3-948B-1728B52AA6E4}">
-                <adec:decorative xmlns:adec="http://schemas.microsoft.com/office/drawing/2017/decorative" val="1"/>
-              </a:ext>
-            </a:extLst>
-          </p:cNvPr>
-          <p:cNvSpPr>
-            <a:spLocks noGrp="1" noRot="1" noChangeAspect="1" noMove="1" noResize="1" noEditPoints="1" noAdjustHandles="1" noChangeArrowheads="1" noChangeShapeType="1" noTextEdit="1"/>
-          </p:cNvSpPr>
-          <p:nvPr>
-            <p:extLst>
-              <p:ext uri="{386F3935-93C4-4BCD-93E2-E3B085C9AB24}">
-                <p16:designElem xmlns:p16="http://schemas.microsoft.com/office/powerpoint/2015/main" val="1"/>
-              </p:ext>
-            </p:extLst>
-          </p:nvPr>
-        </p:nvSpPr>
-        <p:spPr>
-          <a:xfrm>
-            <a:off x="11292840" y="0"/>
-            <a:ext cx="914400" cy="6858000"/>
-          </a:xfrm>
-          <a:prstGeom prst="rect">
-            <a:avLst/>
-          </a:prstGeom>
-          <a:solidFill>
-            <a:schemeClr val="tx2">
-              <a:lumMod val="75000"/>
-            </a:schemeClr>
-          </a:solidFill>
-          <a:ln>
-            <a:noFill/>
-          </a:ln>
-        </p:spPr>
-        <p:style>
-          <a:lnRef idx="2">
-            <a:schemeClr val="accent1">
-              <a:shade val="50000"/>
-            </a:schemeClr>
-          </a:lnRef>
-          <a:fillRef idx="1">
-            <a:schemeClr val="accent1"/>
-          </a:fillRef>
-          <a:effectRef idx="0">
-            <a:schemeClr val="accent1"/>
-          </a:effectRef>
-          <a:fontRef idx="minor">
-            <a:schemeClr val="lt1"/>
-          </a:fontRef>
-        </p:style>
-      </p:sp>
-      <p:sp>
-        <p:nvSpPr>
-          <p:cNvPr id="2" name="Titolo 1">
-            <a:extLst>
-              <a:ext uri="{FF2B5EF4-FFF2-40B4-BE49-F238E27FC236}">
-                <a16:creationId xmlns:a16="http://schemas.microsoft.com/office/drawing/2014/main" id="{073D3612-FE8B-4F10-B5D2-67FE18B58767}"/>
-              </a:ext>
-            </a:extLst>
-          </p:cNvPr>
-          <p:cNvSpPr>
-            <a:spLocks noGrp="1"/>
-          </p:cNvSpPr>
-          <p:nvPr>
-            <p:ph type="title"/>
-          </p:nvPr>
-        </p:nvSpPr>
-        <p:spPr>
-          <a:xfrm>
-            <a:off x="1261872" y="365760"/>
-            <a:ext cx="9692640" cy="1325562"/>
-          </a:xfrm>
-        </p:spPr>
-        <p:txBody>
-          <a:bodyPr vert="horz" lIns="91440" tIns="45720" rIns="91440" bIns="45720" rtlCol="0" anchor="b">
-            <a:normAutofit/>
-          </a:bodyPr>
-          <a:lstStyle/>
-          <a:p>
-            <a:r>
-              <a:rPr lang="en-US"/>
-              <a:t>The Maze Problem</a:t>
-            </a:r>
-          </a:p>
-        </p:txBody>
-      </p:sp>
-      <p:pic>
-        <p:nvPicPr>
-          <p:cNvPr id="6" name="Segnaposto contenuto 5" descr="An example of a Maze.">
-            <a:extLst>
-              <a:ext uri="{FF2B5EF4-FFF2-40B4-BE49-F238E27FC236}">
-                <a16:creationId xmlns:a16="http://schemas.microsoft.com/office/drawing/2014/main" id="{4CF8AF23-0ED4-40F6-BD49-8FDD1579BA03}"/>
-              </a:ext>
-              <a:ext uri="{C183D7F6-B498-43B3-948B-1728B52AA6E4}">
-                <adec:decorative xmlns:adec="http://schemas.microsoft.com/office/drawing/2017/decorative" val="0"/>
-              </a:ext>
-            </a:extLst>
-          </p:cNvPr>
-          <p:cNvPicPr>
-            <a:picLocks noGrp="1" noChangeAspect="1"/>
-          </p:cNvPicPr>
-          <p:nvPr>
-            <p:ph sz="half" idx="2"/>
-          </p:nvPr>
-        </p:nvPicPr>
-        <p:blipFill>
-          <a:blip r:embed="rId2">
-            <a:extLst>
-              <a:ext uri="{28A0092B-C50C-407E-A947-70E740481C1C}">
-                <a14:useLocalDpi xmlns:a14="http://schemas.microsoft.com/office/drawing/2010/main" val="0"/>
-              </a:ext>
-            </a:extLst>
-          </a:blip>
-          <a:stretch>
-            <a:fillRect/>
-          </a:stretch>
-        </p:blipFill>
-        <p:spPr>
-          <a:xfrm>
-            <a:off x="6095999" y="2245225"/>
-            <a:ext cx="4807287" cy="3016572"/>
-          </a:xfrm>
-          <a:prstGeom prst="rect">
-            <a:avLst/>
-          </a:prstGeom>
-        </p:spPr>
-      </p:pic>
-      <p:graphicFrame>
-        <p:nvGraphicFramePr>
-          <p:cNvPr id="10" name="Segnaposto contenuto 2">
-            <a:extLst>
-              <a:ext uri="{FF2B5EF4-FFF2-40B4-BE49-F238E27FC236}">
-                <a16:creationId xmlns:a16="http://schemas.microsoft.com/office/drawing/2014/main" id="{170EB54C-7864-4992-ACCA-F8BE4727E207}"/>
-              </a:ext>
-            </a:extLst>
-          </p:cNvPr>
-          <p:cNvGraphicFramePr>
-            <a:graphicFrameLocks noGrp="1"/>
-          </p:cNvGraphicFramePr>
-          <p:nvPr>
-            <p:ph sz="half" idx="1"/>
-            <p:extLst>
-              <p:ext uri="{D42A27DB-BD31-4B8C-83A1-F6EECF244321}">
-                <p14:modId xmlns:p14="http://schemas.microsoft.com/office/powerpoint/2010/main" val="4188925959"/>
-              </p:ext>
-            </p:extLst>
-          </p:nvPr>
-        </p:nvGraphicFramePr>
-        <p:xfrm>
-          <a:off x="1261872" y="1933575"/>
-          <a:ext cx="4401509" cy="4246562"/>
-        </p:xfrm>
-        <a:graphic>
-          <a:graphicData uri="http://schemas.openxmlformats.org/drawingml/2006/diagram">
-            <dgm:relIds xmlns:dgm="http://schemas.openxmlformats.org/drawingml/2006/diagram" xmlns:r="http://schemas.openxmlformats.org/officeDocument/2006/relationships" r:dm="rId3" r:lo="rId4" r:qs="rId5" r:cs="rId6"/>
-          </a:graphicData>
-        </a:graphic>
-      </p:graphicFrame>
-      <p:sp>
-        <p:nvSpPr>
-          <p:cNvPr id="7" name="CasellaDiTesto 6">
-            <a:extLst>
-              <a:ext uri="{FF2B5EF4-FFF2-40B4-BE49-F238E27FC236}">
-                <a16:creationId xmlns:a16="http://schemas.microsoft.com/office/drawing/2014/main" id="{127EF4E3-9F01-410C-81FC-406F9C18740B}"/>
-              </a:ext>
-            </a:extLst>
-          </p:cNvPr>
-          <p:cNvSpPr txBox="1"/>
-          <p:nvPr/>
-        </p:nvSpPr>
-        <p:spPr>
-          <a:xfrm>
-            <a:off x="6312091" y="5198400"/>
-            <a:ext cx="4401509" cy="338554"/>
-          </a:xfrm>
-          <a:prstGeom prst="rect">
-            <a:avLst/>
-          </a:prstGeom>
-          <a:noFill/>
-        </p:spPr>
-        <p:txBody>
-          <a:bodyPr wrap="square" rtlCol="0">
-            <a:spAutoFit/>
-          </a:bodyPr>
-          <a:lstStyle/>
-          <a:p>
-            <a:pPr algn="ctr"/>
-            <a:r>
-              <a:rPr lang="it-IT" sz="1600" dirty="0"/>
-              <a:t>An </a:t>
-            </a:r>
-            <a:r>
-              <a:rPr lang="it-IT" sz="1600" dirty="0" err="1"/>
-              <a:t>example</a:t>
-            </a:r>
-            <a:r>
-              <a:rPr lang="it-IT" sz="1600" dirty="0"/>
-              <a:t> of a </a:t>
-            </a:r>
-            <a:r>
-              <a:rPr lang="it-IT" sz="1600" dirty="0" err="1"/>
-              <a:t>Maze</a:t>
-            </a:r>
-            <a:endParaRPr lang="it-IT" sz="1600" dirty="0"/>
-          </a:p>
-        </p:txBody>
-      </p:sp>
-    </p:spTree>
-    <p:extLst>
-      <p:ext uri="{BB962C8B-B14F-4D97-AF65-F5344CB8AC3E}">
-        <p14:creationId xmlns:p14="http://schemas.microsoft.com/office/powerpoint/2010/main" val="4057583148"/>
-      </p:ext>
-    </p:extLst>
-  </p:cSld>
-  <p:clrMapOvr>
-    <a:masterClrMapping/>
-  </p:clrMapOvr>
-</p:sld>
-</file>
-
-<file path=ppt/slides/slide3.xml><?xml version="1.0" encoding="utf-8"?>
-<p:sld xmlns:a="http://schemas.openxmlformats.org/drawingml/2006/main" xmlns:r="http://schemas.openxmlformats.org/officeDocument/2006/relationships" xmlns:p="http://schemas.openxmlformats.org/presentationml/2006/main">
-  <p:cSld>
-    <p:spTree>
-      <p:nvGrpSpPr>
-        <p:cNvPr id="1" name=""/>
-        <p:cNvGrpSpPr/>
-        <p:nvPr/>
-      </p:nvGrpSpPr>
-      <p:grpSpPr>
-        <a:xfrm>
-          <a:off x="0" y="0"/>
-          <a:ext cx="0" cy="0"/>
-          <a:chOff x="0" y="0"/>
-          <a:chExt cx="0" cy="0"/>
-        </a:xfrm>
-      </p:grpSpPr>
-      <p:sp>
-        <p:nvSpPr>
-          <p:cNvPr id="2" name="Titolo 1">
-            <a:extLst>
-              <a:ext uri="{FF2B5EF4-FFF2-40B4-BE49-F238E27FC236}">
-                <a16:creationId xmlns:a16="http://schemas.microsoft.com/office/drawing/2014/main" id="{41CFDFF0-3FAB-4A5F-B25B-8669462F56E4}"/>
-              </a:ext>
-            </a:extLst>
-          </p:cNvPr>
-          <p:cNvSpPr>
-            <a:spLocks noGrp="1"/>
-          </p:cNvSpPr>
-          <p:nvPr>
-            <p:ph type="title"/>
-          </p:nvPr>
-        </p:nvSpPr>
-        <p:spPr/>
-        <p:txBody>
-          <a:bodyPr/>
-          <a:lstStyle/>
-          <a:p>
-            <a:r>
-              <a:rPr lang="it-IT" dirty="0" err="1"/>
-              <a:t>Our</a:t>
-            </a:r>
-            <a:r>
-              <a:rPr lang="it-IT" dirty="0"/>
-              <a:t> tools</a:t>
-            </a:r>
-          </a:p>
-        </p:txBody>
-      </p:sp>
-      <p:sp>
-        <p:nvSpPr>
-          <p:cNvPr id="3" name="Segnaposto contenuto 2">
-            <a:extLst>
-              <a:ext uri="{FF2B5EF4-FFF2-40B4-BE49-F238E27FC236}">
-                <a16:creationId xmlns:a16="http://schemas.microsoft.com/office/drawing/2014/main" id="{3775ED68-4E4F-4308-8C82-701ADA261E19}"/>
-              </a:ext>
-            </a:extLst>
-          </p:cNvPr>
-          <p:cNvSpPr>
-            <a:spLocks noGrp="1"/>
-          </p:cNvSpPr>
-          <p:nvPr>
-            <p:ph idx="1"/>
-          </p:nvPr>
-        </p:nvSpPr>
-        <p:spPr/>
-        <p:txBody>
-          <a:bodyPr>
-            <a:normAutofit/>
-          </a:bodyPr>
-          <a:lstStyle/>
-          <a:p>
-            <a:r>
-              <a:rPr lang="it-IT" sz="2400" b="1" dirty="0"/>
-              <a:t>HYPER</a:t>
-            </a:r>
-            <a:r>
-              <a:rPr lang="it-IT" sz="2400" dirty="0"/>
-              <a:t> (</a:t>
-            </a:r>
-            <a:r>
-              <a:rPr lang="it-IT" sz="2400" dirty="0" err="1"/>
-              <a:t>Bratko</a:t>
-            </a:r>
-            <a:r>
-              <a:rPr lang="it-IT" sz="2400" dirty="0"/>
-              <a:t>, 1999): </a:t>
-            </a:r>
-            <a:r>
-              <a:rPr lang="it-IT" sz="2400" dirty="0" err="1"/>
-              <a:t>Based</a:t>
-            </a:r>
-            <a:r>
-              <a:rPr lang="it-IT" sz="2400" dirty="0"/>
-              <a:t> on Top-down </a:t>
-            </a:r>
-            <a:r>
-              <a:rPr lang="it-IT" sz="2400" dirty="0" err="1"/>
-              <a:t>search</a:t>
-            </a:r>
-            <a:r>
-              <a:rPr lang="it-IT" sz="2400" dirty="0"/>
-              <a:t> in the </a:t>
-            </a:r>
-            <a:r>
-              <a:rPr lang="it-IT" sz="2400" dirty="0" err="1"/>
-              <a:t>hypothesis</a:t>
-            </a:r>
-            <a:r>
-              <a:rPr lang="it-IT" sz="2400" dirty="0"/>
-              <a:t> </a:t>
-            </a:r>
-            <a:r>
-              <a:rPr lang="it-IT" sz="2400" dirty="0" err="1"/>
-              <a:t>space</a:t>
-            </a:r>
-            <a:r>
-              <a:rPr lang="it-IT" sz="2400" dirty="0"/>
-              <a:t> (Best-first </a:t>
-            </a:r>
-            <a:r>
-              <a:rPr lang="it-IT" sz="2400" dirty="0" err="1"/>
-              <a:t>search</a:t>
-            </a:r>
-            <a:r>
-              <a:rPr lang="it-IT" sz="2400" dirty="0"/>
-              <a:t>).</a:t>
-            </a:r>
-          </a:p>
-          <a:p>
-            <a:r>
-              <a:rPr lang="it-IT" sz="2400" b="1" dirty="0" err="1"/>
-              <a:t>Metagol</a:t>
-            </a:r>
-            <a:r>
-              <a:rPr lang="it-IT" sz="2400" dirty="0"/>
-              <a:t> (</a:t>
-            </a:r>
-            <a:r>
-              <a:rPr lang="it-IT" sz="2400" dirty="0" err="1"/>
-              <a:t>Cropper</a:t>
-            </a:r>
-            <a:r>
-              <a:rPr lang="it-IT" sz="2400" dirty="0"/>
-              <a:t>, </a:t>
-            </a:r>
-            <a:r>
-              <a:rPr lang="it-IT" sz="2400" dirty="0" err="1"/>
-              <a:t>Muggleton</a:t>
-            </a:r>
-            <a:r>
-              <a:rPr lang="it-IT" sz="2400" dirty="0"/>
-              <a:t>, 2016): </a:t>
-            </a:r>
-            <a:r>
-              <a:rPr lang="it-IT" sz="2400" dirty="0" err="1"/>
-              <a:t>Based</a:t>
-            </a:r>
-            <a:r>
-              <a:rPr lang="it-IT" sz="2400" dirty="0"/>
-              <a:t> on meta-interpretative learning.</a:t>
-            </a:r>
-          </a:p>
-          <a:p>
-            <a:r>
-              <a:rPr lang="it-IT" sz="2400" b="1" dirty="0"/>
-              <a:t>ILASP </a:t>
-            </a:r>
-            <a:r>
-              <a:rPr lang="it-IT" sz="2400" dirty="0"/>
-              <a:t>(</a:t>
-            </a:r>
-            <a:r>
-              <a:rPr lang="it-IT" sz="2400" dirty="0" err="1"/>
-              <a:t>Law</a:t>
-            </a:r>
-            <a:r>
-              <a:rPr lang="it-IT" sz="2400" dirty="0"/>
-              <a:t>, 2018): </a:t>
-            </a:r>
-            <a:r>
-              <a:rPr lang="it-IT" sz="2400" dirty="0" err="1"/>
-              <a:t>Inductive</a:t>
-            </a:r>
-            <a:r>
-              <a:rPr lang="it-IT" sz="2400" dirty="0"/>
-              <a:t> </a:t>
-            </a:r>
-            <a:r>
-              <a:rPr lang="it-IT" sz="2400" dirty="0" err="1"/>
-              <a:t>Logic</a:t>
-            </a:r>
-            <a:r>
-              <a:rPr lang="it-IT" sz="2400" dirty="0"/>
-              <a:t> Programming in the </a:t>
-            </a:r>
-            <a:r>
-              <a:rPr lang="it-IT" sz="2400" dirty="0" err="1"/>
-              <a:t>context</a:t>
-            </a:r>
-            <a:r>
-              <a:rPr lang="it-IT" sz="2400" dirty="0"/>
-              <a:t> of </a:t>
-            </a:r>
-            <a:r>
-              <a:rPr lang="it-IT" sz="2400" dirty="0" err="1"/>
-              <a:t>Answer</a:t>
-            </a:r>
-            <a:r>
-              <a:rPr lang="it-IT" sz="2400" dirty="0"/>
-              <a:t> Set Programs (ASP).</a:t>
-            </a:r>
-            <a:endParaRPr lang="it-IT" sz="2400" b="1" dirty="0"/>
-          </a:p>
-        </p:txBody>
-      </p:sp>
-    </p:spTree>
-    <p:extLst>
-      <p:ext uri="{BB962C8B-B14F-4D97-AF65-F5344CB8AC3E}">
-        <p14:creationId xmlns:p14="http://schemas.microsoft.com/office/powerpoint/2010/main" val="608682339"/>
-      </p:ext>
-    </p:extLst>
-  </p:cSld>
-  <p:clrMapOvr>
-    <a:masterClrMapping/>
-  </p:clrMapOvr>
-</p:sld>
-</file>
-
-<file path=ppt/slides/slide4.xml><?xml version="1.0" encoding="utf-8"?>
-<p:sld xmlns:a="http://schemas.openxmlformats.org/drawingml/2006/main" xmlns:r="http://schemas.openxmlformats.org/officeDocument/2006/relationships" xmlns:p="http://schemas.openxmlformats.org/presentationml/2006/main">
-  <p:cSld>
-    <p:spTree>
-      <p:nvGrpSpPr>
-        <p:cNvPr id="1" name=""/>
-        <p:cNvGrpSpPr/>
-        <p:nvPr/>
-      </p:nvGrpSpPr>
-      <p:grpSpPr>
-        <a:xfrm>
-          <a:off x="0" y="0"/>
-          <a:ext cx="0" cy="0"/>
-          <a:chOff x="0" y="0"/>
-          <a:chExt cx="0" cy="0"/>
-        </a:xfrm>
-      </p:grpSpPr>
-      <p:sp>
-        <p:nvSpPr>
-          <p:cNvPr id="2" name="Titolo 1">
-            <a:extLst>
-              <a:ext uri="{FF2B5EF4-FFF2-40B4-BE49-F238E27FC236}">
-                <a16:creationId xmlns:a16="http://schemas.microsoft.com/office/drawing/2014/main" id="{A2A47A9F-C668-4B30-AAE9-9F1FDA9252E1}"/>
-              </a:ext>
-            </a:extLst>
-          </p:cNvPr>
-          <p:cNvSpPr>
-            <a:spLocks noGrp="1"/>
-          </p:cNvSpPr>
-          <p:nvPr>
-            <p:ph type="title"/>
-          </p:nvPr>
-        </p:nvSpPr>
-        <p:spPr/>
-        <p:txBody>
-          <a:bodyPr/>
-          <a:lstStyle/>
-          <a:p>
-            <a:r>
-              <a:rPr lang="it-IT" dirty="0" err="1"/>
-              <a:t>Our</a:t>
-            </a:r>
-            <a:r>
-              <a:rPr lang="it-IT" dirty="0"/>
-              <a:t> goals</a:t>
-            </a:r>
-          </a:p>
-        </p:txBody>
-      </p:sp>
-      <p:sp>
-        <p:nvSpPr>
-          <p:cNvPr id="3" name="Segnaposto contenuto 2">
-            <a:extLst>
-              <a:ext uri="{FF2B5EF4-FFF2-40B4-BE49-F238E27FC236}">
-                <a16:creationId xmlns:a16="http://schemas.microsoft.com/office/drawing/2014/main" id="{C679163A-BF46-4066-A2D5-90825139BA23}"/>
-              </a:ext>
-            </a:extLst>
-          </p:cNvPr>
-          <p:cNvSpPr>
-            <a:spLocks noGrp="1"/>
-          </p:cNvSpPr>
-          <p:nvPr>
-            <p:ph idx="1"/>
-          </p:nvPr>
-        </p:nvSpPr>
-        <p:spPr/>
-        <p:txBody>
-          <a:bodyPr>
-            <a:normAutofit/>
-          </a:bodyPr>
-          <a:lstStyle/>
-          <a:p>
-            <a:r>
-              <a:rPr lang="it-IT" sz="2800" dirty="0"/>
-              <a:t>Of </a:t>
-            </a:r>
-            <a:r>
-              <a:rPr lang="it-IT" sz="2800" dirty="0" err="1"/>
-              <a:t>course</a:t>
-            </a:r>
-            <a:r>
-              <a:rPr lang="it-IT" sz="2800" dirty="0"/>
-              <a:t>, solving the </a:t>
-            </a:r>
-            <a:r>
-              <a:rPr lang="it-IT" sz="2800" dirty="0" err="1"/>
-              <a:t>Maze</a:t>
-            </a:r>
-            <a:r>
-              <a:rPr lang="it-IT" sz="2800" dirty="0"/>
-              <a:t> </a:t>
-            </a:r>
-            <a:r>
-              <a:rPr lang="it-IT" sz="2800" dirty="0" err="1"/>
-              <a:t>problem</a:t>
-            </a:r>
-            <a:r>
-              <a:rPr lang="it-IT" sz="2800" dirty="0"/>
-              <a:t>.</a:t>
-            </a:r>
-          </a:p>
-          <a:p>
-            <a:pPr lvl="1"/>
-            <a:r>
-              <a:rPr lang="it-IT" sz="2400" dirty="0"/>
-              <a:t>In some </a:t>
-            </a:r>
-            <a:r>
-              <a:rPr lang="it-IT" sz="2400" dirty="0" err="1"/>
-              <a:t>cases</a:t>
-            </a:r>
-            <a:r>
-              <a:rPr lang="it-IT" sz="2400" dirty="0"/>
-              <a:t>, </a:t>
-            </a:r>
-            <a:r>
-              <a:rPr lang="it-IT" sz="2400" dirty="0" err="1"/>
-              <a:t>directly</a:t>
-            </a:r>
-            <a:r>
-              <a:rPr lang="it-IT" sz="2400" dirty="0"/>
-              <a:t> </a:t>
-            </a:r>
-            <a:r>
-              <a:rPr lang="it-IT" sz="2400" dirty="0" err="1"/>
-              <a:t>through</a:t>
-            </a:r>
-            <a:r>
-              <a:rPr lang="it-IT" sz="2400" dirty="0"/>
-              <a:t> ILP;</a:t>
-            </a:r>
-          </a:p>
-          <a:p>
-            <a:pPr lvl="1"/>
-            <a:r>
-              <a:rPr lang="it-IT" sz="2400" dirty="0" err="1"/>
-              <a:t>Otherwise</a:t>
-            </a:r>
-            <a:r>
-              <a:rPr lang="it-IT" sz="2400" dirty="0"/>
-              <a:t>, </a:t>
-            </a:r>
-            <a:r>
-              <a:rPr lang="it-IT" sz="2400" dirty="0" err="1"/>
-              <a:t>using</a:t>
-            </a:r>
-            <a:r>
-              <a:rPr lang="it-IT" sz="2400" dirty="0"/>
-              <a:t> the code </a:t>
-            </a:r>
-            <a:r>
-              <a:rPr lang="it-IT" sz="2400" dirty="0" err="1"/>
-              <a:t>learned</a:t>
-            </a:r>
-            <a:r>
-              <a:rPr lang="it-IT" sz="2400" dirty="0"/>
-              <a:t> </a:t>
-            </a:r>
-            <a:r>
-              <a:rPr lang="it-IT" sz="2400" dirty="0" err="1"/>
-              <a:t>through</a:t>
-            </a:r>
-            <a:r>
-              <a:rPr lang="it-IT" sz="2400" dirty="0"/>
-              <a:t> ILP.</a:t>
-            </a:r>
-          </a:p>
-          <a:p>
-            <a:r>
-              <a:rPr lang="it-IT" sz="2800" dirty="0" err="1"/>
-              <a:t>Comparing</a:t>
-            </a:r>
-            <a:r>
-              <a:rPr lang="it-IT" sz="2800" dirty="0"/>
-              <a:t> HYPER, </a:t>
-            </a:r>
-            <a:r>
-              <a:rPr lang="it-IT" sz="2800" dirty="0" err="1"/>
-              <a:t>Metagol</a:t>
-            </a:r>
-            <a:r>
-              <a:rPr lang="it-IT" sz="2800" dirty="0"/>
-              <a:t> and ILASP.</a:t>
-            </a:r>
-          </a:p>
-          <a:p>
-            <a:pPr lvl="1"/>
-            <a:r>
-              <a:rPr lang="it-IT" sz="2400" dirty="0" err="1"/>
-              <a:t>Different</a:t>
-            </a:r>
-            <a:r>
-              <a:rPr lang="it-IT" sz="2400" dirty="0"/>
-              <a:t> systems produce </a:t>
-            </a:r>
-            <a:r>
-              <a:rPr lang="it-IT" sz="2400" b="1" dirty="0" err="1"/>
-              <a:t>different</a:t>
-            </a:r>
-            <a:r>
-              <a:rPr lang="it-IT" sz="2400" b="1" dirty="0"/>
-              <a:t> performances.</a:t>
-            </a:r>
-          </a:p>
-          <a:p>
-            <a:pPr lvl="1"/>
-            <a:r>
-              <a:rPr lang="it-IT" sz="2400" dirty="0"/>
-              <a:t>Not </a:t>
-            </a:r>
-            <a:r>
-              <a:rPr lang="it-IT" sz="2400" dirty="0" err="1"/>
-              <a:t>only</a:t>
-            </a:r>
-            <a:r>
-              <a:rPr lang="it-IT" sz="2400" dirty="0"/>
-              <a:t>, </a:t>
-            </a:r>
-            <a:r>
-              <a:rPr lang="it-IT" sz="2400" dirty="0" err="1"/>
-              <a:t>they</a:t>
-            </a:r>
-            <a:r>
-              <a:rPr lang="it-IT" sz="2400" dirty="0"/>
-              <a:t> can </a:t>
-            </a:r>
-            <a:r>
-              <a:rPr lang="it-IT" sz="2400" dirty="0" err="1"/>
-              <a:t>also</a:t>
-            </a:r>
-            <a:r>
-              <a:rPr lang="it-IT" sz="2400" dirty="0"/>
-              <a:t> lead to </a:t>
-            </a:r>
-            <a:r>
-              <a:rPr lang="it-IT" sz="2400" dirty="0" err="1"/>
-              <a:t>huge</a:t>
-            </a:r>
-            <a:r>
-              <a:rPr lang="it-IT" sz="2400" dirty="0"/>
-              <a:t> </a:t>
-            </a:r>
-            <a:r>
-              <a:rPr lang="it-IT" sz="2400" b="1" dirty="0" err="1"/>
-              <a:t>differences</a:t>
-            </a:r>
-            <a:r>
-              <a:rPr lang="it-IT" sz="2400" b="1" dirty="0"/>
-              <a:t> in the </a:t>
-            </a:r>
-            <a:r>
-              <a:rPr lang="it-IT" sz="2400" b="1" dirty="0" err="1"/>
-              <a:t>approach</a:t>
-            </a:r>
-            <a:r>
-              <a:rPr lang="it-IT" sz="2400" dirty="0"/>
-              <a:t> of the </a:t>
-            </a:r>
-            <a:r>
-              <a:rPr lang="it-IT" sz="2400" dirty="0" err="1"/>
-              <a:t>problem</a:t>
-            </a:r>
-            <a:r>
-              <a:rPr lang="it-IT" sz="2400" dirty="0"/>
-              <a:t>.</a:t>
-            </a:r>
-          </a:p>
-          <a:p>
-            <a:r>
-              <a:rPr lang="it-IT" sz="2600" dirty="0" err="1"/>
-              <a:t>Further</a:t>
-            </a:r>
-            <a:r>
-              <a:rPr lang="it-IT" sz="2600" dirty="0"/>
-              <a:t> </a:t>
-            </a:r>
-            <a:r>
-              <a:rPr lang="it-IT" sz="2600" b="1" dirty="0" err="1"/>
-              <a:t>studying</a:t>
-            </a:r>
-            <a:r>
-              <a:rPr lang="it-IT" sz="2600" dirty="0"/>
-              <a:t> and </a:t>
-            </a:r>
-            <a:r>
-              <a:rPr lang="it-IT" sz="2600" b="1" dirty="0" err="1"/>
-              <a:t>analyzing</a:t>
-            </a:r>
-            <a:r>
-              <a:rPr lang="it-IT" sz="2600" dirty="0"/>
-              <a:t> </a:t>
-            </a:r>
-            <a:r>
-              <a:rPr lang="it-IT" sz="2600" dirty="0" err="1"/>
-              <a:t>these</a:t>
-            </a:r>
-            <a:r>
-              <a:rPr lang="it-IT" sz="2600" dirty="0"/>
-              <a:t> ILP techniques.</a:t>
-            </a:r>
-          </a:p>
-        </p:txBody>
-      </p:sp>
-    </p:spTree>
-    <p:extLst>
-      <p:ext uri="{BB962C8B-B14F-4D97-AF65-F5344CB8AC3E}">
-        <p14:creationId xmlns:p14="http://schemas.microsoft.com/office/powerpoint/2010/main" val="2146634249"/>
-      </p:ext>
-    </p:extLst>
-  </p:cSld>
-  <p:clrMapOvr>
-    <a:masterClrMapping/>
-  </p:clrMapOvr>
-</p:sld>
-</file>
-
-<file path=ppt/slides/slide5.xml><?xml version="1.0" encoding="utf-8"?>
 <p:sld xmlns:a="http://schemas.openxmlformats.org/drawingml/2006/main" xmlns:r="http://schemas.openxmlformats.org/officeDocument/2006/relationships" xmlns:p="http://schemas.openxmlformats.org/presentationml/2006/main">
   <p:cSld>
     <p:spTree>
@@ -14722,7 +12374,7 @@
 </p:sld>
 </file>
 
-<file path=ppt/slides/slide6.xml><?xml version="1.0" encoding="utf-8"?>
+<file path=ppt/slides/slide3.xml><?xml version="1.0" encoding="utf-8"?>
 <p:sld xmlns:a="http://schemas.openxmlformats.org/drawingml/2006/main" xmlns:r="http://schemas.openxmlformats.org/officeDocument/2006/relationships" xmlns:p="http://schemas.openxmlformats.org/presentationml/2006/main">
   <p:cSld>
     <p:spTree>
@@ -14829,7 +12481,7 @@
 </p:sld>
 </file>
 
-<file path=ppt/slides/slide7.xml><?xml version="1.0" encoding="utf-8"?>
+<file path=ppt/slides/slide4.xml><?xml version="1.0" encoding="utf-8"?>
 <p:sld xmlns:a="http://schemas.openxmlformats.org/drawingml/2006/main" xmlns:r="http://schemas.openxmlformats.org/officeDocument/2006/relationships" xmlns:p="http://schemas.openxmlformats.org/presentationml/2006/main">
   <p:cSld>
     <p:bg>
@@ -14872,7 +12524,7 @@
         </p:nvSpPr>
         <p:spPr>
           <a:xfrm>
-            <a:off x="435428" y="165463"/>
+            <a:off x="4965290" y="365760"/>
             <a:ext cx="5997678" cy="1325562"/>
           </a:xfrm>
         </p:spPr>
@@ -14883,13 +12535,49 @@
           <a:lstStyle/>
           <a:p>
             <a:r>
-              <a:rPr lang="it-IT"/>
-              <a:t>Brief recap on ASP</a:t>
-            </a:r>
-            <a:endParaRPr lang="it-IT" dirty="0"/>
+              <a:rPr lang="it-IT" dirty="0"/>
+              <a:t>Brief </a:t>
+            </a:r>
+            <a:r>
+              <a:rPr lang="it-IT" dirty="0" err="1"/>
+              <a:t>overview</a:t>
+            </a:r>
+            <a:r>
+              <a:rPr lang="it-IT" dirty="0"/>
+              <a:t> on ASP</a:t>
+            </a:r>
           </a:p>
         </p:txBody>
       </p:sp>
+      <p:pic>
+        <p:nvPicPr>
+          <p:cNvPr id="5" name="Picture 4" descr="Metal tic-tac-toe game pieces">
+            <a:extLst>
+              <a:ext uri="{FF2B5EF4-FFF2-40B4-BE49-F238E27FC236}">
+                <a16:creationId xmlns:a16="http://schemas.microsoft.com/office/drawing/2014/main" id="{743019F5-DE6A-4708-9DE8-E996196EF4A9}"/>
+              </a:ext>
+            </a:extLst>
+          </p:cNvPr>
+          <p:cNvPicPr>
+            <a:picLocks noChangeAspect="1"/>
+          </p:cNvPicPr>
+          <p:nvPr/>
+        </p:nvPicPr>
+        <p:blipFill rotWithShape="1">
+          <a:blip r:embed="rId2"/>
+          <a:srcRect l="17787" r="31324"/>
+          <a:stretch/>
+        </p:blipFill>
+        <p:spPr>
+          <a:xfrm>
+            <a:off x="20" y="10"/>
+            <a:ext cx="4653291" cy="6857990"/>
+          </a:xfrm>
+          <a:prstGeom prst="rect">
+            <a:avLst/>
+          </a:prstGeom>
+        </p:spPr>
+      </p:pic>
       <p:sp>
         <p:nvSpPr>
           <p:cNvPr id="3" name="Segnaposto contenuto 2">
@@ -14908,8 +12596,8 @@
         </p:nvSpPr>
         <p:spPr>
           <a:xfrm>
-            <a:off x="435428" y="1706880"/>
-            <a:ext cx="10545433" cy="4667794"/>
+            <a:off x="4965290" y="2005739"/>
+            <a:ext cx="6015571" cy="4174398"/>
           </a:xfrm>
         </p:spPr>
         <p:txBody>
@@ -14922,15 +12610,155 @@
               <a:buNone/>
             </a:pPr>
             <a:r>
-              <a:rPr lang="it-IT"/>
-              <a:t>ASP model is (roughly speaking) a set of rules that represent logics of a problem. The solver tries to find all interpretations (atoms wich are true) that satisfies rules, namely the </a:t>
-            </a:r>
-            <a:r>
-              <a:rPr lang="it-IT" b="1"/>
-              <a:t>Answer sets</a:t>
-            </a:r>
-            <a:r>
-              <a:rPr lang="it-IT"/>
+              <a:rPr lang="it-IT" sz="1400" dirty="0"/>
+              <a:t>ASP model </a:t>
+            </a:r>
+            <a:r>
+              <a:rPr lang="it-IT" sz="1400" dirty="0" err="1"/>
+              <a:t>is</a:t>
+            </a:r>
+            <a:r>
+              <a:rPr lang="it-IT" sz="1400" dirty="0"/>
+              <a:t> (</a:t>
+            </a:r>
+            <a:r>
+              <a:rPr lang="it-IT" sz="1400" dirty="0" err="1"/>
+              <a:t>roughly</a:t>
+            </a:r>
+            <a:r>
+              <a:rPr lang="it-IT" sz="1400" dirty="0"/>
+              <a:t> </a:t>
+            </a:r>
+            <a:r>
+              <a:rPr lang="it-IT" sz="1400" dirty="0" err="1"/>
+              <a:t>speaking</a:t>
+            </a:r>
+            <a:r>
+              <a:rPr lang="it-IT" sz="1400" dirty="0"/>
+              <a:t>) a set of rules </a:t>
+            </a:r>
+            <a:r>
+              <a:rPr lang="it-IT" sz="1400" dirty="0" err="1"/>
+              <a:t>that</a:t>
+            </a:r>
+            <a:r>
+              <a:rPr lang="it-IT" sz="1400" dirty="0"/>
+              <a:t> </a:t>
+            </a:r>
+            <a:r>
+              <a:rPr lang="it-IT" sz="1400" dirty="0" err="1"/>
+              <a:t>represent</a:t>
+            </a:r>
+            <a:r>
+              <a:rPr lang="it-IT" sz="1400" dirty="0"/>
+              <a:t> </a:t>
+            </a:r>
+            <a:r>
+              <a:rPr lang="it-IT" sz="1400" dirty="0" err="1"/>
+              <a:t>logics</a:t>
+            </a:r>
+            <a:r>
+              <a:rPr lang="it-IT" sz="1400" dirty="0"/>
+              <a:t> of a </a:t>
+            </a:r>
+            <a:r>
+              <a:rPr lang="it-IT" sz="1400" dirty="0" err="1"/>
+              <a:t>problem</a:t>
+            </a:r>
+            <a:r>
+              <a:rPr lang="it-IT" sz="1400" dirty="0"/>
+              <a:t>. The solver </a:t>
+            </a:r>
+            <a:r>
+              <a:rPr lang="it-IT" sz="1400" dirty="0" err="1"/>
+              <a:t>tries</a:t>
+            </a:r>
+            <a:r>
+              <a:rPr lang="it-IT" sz="1400" dirty="0"/>
+              <a:t> to </a:t>
+            </a:r>
+            <a:r>
+              <a:rPr lang="it-IT" sz="1400" dirty="0" err="1"/>
+              <a:t>find</a:t>
+            </a:r>
+            <a:r>
+              <a:rPr lang="it-IT" sz="1400" dirty="0"/>
+              <a:t> </a:t>
+            </a:r>
+            <a:r>
+              <a:rPr lang="it-IT" sz="1400" dirty="0" err="1"/>
+              <a:t>all</a:t>
+            </a:r>
+            <a:r>
+              <a:rPr lang="it-IT" sz="1400" dirty="0"/>
+              <a:t> </a:t>
+            </a:r>
+            <a:r>
+              <a:rPr lang="it-IT" sz="1400" dirty="0" err="1"/>
+              <a:t>interpretations</a:t>
+            </a:r>
+            <a:r>
+              <a:rPr lang="it-IT" sz="1400" dirty="0"/>
+              <a:t> (</a:t>
+            </a:r>
+            <a:r>
+              <a:rPr lang="it-IT" sz="1400" dirty="0" err="1"/>
+              <a:t>atoms</a:t>
+            </a:r>
+            <a:r>
+              <a:rPr lang="it-IT" sz="1400" dirty="0"/>
+              <a:t> </a:t>
+            </a:r>
+            <a:r>
+              <a:rPr lang="it-IT" sz="1400" dirty="0" err="1"/>
+              <a:t>wich</a:t>
+            </a:r>
+            <a:r>
+              <a:rPr lang="it-IT" sz="1400" dirty="0"/>
+              <a:t> are </a:t>
+            </a:r>
+            <a:r>
+              <a:rPr lang="it-IT" sz="1400" dirty="0" err="1"/>
+              <a:t>true</a:t>
+            </a:r>
+            <a:r>
+              <a:rPr lang="it-IT" sz="1400" dirty="0"/>
+              <a:t>) </a:t>
+            </a:r>
+            <a:r>
+              <a:rPr lang="it-IT" sz="1400" dirty="0" err="1"/>
+              <a:t>that</a:t>
+            </a:r>
+            <a:r>
+              <a:rPr lang="it-IT" sz="1400" dirty="0"/>
+              <a:t> </a:t>
+            </a:r>
+            <a:r>
+              <a:rPr lang="it-IT" sz="1400" dirty="0" err="1"/>
+              <a:t>satisfies</a:t>
+            </a:r>
+            <a:r>
+              <a:rPr lang="it-IT" sz="1400" dirty="0"/>
+              <a:t> rules, </a:t>
+            </a:r>
+            <a:r>
+              <a:rPr lang="it-IT" sz="1400" dirty="0" err="1"/>
+              <a:t>namely</a:t>
+            </a:r>
+            <a:r>
+              <a:rPr lang="it-IT" sz="1400" dirty="0"/>
+              <a:t> the </a:t>
+            </a:r>
+            <a:r>
+              <a:rPr lang="it-IT" sz="1400" b="1" dirty="0" err="1"/>
+              <a:t>Answer</a:t>
+            </a:r>
+            <a:r>
+              <a:rPr lang="it-IT" sz="1400" b="1" dirty="0"/>
+              <a:t> sets</a:t>
+            </a:r>
+            <a:r>
+              <a:rPr lang="it-IT" sz="1400" dirty="0"/>
               <a:t>.</a:t>
             </a:r>
           </a:p>
@@ -14939,21 +12767,181 @@
               <a:buNone/>
             </a:pPr>
             <a:r>
-              <a:rPr lang="it-IT"/>
-              <a:t>An example for the maze problem: write set of rules that specify legal moves on the grid in a logical manner and find out all answer sets: different set of moves (paths) from start to goal position.</a:t>
+              <a:rPr lang="it-IT" sz="1400" dirty="0"/>
+              <a:t>An </a:t>
+            </a:r>
+            <a:r>
+              <a:rPr lang="it-IT" sz="1400" dirty="0" err="1"/>
+              <a:t>example</a:t>
+            </a:r>
+            <a:r>
+              <a:rPr lang="it-IT" sz="1400" dirty="0"/>
+              <a:t> for the </a:t>
+            </a:r>
+            <a:r>
+              <a:rPr lang="it-IT" sz="1400" dirty="0" err="1"/>
+              <a:t>maze</a:t>
+            </a:r>
+            <a:r>
+              <a:rPr lang="it-IT" sz="1400" dirty="0"/>
+              <a:t> </a:t>
+            </a:r>
+            <a:r>
+              <a:rPr lang="it-IT" sz="1400" dirty="0" err="1"/>
+              <a:t>problem</a:t>
+            </a:r>
+            <a:r>
+              <a:rPr lang="it-IT" sz="1400" dirty="0"/>
+              <a:t>: </a:t>
+            </a:r>
+            <a:r>
+              <a:rPr lang="it-IT" sz="1400" dirty="0" err="1"/>
+              <a:t>write</a:t>
+            </a:r>
+            <a:r>
+              <a:rPr lang="it-IT" sz="1400" dirty="0"/>
+              <a:t> set of rules </a:t>
+            </a:r>
+            <a:r>
+              <a:rPr lang="it-IT" sz="1400" dirty="0" err="1"/>
+              <a:t>that</a:t>
+            </a:r>
+            <a:r>
+              <a:rPr lang="it-IT" sz="1400" dirty="0"/>
+              <a:t> </a:t>
+            </a:r>
+            <a:r>
+              <a:rPr lang="it-IT" sz="1400" dirty="0" err="1"/>
+              <a:t>specify</a:t>
+            </a:r>
+            <a:r>
+              <a:rPr lang="it-IT" sz="1400" dirty="0"/>
+              <a:t> </a:t>
+            </a:r>
+            <a:r>
+              <a:rPr lang="it-IT" sz="1400" dirty="0" err="1"/>
+              <a:t>legal</a:t>
+            </a:r>
+            <a:r>
+              <a:rPr lang="it-IT" sz="1400" dirty="0"/>
+              <a:t> </a:t>
+            </a:r>
+            <a:r>
+              <a:rPr lang="it-IT" sz="1400" dirty="0" err="1"/>
+              <a:t>moves</a:t>
+            </a:r>
+            <a:r>
+              <a:rPr lang="it-IT" sz="1400" dirty="0"/>
+              <a:t> on the </a:t>
+            </a:r>
+            <a:r>
+              <a:rPr lang="it-IT" sz="1400" dirty="0" err="1"/>
+              <a:t>grid</a:t>
+            </a:r>
+            <a:r>
+              <a:rPr lang="it-IT" sz="1400" dirty="0"/>
+              <a:t> in a </a:t>
+            </a:r>
+            <a:r>
+              <a:rPr lang="it-IT" sz="1400" dirty="0" err="1"/>
+              <a:t>logical</a:t>
+            </a:r>
+            <a:r>
+              <a:rPr lang="it-IT" sz="1400" dirty="0"/>
+              <a:t> </a:t>
+            </a:r>
+            <a:r>
+              <a:rPr lang="it-IT" sz="1400" dirty="0" err="1"/>
+              <a:t>manner</a:t>
+            </a:r>
+            <a:r>
+              <a:rPr lang="it-IT" sz="1400" dirty="0"/>
+              <a:t> and </a:t>
+            </a:r>
+            <a:r>
+              <a:rPr lang="it-IT" sz="1400" dirty="0" err="1"/>
+              <a:t>find</a:t>
+            </a:r>
+            <a:r>
+              <a:rPr lang="it-IT" sz="1400" dirty="0"/>
+              <a:t> out </a:t>
+            </a:r>
+            <a:r>
+              <a:rPr lang="it-IT" sz="1400" dirty="0" err="1"/>
+              <a:t>all</a:t>
+            </a:r>
+            <a:r>
+              <a:rPr lang="it-IT" sz="1400" dirty="0"/>
+              <a:t> </a:t>
+            </a:r>
+            <a:r>
+              <a:rPr lang="it-IT" sz="1400" dirty="0" err="1"/>
+              <a:t>answer</a:t>
+            </a:r>
+            <a:r>
+              <a:rPr lang="it-IT" sz="1400" dirty="0"/>
+              <a:t> sets: </a:t>
+            </a:r>
+            <a:r>
+              <a:rPr lang="it-IT" sz="1400" dirty="0" err="1"/>
+              <a:t>different</a:t>
+            </a:r>
+            <a:r>
+              <a:rPr lang="it-IT" sz="1400" dirty="0"/>
+              <a:t> set of </a:t>
+            </a:r>
+            <a:r>
+              <a:rPr lang="it-IT" sz="1400" dirty="0" err="1"/>
+              <a:t>moves</a:t>
+            </a:r>
+            <a:r>
+              <a:rPr lang="it-IT" sz="1400" dirty="0"/>
+              <a:t> (</a:t>
+            </a:r>
+            <a:r>
+              <a:rPr lang="it-IT" sz="1400" dirty="0" err="1"/>
+              <a:t>paths</a:t>
+            </a:r>
+            <a:r>
+              <a:rPr lang="it-IT" sz="1400" dirty="0"/>
+              <a:t>) from start to goal position.</a:t>
             </a:r>
           </a:p>
           <a:p>
             <a:r>
-              <a:rPr lang="it-IT"/>
-              <a:t>Different types of rules in an ASP encoding:</a:t>
+              <a:rPr lang="it-IT" sz="1400" dirty="0" err="1"/>
+              <a:t>Different</a:t>
+            </a:r>
+            <a:r>
+              <a:rPr lang="it-IT" sz="1400" dirty="0"/>
+              <a:t> </a:t>
+            </a:r>
+            <a:r>
+              <a:rPr lang="it-IT" sz="1400" dirty="0" err="1"/>
+              <a:t>types</a:t>
+            </a:r>
+            <a:r>
+              <a:rPr lang="it-IT" sz="1400" dirty="0"/>
+              <a:t> of rules in an ASP </a:t>
+            </a:r>
+            <a:r>
+              <a:rPr lang="it-IT" sz="1400" dirty="0" err="1"/>
+              <a:t>encoding</a:t>
+            </a:r>
+            <a:r>
+              <a:rPr lang="it-IT" sz="1400" dirty="0"/>
+              <a:t>:</a:t>
             </a:r>
           </a:p>
           <a:p>
             <a:pPr lvl="1"/>
             <a:r>
-              <a:rPr lang="it-IT" b="1"/>
-              <a:t>Normal rule : </a:t>
+              <a:rPr lang="it-IT" sz="1400" b="1" dirty="0" err="1"/>
+              <a:t>Normal</a:t>
+            </a:r>
+            <a:r>
+              <a:rPr lang="it-IT" sz="1400" b="1" dirty="0"/>
+              <a:t> rule : </a:t>
             </a:r>
           </a:p>
           <a:p>
@@ -14961,15 +12949,31 @@
               <a:buNone/>
             </a:pPr>
             <a:r>
-              <a:rPr lang="it-IT" b="1">
+              <a:rPr lang="it-IT" b="1" dirty="0"/>
+              <a:t>    </a:t>
+            </a:r>
+            <a:r>
+              <a:rPr lang="it-IT" dirty="0"/>
+              <a:t> </a:t>
+            </a:r>
+            <a:r>
+              <a:rPr lang="it-IT" i="1" dirty="0">
                 <a:solidFill>
                   <a:srgbClr val="FF0000"/>
                 </a:solidFill>
               </a:rPr>
-              <a:t>    </a:t>
-            </a:r>
-            <a:r>
-              <a:rPr lang="it-IT">
+              <a:t>h :- b1, . . . , </a:t>
+            </a:r>
+            <a:r>
+              <a:rPr lang="it-IT" i="1" dirty="0" err="1">
+                <a:solidFill>
+                  <a:srgbClr val="FF0000"/>
+                </a:solidFill>
+              </a:rPr>
+              <a:t>bn</a:t>
+            </a:r>
+            <a:r>
+              <a:rPr lang="it-IT" i="1" dirty="0">
                 <a:solidFill>
                   <a:srgbClr val="FF0000"/>
                 </a:solidFill>
@@ -14977,32 +12981,36 @@
               <a:t> </a:t>
             </a:r>
             <a:r>
-              <a:rPr lang="it-IT" i="1">
-                <a:solidFill>
-                  <a:srgbClr val="FF0000"/>
-                </a:solidFill>
-              </a:rPr>
-              <a:t>h :- b1, . . . , bn </a:t>
-            </a:r>
-            <a:r>
-              <a:rPr lang="it-IT" i="1"/>
+              <a:rPr lang="it-IT" i="1" dirty="0"/>
               <a:t>| </a:t>
             </a:r>
             <a:r>
-              <a:rPr lang="it-IT"/>
-              <a:t>where </a:t>
-            </a:r>
-            <a:r>
-              <a:rPr lang="en-US"/>
+              <a:rPr lang="it-IT" dirty="0" err="1"/>
+              <a:t>where</a:t>
+            </a:r>
+            <a:r>
+              <a:rPr lang="it-IT" dirty="0"/>
+              <a:t> </a:t>
+            </a:r>
+            <a:r>
+              <a:rPr lang="en-US" dirty="0"/>
               <a:t>h1 is an atom and b1 . . . bn are literals…semantic similar to prolog.</a:t>
             </a:r>
-            <a:endParaRPr lang="it-IT" b="1" i="1"/>
+            <a:endParaRPr lang="it-IT" b="1" i="1" dirty="0"/>
           </a:p>
           <a:p>
             <a:pPr lvl="1"/>
             <a:r>
-              <a:rPr lang="it-IT" b="1"/>
-              <a:t>Hard constraint :</a:t>
+              <a:rPr lang="it-IT" sz="1400" b="1" dirty="0"/>
+              <a:t>Hard </a:t>
+            </a:r>
+            <a:r>
+              <a:rPr lang="it-IT" sz="1400" b="1" dirty="0" err="1"/>
+              <a:t>constraint</a:t>
+            </a:r>
+            <a:r>
+              <a:rPr lang="it-IT" sz="1400" b="1" dirty="0"/>
+              <a:t> :</a:t>
             </a:r>
           </a:p>
           <a:p>
@@ -15010,30 +13018,50 @@
               <a:buNone/>
             </a:pPr>
             <a:r>
-              <a:rPr lang="it-IT"/>
-              <a:t>      </a:t>
-            </a:r>
-            <a:r>
-              <a:rPr lang="it-IT" i="1">
+              <a:rPr lang="it-IT" dirty="0">
                 <a:solidFill>
                   <a:srgbClr val="FF0000"/>
                 </a:solidFill>
               </a:rPr>
-              <a:t>:- b1, . . . , bn   </a:t>
-            </a:r>
-            <a:r>
-              <a:rPr lang="it-IT"/>
+              <a:t>      </a:t>
+            </a:r>
+            <a:r>
+              <a:rPr lang="it-IT" i="1" dirty="0">
+                <a:solidFill>
+                  <a:srgbClr val="FF0000"/>
+                </a:solidFill>
+              </a:rPr>
+              <a:t>:- b1, . . . , </a:t>
+            </a:r>
+            <a:r>
+              <a:rPr lang="it-IT" i="1" dirty="0" err="1">
+                <a:solidFill>
+                  <a:srgbClr val="FF0000"/>
+                </a:solidFill>
+              </a:rPr>
+              <a:t>bn</a:t>
+            </a:r>
+            <a:r>
+              <a:rPr lang="it-IT" i="1" dirty="0">
+                <a:solidFill>
+                  <a:srgbClr val="FF0000"/>
+                </a:solidFill>
+              </a:rPr>
+              <a:t>   </a:t>
+            </a:r>
+            <a:r>
+              <a:rPr lang="it-IT" dirty="0"/>
               <a:t>| </a:t>
             </a:r>
             <a:r>
-              <a:rPr lang="en-US"/>
+              <a:rPr lang="en-US" dirty="0"/>
               <a:t>if b1 . . . bn are satisfied by an interpretation, then it cannot be an answer set.</a:t>
             </a:r>
           </a:p>
           <a:p>
             <a:pPr lvl="1"/>
             <a:r>
-              <a:rPr lang="it-IT" b="1"/>
+              <a:rPr lang="it-IT" sz="1400" b="1" dirty="0"/>
               <a:t>Choice rule :</a:t>
             </a:r>
           </a:p>
@@ -15042,7 +13070,7 @@
               <a:buNone/>
             </a:pPr>
             <a:r>
-              <a:rPr lang="it-IT">
+              <a:rPr lang="it-IT" dirty="0">
                 <a:solidFill>
                   <a:srgbClr val="FF0000"/>
                 </a:solidFill>
@@ -15050,86 +13078,90 @@
               <a:t>      </a:t>
             </a:r>
             <a:r>
-              <a:rPr lang="it-IT" i="1">
+              <a:rPr lang="it-IT" i="1" dirty="0">
                 <a:solidFill>
                   <a:srgbClr val="FF0000"/>
                 </a:solidFill>
               </a:rPr>
-              <a:t>l{h1; . . . ; hm}u :- b1, . . . , bn  </a:t>
-            </a:r>
-            <a:r>
-              <a:rPr lang="it-IT">
-                <a:solidFill>
-                  <a:schemeClr val="tx1"/>
-                </a:solidFill>
-              </a:rPr>
-              <a:t>|</a:t>
-            </a:r>
-            <a:r>
-              <a:rPr lang="it-IT">
+              <a:t>l{h1; . . . ; hm}u :- b1, . . . , </a:t>
+            </a:r>
+            <a:r>
+              <a:rPr lang="it-IT" i="1" dirty="0" err="1">
                 <a:solidFill>
                   <a:srgbClr val="FF0000"/>
                 </a:solidFill>
               </a:rPr>
-              <a:t> </a:t>
-            </a:r>
-            <a:r>
-              <a:rPr lang="en-US" i="1"/>
+              <a:t>bn</a:t>
+            </a:r>
+            <a:r>
+              <a:rPr lang="it-IT" i="1" dirty="0">
+                <a:solidFill>
+                  <a:srgbClr val="FF0000"/>
+                </a:solidFill>
+              </a:rPr>
+              <a:t>  </a:t>
+            </a:r>
+            <a:r>
+              <a:rPr lang="it-IT" dirty="0"/>
+              <a:t>| </a:t>
+            </a:r>
+            <a:r>
+              <a:rPr lang="en-US" i="1" dirty="0"/>
               <a:t>l, u </a:t>
             </a:r>
             <a:r>
-              <a:rPr lang="en-US"/>
+              <a:rPr lang="en-US" dirty="0"/>
               <a:t>integers. If the body is satisfied then between </a:t>
             </a:r>
             <a:r>
-              <a:rPr lang="en-US" i="1"/>
+              <a:rPr lang="en-US" i="1" dirty="0"/>
               <a:t>l</a:t>
             </a:r>
             <a:r>
-              <a:rPr lang="en-US"/>
+              <a:rPr lang="en-US" dirty="0"/>
               <a:t> and </a:t>
             </a:r>
             <a:r>
-              <a:rPr lang="en-US" i="1"/>
+              <a:rPr lang="en-US" i="1" dirty="0"/>
               <a:t>u</a:t>
             </a:r>
             <a:r>
-              <a:rPr lang="en-US"/>
+              <a:rPr lang="en-US" dirty="0"/>
               <a:t> of the atoms </a:t>
             </a:r>
             <a:r>
-              <a:rPr lang="it-IT" i="1"/>
-              <a:t>h1...hn  </a:t>
-            </a:r>
-            <a:r>
-              <a:rPr lang="it-IT"/>
-              <a:t>are satisfied</a:t>
-            </a:r>
-            <a:endParaRPr lang="it-IT" b="1">
-              <a:solidFill>
-                <a:srgbClr val="FF0000"/>
-              </a:solidFill>
-            </a:endParaRPr>
+              <a:rPr lang="it-IT" i="1" dirty="0"/>
+              <a:t>h1...</a:t>
+            </a:r>
+            <a:r>
+              <a:rPr lang="it-IT" i="1" dirty="0" err="1"/>
+              <a:t>hn</a:t>
+            </a:r>
+            <a:r>
+              <a:rPr lang="it-IT" i="1" dirty="0"/>
+              <a:t>  </a:t>
+            </a:r>
+            <a:r>
+              <a:rPr lang="it-IT" dirty="0"/>
+              <a:t>are </a:t>
+            </a:r>
+            <a:r>
+              <a:rPr lang="it-IT" dirty="0" err="1"/>
+              <a:t>satisfied</a:t>
+            </a:r>
+            <a:endParaRPr lang="it-IT" b="1" dirty="0"/>
           </a:p>
           <a:p>
             <a:pPr marL="548640" lvl="2" indent="0">
               <a:buNone/>
             </a:pPr>
-            <a:endParaRPr lang="it-IT" b="1">
-              <a:solidFill>
-                <a:srgbClr val="FF0000"/>
-              </a:solidFill>
-            </a:endParaRPr>
+            <a:endParaRPr lang="it-IT" b="1" dirty="0"/>
           </a:p>
           <a:p>
             <a:pPr marL="548640" lvl="2" indent="0">
               <a:buNone/>
             </a:pPr>
-            <a:endParaRPr lang="it-IT" b="1" dirty="0">
-              <a:solidFill>
-                <a:srgbClr val="FF0000"/>
-              </a:solidFill>
-            </a:endParaRPr>
+            <a:endParaRPr lang="it-IT" b="1" dirty="0"/>
           </a:p>
         </p:txBody>
       </p:sp>
@@ -15146,9 +13178,17 @@
 </p:sld>
 </file>
 
-<file path=ppt/slides/slide8.xml><?xml version="1.0" encoding="utf-8"?>
+<file path=ppt/slides/slide5.xml><?xml version="1.0" encoding="utf-8"?>
 <p:sld xmlns:a="http://schemas.openxmlformats.org/drawingml/2006/main" xmlns:r="http://schemas.openxmlformats.org/officeDocument/2006/relationships" xmlns:p="http://schemas.openxmlformats.org/presentationml/2006/main">
   <p:cSld>
+    <p:bg>
+      <p:bgPr>
+        <a:solidFill>
+          <a:schemeClr val="bg1"/>
+        </a:solidFill>
+        <a:effectLst/>
+      </p:bgPr>
+    </p:bg>
     <p:spTree>
       <p:nvGrpSpPr>
         <p:cNvPr id="1" name=""/>
@@ -15163,6 +13203,66 @@
           <a:chExt cx="0" cy="0"/>
         </a:xfrm>
       </p:grpSpPr>
+      <p:sp useBgFill="1">
+        <p:nvSpPr>
+          <p:cNvPr id="9" name="Rectangle 8">
+            <a:extLst>
+              <a:ext uri="{FF2B5EF4-FFF2-40B4-BE49-F238E27FC236}">
+                <a16:creationId xmlns:a16="http://schemas.microsoft.com/office/drawing/2014/main" id="{876248C8-0720-48AB-91BA-5F530BB41E5E}"/>
+              </a:ext>
+              <a:ext uri="{C183D7F6-B498-43B3-948B-1728B52AA6E4}">
+                <adec:decorative xmlns:adec="http://schemas.microsoft.com/office/drawing/2017/decorative" val="1"/>
+              </a:ext>
+            </a:extLst>
+          </p:cNvPr>
+          <p:cNvSpPr>
+            <a:spLocks noGrp="1" noRot="1" noChangeAspect="1" noMove="1" noResize="1" noEditPoints="1" noAdjustHandles="1" noChangeArrowheads="1" noChangeShapeType="1" noTextEdit="1"/>
+          </p:cNvSpPr>
+          <p:nvPr>
+            <p:extLst>
+              <p:ext uri="{386F3935-93C4-4BCD-93E2-E3B085C9AB24}">
+                <p16:designElem xmlns:p16="http://schemas.microsoft.com/office/powerpoint/2015/main" val="1"/>
+              </p:ext>
+            </p:extLst>
+          </p:nvPr>
+        </p:nvSpPr>
+        <p:spPr>
+          <a:xfrm>
+            <a:off x="-1" y="0"/>
+            <a:ext cx="12220924" cy="6858000"/>
+          </a:xfrm>
+          <a:prstGeom prst="rect">
+            <a:avLst/>
+          </a:prstGeom>
+          <a:ln>
+            <a:noFill/>
+          </a:ln>
+        </p:spPr>
+        <p:style>
+          <a:lnRef idx="2">
+            <a:schemeClr val="accent1">
+              <a:shade val="50000"/>
+            </a:schemeClr>
+          </a:lnRef>
+          <a:fillRef idx="1">
+            <a:schemeClr val="accent1"/>
+          </a:fillRef>
+          <a:effectRef idx="0">
+            <a:schemeClr val="accent1"/>
+          </a:effectRef>
+          <a:fontRef idx="minor">
+            <a:schemeClr val="lt1"/>
+          </a:fontRef>
+        </p:style>
+        <p:txBody>
+          <a:bodyPr rtlCol="0" anchor="ctr"/>
+          <a:lstStyle/>
+          <a:p>
+            <a:pPr algn="ctr"/>
+            <a:endParaRPr lang="en-US"/>
+          </a:p>
+        </p:txBody>
+      </p:sp>
       <p:sp>
         <p:nvSpPr>
           <p:cNvPr id="2" name="Titolo 1">
@@ -15179,9 +13279,16 @@
             <p:ph type="title"/>
           </p:nvPr>
         </p:nvSpPr>
-        <p:spPr/>
+        <p:spPr>
+          <a:xfrm>
+            <a:off x="1261871" y="365760"/>
+            <a:ext cx="9858383" cy="1325562"/>
+          </a:xfrm>
+        </p:spPr>
         <p:txBody>
-          <a:bodyPr/>
+          <a:bodyPr>
+            <a:normAutofit/>
+          </a:bodyPr>
           <a:lstStyle/>
           <a:p>
             <a:r>
@@ -15193,202 +13300,147 @@
       </p:sp>
       <p:sp>
         <p:nvSpPr>
-          <p:cNvPr id="3" name="Segnaposto contenuto 2">
+          <p:cNvPr id="11" name="Rectangle 10">
             <a:extLst>
               <a:ext uri="{FF2B5EF4-FFF2-40B4-BE49-F238E27FC236}">
-                <a16:creationId xmlns:a16="http://schemas.microsoft.com/office/drawing/2014/main" id="{29D38391-5818-4BD9-A562-026558BF21F5}"/>
+                <a16:creationId xmlns:a16="http://schemas.microsoft.com/office/drawing/2014/main" id="{523BEDA7-D0B8-4802-8168-92452653BC9F}"/>
+              </a:ext>
+              <a:ext uri="{C183D7F6-B498-43B3-948B-1728B52AA6E4}">
+                <adec:decorative xmlns:adec="http://schemas.microsoft.com/office/drawing/2017/decorative" val="1"/>
               </a:ext>
             </a:extLst>
           </p:cNvPr>
           <p:cNvSpPr>
-            <a:spLocks noGrp="1"/>
+            <a:spLocks noGrp="1" noRot="1" noChangeAspect="1" noMove="1" noResize="1" noEditPoints="1" noAdjustHandles="1" noChangeArrowheads="1" noChangeShapeType="1" noTextEdit="1"/>
           </p:cNvSpPr>
           <p:nvPr>
-            <p:ph idx="1"/>
+            <p:extLst>
+              <p:ext uri="{386F3935-93C4-4BCD-93E2-E3B085C9AB24}">
+                <p16:designElem xmlns:p16="http://schemas.microsoft.com/office/powerpoint/2015/main" val="1"/>
+              </p:ext>
+            </p:extLst>
           </p:nvPr>
         </p:nvSpPr>
-        <p:spPr/>
-        <p:txBody>
-          <a:bodyPr/>
-          <a:lstStyle/>
-          <a:p>
-            <a:r>
-              <a:rPr lang="it-IT" dirty="0"/>
-              <a:t>The </a:t>
-            </a:r>
-            <a:r>
-              <a:rPr lang="it-IT" dirty="0" err="1"/>
-              <a:t>Inductive</a:t>
-            </a:r>
-            <a:r>
-              <a:rPr lang="it-IT" dirty="0"/>
-              <a:t> learning tool </a:t>
-            </a:r>
-            <a:r>
-              <a:rPr lang="it-IT" dirty="0" err="1"/>
-              <a:t>used</a:t>
-            </a:r>
-            <a:r>
-              <a:rPr lang="it-IT" dirty="0"/>
-              <a:t> in ASP </a:t>
-            </a:r>
-            <a:r>
-              <a:rPr lang="it-IT" dirty="0" err="1"/>
-              <a:t>is</a:t>
-            </a:r>
-            <a:r>
-              <a:rPr lang="it-IT" dirty="0"/>
-              <a:t> </a:t>
-            </a:r>
-            <a:r>
-              <a:rPr lang="it-IT" dirty="0" err="1"/>
-              <a:t>Ilasp</a:t>
-            </a:r>
-            <a:r>
-              <a:rPr lang="it-IT" dirty="0"/>
-              <a:t>.</a:t>
-            </a:r>
-          </a:p>
-          <a:p>
-            <a:r>
-              <a:rPr lang="en-US" dirty="0"/>
-              <a:t>It enables learning programs containing normal rules, choice rules and hard constraints, specifying (as always) background knowledge, search space and examples.</a:t>
-            </a:r>
-          </a:p>
-          <a:p>
-            <a:r>
-              <a:rPr lang="it-IT" dirty="0"/>
-              <a:t>Here </a:t>
-            </a:r>
-            <a:r>
-              <a:rPr lang="it-IT" dirty="0" err="1"/>
-              <a:t>it</a:t>
-            </a:r>
-            <a:r>
-              <a:rPr lang="it-IT" dirty="0"/>
-              <a:t> </a:t>
-            </a:r>
-            <a:r>
-              <a:rPr lang="it-IT" dirty="0" err="1"/>
-              <a:t>has</a:t>
-            </a:r>
-            <a:r>
-              <a:rPr lang="it-IT" dirty="0"/>
-              <a:t> </a:t>
-            </a:r>
-            <a:r>
-              <a:rPr lang="it-IT" dirty="0" err="1"/>
-              <a:t>been</a:t>
-            </a:r>
-            <a:r>
-              <a:rPr lang="it-IT" dirty="0"/>
-              <a:t> </a:t>
-            </a:r>
-            <a:r>
-              <a:rPr lang="it-IT" dirty="0" err="1"/>
-              <a:t>used</a:t>
-            </a:r>
-            <a:r>
-              <a:rPr lang="it-IT" dirty="0"/>
-              <a:t> for the </a:t>
-            </a:r>
-            <a:r>
-              <a:rPr lang="it-IT" dirty="0" err="1"/>
-              <a:t>maze</a:t>
-            </a:r>
-            <a:r>
-              <a:rPr lang="it-IT" dirty="0"/>
-              <a:t> </a:t>
-            </a:r>
-            <a:r>
-              <a:rPr lang="it-IT" dirty="0" err="1"/>
-              <a:t>problem</a:t>
-            </a:r>
-            <a:r>
-              <a:rPr lang="it-IT" dirty="0"/>
-              <a:t>, </a:t>
-            </a:r>
-            <a:r>
-              <a:rPr lang="it-IT" dirty="0" err="1"/>
-              <a:t>specifically</a:t>
-            </a:r>
-            <a:r>
-              <a:rPr lang="it-IT" dirty="0"/>
-              <a:t> to </a:t>
-            </a:r>
-            <a:r>
-              <a:rPr lang="it-IT" dirty="0" err="1"/>
-              <a:t>learn</a:t>
-            </a:r>
-            <a:r>
-              <a:rPr lang="it-IT" dirty="0"/>
-              <a:t> some </a:t>
-            </a:r>
-            <a:r>
-              <a:rPr lang="it-IT" dirty="0" err="1"/>
-              <a:t>normal</a:t>
-            </a:r>
-            <a:r>
-              <a:rPr lang="it-IT" dirty="0"/>
-              <a:t> rules </a:t>
-            </a:r>
-            <a:r>
-              <a:rPr lang="it-IT" dirty="0" err="1"/>
-              <a:t>that</a:t>
-            </a:r>
-            <a:r>
-              <a:rPr lang="it-IT" dirty="0"/>
-              <a:t> compose the ASP model </a:t>
-            </a:r>
-            <a:r>
-              <a:rPr lang="it-IT" dirty="0" err="1"/>
-              <a:t>wich</a:t>
-            </a:r>
-            <a:r>
-              <a:rPr lang="it-IT" dirty="0"/>
-              <a:t> </a:t>
-            </a:r>
-            <a:r>
-              <a:rPr lang="it-IT" dirty="0" err="1"/>
-              <a:t>solves</a:t>
-            </a:r>
-            <a:r>
-              <a:rPr lang="it-IT" dirty="0"/>
-              <a:t> the </a:t>
-            </a:r>
-            <a:r>
-              <a:rPr lang="it-IT" dirty="0" err="1"/>
-              <a:t>problem</a:t>
-            </a:r>
-            <a:r>
-              <a:rPr lang="it-IT" dirty="0"/>
-              <a:t> of </a:t>
-            </a:r>
-            <a:r>
-              <a:rPr lang="it-IT" dirty="0" err="1"/>
-              <a:t>path</a:t>
-            </a:r>
-            <a:r>
-              <a:rPr lang="it-IT" dirty="0"/>
-              <a:t> </a:t>
-            </a:r>
-            <a:r>
-              <a:rPr lang="it-IT" dirty="0" err="1"/>
-              <a:t>finding</a:t>
-            </a:r>
-            <a:r>
-              <a:rPr lang="it-IT" dirty="0"/>
-              <a:t>.</a:t>
-            </a:r>
-          </a:p>
-          <a:p>
-            <a:pPr marL="0" indent="0">
-              <a:buNone/>
-            </a:pPr>
-            <a:endParaRPr lang="it-IT" dirty="0"/>
-          </a:p>
-        </p:txBody>
+        <p:spPr>
+          <a:xfrm>
+            <a:off x="0" y="0"/>
+            <a:ext cx="914400" cy="6858000"/>
+          </a:xfrm>
+          <a:prstGeom prst="rect">
+            <a:avLst/>
+          </a:prstGeom>
+          <a:solidFill>
+            <a:schemeClr val="tx2">
+              <a:lumMod val="75000"/>
+            </a:schemeClr>
+          </a:solidFill>
+          <a:ln>
+            <a:noFill/>
+          </a:ln>
+        </p:spPr>
+        <p:style>
+          <a:lnRef idx="2">
+            <a:schemeClr val="accent1">
+              <a:shade val="50000"/>
+            </a:schemeClr>
+          </a:lnRef>
+          <a:fillRef idx="1">
+            <a:schemeClr val="accent1"/>
+          </a:fillRef>
+          <a:effectRef idx="0">
+            <a:schemeClr val="accent1"/>
+          </a:effectRef>
+          <a:fontRef idx="minor">
+            <a:schemeClr val="lt1"/>
+          </a:fontRef>
+        </p:style>
       </p:sp>
+      <p:sp>
+        <p:nvSpPr>
+          <p:cNvPr id="13" name="Rectangle 12">
+            <a:extLst>
+              <a:ext uri="{FF2B5EF4-FFF2-40B4-BE49-F238E27FC236}">
+                <a16:creationId xmlns:a16="http://schemas.microsoft.com/office/drawing/2014/main" id="{D2EFF34B-7B1A-4F9D-8CEE-A40962BC7C21}"/>
+              </a:ext>
+              <a:ext uri="{C183D7F6-B498-43B3-948B-1728B52AA6E4}">
+                <adec:decorative xmlns:adec="http://schemas.microsoft.com/office/drawing/2017/decorative" val="1"/>
+              </a:ext>
+            </a:extLst>
+          </p:cNvPr>
+          <p:cNvSpPr>
+            <a:spLocks noGrp="1" noRot="1" noChangeAspect="1" noMove="1" noResize="1" noEditPoints="1" noAdjustHandles="1" noChangeArrowheads="1" noChangeShapeType="1" noTextEdit="1"/>
+          </p:cNvSpPr>
+          <p:nvPr>
+            <p:extLst>
+              <p:ext uri="{386F3935-93C4-4BCD-93E2-E3B085C9AB24}">
+                <p16:designElem xmlns:p16="http://schemas.microsoft.com/office/powerpoint/2015/main" val="1"/>
+              </p:ext>
+            </p:extLst>
+          </p:nvPr>
+        </p:nvSpPr>
+        <p:spPr>
+          <a:xfrm>
+            <a:off x="11763724" y="0"/>
+            <a:ext cx="457200" cy="6858000"/>
+          </a:xfrm>
+          <a:prstGeom prst="rect">
+            <a:avLst/>
+          </a:prstGeom>
+          <a:solidFill>
+            <a:schemeClr val="accent1"/>
+          </a:solidFill>
+          <a:ln>
+            <a:noFill/>
+          </a:ln>
+        </p:spPr>
+        <p:style>
+          <a:lnRef idx="2">
+            <a:schemeClr val="accent1">
+              <a:shade val="50000"/>
+            </a:schemeClr>
+          </a:lnRef>
+          <a:fillRef idx="1">
+            <a:schemeClr val="accent1"/>
+          </a:fillRef>
+          <a:effectRef idx="0">
+            <a:schemeClr val="accent1"/>
+          </a:effectRef>
+          <a:fontRef idx="minor">
+            <a:schemeClr val="lt1"/>
+          </a:fontRef>
+        </p:style>
+      </p:sp>
+      <p:graphicFrame>
+        <p:nvGraphicFramePr>
+          <p:cNvPr id="5" name="Segnaposto contenuto 2">
+            <a:extLst>
+              <a:ext uri="{FF2B5EF4-FFF2-40B4-BE49-F238E27FC236}">
+                <a16:creationId xmlns:a16="http://schemas.microsoft.com/office/drawing/2014/main" id="{40CD204E-4823-4263-8A2A-E9538A8405CF}"/>
+              </a:ext>
+            </a:extLst>
+          </p:cNvPr>
+          <p:cNvGraphicFramePr>
+            <a:graphicFrameLocks noGrp="1"/>
+          </p:cNvGraphicFramePr>
+          <p:nvPr>
+            <p:ph idx="1"/>
+            <p:extLst>
+              <p:ext uri="{D42A27DB-BD31-4B8C-83A1-F6EECF244321}">
+                <p14:modId xmlns:p14="http://schemas.microsoft.com/office/powerpoint/2010/main" val="261602921"/>
+              </p:ext>
+            </p:extLst>
+          </p:nvPr>
+        </p:nvGraphicFramePr>
+        <p:xfrm>
+          <a:off x="1262063" y="2013055"/>
+          <a:ext cx="9858191" cy="4201478"/>
+        </p:xfrm>
+        <a:graphic>
+          <a:graphicData uri="http://schemas.openxmlformats.org/drawingml/2006/diagram">
+            <dgm:relIds xmlns:dgm="http://schemas.openxmlformats.org/drawingml/2006/diagram" xmlns:r="http://schemas.openxmlformats.org/officeDocument/2006/relationships" r:dm="rId2" r:lo="rId3" r:qs="rId4" r:cs="rId5"/>
+          </a:graphicData>
+        </a:graphic>
+      </p:graphicFrame>
     </p:spTree>
     <p:extLst>
       <p:ext uri="{BB962C8B-B14F-4D97-AF65-F5344CB8AC3E}">
@@ -15402,7 +13454,7 @@
 </p:sld>
 </file>
 
-<file path=ppt/slides/slide9.xml><?xml version="1.0" encoding="utf-8"?>
+<file path=ppt/slides/slide6.xml><?xml version="1.0" encoding="utf-8"?>
 <p:sld xmlns:a="http://schemas.openxmlformats.org/drawingml/2006/main" xmlns:r="http://schemas.openxmlformats.org/officeDocument/2006/relationships" xmlns:p="http://schemas.openxmlformats.org/presentationml/2006/main">
   <p:cSld>
     <p:bg>
@@ -15562,7 +13614,7 @@
         </p:spPr>
         <p:txBody>
           <a:bodyPr>
-            <a:normAutofit fontScale="85000" lnSpcReduction="10000"/>
+            <a:normAutofit/>
           </a:bodyPr>
           <a:lstStyle/>
           <a:p>
@@ -15814,15 +13866,7 @@
             </a:r>
             <a:r>
               <a:rPr lang="it-IT" sz="1300" dirty="0" err="1"/>
-              <a:t>is</a:t>
-            </a:r>
-            <a:r>
-              <a:rPr lang="it-IT" sz="1300" dirty="0"/>
-              <a:t> </a:t>
-            </a:r>
-            <a:r>
-              <a:rPr lang="it-IT" sz="1300" dirty="0" err="1"/>
-              <a:t>true</a:t>
+              <a:t>holds</a:t>
             </a:r>
             <a:r>
               <a:rPr lang="it-IT" sz="1300" dirty="0"/>
@@ -15928,25 +13972,25 @@
               <a:rPr lang="it-IT" sz="1300" dirty="0" err="1">
                 <a:cs typeface="Courier New" panose="02070309020205020404" pitchFamily="49" charset="0"/>
               </a:rPr>
-              <a:t>cannot</a:t>
+              <a:t>doesn’t</a:t>
             </a:r>
             <a:r>
               <a:rPr lang="it-IT" sz="1300" dirty="0">
                 <a:cs typeface="Courier New" panose="02070309020205020404" pitchFamily="49" charset="0"/>
               </a:rPr>
-              <a:t> be </a:t>
+              <a:t> </a:t>
             </a:r>
             <a:r>
               <a:rPr lang="it-IT" sz="1300" dirty="0" err="1">
                 <a:cs typeface="Courier New" panose="02070309020205020404" pitchFamily="49" charset="0"/>
               </a:rPr>
-              <a:t>true</a:t>
+              <a:t>hold</a:t>
             </a:r>
             <a:r>
               <a:rPr lang="it-IT" sz="1300" dirty="0">
                 <a:cs typeface="Courier New" panose="02070309020205020404" pitchFamily="49" charset="0"/>
               </a:rPr>
-              <a:t>; </a:t>
+              <a:t>: </a:t>
             </a:r>
             <a:r>
               <a:rPr lang="it-IT" sz="1300" dirty="0" err="1">
@@ -16137,62 +14181,6 @@
               <a:t>» on the head of the rules.</a:t>
             </a:r>
             <a:endParaRPr lang="it-IT" sz="1300" b="1" dirty="0">
-              <a:cs typeface="Courier New" panose="02070309020205020404" pitchFamily="49" charset="0"/>
-            </a:endParaRPr>
-          </a:p>
-          <a:p>
-            <a:r>
-              <a:rPr lang="en-US" sz="1300" b="1" dirty="0">
-                <a:cs typeface="Courier New" panose="02070309020205020404" pitchFamily="49" charset="0"/>
-              </a:rPr>
-              <a:t>Parameters:</a:t>
-            </a:r>
-          </a:p>
-          <a:p>
-            <a:pPr lvl="1"/>
-            <a:r>
-              <a:rPr lang="en-US" sz="1300" dirty="0" err="1">
-                <a:cs typeface="Courier New" panose="02070309020205020404" pitchFamily="49" charset="0"/>
-              </a:rPr>
-              <a:t>max_proof_length</a:t>
-            </a:r>
-            <a:r>
-              <a:rPr lang="en-US" sz="1300" dirty="0">
-                <a:cs typeface="Courier New" panose="02070309020205020404" pitchFamily="49" charset="0"/>
-              </a:rPr>
-              <a:t>( 2). </a:t>
-            </a:r>
-          </a:p>
-          <a:p>
-            <a:pPr lvl="1"/>
-            <a:r>
-              <a:rPr lang="en-US" sz="1300" dirty="0" err="1">
-                <a:cs typeface="Courier New" panose="02070309020205020404" pitchFamily="49" charset="0"/>
-              </a:rPr>
-              <a:t>max_clauses</a:t>
-            </a:r>
-            <a:r>
-              <a:rPr lang="en-US" sz="1300" dirty="0">
-                <a:cs typeface="Courier New" panose="02070309020205020404" pitchFamily="49" charset="0"/>
-              </a:rPr>
-              <a:t>( 2). </a:t>
-            </a:r>
-          </a:p>
-          <a:p>
-            <a:pPr lvl="1"/>
-            <a:r>
-              <a:rPr lang="en-US" sz="1300" dirty="0" err="1">
-                <a:cs typeface="Courier New" panose="02070309020205020404" pitchFamily="49" charset="0"/>
-              </a:rPr>
-              <a:t>max_clause_length</a:t>
-            </a:r>
-            <a:r>
-              <a:rPr lang="en-US" sz="1300" dirty="0">
-                <a:cs typeface="Courier New" panose="02070309020205020404" pitchFamily="49" charset="0"/>
-              </a:rPr>
-              <a:t>( 3).  </a:t>
-            </a:r>
-            <a:endParaRPr lang="de-AT" sz="1300" dirty="0">
               <a:cs typeface="Courier New" panose="02070309020205020404" pitchFamily="49" charset="0"/>
             </a:endParaRPr>
           </a:p>
@@ -16241,6 +14229,1726 @@
     <p:extLst>
       <p:ext uri="{BB962C8B-B14F-4D97-AF65-F5344CB8AC3E}">
         <p14:creationId xmlns:p14="http://schemas.microsoft.com/office/powerpoint/2010/main" val="4194125777"/>
+      </p:ext>
+    </p:extLst>
+  </p:cSld>
+  <p:clrMapOvr>
+    <a:masterClrMapping/>
+  </p:clrMapOvr>
+</p:sld>
+</file>
+
+<file path=ppt/slides/slide7.xml><?xml version="1.0" encoding="utf-8"?>
+<p:sld xmlns:a="http://schemas.openxmlformats.org/drawingml/2006/main" xmlns:r="http://schemas.openxmlformats.org/officeDocument/2006/relationships" xmlns:p="http://schemas.openxmlformats.org/presentationml/2006/main">
+  <p:cSld>
+    <p:bg>
+      <p:bgPr>
+        <a:solidFill>
+          <a:schemeClr val="bg1"/>
+        </a:solidFill>
+        <a:effectLst/>
+      </p:bgPr>
+    </p:bg>
+    <p:spTree>
+      <p:nvGrpSpPr>
+        <p:cNvPr id="1" name=""/>
+        <p:cNvGrpSpPr/>
+        <p:nvPr/>
+      </p:nvGrpSpPr>
+      <p:grpSpPr>
+        <a:xfrm>
+          <a:off x="0" y="0"/>
+          <a:ext cx="0" cy="0"/>
+          <a:chOff x="0" y="0"/>
+          <a:chExt cx="0" cy="0"/>
+        </a:xfrm>
+      </p:grpSpPr>
+      <p:sp>
+        <p:nvSpPr>
+          <p:cNvPr id="10" name="Rectangle 9">
+            <a:extLst>
+              <a:ext uri="{FF2B5EF4-FFF2-40B4-BE49-F238E27FC236}">
+                <a16:creationId xmlns:a16="http://schemas.microsoft.com/office/drawing/2014/main" id="{5D5E0904-721C-4D68-9EB8-1C9752E329A7}"/>
+              </a:ext>
+              <a:ext uri="{C183D7F6-B498-43B3-948B-1728B52AA6E4}">
+                <adec:decorative xmlns:adec="http://schemas.microsoft.com/office/drawing/2017/decorative" val="1"/>
+              </a:ext>
+            </a:extLst>
+          </p:cNvPr>
+          <p:cNvSpPr>
+            <a:spLocks noGrp="1" noRot="1" noChangeAspect="1" noMove="1" noResize="1" noEditPoints="1" noAdjustHandles="1" noChangeArrowheads="1" noChangeShapeType="1" noTextEdit="1"/>
+          </p:cNvSpPr>
+          <p:nvPr>
+            <p:extLst>
+              <p:ext uri="{386F3935-93C4-4BCD-93E2-E3B085C9AB24}">
+                <p16:designElem xmlns:p16="http://schemas.microsoft.com/office/powerpoint/2015/main" val="1"/>
+              </p:ext>
+            </p:extLst>
+          </p:nvPr>
+        </p:nvSpPr>
+        <p:spPr>
+          <a:xfrm>
+            <a:off x="0" y="0"/>
+            <a:ext cx="457200" cy="6858000"/>
+          </a:xfrm>
+          <a:prstGeom prst="rect">
+            <a:avLst/>
+          </a:prstGeom>
+          <a:solidFill>
+            <a:schemeClr val="accent1"/>
+          </a:solidFill>
+          <a:ln>
+            <a:noFill/>
+          </a:ln>
+        </p:spPr>
+        <p:style>
+          <a:lnRef idx="2">
+            <a:schemeClr val="accent1">
+              <a:shade val="50000"/>
+            </a:schemeClr>
+          </a:lnRef>
+          <a:fillRef idx="1">
+            <a:schemeClr val="accent1"/>
+          </a:fillRef>
+          <a:effectRef idx="0">
+            <a:schemeClr val="accent1"/>
+          </a:effectRef>
+          <a:fontRef idx="minor">
+            <a:schemeClr val="lt1"/>
+          </a:fontRef>
+        </p:style>
+      </p:sp>
+      <p:sp useBgFill="1">
+        <p:nvSpPr>
+          <p:cNvPr id="12" name="Rectangle 11">
+            <a:extLst>
+              <a:ext uri="{FF2B5EF4-FFF2-40B4-BE49-F238E27FC236}">
+                <a16:creationId xmlns:a16="http://schemas.microsoft.com/office/drawing/2014/main" id="{D0CDF5D3-7220-42A0-9D37-ECF3BF283B37}"/>
+              </a:ext>
+              <a:ext uri="{C183D7F6-B498-43B3-948B-1728B52AA6E4}">
+                <adec:decorative xmlns:adec="http://schemas.microsoft.com/office/drawing/2017/decorative" val="1"/>
+              </a:ext>
+            </a:extLst>
+          </p:cNvPr>
+          <p:cNvSpPr>
+            <a:spLocks noGrp="1" noRot="1" noChangeAspect="1" noMove="1" noResize="1" noEditPoints="1" noAdjustHandles="1" noChangeArrowheads="1" noChangeShapeType="1" noTextEdit="1"/>
+          </p:cNvSpPr>
+          <p:nvPr>
+            <p:extLst>
+              <p:ext uri="{386F3935-93C4-4BCD-93E2-E3B085C9AB24}">
+                <p16:designElem xmlns:p16="http://schemas.microsoft.com/office/powerpoint/2015/main" val="1"/>
+              </p:ext>
+            </p:extLst>
+          </p:nvPr>
+        </p:nvSpPr>
+        <p:spPr>
+          <a:xfrm>
+            <a:off x="457200" y="0"/>
+            <a:ext cx="10835640" cy="5105400"/>
+          </a:xfrm>
+          <a:prstGeom prst="rect">
+            <a:avLst/>
+          </a:prstGeom>
+          <a:ln>
+            <a:noFill/>
+          </a:ln>
+        </p:spPr>
+        <p:style>
+          <a:lnRef idx="2">
+            <a:schemeClr val="accent1">
+              <a:shade val="50000"/>
+            </a:schemeClr>
+          </a:lnRef>
+          <a:fillRef idx="1">
+            <a:schemeClr val="accent1"/>
+          </a:fillRef>
+          <a:effectRef idx="0">
+            <a:schemeClr val="accent1"/>
+          </a:effectRef>
+          <a:fontRef idx="minor">
+            <a:schemeClr val="lt1"/>
+          </a:fontRef>
+        </p:style>
+      </p:sp>
+      <p:sp>
+        <p:nvSpPr>
+          <p:cNvPr id="14" name="Rectangle 13">
+            <a:extLst>
+              <a:ext uri="{FF2B5EF4-FFF2-40B4-BE49-F238E27FC236}">
+                <a16:creationId xmlns:a16="http://schemas.microsoft.com/office/drawing/2014/main" id="{64BC717F-58B3-4A4E-BC3B-1B11323AD5C9}"/>
+              </a:ext>
+              <a:ext uri="{C183D7F6-B498-43B3-948B-1728B52AA6E4}">
+                <adec:decorative xmlns:adec="http://schemas.microsoft.com/office/drawing/2017/decorative" val="1"/>
+              </a:ext>
+            </a:extLst>
+          </p:cNvPr>
+          <p:cNvSpPr>
+            <a:spLocks noGrp="1" noRot="1" noChangeAspect="1" noMove="1" noResize="1" noEditPoints="1" noAdjustHandles="1" noChangeArrowheads="1" noChangeShapeType="1" noTextEdit="1"/>
+          </p:cNvSpPr>
+          <p:nvPr>
+            <p:extLst>
+              <p:ext uri="{386F3935-93C4-4BCD-93E2-E3B085C9AB24}">
+                <p16:designElem xmlns:p16="http://schemas.microsoft.com/office/powerpoint/2015/main" val="1"/>
+              </p:ext>
+            </p:extLst>
+          </p:nvPr>
+        </p:nvSpPr>
+        <p:spPr>
+          <a:xfrm>
+            <a:off x="457200" y="5105400"/>
+            <a:ext cx="10835640" cy="1752600"/>
+          </a:xfrm>
+          <a:prstGeom prst="rect">
+            <a:avLst/>
+          </a:prstGeom>
+          <a:solidFill>
+            <a:srgbClr val="353537"/>
+          </a:solidFill>
+          <a:ln>
+            <a:noFill/>
+          </a:ln>
+        </p:spPr>
+        <p:style>
+          <a:lnRef idx="2">
+            <a:schemeClr val="accent1">
+              <a:shade val="50000"/>
+            </a:schemeClr>
+          </a:lnRef>
+          <a:fillRef idx="1">
+            <a:schemeClr val="accent1"/>
+          </a:fillRef>
+          <a:effectRef idx="0">
+            <a:schemeClr val="accent1"/>
+          </a:effectRef>
+          <a:fontRef idx="minor">
+            <a:schemeClr val="lt1"/>
+          </a:fontRef>
+        </p:style>
+      </p:sp>
+      <p:sp>
+        <p:nvSpPr>
+          <p:cNvPr id="2" name="Titolo 1">
+            <a:extLst>
+              <a:ext uri="{FF2B5EF4-FFF2-40B4-BE49-F238E27FC236}">
+                <a16:creationId xmlns:a16="http://schemas.microsoft.com/office/drawing/2014/main" id="{FD88AB67-D6CF-4A93-B39F-6EDEEE343FF8}"/>
+              </a:ext>
+            </a:extLst>
+          </p:cNvPr>
+          <p:cNvSpPr>
+            <a:spLocks noGrp="1"/>
+          </p:cNvSpPr>
+          <p:nvPr>
+            <p:ph type="title"/>
+          </p:nvPr>
+        </p:nvSpPr>
+        <p:spPr>
+          <a:xfrm>
+            <a:off x="944183" y="5181600"/>
+            <a:ext cx="10156435" cy="1076324"/>
+          </a:xfrm>
+        </p:spPr>
+        <p:txBody>
+          <a:bodyPr vert="horz" lIns="91440" tIns="45720" rIns="91440" bIns="45720" rtlCol="0" anchor="b">
+            <a:normAutofit/>
+          </a:bodyPr>
+          <a:lstStyle/>
+          <a:p>
+            <a:pPr>
+              <a:lnSpc>
+                <a:spcPct val="85000"/>
+              </a:lnSpc>
+            </a:pPr>
+            <a:r>
+              <a:rPr lang="en-US" sz="5400" dirty="0">
+                <a:solidFill>
+                  <a:srgbClr val="FFFFFF"/>
+                </a:solidFill>
+              </a:rPr>
+              <a:t>Output of ILASP task </a:t>
+            </a:r>
+          </a:p>
+        </p:txBody>
+      </p:sp>
+      <p:sp>
+        <p:nvSpPr>
+          <p:cNvPr id="16" name="Rectangle 15">
+            <a:extLst>
+              <a:ext uri="{FF2B5EF4-FFF2-40B4-BE49-F238E27FC236}">
+                <a16:creationId xmlns:a16="http://schemas.microsoft.com/office/drawing/2014/main" id="{1EE75710-64C5-4CA8-8A7C-82EE4125C90D}"/>
+              </a:ext>
+              <a:ext uri="{C183D7F6-B498-43B3-948B-1728B52AA6E4}">
+                <adec:decorative xmlns:adec="http://schemas.microsoft.com/office/drawing/2017/decorative" val="1"/>
+              </a:ext>
+            </a:extLst>
+          </p:cNvPr>
+          <p:cNvSpPr>
+            <a:spLocks noGrp="1" noRot="1" noChangeAspect="1" noMove="1" noResize="1" noEditPoints="1" noAdjustHandles="1" noChangeArrowheads="1" noChangeShapeType="1" noTextEdit="1"/>
+          </p:cNvSpPr>
+          <p:nvPr>
+            <p:extLst>
+              <p:ext uri="{386F3935-93C4-4BCD-93E2-E3B085C9AB24}">
+                <p16:designElem xmlns:p16="http://schemas.microsoft.com/office/powerpoint/2015/main" val="1"/>
+              </p:ext>
+            </p:extLst>
+          </p:nvPr>
+        </p:nvSpPr>
+        <p:spPr>
+          <a:xfrm>
+            <a:off x="0" y="0"/>
+            <a:ext cx="457200" cy="6858000"/>
+          </a:xfrm>
+          <a:prstGeom prst="rect">
+            <a:avLst/>
+          </a:prstGeom>
+          <a:solidFill>
+            <a:srgbClr val="6F6F74"/>
+          </a:solidFill>
+          <a:ln>
+            <a:noFill/>
+          </a:ln>
+        </p:spPr>
+        <p:style>
+          <a:lnRef idx="2">
+            <a:schemeClr val="accent1">
+              <a:shade val="50000"/>
+            </a:schemeClr>
+          </a:lnRef>
+          <a:fillRef idx="1">
+            <a:schemeClr val="accent1"/>
+          </a:fillRef>
+          <a:effectRef idx="0">
+            <a:schemeClr val="accent1"/>
+          </a:effectRef>
+          <a:fontRef idx="minor">
+            <a:schemeClr val="lt1"/>
+          </a:fontRef>
+        </p:style>
+        <p:txBody>
+          <a:bodyPr rtlCol="0" anchor="ctr"/>
+          <a:lstStyle/>
+          <a:p>
+            <a:pPr algn="ctr"/>
+            <a:endParaRPr lang="en-US"/>
+          </a:p>
+        </p:txBody>
+      </p:sp>
+      <p:pic>
+        <p:nvPicPr>
+          <p:cNvPr id="5" name="Segnaposto contenuto 4">
+            <a:extLst>
+              <a:ext uri="{FF2B5EF4-FFF2-40B4-BE49-F238E27FC236}">
+                <a16:creationId xmlns:a16="http://schemas.microsoft.com/office/drawing/2014/main" id="{7CDA1C07-119E-44E4-A38B-0E467FC87103}"/>
+              </a:ext>
+            </a:extLst>
+          </p:cNvPr>
+          <p:cNvPicPr>
+            <a:picLocks noGrp="1" noChangeAspect="1"/>
+          </p:cNvPicPr>
+          <p:nvPr>
+            <p:ph idx="1"/>
+          </p:nvPr>
+        </p:nvPicPr>
+        <p:blipFill>
+          <a:blip r:embed="rId2">
+            <a:extLst>
+              <a:ext uri="{28A0092B-C50C-407E-A947-70E740481C1C}">
+                <a14:useLocalDpi xmlns:a14="http://schemas.microsoft.com/office/drawing/2010/main" val="0"/>
+              </a:ext>
+            </a:extLst>
+          </a:blip>
+          <a:stretch>
+            <a:fillRect/>
+          </a:stretch>
+        </p:blipFill>
+        <p:spPr>
+          <a:xfrm>
+            <a:off x="649421" y="641439"/>
+            <a:ext cx="10518830" cy="3760480"/>
+          </a:xfrm>
+          <a:prstGeom prst="rect">
+            <a:avLst/>
+          </a:prstGeom>
+        </p:spPr>
+      </p:pic>
+      <p:sp>
+        <p:nvSpPr>
+          <p:cNvPr id="18" name="Rectangle 17">
+            <a:extLst>
+              <a:ext uri="{FF2B5EF4-FFF2-40B4-BE49-F238E27FC236}">
+                <a16:creationId xmlns:a16="http://schemas.microsoft.com/office/drawing/2014/main" id="{435050B1-74E1-4A81-923D-0F5971A3BC01}"/>
+              </a:ext>
+              <a:ext uri="{C183D7F6-B498-43B3-948B-1728B52AA6E4}">
+                <adec:decorative xmlns:adec="http://schemas.microsoft.com/office/drawing/2017/decorative" val="1"/>
+              </a:ext>
+            </a:extLst>
+          </p:cNvPr>
+          <p:cNvSpPr>
+            <a:spLocks noGrp="1" noRot="1" noChangeAspect="1" noMove="1" noResize="1" noEditPoints="1" noAdjustHandles="1" noChangeArrowheads="1" noChangeShapeType="1" noTextEdit="1"/>
+          </p:cNvSpPr>
+          <p:nvPr>
+            <p:extLst>
+              <p:ext uri="{386F3935-93C4-4BCD-93E2-E3B085C9AB24}">
+                <p16:designElem xmlns:p16="http://schemas.microsoft.com/office/powerpoint/2015/main" val="1"/>
+              </p:ext>
+            </p:extLst>
+          </p:nvPr>
+        </p:nvSpPr>
+        <p:spPr>
+          <a:xfrm>
+            <a:off x="11292840" y="0"/>
+            <a:ext cx="899160" cy="6858000"/>
+          </a:xfrm>
+          <a:prstGeom prst="rect">
+            <a:avLst/>
+          </a:prstGeom>
+          <a:solidFill>
+            <a:srgbClr val="353537"/>
+          </a:solidFill>
+          <a:ln>
+            <a:noFill/>
+          </a:ln>
+        </p:spPr>
+        <p:style>
+          <a:lnRef idx="2">
+            <a:schemeClr val="accent1">
+              <a:shade val="50000"/>
+            </a:schemeClr>
+          </a:lnRef>
+          <a:fillRef idx="1">
+            <a:schemeClr val="accent1"/>
+          </a:fillRef>
+          <a:effectRef idx="0">
+            <a:schemeClr val="accent1"/>
+          </a:effectRef>
+          <a:fontRef idx="minor">
+            <a:schemeClr val="lt1"/>
+          </a:fontRef>
+        </p:style>
+        <p:txBody>
+          <a:bodyPr rtlCol="0" anchor="ctr"/>
+          <a:lstStyle/>
+          <a:p>
+            <a:pPr algn="ctr"/>
+            <a:endParaRPr lang="en-US"/>
+          </a:p>
+        </p:txBody>
+      </p:sp>
+      <p:sp>
+        <p:nvSpPr>
+          <p:cNvPr id="6" name="CasellaDiTesto 5">
+            <a:extLst>
+              <a:ext uri="{FF2B5EF4-FFF2-40B4-BE49-F238E27FC236}">
+                <a16:creationId xmlns:a16="http://schemas.microsoft.com/office/drawing/2014/main" id="{27B443BC-F82B-41AF-BEB1-C959BA9E5DEE}"/>
+              </a:ext>
+            </a:extLst>
+          </p:cNvPr>
+          <p:cNvSpPr txBox="1"/>
+          <p:nvPr/>
+        </p:nvSpPr>
+        <p:spPr>
+          <a:xfrm>
+            <a:off x="3923357" y="4513302"/>
+            <a:ext cx="3970959" cy="369332"/>
+          </a:xfrm>
+          <a:prstGeom prst="rect">
+            <a:avLst/>
+          </a:prstGeom>
+          <a:noFill/>
+        </p:spPr>
+        <p:txBody>
+          <a:bodyPr wrap="none" rtlCol="0">
+            <a:spAutoFit/>
+          </a:bodyPr>
+          <a:lstStyle/>
+          <a:p>
+            <a:r>
+              <a:rPr lang="it-IT" dirty="0"/>
+              <a:t>(</a:t>
+            </a:r>
+            <a:r>
+              <a:rPr lang="it-IT" dirty="0" err="1"/>
+              <a:t>Vx</a:t>
+            </a:r>
+            <a:r>
+              <a:rPr lang="it-IT" dirty="0"/>
+              <a:t>, </a:t>
+            </a:r>
+            <a:r>
+              <a:rPr lang="it-IT" dirty="0" err="1"/>
+              <a:t>Vy</a:t>
+            </a:r>
+            <a:r>
+              <a:rPr lang="it-IT" dirty="0"/>
+              <a:t>) are </a:t>
+            </a:r>
+            <a:r>
+              <a:rPr lang="it-IT" dirty="0" err="1"/>
+              <a:t>coordinates</a:t>
+            </a:r>
+            <a:r>
+              <a:rPr lang="it-IT" dirty="0"/>
+              <a:t> on the </a:t>
+            </a:r>
+            <a:r>
+              <a:rPr lang="it-IT" dirty="0" err="1"/>
+              <a:t>grid</a:t>
+            </a:r>
+            <a:endParaRPr lang="it-IT" dirty="0"/>
+          </a:p>
+        </p:txBody>
+      </p:sp>
+    </p:spTree>
+    <p:extLst>
+      <p:ext uri="{BB962C8B-B14F-4D97-AF65-F5344CB8AC3E}">
+        <p14:creationId xmlns:p14="http://schemas.microsoft.com/office/powerpoint/2010/main" val="2939428061"/>
+      </p:ext>
+    </p:extLst>
+  </p:cSld>
+  <p:clrMapOvr>
+    <a:masterClrMapping/>
+  </p:clrMapOvr>
+</p:sld>
+</file>
+
+<file path=ppt/slides/slide8.xml><?xml version="1.0" encoding="utf-8"?>
+<p:sld xmlns:a="http://schemas.openxmlformats.org/drawingml/2006/main" xmlns:r="http://schemas.openxmlformats.org/officeDocument/2006/relationships" xmlns:p="http://schemas.openxmlformats.org/presentationml/2006/main">
+  <p:cSld>
+    <p:bg>
+      <p:bgPr>
+        <a:solidFill>
+          <a:schemeClr val="bg1"/>
+        </a:solidFill>
+        <a:effectLst/>
+      </p:bgPr>
+    </p:bg>
+    <p:spTree>
+      <p:nvGrpSpPr>
+        <p:cNvPr id="1" name=""/>
+        <p:cNvGrpSpPr/>
+        <p:nvPr/>
+      </p:nvGrpSpPr>
+      <p:grpSpPr>
+        <a:xfrm>
+          <a:off x="0" y="0"/>
+          <a:ext cx="0" cy="0"/>
+          <a:chOff x="0" y="0"/>
+          <a:chExt cx="0" cy="0"/>
+        </a:xfrm>
+      </p:grpSpPr>
+      <p:sp>
+        <p:nvSpPr>
+          <p:cNvPr id="2" name="Titolo 1">
+            <a:extLst>
+              <a:ext uri="{FF2B5EF4-FFF2-40B4-BE49-F238E27FC236}">
+                <a16:creationId xmlns:a16="http://schemas.microsoft.com/office/drawing/2014/main" id="{0A12707C-3206-4993-9DBE-17D9EACB1C00}"/>
+              </a:ext>
+            </a:extLst>
+          </p:cNvPr>
+          <p:cNvSpPr>
+            <a:spLocks noGrp="1"/>
+          </p:cNvSpPr>
+          <p:nvPr>
+            <p:ph type="title"/>
+          </p:nvPr>
+        </p:nvSpPr>
+        <p:spPr>
+          <a:xfrm>
+            <a:off x="1077125" y="457200"/>
+            <a:ext cx="4857331" cy="1649941"/>
+          </a:xfrm>
+        </p:spPr>
+        <p:txBody>
+          <a:bodyPr>
+            <a:normAutofit fontScale="90000"/>
+          </a:bodyPr>
+          <a:lstStyle/>
+          <a:p>
+            <a:r>
+              <a:rPr lang="it-IT" sz="4100" dirty="0"/>
+              <a:t>Learning to </a:t>
+            </a:r>
+            <a:r>
+              <a:rPr lang="it-IT" sz="4100" dirty="0" err="1"/>
+              <a:t>move</a:t>
+            </a:r>
+            <a:r>
+              <a:rPr lang="it-IT" sz="4100" dirty="0"/>
+              <a:t> on </a:t>
+            </a:r>
+            <a:r>
+              <a:rPr lang="it-IT" sz="4100" dirty="0" err="1"/>
+              <a:t>adjacent</a:t>
+            </a:r>
+            <a:r>
+              <a:rPr lang="it-IT" sz="4100" dirty="0"/>
+              <a:t> </a:t>
+            </a:r>
+            <a:r>
+              <a:rPr lang="it-IT" sz="4100" dirty="0" err="1"/>
+              <a:t>cells</a:t>
+            </a:r>
+            <a:r>
+              <a:rPr lang="it-IT" sz="4100" dirty="0"/>
+              <a:t> – </a:t>
+            </a:r>
+            <a:r>
+              <a:rPr lang="it-IT" sz="4100" dirty="0" err="1"/>
+              <a:t>considering</a:t>
+            </a:r>
+            <a:r>
+              <a:rPr lang="it-IT" sz="4100" dirty="0"/>
+              <a:t> </a:t>
+            </a:r>
+            <a:r>
+              <a:rPr lang="it-IT" sz="4100" dirty="0" err="1"/>
+              <a:t>obstacles</a:t>
+            </a:r>
+            <a:endParaRPr lang="it-IT" sz="4100" dirty="0"/>
+          </a:p>
+        </p:txBody>
+      </p:sp>
+      <p:sp>
+        <p:nvSpPr>
+          <p:cNvPr id="14" name="Rectangle 13">
+            <a:extLst>
+              <a:ext uri="{FF2B5EF4-FFF2-40B4-BE49-F238E27FC236}">
+                <a16:creationId xmlns:a16="http://schemas.microsoft.com/office/drawing/2014/main" id="{50CF6C96-4596-4D83-A9F9-A3AB22AB4D89}"/>
+              </a:ext>
+              <a:ext uri="{C183D7F6-B498-43B3-948B-1728B52AA6E4}">
+                <adec:decorative xmlns:adec="http://schemas.microsoft.com/office/drawing/2017/decorative" val="1"/>
+              </a:ext>
+            </a:extLst>
+          </p:cNvPr>
+          <p:cNvSpPr>
+            <a:spLocks noGrp="1" noRot="1" noChangeAspect="1" noMove="1" noResize="1" noEditPoints="1" noAdjustHandles="1" noChangeArrowheads="1" noChangeShapeType="1" noTextEdit="1"/>
+          </p:cNvSpPr>
+          <p:nvPr>
+            <p:extLst>
+              <p:ext uri="{386F3935-93C4-4BCD-93E2-E3B085C9AB24}">
+                <p16:designElem xmlns:p16="http://schemas.microsoft.com/office/powerpoint/2015/main" val="1"/>
+              </p:ext>
+            </p:extLst>
+          </p:nvPr>
+        </p:nvSpPr>
+        <p:spPr>
+          <a:xfrm>
+            <a:off x="0" y="0"/>
+            <a:ext cx="914400" cy="6858000"/>
+          </a:xfrm>
+          <a:prstGeom prst="rect">
+            <a:avLst/>
+          </a:prstGeom>
+          <a:solidFill>
+            <a:schemeClr val="accent1"/>
+          </a:solidFill>
+          <a:ln>
+            <a:noFill/>
+          </a:ln>
+        </p:spPr>
+        <p:style>
+          <a:lnRef idx="2">
+            <a:schemeClr val="accent1">
+              <a:shade val="50000"/>
+            </a:schemeClr>
+          </a:lnRef>
+          <a:fillRef idx="1">
+            <a:schemeClr val="accent1"/>
+          </a:fillRef>
+          <a:effectRef idx="0">
+            <a:schemeClr val="accent1"/>
+          </a:effectRef>
+          <a:fontRef idx="minor">
+            <a:schemeClr val="lt1"/>
+          </a:fontRef>
+        </p:style>
+      </p:sp>
+      <p:sp>
+        <p:nvSpPr>
+          <p:cNvPr id="3" name="Segnaposto contenuto 2">
+            <a:extLst>
+              <a:ext uri="{FF2B5EF4-FFF2-40B4-BE49-F238E27FC236}">
+                <a16:creationId xmlns:a16="http://schemas.microsoft.com/office/drawing/2014/main" id="{D879B614-B7EF-4C41-B525-645B6994B712}"/>
+              </a:ext>
+            </a:extLst>
+          </p:cNvPr>
+          <p:cNvSpPr>
+            <a:spLocks noGrp="1"/>
+          </p:cNvSpPr>
+          <p:nvPr>
+            <p:ph idx="1"/>
+          </p:nvPr>
+        </p:nvSpPr>
+        <p:spPr>
+          <a:xfrm>
+            <a:off x="1199535" y="2438399"/>
+            <a:ext cx="4572002" cy="3853219"/>
+          </a:xfrm>
+        </p:spPr>
+        <p:txBody>
+          <a:bodyPr>
+            <a:normAutofit lnSpcReduction="10000"/>
+          </a:bodyPr>
+          <a:lstStyle/>
+          <a:p>
+            <a:r>
+              <a:rPr lang="it-IT" sz="1300" b="1" dirty="0"/>
+              <a:t>Goal: </a:t>
+            </a:r>
+            <a:r>
+              <a:rPr lang="it-IT" sz="1300" dirty="0" err="1"/>
+              <a:t>using</a:t>
+            </a:r>
+            <a:r>
+              <a:rPr lang="it-IT" sz="1300" dirty="0"/>
+              <a:t> </a:t>
+            </a:r>
+            <a:r>
+              <a:rPr lang="it-IT" sz="1300" dirty="0" err="1"/>
+              <a:t>what</a:t>
+            </a:r>
+            <a:r>
+              <a:rPr lang="it-IT" sz="1300" dirty="0"/>
+              <a:t> </a:t>
+            </a:r>
+            <a:r>
+              <a:rPr lang="it-IT" sz="1300" dirty="0" err="1"/>
+              <a:t>learned</a:t>
+            </a:r>
+            <a:r>
+              <a:rPr lang="it-IT" sz="1300" dirty="0"/>
+              <a:t> </a:t>
+            </a:r>
+            <a:r>
+              <a:rPr lang="it-IT" sz="1300" dirty="0" err="1"/>
+              <a:t>previosuly</a:t>
+            </a:r>
+            <a:r>
+              <a:rPr lang="it-IT" sz="1300" dirty="0"/>
+              <a:t>, </a:t>
+            </a:r>
+            <a:r>
+              <a:rPr lang="it-IT" sz="1300" dirty="0" err="1"/>
+              <a:t>learn</a:t>
+            </a:r>
+            <a:r>
+              <a:rPr lang="it-IT" sz="1300" dirty="0"/>
+              <a:t> to </a:t>
+            </a:r>
+            <a:r>
+              <a:rPr lang="it-IT" sz="1300" dirty="0" err="1"/>
+              <a:t>move</a:t>
+            </a:r>
+            <a:r>
+              <a:rPr lang="it-IT" sz="1300" dirty="0"/>
+              <a:t> </a:t>
+            </a:r>
+            <a:r>
+              <a:rPr lang="it-IT" sz="1300" dirty="0" err="1"/>
+              <a:t>into</a:t>
+            </a:r>
+            <a:r>
+              <a:rPr lang="it-IT" sz="1300" dirty="0"/>
+              <a:t> </a:t>
+            </a:r>
+            <a:r>
+              <a:rPr lang="it-IT" sz="1300" dirty="0" err="1"/>
+              <a:t>cells</a:t>
+            </a:r>
+            <a:r>
+              <a:rPr lang="it-IT" sz="1300" dirty="0"/>
+              <a:t> </a:t>
+            </a:r>
+            <a:r>
+              <a:rPr lang="it-IT" sz="1300" dirty="0" err="1"/>
+              <a:t>without</a:t>
+            </a:r>
+            <a:r>
+              <a:rPr lang="it-IT" sz="1300" dirty="0"/>
+              <a:t> </a:t>
+            </a:r>
+            <a:r>
+              <a:rPr lang="it-IT" sz="1300" dirty="0" err="1"/>
+              <a:t>obstacles</a:t>
+            </a:r>
+            <a:r>
+              <a:rPr lang="it-IT" sz="1300" dirty="0"/>
+              <a:t> (Predicate </a:t>
+            </a:r>
+            <a:r>
+              <a:rPr lang="it-IT" sz="1300" dirty="0" err="1"/>
+              <a:t>nextLegit</a:t>
+            </a:r>
+            <a:r>
+              <a:rPr lang="it-IT" sz="1300" dirty="0"/>
+              <a:t>/2).</a:t>
+            </a:r>
+          </a:p>
+          <a:p>
+            <a:pPr marL="0" indent="0">
+              <a:buNone/>
+            </a:pPr>
+            <a:r>
+              <a:rPr lang="it-IT" sz="1300" dirty="0" err="1"/>
+              <a:t>Something</a:t>
+            </a:r>
+            <a:r>
+              <a:rPr lang="it-IT" sz="1300" dirty="0"/>
+              <a:t> like : </a:t>
+            </a:r>
+            <a:r>
+              <a:rPr lang="it-IT" sz="1300" dirty="0" err="1"/>
+              <a:t>nextLegit</a:t>
+            </a:r>
+            <a:r>
+              <a:rPr lang="it-IT" sz="1300" dirty="0"/>
+              <a:t>((X,Y), (Z,K)) </a:t>
+            </a:r>
+            <a:r>
+              <a:rPr lang="it-IT" sz="1300" dirty="0" err="1"/>
+              <a:t>holds</a:t>
+            </a:r>
+            <a:r>
+              <a:rPr lang="it-IT" sz="1300" dirty="0"/>
+              <a:t> </a:t>
+            </a:r>
+            <a:r>
+              <a:rPr lang="it-IT" sz="1300" dirty="0" err="1"/>
+              <a:t>if</a:t>
+            </a:r>
+            <a:r>
+              <a:rPr lang="it-IT" sz="1300" dirty="0"/>
+              <a:t> </a:t>
+            </a:r>
+            <a:r>
+              <a:rPr lang="it-IT" sz="1300" dirty="0" err="1"/>
+              <a:t>coordinates</a:t>
+            </a:r>
+            <a:r>
+              <a:rPr lang="it-IT" sz="1300" dirty="0"/>
+              <a:t> are </a:t>
+            </a:r>
+            <a:r>
+              <a:rPr lang="it-IT" sz="1300" dirty="0" err="1"/>
+              <a:t>near</a:t>
+            </a:r>
+            <a:r>
+              <a:rPr lang="it-IT" sz="1300" dirty="0"/>
+              <a:t> and </a:t>
+            </a:r>
+            <a:r>
+              <a:rPr lang="it-IT" sz="1300" dirty="0" err="1"/>
+              <a:t>not</a:t>
+            </a:r>
+            <a:r>
+              <a:rPr lang="it-IT" sz="1300" dirty="0"/>
+              <a:t> </a:t>
+            </a:r>
+            <a:r>
+              <a:rPr lang="it-IT" sz="1300" dirty="0" err="1"/>
+              <a:t>contain</a:t>
+            </a:r>
+            <a:r>
+              <a:rPr lang="it-IT" sz="1300" dirty="0"/>
+              <a:t> </a:t>
+            </a:r>
+            <a:r>
+              <a:rPr lang="it-IT" sz="1300" dirty="0" err="1"/>
+              <a:t>obstacles</a:t>
+            </a:r>
+            <a:r>
+              <a:rPr lang="it-IT" sz="1300" dirty="0"/>
+              <a:t>.</a:t>
+            </a:r>
+          </a:p>
+          <a:p>
+            <a:r>
+              <a:rPr lang="it-IT" sz="1300" b="1" dirty="0"/>
+              <a:t>Background Knowledge:</a:t>
+            </a:r>
+          </a:p>
+          <a:p>
+            <a:pPr lvl="1"/>
+            <a:r>
+              <a:rPr lang="it-IT" sz="1300" dirty="0"/>
+              <a:t>«</a:t>
+            </a:r>
+            <a:r>
+              <a:rPr lang="it-IT" sz="1300" dirty="0" err="1"/>
+              <a:t>succ</a:t>
+            </a:r>
+            <a:r>
+              <a:rPr lang="it-IT" sz="1300" dirty="0"/>
+              <a:t>» predicate, = predicate </a:t>
+            </a:r>
+            <a:r>
+              <a:rPr lang="it-IT" sz="1300" dirty="0" err="1"/>
+              <a:t>true</a:t>
+            </a:r>
+            <a:r>
+              <a:rPr lang="it-IT" sz="1300" dirty="0"/>
+              <a:t> for </a:t>
+            </a:r>
+            <a:r>
+              <a:rPr lang="it-IT" sz="1300" dirty="0" err="1"/>
+              <a:t>adjacent</a:t>
+            </a:r>
+            <a:r>
+              <a:rPr lang="it-IT" sz="1300" dirty="0"/>
+              <a:t> </a:t>
+            </a:r>
+            <a:r>
+              <a:rPr lang="it-IT" sz="1300" dirty="0" err="1"/>
+              <a:t>cells</a:t>
+            </a:r>
+            <a:r>
+              <a:rPr lang="it-IT" sz="1300" dirty="0"/>
+              <a:t>. «</a:t>
+            </a:r>
+            <a:r>
+              <a:rPr lang="it-IT" sz="1300" dirty="0" err="1"/>
+              <a:t>cell</a:t>
+            </a:r>
+            <a:r>
+              <a:rPr lang="it-IT" sz="1300" dirty="0"/>
+              <a:t>» predicate,  = predicate </a:t>
+            </a:r>
+            <a:r>
+              <a:rPr lang="it-IT" sz="1300" dirty="0" err="1"/>
+              <a:t>true</a:t>
+            </a:r>
+            <a:r>
+              <a:rPr lang="it-IT" sz="1300" dirty="0"/>
+              <a:t> for </a:t>
+            </a:r>
+            <a:r>
+              <a:rPr lang="it-IT" sz="1300" dirty="0" err="1"/>
+              <a:t>coordinates</a:t>
+            </a:r>
+            <a:r>
+              <a:rPr lang="it-IT" sz="1300" dirty="0"/>
+              <a:t> on the </a:t>
+            </a:r>
+            <a:r>
+              <a:rPr lang="it-IT" sz="1300" dirty="0" err="1"/>
+              <a:t>grid</a:t>
+            </a:r>
+            <a:r>
+              <a:rPr lang="it-IT" sz="1300" dirty="0"/>
+              <a:t>. </a:t>
+            </a:r>
+          </a:p>
+          <a:p>
+            <a:pPr marL="274320" lvl="1" indent="0">
+              <a:buNone/>
+            </a:pPr>
+            <a:r>
+              <a:rPr lang="it-IT" sz="1300" dirty="0"/>
+              <a:t>    «</a:t>
+            </a:r>
+            <a:r>
+              <a:rPr lang="it-IT" sz="1300" dirty="0" err="1"/>
+              <a:t>obstacle</a:t>
+            </a:r>
+            <a:r>
+              <a:rPr lang="it-IT" sz="1300" dirty="0"/>
+              <a:t>» predicate. «</a:t>
+            </a:r>
+            <a:r>
+              <a:rPr lang="it-IT" sz="1300" dirty="0" err="1"/>
+              <a:t>next</a:t>
+            </a:r>
+            <a:r>
+              <a:rPr lang="it-IT" sz="1300" dirty="0"/>
+              <a:t> predicate» (</a:t>
+            </a:r>
+            <a:r>
+              <a:rPr lang="it-IT" sz="1300" dirty="0" err="1"/>
+              <a:t>learned</a:t>
+            </a:r>
+            <a:r>
+              <a:rPr lang="it-IT" sz="1300" dirty="0"/>
+              <a:t> </a:t>
+            </a:r>
+            <a:r>
+              <a:rPr lang="it-IT" sz="1300" dirty="0" err="1"/>
+              <a:t>prev</a:t>
+            </a:r>
+            <a:r>
+              <a:rPr lang="it-IT" sz="1300" dirty="0"/>
+              <a:t>).</a:t>
+            </a:r>
+          </a:p>
+          <a:p>
+            <a:r>
+              <a:rPr lang="it-IT" sz="1300" b="1" dirty="0">
+                <a:cs typeface="Courier New" panose="02070309020205020404" pitchFamily="49" charset="0"/>
+              </a:rPr>
+              <a:t>Positive </a:t>
+            </a:r>
+            <a:r>
+              <a:rPr lang="it-IT" sz="1300" b="1" dirty="0" err="1">
+                <a:cs typeface="Courier New" panose="02070309020205020404" pitchFamily="49" charset="0"/>
+              </a:rPr>
+              <a:t>examples</a:t>
+            </a:r>
+            <a:r>
+              <a:rPr lang="it-IT" sz="1300" b="1" dirty="0">
+                <a:cs typeface="Courier New" panose="02070309020205020404" pitchFamily="49" charset="0"/>
+              </a:rPr>
+              <a:t>: </a:t>
+            </a:r>
+            <a:r>
+              <a:rPr lang="it-IT" sz="1300" dirty="0"/>
+              <a:t>shows </a:t>
+            </a:r>
+            <a:r>
+              <a:rPr lang="it-IT" sz="1300" dirty="0" err="1"/>
+              <a:t>that</a:t>
+            </a:r>
+            <a:r>
+              <a:rPr lang="it-IT" sz="1300" dirty="0"/>
+              <a:t> </a:t>
+            </a:r>
+            <a:r>
+              <a:rPr lang="it-IT" sz="1300" dirty="0" err="1"/>
+              <a:t>nextLegit</a:t>
+            </a:r>
+            <a:r>
+              <a:rPr lang="it-IT" sz="1300" dirty="0"/>
+              <a:t> </a:t>
+            </a:r>
+            <a:r>
+              <a:rPr lang="it-IT" sz="1300" dirty="0" err="1"/>
+              <a:t>is</a:t>
+            </a:r>
+            <a:r>
+              <a:rPr lang="it-IT" sz="1300" dirty="0"/>
+              <a:t> </a:t>
+            </a:r>
+            <a:r>
+              <a:rPr lang="it-IT" sz="1300" dirty="0" err="1"/>
+              <a:t>true</a:t>
+            </a:r>
+            <a:r>
+              <a:rPr lang="it-IT" sz="1300" dirty="0"/>
+              <a:t> in </a:t>
+            </a:r>
+            <a:r>
+              <a:rPr lang="it-IT" sz="1300" dirty="0" err="1"/>
+              <a:t>cells</a:t>
+            </a:r>
+            <a:r>
+              <a:rPr lang="it-IT" sz="1300" dirty="0"/>
+              <a:t> </a:t>
+            </a:r>
+            <a:r>
+              <a:rPr lang="it-IT" sz="1300" dirty="0" err="1"/>
+              <a:t>without</a:t>
+            </a:r>
+            <a:r>
+              <a:rPr lang="it-IT" sz="1300" dirty="0"/>
+              <a:t> </a:t>
+            </a:r>
+            <a:r>
+              <a:rPr lang="it-IT" sz="1300" dirty="0" err="1"/>
+              <a:t>obstacles</a:t>
+            </a:r>
+            <a:r>
+              <a:rPr lang="it-IT" sz="1300" dirty="0"/>
+              <a:t> </a:t>
+            </a:r>
+            <a:r>
+              <a:rPr lang="it-IT" sz="1300" b="1" dirty="0">
+                <a:cs typeface="Courier New" panose="02070309020205020404" pitchFamily="49" charset="0"/>
+              </a:rPr>
+              <a:t>/Negative </a:t>
+            </a:r>
+            <a:r>
+              <a:rPr lang="it-IT" sz="1300" b="1" dirty="0" err="1">
+                <a:cs typeface="Courier New" panose="02070309020205020404" pitchFamily="49" charset="0"/>
+              </a:rPr>
+              <a:t>examples</a:t>
+            </a:r>
+            <a:r>
+              <a:rPr lang="it-IT" sz="1300" b="1" dirty="0">
+                <a:cs typeface="Courier New" panose="02070309020205020404" pitchFamily="49" charset="0"/>
+              </a:rPr>
+              <a:t>: </a:t>
+            </a:r>
+            <a:r>
+              <a:rPr lang="it-IT" sz="1300" dirty="0">
+                <a:cs typeface="Courier New" panose="02070309020205020404" pitchFamily="49" charset="0"/>
+              </a:rPr>
+              <a:t>shows </a:t>
+            </a:r>
+            <a:r>
+              <a:rPr lang="it-IT" sz="1300" dirty="0" err="1">
+                <a:cs typeface="Courier New" panose="02070309020205020404" pitchFamily="49" charset="0"/>
+              </a:rPr>
+              <a:t>that</a:t>
+            </a:r>
+            <a:r>
+              <a:rPr lang="it-IT" sz="1300" dirty="0">
+                <a:cs typeface="Courier New" panose="02070309020205020404" pitchFamily="49" charset="0"/>
+              </a:rPr>
+              <a:t> </a:t>
+            </a:r>
+            <a:r>
+              <a:rPr lang="it-IT" sz="1300" dirty="0" err="1">
+                <a:cs typeface="Courier New" panose="02070309020205020404" pitchFamily="49" charset="0"/>
+              </a:rPr>
+              <a:t>nextLegit</a:t>
+            </a:r>
+            <a:r>
+              <a:rPr lang="it-IT" sz="1300" dirty="0">
+                <a:cs typeface="Courier New" panose="02070309020205020404" pitchFamily="49" charset="0"/>
+              </a:rPr>
+              <a:t> </a:t>
+            </a:r>
+            <a:r>
+              <a:rPr lang="it-IT" sz="1300" dirty="0" err="1">
+                <a:cs typeface="Courier New" panose="02070309020205020404" pitchFamily="49" charset="0"/>
+              </a:rPr>
+              <a:t>is</a:t>
+            </a:r>
+            <a:r>
+              <a:rPr lang="it-IT" sz="1300" dirty="0">
+                <a:cs typeface="Courier New" panose="02070309020205020404" pitchFamily="49" charset="0"/>
+              </a:rPr>
+              <a:t> </a:t>
+            </a:r>
+            <a:r>
+              <a:rPr lang="it-IT" sz="1300" dirty="0" err="1">
+                <a:cs typeface="Courier New" panose="02070309020205020404" pitchFamily="49" charset="0"/>
+              </a:rPr>
+              <a:t>not</a:t>
+            </a:r>
+            <a:r>
+              <a:rPr lang="it-IT" sz="1300" dirty="0">
+                <a:cs typeface="Courier New" panose="02070309020205020404" pitchFamily="49" charset="0"/>
+              </a:rPr>
+              <a:t> </a:t>
+            </a:r>
+            <a:r>
+              <a:rPr lang="it-IT" sz="1300" dirty="0" err="1">
+                <a:cs typeface="Courier New" panose="02070309020205020404" pitchFamily="49" charset="0"/>
+              </a:rPr>
+              <a:t>true</a:t>
+            </a:r>
+            <a:r>
+              <a:rPr lang="it-IT" sz="1300" dirty="0">
+                <a:cs typeface="Courier New" panose="02070309020205020404" pitchFamily="49" charset="0"/>
+              </a:rPr>
+              <a:t> in </a:t>
+            </a:r>
+            <a:r>
+              <a:rPr lang="it-IT" sz="1300" dirty="0" err="1">
+                <a:cs typeface="Courier New" panose="02070309020205020404" pitchFamily="49" charset="0"/>
+              </a:rPr>
+              <a:t>cells</a:t>
+            </a:r>
+            <a:r>
+              <a:rPr lang="it-IT" sz="1300" dirty="0">
+                <a:cs typeface="Courier New" panose="02070309020205020404" pitchFamily="49" charset="0"/>
+              </a:rPr>
+              <a:t> with </a:t>
+            </a:r>
+            <a:r>
+              <a:rPr lang="it-IT" sz="1300" dirty="0" err="1">
+                <a:cs typeface="Courier New" panose="02070309020205020404" pitchFamily="49" charset="0"/>
+              </a:rPr>
+              <a:t>obstacles</a:t>
+            </a:r>
+            <a:endParaRPr lang="it-IT" sz="1300" dirty="0">
+              <a:cs typeface="Courier New" panose="02070309020205020404" pitchFamily="49" charset="0"/>
+            </a:endParaRPr>
+          </a:p>
+          <a:p>
+            <a:r>
+              <a:rPr lang="it-IT" sz="1300" b="1" dirty="0">
+                <a:cs typeface="Courier New" panose="02070309020205020404" pitchFamily="49" charset="0"/>
+              </a:rPr>
+              <a:t>mode </a:t>
+            </a:r>
+            <a:r>
+              <a:rPr lang="it-IT" sz="1300" b="1" dirty="0" err="1">
+                <a:cs typeface="Courier New" panose="02070309020205020404" pitchFamily="49" charset="0"/>
+              </a:rPr>
+              <a:t>bias</a:t>
+            </a:r>
+            <a:r>
+              <a:rPr lang="it-IT" sz="1300" b="1" dirty="0">
+                <a:cs typeface="Courier New" panose="02070309020205020404" pitchFamily="49" charset="0"/>
+              </a:rPr>
+              <a:t>: </a:t>
+            </a:r>
+            <a:r>
+              <a:rPr lang="it-IT" sz="1300" dirty="0" err="1">
+                <a:cs typeface="Courier New" panose="02070309020205020404" pitchFamily="49" charset="0"/>
+              </a:rPr>
+              <a:t>predicates</a:t>
+            </a:r>
+            <a:r>
+              <a:rPr lang="it-IT" sz="1300" dirty="0">
+                <a:cs typeface="Courier New" panose="02070309020205020404" pitchFamily="49" charset="0"/>
+              </a:rPr>
+              <a:t> «</a:t>
+            </a:r>
+            <a:r>
+              <a:rPr lang="it-IT" sz="1300" dirty="0" err="1">
+                <a:cs typeface="Courier New" panose="02070309020205020404" pitchFamily="49" charset="0"/>
+              </a:rPr>
+              <a:t>next</a:t>
+            </a:r>
+            <a:r>
+              <a:rPr lang="it-IT" sz="1300" dirty="0">
+                <a:cs typeface="Courier New" panose="02070309020205020404" pitchFamily="49" charset="0"/>
+              </a:rPr>
+              <a:t>», «</a:t>
+            </a:r>
+            <a:r>
+              <a:rPr lang="it-IT" sz="1300" dirty="0" err="1">
+                <a:cs typeface="Courier New" panose="02070309020205020404" pitchFamily="49" charset="0"/>
+              </a:rPr>
+              <a:t>obstacle</a:t>
+            </a:r>
+            <a:r>
+              <a:rPr lang="it-IT" sz="1300" dirty="0">
+                <a:cs typeface="Courier New" panose="02070309020205020404" pitchFamily="49" charset="0"/>
+              </a:rPr>
+              <a:t>», and «</a:t>
+            </a:r>
+            <a:r>
+              <a:rPr lang="it-IT" sz="1300" dirty="0" err="1">
+                <a:cs typeface="Courier New" panose="02070309020205020404" pitchFamily="49" charset="0"/>
+              </a:rPr>
+              <a:t>nextLegit</a:t>
+            </a:r>
+            <a:r>
+              <a:rPr lang="it-IT" sz="1300" dirty="0">
+                <a:cs typeface="Courier New" panose="02070309020205020404" pitchFamily="49" charset="0"/>
+              </a:rPr>
+              <a:t>» on the head of the rules.</a:t>
+            </a:r>
+            <a:endParaRPr lang="it-IT" sz="1300" b="1" dirty="0">
+              <a:cs typeface="Courier New" panose="02070309020205020404" pitchFamily="49" charset="0"/>
+            </a:endParaRPr>
+          </a:p>
+          <a:p>
+            <a:endParaRPr lang="it-IT" sz="1300" b="1" dirty="0">
+              <a:cs typeface="Courier New" panose="02070309020205020404" pitchFamily="49" charset="0"/>
+            </a:endParaRPr>
+          </a:p>
+          <a:p>
+            <a:endParaRPr lang="it-IT" sz="1300" b="1" dirty="0">
+              <a:cs typeface="Courier New" panose="02070309020205020404" pitchFamily="49" charset="0"/>
+            </a:endParaRPr>
+          </a:p>
+        </p:txBody>
+      </p:sp>
+      <p:pic>
+        <p:nvPicPr>
+          <p:cNvPr id="4" name="Picture 4" descr="Maze">
+            <a:extLst>
+              <a:ext uri="{FF2B5EF4-FFF2-40B4-BE49-F238E27FC236}">
+                <a16:creationId xmlns:a16="http://schemas.microsoft.com/office/drawing/2014/main" id="{15FFD1B1-AEEE-4EE4-9047-6C67FEA2BDA9}"/>
+              </a:ext>
+            </a:extLst>
+          </p:cNvPr>
+          <p:cNvPicPr>
+            <a:picLocks noChangeAspect="1"/>
+          </p:cNvPicPr>
+          <p:nvPr/>
+        </p:nvPicPr>
+        <p:blipFill rotWithShape="1">
+          <a:blip r:embed="rId2"/>
+          <a:srcRect l="17328" r="23349" b="-1"/>
+          <a:stretch/>
+        </p:blipFill>
+        <p:spPr>
+          <a:xfrm>
+            <a:off x="6097181" y="10"/>
+            <a:ext cx="6094819" cy="6857990"/>
+          </a:xfrm>
+          <a:prstGeom prst="rect">
+            <a:avLst/>
+          </a:prstGeom>
+        </p:spPr>
+      </p:pic>
+    </p:spTree>
+    <p:extLst>
+      <p:ext uri="{BB962C8B-B14F-4D97-AF65-F5344CB8AC3E}">
+        <p14:creationId xmlns:p14="http://schemas.microsoft.com/office/powerpoint/2010/main" val="4267022262"/>
+      </p:ext>
+    </p:extLst>
+  </p:cSld>
+  <p:clrMapOvr>
+    <a:masterClrMapping/>
+  </p:clrMapOvr>
+</p:sld>
+</file>
+
+<file path=ppt/slides/slide9.xml><?xml version="1.0" encoding="utf-8"?>
+<p:sld xmlns:a="http://schemas.openxmlformats.org/drawingml/2006/main" xmlns:r="http://schemas.openxmlformats.org/officeDocument/2006/relationships" xmlns:p="http://schemas.openxmlformats.org/presentationml/2006/main">
+  <p:cSld>
+    <p:bg>
+      <p:bgPr>
+        <a:solidFill>
+          <a:schemeClr val="bg1"/>
+        </a:solidFill>
+        <a:effectLst/>
+      </p:bgPr>
+    </p:bg>
+    <p:spTree>
+      <p:nvGrpSpPr>
+        <p:cNvPr id="1" name=""/>
+        <p:cNvGrpSpPr/>
+        <p:nvPr/>
+      </p:nvGrpSpPr>
+      <p:grpSpPr>
+        <a:xfrm>
+          <a:off x="0" y="0"/>
+          <a:ext cx="0" cy="0"/>
+          <a:chOff x="0" y="0"/>
+          <a:chExt cx="0" cy="0"/>
+        </a:xfrm>
+      </p:grpSpPr>
+      <p:sp>
+        <p:nvSpPr>
+          <p:cNvPr id="10" name="Rectangle 9">
+            <a:extLst>
+              <a:ext uri="{FF2B5EF4-FFF2-40B4-BE49-F238E27FC236}">
+                <a16:creationId xmlns:a16="http://schemas.microsoft.com/office/drawing/2014/main" id="{5D5E0904-721C-4D68-9EB8-1C9752E329A7}"/>
+              </a:ext>
+              <a:ext uri="{C183D7F6-B498-43B3-948B-1728B52AA6E4}">
+                <adec:decorative xmlns:adec="http://schemas.microsoft.com/office/drawing/2017/decorative" val="1"/>
+              </a:ext>
+            </a:extLst>
+          </p:cNvPr>
+          <p:cNvSpPr>
+            <a:spLocks noGrp="1" noRot="1" noChangeAspect="1" noMove="1" noResize="1" noEditPoints="1" noAdjustHandles="1" noChangeArrowheads="1" noChangeShapeType="1" noTextEdit="1"/>
+          </p:cNvSpPr>
+          <p:nvPr>
+            <p:extLst>
+              <p:ext uri="{386F3935-93C4-4BCD-93E2-E3B085C9AB24}">
+                <p16:designElem xmlns:p16="http://schemas.microsoft.com/office/powerpoint/2015/main" val="1"/>
+              </p:ext>
+            </p:extLst>
+          </p:nvPr>
+        </p:nvSpPr>
+        <p:spPr>
+          <a:xfrm>
+            <a:off x="0" y="0"/>
+            <a:ext cx="457200" cy="6858000"/>
+          </a:xfrm>
+          <a:prstGeom prst="rect">
+            <a:avLst/>
+          </a:prstGeom>
+          <a:solidFill>
+            <a:schemeClr val="accent1"/>
+          </a:solidFill>
+          <a:ln>
+            <a:noFill/>
+          </a:ln>
+        </p:spPr>
+        <p:style>
+          <a:lnRef idx="2">
+            <a:schemeClr val="accent1">
+              <a:shade val="50000"/>
+            </a:schemeClr>
+          </a:lnRef>
+          <a:fillRef idx="1">
+            <a:schemeClr val="accent1"/>
+          </a:fillRef>
+          <a:effectRef idx="0">
+            <a:schemeClr val="accent1"/>
+          </a:effectRef>
+          <a:fontRef idx="minor">
+            <a:schemeClr val="lt1"/>
+          </a:fontRef>
+        </p:style>
+      </p:sp>
+      <p:sp useBgFill="1">
+        <p:nvSpPr>
+          <p:cNvPr id="12" name="Rectangle 11">
+            <a:extLst>
+              <a:ext uri="{FF2B5EF4-FFF2-40B4-BE49-F238E27FC236}">
+                <a16:creationId xmlns:a16="http://schemas.microsoft.com/office/drawing/2014/main" id="{D0CDF5D3-7220-42A0-9D37-ECF3BF283B37}"/>
+              </a:ext>
+              <a:ext uri="{C183D7F6-B498-43B3-948B-1728B52AA6E4}">
+                <adec:decorative xmlns:adec="http://schemas.microsoft.com/office/drawing/2017/decorative" val="1"/>
+              </a:ext>
+            </a:extLst>
+          </p:cNvPr>
+          <p:cNvSpPr>
+            <a:spLocks noGrp="1" noRot="1" noChangeAspect="1" noMove="1" noResize="1" noEditPoints="1" noAdjustHandles="1" noChangeArrowheads="1" noChangeShapeType="1" noTextEdit="1"/>
+          </p:cNvSpPr>
+          <p:nvPr>
+            <p:extLst>
+              <p:ext uri="{386F3935-93C4-4BCD-93E2-E3B085C9AB24}">
+                <p16:designElem xmlns:p16="http://schemas.microsoft.com/office/powerpoint/2015/main" val="1"/>
+              </p:ext>
+            </p:extLst>
+          </p:nvPr>
+        </p:nvSpPr>
+        <p:spPr>
+          <a:xfrm>
+            <a:off x="457200" y="0"/>
+            <a:ext cx="10835640" cy="5105400"/>
+          </a:xfrm>
+          <a:prstGeom prst="rect">
+            <a:avLst/>
+          </a:prstGeom>
+          <a:ln>
+            <a:noFill/>
+          </a:ln>
+        </p:spPr>
+        <p:style>
+          <a:lnRef idx="2">
+            <a:schemeClr val="accent1">
+              <a:shade val="50000"/>
+            </a:schemeClr>
+          </a:lnRef>
+          <a:fillRef idx="1">
+            <a:schemeClr val="accent1"/>
+          </a:fillRef>
+          <a:effectRef idx="0">
+            <a:schemeClr val="accent1"/>
+          </a:effectRef>
+          <a:fontRef idx="minor">
+            <a:schemeClr val="lt1"/>
+          </a:fontRef>
+        </p:style>
+      </p:sp>
+      <p:sp>
+        <p:nvSpPr>
+          <p:cNvPr id="14" name="Rectangle 13">
+            <a:extLst>
+              <a:ext uri="{FF2B5EF4-FFF2-40B4-BE49-F238E27FC236}">
+                <a16:creationId xmlns:a16="http://schemas.microsoft.com/office/drawing/2014/main" id="{64BC717F-58B3-4A4E-BC3B-1B11323AD5C9}"/>
+              </a:ext>
+              <a:ext uri="{C183D7F6-B498-43B3-948B-1728B52AA6E4}">
+                <adec:decorative xmlns:adec="http://schemas.microsoft.com/office/drawing/2017/decorative" val="1"/>
+              </a:ext>
+            </a:extLst>
+          </p:cNvPr>
+          <p:cNvSpPr>
+            <a:spLocks noGrp="1" noRot="1" noChangeAspect="1" noMove="1" noResize="1" noEditPoints="1" noAdjustHandles="1" noChangeArrowheads="1" noChangeShapeType="1" noTextEdit="1"/>
+          </p:cNvSpPr>
+          <p:nvPr>
+            <p:extLst>
+              <p:ext uri="{386F3935-93C4-4BCD-93E2-E3B085C9AB24}">
+                <p16:designElem xmlns:p16="http://schemas.microsoft.com/office/powerpoint/2015/main" val="1"/>
+              </p:ext>
+            </p:extLst>
+          </p:nvPr>
+        </p:nvSpPr>
+        <p:spPr>
+          <a:xfrm>
+            <a:off x="457200" y="5105400"/>
+            <a:ext cx="10835640" cy="1752600"/>
+          </a:xfrm>
+          <a:prstGeom prst="rect">
+            <a:avLst/>
+          </a:prstGeom>
+          <a:solidFill>
+            <a:srgbClr val="353537"/>
+          </a:solidFill>
+          <a:ln>
+            <a:noFill/>
+          </a:ln>
+        </p:spPr>
+        <p:style>
+          <a:lnRef idx="2">
+            <a:schemeClr val="accent1">
+              <a:shade val="50000"/>
+            </a:schemeClr>
+          </a:lnRef>
+          <a:fillRef idx="1">
+            <a:schemeClr val="accent1"/>
+          </a:fillRef>
+          <a:effectRef idx="0">
+            <a:schemeClr val="accent1"/>
+          </a:effectRef>
+          <a:fontRef idx="minor">
+            <a:schemeClr val="lt1"/>
+          </a:fontRef>
+        </p:style>
+      </p:sp>
+      <p:sp>
+        <p:nvSpPr>
+          <p:cNvPr id="2" name="Titolo 1">
+            <a:extLst>
+              <a:ext uri="{FF2B5EF4-FFF2-40B4-BE49-F238E27FC236}">
+                <a16:creationId xmlns:a16="http://schemas.microsoft.com/office/drawing/2014/main" id="{FD88AB67-D6CF-4A93-B39F-6EDEEE343FF8}"/>
+              </a:ext>
+            </a:extLst>
+          </p:cNvPr>
+          <p:cNvSpPr>
+            <a:spLocks noGrp="1"/>
+          </p:cNvSpPr>
+          <p:nvPr>
+            <p:ph type="title"/>
+          </p:nvPr>
+        </p:nvSpPr>
+        <p:spPr>
+          <a:xfrm>
+            <a:off x="944183" y="5181600"/>
+            <a:ext cx="10156435" cy="1076324"/>
+          </a:xfrm>
+        </p:spPr>
+        <p:txBody>
+          <a:bodyPr vert="horz" lIns="91440" tIns="45720" rIns="91440" bIns="45720" rtlCol="0" anchor="b">
+            <a:normAutofit/>
+          </a:bodyPr>
+          <a:lstStyle/>
+          <a:p>
+            <a:pPr>
+              <a:lnSpc>
+                <a:spcPct val="85000"/>
+              </a:lnSpc>
+            </a:pPr>
+            <a:r>
+              <a:rPr lang="en-US" sz="5400" dirty="0">
+                <a:solidFill>
+                  <a:srgbClr val="FFFFFF"/>
+                </a:solidFill>
+              </a:rPr>
+              <a:t>Output of ILASP task </a:t>
+            </a:r>
+          </a:p>
+        </p:txBody>
+      </p:sp>
+      <p:sp>
+        <p:nvSpPr>
+          <p:cNvPr id="16" name="Rectangle 15">
+            <a:extLst>
+              <a:ext uri="{FF2B5EF4-FFF2-40B4-BE49-F238E27FC236}">
+                <a16:creationId xmlns:a16="http://schemas.microsoft.com/office/drawing/2014/main" id="{1EE75710-64C5-4CA8-8A7C-82EE4125C90D}"/>
+              </a:ext>
+              <a:ext uri="{C183D7F6-B498-43B3-948B-1728B52AA6E4}">
+                <adec:decorative xmlns:adec="http://schemas.microsoft.com/office/drawing/2017/decorative" val="1"/>
+              </a:ext>
+            </a:extLst>
+          </p:cNvPr>
+          <p:cNvSpPr>
+            <a:spLocks noGrp="1" noRot="1" noChangeAspect="1" noMove="1" noResize="1" noEditPoints="1" noAdjustHandles="1" noChangeArrowheads="1" noChangeShapeType="1" noTextEdit="1"/>
+          </p:cNvSpPr>
+          <p:nvPr>
+            <p:extLst>
+              <p:ext uri="{386F3935-93C4-4BCD-93E2-E3B085C9AB24}">
+                <p16:designElem xmlns:p16="http://schemas.microsoft.com/office/powerpoint/2015/main" val="1"/>
+              </p:ext>
+            </p:extLst>
+          </p:nvPr>
+        </p:nvSpPr>
+        <p:spPr>
+          <a:xfrm>
+            <a:off x="0" y="0"/>
+            <a:ext cx="457200" cy="6858000"/>
+          </a:xfrm>
+          <a:prstGeom prst="rect">
+            <a:avLst/>
+          </a:prstGeom>
+          <a:solidFill>
+            <a:srgbClr val="6F6F74"/>
+          </a:solidFill>
+          <a:ln>
+            <a:noFill/>
+          </a:ln>
+        </p:spPr>
+        <p:style>
+          <a:lnRef idx="2">
+            <a:schemeClr val="accent1">
+              <a:shade val="50000"/>
+            </a:schemeClr>
+          </a:lnRef>
+          <a:fillRef idx="1">
+            <a:schemeClr val="accent1"/>
+          </a:fillRef>
+          <a:effectRef idx="0">
+            <a:schemeClr val="accent1"/>
+          </a:effectRef>
+          <a:fontRef idx="minor">
+            <a:schemeClr val="lt1"/>
+          </a:fontRef>
+        </p:style>
+        <p:txBody>
+          <a:bodyPr rtlCol="0" anchor="ctr"/>
+          <a:lstStyle/>
+          <a:p>
+            <a:pPr algn="ctr"/>
+            <a:endParaRPr lang="en-US"/>
+          </a:p>
+        </p:txBody>
+      </p:sp>
+      <p:sp>
+        <p:nvSpPr>
+          <p:cNvPr id="18" name="Rectangle 17">
+            <a:extLst>
+              <a:ext uri="{FF2B5EF4-FFF2-40B4-BE49-F238E27FC236}">
+                <a16:creationId xmlns:a16="http://schemas.microsoft.com/office/drawing/2014/main" id="{435050B1-74E1-4A81-923D-0F5971A3BC01}"/>
+              </a:ext>
+              <a:ext uri="{C183D7F6-B498-43B3-948B-1728B52AA6E4}">
+                <adec:decorative xmlns:adec="http://schemas.microsoft.com/office/drawing/2017/decorative" val="1"/>
+              </a:ext>
+            </a:extLst>
+          </p:cNvPr>
+          <p:cNvSpPr>
+            <a:spLocks noGrp="1" noRot="1" noChangeAspect="1" noMove="1" noResize="1" noEditPoints="1" noAdjustHandles="1" noChangeArrowheads="1" noChangeShapeType="1" noTextEdit="1"/>
+          </p:cNvSpPr>
+          <p:nvPr>
+            <p:extLst>
+              <p:ext uri="{386F3935-93C4-4BCD-93E2-E3B085C9AB24}">
+                <p16:designElem xmlns:p16="http://schemas.microsoft.com/office/powerpoint/2015/main" val="1"/>
+              </p:ext>
+            </p:extLst>
+          </p:nvPr>
+        </p:nvSpPr>
+        <p:spPr>
+          <a:xfrm>
+            <a:off x="11292840" y="0"/>
+            <a:ext cx="899160" cy="6858000"/>
+          </a:xfrm>
+          <a:prstGeom prst="rect">
+            <a:avLst/>
+          </a:prstGeom>
+          <a:solidFill>
+            <a:srgbClr val="353537"/>
+          </a:solidFill>
+          <a:ln>
+            <a:noFill/>
+          </a:ln>
+        </p:spPr>
+        <p:style>
+          <a:lnRef idx="2">
+            <a:schemeClr val="accent1">
+              <a:shade val="50000"/>
+            </a:schemeClr>
+          </a:lnRef>
+          <a:fillRef idx="1">
+            <a:schemeClr val="accent1"/>
+          </a:fillRef>
+          <a:effectRef idx="0">
+            <a:schemeClr val="accent1"/>
+          </a:effectRef>
+          <a:fontRef idx="minor">
+            <a:schemeClr val="lt1"/>
+          </a:fontRef>
+        </p:style>
+        <p:txBody>
+          <a:bodyPr rtlCol="0" anchor="ctr"/>
+          <a:lstStyle/>
+          <a:p>
+            <a:pPr algn="ctr"/>
+            <a:endParaRPr lang="en-US"/>
+          </a:p>
+        </p:txBody>
+      </p:sp>
+      <p:sp>
+        <p:nvSpPr>
+          <p:cNvPr id="6" name="CasellaDiTesto 5">
+            <a:extLst>
+              <a:ext uri="{FF2B5EF4-FFF2-40B4-BE49-F238E27FC236}">
+                <a16:creationId xmlns:a16="http://schemas.microsoft.com/office/drawing/2014/main" id="{27B443BC-F82B-41AF-BEB1-C959BA9E5DEE}"/>
+              </a:ext>
+            </a:extLst>
+          </p:cNvPr>
+          <p:cNvSpPr txBox="1"/>
+          <p:nvPr/>
+        </p:nvSpPr>
+        <p:spPr>
+          <a:xfrm>
+            <a:off x="3923357" y="4513302"/>
+            <a:ext cx="3970959" cy="369332"/>
+          </a:xfrm>
+          <a:prstGeom prst="rect">
+            <a:avLst/>
+          </a:prstGeom>
+          <a:noFill/>
+        </p:spPr>
+        <p:txBody>
+          <a:bodyPr wrap="none" rtlCol="0">
+            <a:spAutoFit/>
+          </a:bodyPr>
+          <a:lstStyle/>
+          <a:p>
+            <a:r>
+              <a:rPr lang="it-IT" dirty="0"/>
+              <a:t>(</a:t>
+            </a:r>
+            <a:r>
+              <a:rPr lang="it-IT" dirty="0" err="1"/>
+              <a:t>Vx</a:t>
+            </a:r>
+            <a:r>
+              <a:rPr lang="it-IT" dirty="0"/>
+              <a:t>, </a:t>
+            </a:r>
+            <a:r>
+              <a:rPr lang="it-IT" dirty="0" err="1"/>
+              <a:t>Vy</a:t>
+            </a:r>
+            <a:r>
+              <a:rPr lang="it-IT" dirty="0"/>
+              <a:t>) are </a:t>
+            </a:r>
+            <a:r>
+              <a:rPr lang="it-IT" dirty="0" err="1"/>
+              <a:t>coordinates</a:t>
+            </a:r>
+            <a:r>
+              <a:rPr lang="it-IT" dirty="0"/>
+              <a:t> on the </a:t>
+            </a:r>
+            <a:r>
+              <a:rPr lang="it-IT" dirty="0" err="1"/>
+              <a:t>grid</a:t>
+            </a:r>
+            <a:endParaRPr lang="it-IT" dirty="0"/>
+          </a:p>
+        </p:txBody>
+      </p:sp>
+      <p:pic>
+        <p:nvPicPr>
+          <p:cNvPr id="11" name="Immagine 10">
+            <a:extLst>
+              <a:ext uri="{FF2B5EF4-FFF2-40B4-BE49-F238E27FC236}">
+                <a16:creationId xmlns:a16="http://schemas.microsoft.com/office/drawing/2014/main" id="{4262E2BB-6F39-477D-9EC3-5D81CC8BBC56}"/>
+              </a:ext>
+            </a:extLst>
+          </p:cNvPr>
+          <p:cNvPicPr>
+            <a:picLocks noChangeAspect="1"/>
+          </p:cNvPicPr>
+          <p:nvPr/>
+        </p:nvPicPr>
+        <p:blipFill>
+          <a:blip r:embed="rId2">
+            <a:extLst>
+              <a:ext uri="{28A0092B-C50C-407E-A947-70E740481C1C}">
+                <a14:useLocalDpi xmlns:a14="http://schemas.microsoft.com/office/drawing/2010/main" val="0"/>
+              </a:ext>
+            </a:extLst>
+          </a:blip>
+          <a:stretch>
+            <a:fillRect/>
+          </a:stretch>
+        </p:blipFill>
+        <p:spPr>
+          <a:xfrm>
+            <a:off x="545782" y="1172647"/>
+            <a:ext cx="10658475" cy="3057525"/>
+          </a:xfrm>
+          <a:prstGeom prst="rect">
+            <a:avLst/>
+          </a:prstGeom>
+        </p:spPr>
+      </p:pic>
+    </p:spTree>
+    <p:extLst>
+      <p:ext uri="{BB962C8B-B14F-4D97-AF65-F5344CB8AC3E}">
+        <p14:creationId xmlns:p14="http://schemas.microsoft.com/office/powerpoint/2010/main" val="1946959615"/>
       </p:ext>
     </p:extLst>
   </p:cSld>

--- a/ATAI_Presentation ILASP.pptx
+++ b/ATAI_Presentation ILASP.pptx
@@ -1898,15 +1898,7 @@
           </a:pPr>
           <a:r>
             <a:rPr lang="en-US" dirty="0"/>
-            <a:t>It enables learning programs containing normal rules, choice rules and hard constraints, specifying (as always) background knowledge, search space and positive </a:t>
-          </a:r>
-          <a:r>
-            <a:rPr lang="en-US"/>
-            <a:t>+ negative examples</a:t>
-          </a:r>
-          <a:r>
-            <a:rPr lang="en-US" dirty="0"/>
-            <a:t>.</a:t>
+            <a:t>It enables learning programs containing normal rules, choice rules and hard constraints, specifying (as always) background knowledge, search space and positive + negative examples.</a:t>
           </a:r>
         </a:p>
       </dgm:t>
@@ -2699,15 +2691,7 @@
           </a:pPr>
           <a:r>
             <a:rPr lang="en-US" sz="1100" kern="1200" dirty="0"/>
-            <a:t>It enables learning programs containing normal rules, choice rules and hard constraints, specifying (as always) background knowledge, search space and positive </a:t>
-          </a:r>
-          <a:r>
-            <a:rPr lang="en-US" sz="1100" kern="1200"/>
-            <a:t>+ negative examples</a:t>
-          </a:r>
-          <a:r>
-            <a:rPr lang="en-US" sz="1100" kern="1200" dirty="0"/>
-            <a:t>.</a:t>
+            <a:t>It enables learning programs containing normal rules, choice rules and hard constraints, specifying (as always) background knowledge, search space and positive + negative examples.</a:t>
           </a:r>
         </a:p>
       </dsp:txBody>
@@ -5793,7 +5777,7 @@
           <a:p>
             <a:fld id="{0FB1A7F6-0812-4A46-B0B3-17E31A6CF280}" type="datetimeFigureOut">
               <a:rPr lang="it-IT" smtClean="0"/>
-              <a:t>03/07/2021</a:t>
+              <a:t>04/07/2021</a:t>
             </a:fld>
             <a:endParaRPr lang="it-IT"/>
           </a:p>
@@ -6021,7 +6005,7 @@
           <a:p>
             <a:fld id="{0FB1A7F6-0812-4A46-B0B3-17E31A6CF280}" type="datetimeFigureOut">
               <a:rPr lang="it-IT" smtClean="0"/>
-              <a:t>03/07/2021</a:t>
+              <a:t>04/07/2021</a:t>
             </a:fld>
             <a:endParaRPr lang="it-IT"/>
           </a:p>
@@ -6201,7 +6185,7 @@
           <a:p>
             <a:fld id="{0FB1A7F6-0812-4A46-B0B3-17E31A6CF280}" type="datetimeFigureOut">
               <a:rPr lang="it-IT" smtClean="0"/>
-              <a:t>03/07/2021</a:t>
+              <a:t>04/07/2021</a:t>
             </a:fld>
             <a:endParaRPr lang="it-IT"/>
           </a:p>
@@ -6371,7 +6355,7 @@
           <a:p>
             <a:fld id="{0FB1A7F6-0812-4A46-B0B3-17E31A6CF280}" type="datetimeFigureOut">
               <a:rPr lang="it-IT" smtClean="0"/>
-              <a:t>03/07/2021</a:t>
+              <a:t>04/07/2021</a:t>
             </a:fld>
             <a:endParaRPr lang="it-IT"/>
           </a:p>
@@ -6625,7 +6609,7 @@
           <a:p>
             <a:fld id="{0FB1A7F6-0812-4A46-B0B3-17E31A6CF280}" type="datetimeFigureOut">
               <a:rPr lang="it-IT" smtClean="0"/>
-              <a:t>03/07/2021</a:t>
+              <a:t>04/07/2021</a:t>
             </a:fld>
             <a:endParaRPr lang="it-IT"/>
           </a:p>
@@ -6951,7 +6935,7 @@
           <a:p>
             <a:fld id="{0FB1A7F6-0812-4A46-B0B3-17E31A6CF280}" type="datetimeFigureOut">
               <a:rPr lang="it-IT" smtClean="0"/>
-              <a:t>03/07/2021</a:t>
+              <a:t>04/07/2021</a:t>
             </a:fld>
             <a:endParaRPr lang="it-IT"/>
           </a:p>
@@ -7402,7 +7386,7 @@
           <a:p>
             <a:fld id="{0FB1A7F6-0812-4A46-B0B3-17E31A6CF280}" type="datetimeFigureOut">
               <a:rPr lang="it-IT" smtClean="0"/>
-              <a:t>03/07/2021</a:t>
+              <a:t>04/07/2021</a:t>
             </a:fld>
             <a:endParaRPr lang="it-IT"/>
           </a:p>
@@ -7520,7 +7504,7 @@
           <a:p>
             <a:fld id="{0FB1A7F6-0812-4A46-B0B3-17E31A6CF280}" type="datetimeFigureOut">
               <a:rPr lang="it-IT" smtClean="0"/>
-              <a:t>03/07/2021</a:t>
+              <a:t>04/07/2021</a:t>
             </a:fld>
             <a:endParaRPr lang="it-IT"/>
           </a:p>
@@ -7615,7 +7599,7 @@
           <a:p>
             <a:fld id="{0FB1A7F6-0812-4A46-B0B3-17E31A6CF280}" type="datetimeFigureOut">
               <a:rPr lang="it-IT" smtClean="0"/>
-              <a:t>03/07/2021</a:t>
+              <a:t>04/07/2021</a:t>
             </a:fld>
             <a:endParaRPr lang="it-IT"/>
           </a:p>
@@ -7902,7 +7886,7 @@
           <a:p>
             <a:fld id="{0FB1A7F6-0812-4A46-B0B3-17E31A6CF280}" type="datetimeFigureOut">
               <a:rPr lang="it-IT" smtClean="0"/>
-              <a:t>03/07/2021</a:t>
+              <a:t>04/07/2021</a:t>
             </a:fld>
             <a:endParaRPr lang="it-IT"/>
           </a:p>
@@ -8224,7 +8208,7 @@
           <a:p>
             <a:fld id="{0FB1A7F6-0812-4A46-B0B3-17E31A6CF280}" type="datetimeFigureOut">
               <a:rPr lang="it-IT" smtClean="0"/>
-              <a:t>03/07/2021</a:t>
+              <a:t>04/07/2021</a:t>
             </a:fld>
             <a:endParaRPr lang="it-IT"/>
           </a:p>
@@ -8478,7 +8462,7 @@
           <a:p>
             <a:fld id="{0FB1A7F6-0812-4A46-B0B3-17E31A6CF280}" type="datetimeFigureOut">
               <a:rPr lang="it-IT" smtClean="0"/>
-              <a:t>03/07/2021</a:t>
+              <a:t>04/07/2021</a:t>
             </a:fld>
             <a:endParaRPr lang="it-IT"/>
           </a:p>
@@ -12602,7 +12586,7 @@
         </p:spPr>
         <p:txBody>
           <a:bodyPr>
-            <a:normAutofit/>
+            <a:normAutofit lnSpcReduction="10000"/>
           </a:bodyPr>
           <a:lstStyle/>
           <a:p>
@@ -13131,15 +13115,7 @@
             </a:r>
             <a:r>
               <a:rPr lang="it-IT" i="1" dirty="0"/>
-              <a:t>h1...</a:t>
-            </a:r>
-            <a:r>
-              <a:rPr lang="it-IT" i="1" dirty="0" err="1"/>
-              <a:t>hn</a:t>
-            </a:r>
-            <a:r>
-              <a:rPr lang="it-IT" i="1" dirty="0"/>
-              <a:t>  </a:t>
+              <a:t>h1...hm  </a:t>
             </a:r>
             <a:r>
               <a:rPr lang="it-IT" dirty="0"/>
@@ -13614,7 +13590,7 @@
         </p:spPr>
         <p:txBody>
           <a:bodyPr>
-            <a:normAutofit/>
+            <a:normAutofit lnSpcReduction="10000"/>
           </a:bodyPr>
           <a:lstStyle/>
           <a:p>
@@ -13684,10 +13660,18 @@
             </a:r>
             <a:r>
               <a:rPr lang="it-IT" sz="1300" dirty="0"/>
-              <a:t>. (Predicate </a:t>
+              <a:t>. (</a:t>
             </a:r>
             <a:r>
               <a:rPr lang="it-IT" sz="1300" dirty="0" err="1"/>
+              <a:t>namely</a:t>
+            </a:r>
+            <a:r>
+              <a:rPr lang="it-IT" sz="1300" dirty="0"/>
+              <a:t>, Predicate </a:t>
+            </a:r>
+            <a:r>
+              <a:rPr lang="it-IT" sz="1300" b="1" dirty="0" err="1"/>
               <a:t>next</a:t>
             </a:r>
             <a:r>
@@ -13713,7 +13697,7 @@
             </a:r>
             <a:r>
               <a:rPr lang="it-IT" sz="1300" dirty="0"/>
-              <a:t>((X,Y), (Z,K)) </a:t>
+              <a:t>((X1,Y1), (X2,Y2)) </a:t>
             </a:r>
             <a:r>
               <a:rPr lang="it-IT" sz="1300" dirty="0" err="1"/>
@@ -13766,31 +13750,32 @@
             </a:r>
             <a:r>
               <a:rPr lang="it-IT" sz="1300" dirty="0"/>
-              <a:t>» predicate, = predicate </a:t>
+              <a:t>» predicate, = </a:t>
             </a:r>
             <a:r>
               <a:rPr lang="it-IT" sz="1300" dirty="0" err="1"/>
-              <a:t>true</a:t>
+              <a:t>holds</a:t>
             </a:r>
             <a:r>
               <a:rPr lang="it-IT" sz="1300" dirty="0"/>
-              <a:t> for </a:t>
+              <a:t> for consecutive </a:t>
             </a:r>
             <a:r>
               <a:rPr lang="it-IT" sz="1300" dirty="0" err="1"/>
-              <a:t>adjacent</a:t>
+              <a:t>numbers</a:t>
             </a:r>
             <a:r>
               <a:rPr lang="it-IT" sz="1300" dirty="0"/>
-              <a:t> </a:t>
-            </a:r>
-            <a:r>
-              <a:rPr lang="it-IT" sz="1300" dirty="0" err="1"/>
-              <a:t>cells</a:t>
-            </a:r>
+              <a:t>. </a:t>
+            </a:r>
+          </a:p>
+          <a:p>
+            <a:pPr marL="274320" lvl="1" indent="0">
+              <a:buNone/>
+            </a:pPr>
             <a:r>
               <a:rPr lang="it-IT" sz="1300" dirty="0"/>
-              <a:t>. «</a:t>
+              <a:t>    «</a:t>
             </a:r>
             <a:r>
               <a:rPr lang="it-IT" sz="1300" dirty="0" err="1"/>
@@ -13798,11 +13783,11 @@
             </a:r>
             <a:r>
               <a:rPr lang="it-IT" sz="1300" dirty="0"/>
-              <a:t>» predicate,  = predicate </a:t>
+              <a:t>» predicate,  = </a:t>
             </a:r>
             <a:r>
               <a:rPr lang="it-IT" sz="1300" dirty="0" err="1"/>
-              <a:t>true</a:t>
+              <a:t>hold</a:t>
             </a:r>
             <a:r>
               <a:rPr lang="it-IT" sz="1300" dirty="0"/>
@@ -14886,7 +14871,7 @@
         </p:spPr>
         <p:txBody>
           <a:bodyPr>
-            <a:normAutofit lnSpcReduction="10000"/>
+            <a:normAutofit/>
           </a:bodyPr>
           <a:lstStyle/>
           <a:p>
@@ -14975,7 +14960,7 @@
               <a:t> (Predicate </a:t>
             </a:r>
             <a:r>
-              <a:rPr lang="it-IT" sz="1300" dirty="0" err="1"/>
+              <a:rPr lang="it-IT" sz="1300" b="1" dirty="0" err="1"/>
               <a:t>nextLegit</a:t>
             </a:r>
             <a:r>
@@ -15001,7 +14986,7 @@
             </a:r>
             <a:r>
               <a:rPr lang="it-IT" sz="1300" dirty="0"/>
-              <a:t>((X,Y), (Z,K)) </a:t>
+              <a:t>((X1,Y1), (X2,Y2)) </a:t>
             </a:r>
             <a:r>
               <a:rPr lang="it-IT" sz="1300" dirty="0" err="1"/>
@@ -15078,19 +15063,27 @@
             </a:r>
             <a:r>
               <a:rPr lang="it-IT" sz="1300" dirty="0"/>
-              <a:t>» predicate, = predicate </a:t>
+              <a:t>» and «</a:t>
             </a:r>
             <a:r>
               <a:rPr lang="it-IT" sz="1300" dirty="0" err="1"/>
-              <a:t>true</a:t>
+              <a:t>cell</a:t>
             </a:r>
             <a:r>
               <a:rPr lang="it-IT" sz="1300" dirty="0"/>
-              <a:t> for </a:t>
+              <a:t>» </a:t>
             </a:r>
             <a:r>
               <a:rPr lang="it-IT" sz="1300" dirty="0" err="1"/>
-              <a:t>adjacent</a:t>
+              <a:t>predicates</a:t>
+            </a:r>
+            <a:r>
+              <a:rPr lang="it-IT" sz="1300" dirty="0"/>
+              <a:t>, </a:t>
+            </a:r>
+            <a:r>
+              <a:rPr lang="it-IT" sz="1300" dirty="0" err="1"/>
+              <a:t>as</a:t>
             </a:r>
             <a:r>
               <a:rPr lang="it-IT" sz="1300" dirty="0"/>
@@ -15098,44 +15091,9 @@
             </a:r>
             <a:r>
               <a:rPr lang="it-IT" sz="1300" dirty="0" err="1"/>
-              <a:t>cells</a:t>
-            </a:r>
-            <a:r>
-              <a:rPr lang="it-IT" sz="1300" dirty="0"/>
-              <a:t>. «</a:t>
-            </a:r>
-            <a:r>
-              <a:rPr lang="it-IT" sz="1300" dirty="0" err="1"/>
-              <a:t>cell</a:t>
-            </a:r>
-            <a:r>
-              <a:rPr lang="it-IT" sz="1300" dirty="0"/>
-              <a:t>» predicate,  = predicate </a:t>
-            </a:r>
-            <a:r>
-              <a:rPr lang="it-IT" sz="1300" dirty="0" err="1"/>
-              <a:t>true</a:t>
-            </a:r>
-            <a:r>
-              <a:rPr lang="it-IT" sz="1300" dirty="0"/>
-              <a:t> for </a:t>
-            </a:r>
-            <a:r>
-              <a:rPr lang="it-IT" sz="1300" dirty="0" err="1"/>
-              <a:t>coordinates</a:t>
-            </a:r>
-            <a:r>
-              <a:rPr lang="it-IT" sz="1300" dirty="0"/>
-              <a:t> on the </a:t>
-            </a:r>
-            <a:r>
-              <a:rPr lang="it-IT" sz="1300" dirty="0" err="1"/>
-              <a:t>grid</a:t>
-            </a:r>
-            <a:r>
-              <a:rPr lang="it-IT" sz="1300" dirty="0"/>
-              <a:t>. </a:t>
-            </a:r>
+              <a:t>previously</a:t>
+            </a:r>
+            <a:endParaRPr lang="it-IT" sz="1300" dirty="0"/>
           </a:p>
           <a:p>
             <a:pPr marL="274320" lvl="1" indent="0">
@@ -15151,7 +15109,48 @@
             </a:r>
             <a:r>
               <a:rPr lang="it-IT" sz="1300" dirty="0"/>
-              <a:t>» predicate. «</a:t>
+              <a:t>» predicate: </a:t>
+            </a:r>
+            <a:r>
+              <a:rPr lang="it-IT" sz="1300" dirty="0" err="1"/>
+              <a:t>holds</a:t>
+            </a:r>
+            <a:r>
+              <a:rPr lang="it-IT" sz="1300" dirty="0"/>
+              <a:t> </a:t>
+            </a:r>
+            <a:r>
+              <a:rPr lang="it-IT" sz="1300" dirty="0" err="1"/>
+              <a:t>when</a:t>
+            </a:r>
+            <a:r>
+              <a:rPr lang="it-IT" sz="1300" dirty="0"/>
+              <a:t> </a:t>
+            </a:r>
+            <a:r>
+              <a:rPr lang="it-IT" sz="1300" dirty="0" err="1"/>
+              <a:t>obs</a:t>
+            </a:r>
+            <a:r>
+              <a:rPr lang="it-IT" sz="1300" dirty="0"/>
+              <a:t>. </a:t>
+            </a:r>
+            <a:r>
+              <a:rPr lang="it-IT" sz="1300" dirty="0" err="1"/>
+              <a:t>is</a:t>
+            </a:r>
+            <a:r>
+              <a:rPr lang="it-IT" sz="1300" dirty="0"/>
+              <a:t> on the coordinate.</a:t>
+            </a:r>
+          </a:p>
+          <a:p>
+            <a:pPr marL="274320" lvl="1" indent="0">
+              <a:buNone/>
+            </a:pPr>
+            <a:r>
+              <a:rPr lang="it-IT" sz="1300" dirty="0"/>
+              <a:t>    «</a:t>
             </a:r>
             <a:r>
               <a:rPr lang="it-IT" sz="1300" dirty="0" err="1"/>
